--- a/presentation/Moiseyenko_presentation.pptx
+++ b/presentation/Moiseyenko_presentation.pptx
@@ -2,7 +2,7 @@
 <file path=ppt/presentation.xml><?xml version="1.0" encoding="utf-8"?>
 <p:presentation xmlns:a="http://schemas.openxmlformats.org/drawingml/2006/main" xmlns:r="http://schemas.openxmlformats.org/officeDocument/2006/relationships" xmlns:p="http://schemas.openxmlformats.org/presentationml/2006/main" saveSubsetFonts="1" autoCompressPictures="0">
   <p:sldMasterIdLst>
-    <p:sldMasterId id="2147483648" r:id="rId1"/>
+    <p:sldMasterId id="2147483846" r:id="rId1"/>
   </p:sldMasterIdLst>
   <p:notesMasterIdLst>
     <p:notesMasterId r:id="rId23"/>
@@ -127,6 +127,11 @@
       </a:defRPr>
     </a:lvl9pPr>
   </p:defaultTextStyle>
+  <p:extLst>
+    <p:ext uri="{EFAFB233-063F-42B5-8137-9DF3F51BA10A}">
+      <p15:sldGuideLst xmlns:p15="http://schemas.microsoft.com/office/powerpoint/2012/main"/>
+    </p:ext>
+  </p:extLst>
 </p:presentation>
 </file>
 
@@ -545,6 +550,90 @@
           <a:p>
             <a:fld id="{61C6434D-2AFB-B841-8934-1729B9525398}" type="slidenum">
               <a:rPr lang="en-US" smtClean="0"/>
+              <a:t>6</a:t>
+            </a:fld>
+            <a:endParaRPr lang="en-US"/>
+          </a:p>
+        </p:txBody>
+      </p:sp>
+    </p:spTree>
+    <p:extLst>
+      <p:ext uri="{BB962C8B-B14F-4D97-AF65-F5344CB8AC3E}">
+        <p14:creationId xmlns:p14="http://schemas.microsoft.com/office/powerpoint/2010/main" val="1345088277"/>
+      </p:ext>
+    </p:extLst>
+  </p:cSld>
+  <p:clrMapOvr>
+    <a:masterClrMapping/>
+  </p:clrMapOvr>
+</p:notes>
+</file>
+
+<file path=ppt/notesSlides/notesSlide2.xml><?xml version="1.0" encoding="utf-8"?>
+<p:notes xmlns:a="http://schemas.openxmlformats.org/drawingml/2006/main" xmlns:r="http://schemas.openxmlformats.org/officeDocument/2006/relationships" xmlns:p="http://schemas.openxmlformats.org/presentationml/2006/main">
+  <p:cSld>
+    <p:spTree>
+      <p:nvGrpSpPr>
+        <p:cNvPr id="1" name=""/>
+        <p:cNvGrpSpPr/>
+        <p:nvPr/>
+      </p:nvGrpSpPr>
+      <p:grpSpPr>
+        <a:xfrm>
+          <a:off x="0" y="0"/>
+          <a:ext cx="0" cy="0"/>
+          <a:chOff x="0" y="0"/>
+          <a:chExt cx="0" cy="0"/>
+        </a:xfrm>
+      </p:grpSpPr>
+      <p:sp>
+        <p:nvSpPr>
+          <p:cNvPr id="2" name="Slide Image Placeholder 1"/>
+          <p:cNvSpPr>
+            <a:spLocks noGrp="1" noRot="1" noChangeAspect="1"/>
+          </p:cNvSpPr>
+          <p:nvPr>
+            <p:ph type="sldImg"/>
+          </p:nvPr>
+        </p:nvSpPr>
+        <p:spPr/>
+      </p:sp>
+      <p:sp>
+        <p:nvSpPr>
+          <p:cNvPr id="3" name="Notes Placeholder 2"/>
+          <p:cNvSpPr>
+            <a:spLocks noGrp="1"/>
+          </p:cNvSpPr>
+          <p:nvPr>
+            <p:ph type="body" idx="1"/>
+          </p:nvPr>
+        </p:nvSpPr>
+        <p:spPr/>
+        <p:txBody>
+          <a:bodyPr/>
+          <a:lstStyle/>
+          <a:p>
+            <a:endParaRPr lang="en-US" dirty="0"/>
+          </a:p>
+        </p:txBody>
+      </p:sp>
+      <p:sp>
+        <p:nvSpPr>
+          <p:cNvPr id="4" name="Slide Number Placeholder 3"/>
+          <p:cNvSpPr>
+            <a:spLocks noGrp="1"/>
+          </p:cNvSpPr>
+          <p:nvPr>
+            <p:ph type="sldNum" sz="quarter" idx="10"/>
+          </p:nvPr>
+        </p:nvSpPr>
+        <p:spPr/>
+        <p:txBody>
+          <a:bodyPr/>
+          <a:lstStyle/>
+          <a:p>
+            <a:fld id="{61C6434D-2AFB-B841-8934-1729B9525398}" type="slidenum">
+              <a:rPr lang="en-US" smtClean="0"/>
               <a:t>11</a:t>
             </a:fld>
             <a:endParaRPr lang="en-US"/>
@@ -567,6 +656,11 @@
 <file path=ppt/slideLayouts/slideLayout1.xml><?xml version="1.0" encoding="utf-8"?>
 <p:sldLayout xmlns:a="http://schemas.openxmlformats.org/drawingml/2006/main" xmlns:r="http://schemas.openxmlformats.org/officeDocument/2006/relationships" xmlns:p="http://schemas.openxmlformats.org/presentationml/2006/main" type="title" preserve="1">
   <p:cSld name="Title Slide">
+    <p:bg>
+      <p:bgRef idx="1001">
+        <a:schemeClr val="bg2"/>
+      </p:bgRef>
+    </p:bg>
     <p:spTree>
       <p:nvGrpSpPr>
         <p:cNvPr id="1" name=""/>
@@ -593,15 +687,24 @@
         </p:nvSpPr>
         <p:spPr>
           <a:xfrm>
-            <a:off x="1524000" y="1122363"/>
-            <a:ext cx="9144000" cy="2387600"/>
+            <a:off x="1261872" y="758952"/>
+            <a:ext cx="9418320" cy="4041648"/>
           </a:xfrm>
         </p:spPr>
         <p:txBody>
-          <a:bodyPr anchor="b"/>
+          <a:bodyPr anchor="b">
+            <a:normAutofit/>
+          </a:bodyPr>
           <a:lstStyle>
-            <a:lvl1pPr algn="ctr">
-              <a:defRPr sz="6000"/>
+            <a:lvl1pPr algn="l">
+              <a:lnSpc>
+                <a:spcPct val="85000"/>
+              </a:lnSpc>
+              <a:defRPr sz="7200" baseline="0">
+                <a:solidFill>
+                  <a:schemeClr val="tx1"/>
+                </a:solidFill>
+              </a:defRPr>
             </a:lvl1pPr>
           </a:lstStyle>
           <a:p>
@@ -609,7 +712,7 @@
               <a:rPr lang="en-US" smtClean="0"/>
               <a:t>Click to edit Master title style</a:t>
             </a:r>
-            <a:endParaRPr lang="en-US"/>
+            <a:endParaRPr lang="en-US" dirty="0"/>
           </a:p>
         </p:txBody>
       </p:sp>
@@ -625,48 +728,56 @@
         </p:nvSpPr>
         <p:spPr>
           <a:xfrm>
-            <a:off x="1524000" y="3602038"/>
-            <a:ext cx="9144000" cy="1655762"/>
+            <a:off x="1261872" y="4800600"/>
+            <a:ext cx="9418320" cy="1691640"/>
           </a:xfrm>
         </p:spPr>
         <p:txBody>
-          <a:bodyPr/>
+          <a:bodyPr>
+            <a:normAutofit/>
+          </a:bodyPr>
           <a:lstStyle>
-            <a:lvl1pPr marL="0" indent="0" algn="ctr">
+            <a:lvl1pPr marL="0" indent="0" algn="l">
               <a:buNone/>
-              <a:defRPr sz="2400"/>
+              <a:defRPr sz="2200" spc="30" baseline="0">
+                <a:solidFill>
+                  <a:schemeClr val="tx1">
+                    <a:lumMod val="75000"/>
+                  </a:schemeClr>
+                </a:solidFill>
+              </a:defRPr>
             </a:lvl1pPr>
             <a:lvl2pPr marL="457200" indent="0" algn="ctr">
               <a:buNone/>
-              <a:defRPr sz="2000"/>
+              <a:defRPr sz="2200"/>
             </a:lvl2pPr>
             <a:lvl3pPr marL="914400" indent="0" algn="ctr">
               <a:buNone/>
-              <a:defRPr sz="1800"/>
+              <a:defRPr sz="2200"/>
             </a:lvl3pPr>
             <a:lvl4pPr marL="1371600" indent="0" algn="ctr">
               <a:buNone/>
-              <a:defRPr sz="1600"/>
+              <a:defRPr sz="2000"/>
             </a:lvl4pPr>
             <a:lvl5pPr marL="1828800" indent="0" algn="ctr">
               <a:buNone/>
-              <a:defRPr sz="1600"/>
+              <a:defRPr sz="2000"/>
             </a:lvl5pPr>
             <a:lvl6pPr marL="2286000" indent="0" algn="ctr">
               <a:buNone/>
-              <a:defRPr sz="1600"/>
+              <a:defRPr sz="2000"/>
             </a:lvl6pPr>
             <a:lvl7pPr marL="2743200" indent="0" algn="ctr">
               <a:buNone/>
-              <a:defRPr sz="1600"/>
+              <a:defRPr sz="2000"/>
             </a:lvl7pPr>
             <a:lvl8pPr marL="3200400" indent="0" algn="ctr">
               <a:buNone/>
-              <a:defRPr sz="1600"/>
+              <a:defRPr sz="2000"/>
             </a:lvl8pPr>
             <a:lvl9pPr marL="3657600" indent="0" algn="ctr">
               <a:buNone/>
-              <a:defRPr sz="1600"/>
+              <a:defRPr sz="2000"/>
             </a:lvl9pPr>
           </a:lstStyle>
           <a:p>
@@ -674,13 +785,54 @@
               <a:rPr lang="en-US" smtClean="0"/>
               <a:t>Click to edit Master subtitle style</a:t>
             </a:r>
-            <a:endParaRPr lang="en-US"/>
+            <a:endParaRPr lang="en-US" dirty="0"/>
           </a:p>
         </p:txBody>
       </p:sp>
       <p:sp>
         <p:nvSpPr>
-          <p:cNvPr id="4" name="Date Placeholder 3"/>
+          <p:cNvPr id="7" name="Rectangle 6"/>
+          <p:cNvSpPr/>
+          <p:nvPr/>
+        </p:nvSpPr>
+        <p:spPr>
+          <a:xfrm>
+            <a:off x="0" y="0"/>
+            <a:ext cx="457200" cy="6858000"/>
+          </a:xfrm>
+          <a:prstGeom prst="rect">
+            <a:avLst/>
+          </a:prstGeom>
+          <a:solidFill>
+            <a:schemeClr val="bg2">
+              <a:lumMod val="60000"/>
+              <a:lumOff val="40000"/>
+            </a:schemeClr>
+          </a:solidFill>
+          <a:ln>
+            <a:noFill/>
+          </a:ln>
+        </p:spPr>
+        <p:style>
+          <a:lnRef idx="2">
+            <a:schemeClr val="accent1">
+              <a:shade val="50000"/>
+            </a:schemeClr>
+          </a:lnRef>
+          <a:fillRef idx="1">
+            <a:schemeClr val="accent1"/>
+          </a:fillRef>
+          <a:effectRef idx="0">
+            <a:schemeClr val="accent1"/>
+          </a:effectRef>
+          <a:fontRef idx="minor">
+            <a:schemeClr val="lt1"/>
+          </a:fontRef>
+        </p:style>
+      </p:sp>
+      <p:sp>
+        <p:nvSpPr>
+          <p:cNvPr id="8" name="Date Placeholder 7"/>
           <p:cNvSpPr>
             <a:spLocks noGrp="1"/>
           </p:cNvSpPr>
@@ -703,7 +855,7 @@
       </p:sp>
       <p:sp>
         <p:nvSpPr>
-          <p:cNvPr id="5" name="Footer Placeholder 4"/>
+          <p:cNvPr id="9" name="Footer Placeholder 8"/>
           <p:cNvSpPr>
             <a:spLocks noGrp="1"/>
           </p:cNvSpPr>
@@ -722,7 +874,7 @@
       </p:sp>
       <p:sp>
         <p:nvSpPr>
-          <p:cNvPr id="6" name="Slide Number Placeholder 5"/>
+          <p:cNvPr id="10" name="Slide Number Placeholder 9"/>
           <p:cNvSpPr>
             <a:spLocks noGrp="1"/>
           </p:cNvSpPr>
@@ -744,15 +896,15 @@
         </p:txBody>
       </p:sp>
     </p:spTree>
-    <p:extLst>
-      <p:ext uri="{BB962C8B-B14F-4D97-AF65-F5344CB8AC3E}">
-        <p14:creationId xmlns:p14="http://schemas.microsoft.com/office/powerpoint/2010/main" val="1484142726"/>
-      </p:ext>
-    </p:extLst>
   </p:cSld>
   <p:clrMapOvr>
-    <a:masterClrMapping/>
+    <a:overrideClrMapping bg1="dk1" tx1="lt1" bg2="dk2" tx2="lt2" accent1="accent1" accent2="accent2" accent3="accent3" accent4="accent4" accent5="accent5" accent6="accent6" hlink="hlink" folHlink="folHlink"/>
   </p:clrMapOvr>
+  <p:extLst>
+    <p:ext uri="{DCECCB84-F9BA-43D5-87BE-67443E8EF086}">
+      <p15:sldGuideLst xmlns:p15="http://schemas.microsoft.com/office/powerpoint/2012/main"/>
+    </p:ext>
+  </p:extLst>
 </p:sldLayout>
 </file>
 
@@ -792,7 +944,7 @@
               <a:rPr lang="en-US" smtClean="0"/>
               <a:t>Click to edit Master title style</a:t>
             </a:r>
-            <a:endParaRPr lang="en-US"/>
+            <a:endParaRPr lang="en-US" dirty="0"/>
           </a:p>
         </p:txBody>
       </p:sp>
@@ -844,7 +996,7 @@
               <a:rPr lang="en-US" smtClean="0"/>
               <a:t>Fifth level</a:t>
             </a:r>
-            <a:endParaRPr lang="en-US"/>
+            <a:endParaRPr lang="en-US" dirty="0"/>
           </a:p>
         </p:txBody>
       </p:sp>
@@ -913,12 +1065,48 @@
           </a:p>
         </p:txBody>
       </p:sp>
+      <p:sp>
+        <p:nvSpPr>
+          <p:cNvPr id="7" name="Rectangle 6"/>
+          <p:cNvSpPr/>
+          <p:nvPr/>
+        </p:nvSpPr>
+        <p:spPr>
+          <a:xfrm>
+            <a:off x="0" y="0"/>
+            <a:ext cx="457200" cy="6858000"/>
+          </a:xfrm>
+          <a:prstGeom prst="rect">
+            <a:avLst/>
+          </a:prstGeom>
+          <a:solidFill>
+            <a:schemeClr val="tx2">
+              <a:lumMod val="60000"/>
+              <a:lumOff val="40000"/>
+            </a:schemeClr>
+          </a:solidFill>
+          <a:ln>
+            <a:noFill/>
+          </a:ln>
+        </p:spPr>
+        <p:style>
+          <a:lnRef idx="2">
+            <a:schemeClr val="accent1">
+              <a:shade val="50000"/>
+            </a:schemeClr>
+          </a:lnRef>
+          <a:fillRef idx="1">
+            <a:schemeClr val="accent1"/>
+          </a:fillRef>
+          <a:effectRef idx="0">
+            <a:schemeClr val="accent1"/>
+          </a:effectRef>
+          <a:fontRef idx="minor">
+            <a:schemeClr val="lt1"/>
+          </a:fontRef>
+        </p:style>
+      </p:sp>
     </p:spTree>
-    <p:extLst>
-      <p:ext uri="{BB962C8B-B14F-4D97-AF65-F5344CB8AC3E}">
-        <p14:creationId xmlns:p14="http://schemas.microsoft.com/office/powerpoint/2010/main" val="1117447205"/>
-      </p:ext>
-    </p:extLst>
   </p:cSld>
   <p:clrMapOvr>
     <a:masterClrMapping/>
@@ -955,8 +1143,8 @@
         </p:nvSpPr>
         <p:spPr>
           <a:xfrm>
-            <a:off x="8724900" y="365125"/>
-            <a:ext cx="2628900" cy="5811838"/>
+            <a:off x="8648700" y="381000"/>
+            <a:ext cx="2476500" cy="5897562"/>
           </a:xfrm>
         </p:spPr>
         <p:txBody>
@@ -967,7 +1155,7 @@
               <a:rPr lang="en-US" smtClean="0"/>
               <a:t>Click to edit Master title style</a:t>
             </a:r>
-            <a:endParaRPr lang="en-US"/>
+            <a:endParaRPr lang="en-US" dirty="0"/>
           </a:p>
         </p:txBody>
       </p:sp>
@@ -983,8 +1171,8 @@
         </p:nvSpPr>
         <p:spPr>
           <a:xfrm>
-            <a:off x="838200" y="365125"/>
-            <a:ext cx="7734300" cy="5811838"/>
+            <a:off x="762000" y="381000"/>
+            <a:ext cx="7734300" cy="5897562"/>
           </a:xfrm>
         </p:spPr>
         <p:txBody>
@@ -1024,7 +1212,7 @@
               <a:rPr lang="en-US" smtClean="0"/>
               <a:t>Fifth level</a:t>
             </a:r>
-            <a:endParaRPr lang="en-US"/>
+            <a:endParaRPr lang="en-US" dirty="0"/>
           </a:p>
         </p:txBody>
       </p:sp>
@@ -1093,16 +1281,57 @@
           </a:p>
         </p:txBody>
       </p:sp>
+      <p:sp>
+        <p:nvSpPr>
+          <p:cNvPr id="7" name="Rectangle 6"/>
+          <p:cNvSpPr/>
+          <p:nvPr/>
+        </p:nvSpPr>
+        <p:spPr>
+          <a:xfrm>
+            <a:off x="0" y="0"/>
+            <a:ext cx="457200" cy="6858000"/>
+          </a:xfrm>
+          <a:prstGeom prst="rect">
+            <a:avLst/>
+          </a:prstGeom>
+          <a:solidFill>
+            <a:schemeClr val="tx2">
+              <a:lumMod val="60000"/>
+              <a:lumOff val="40000"/>
+            </a:schemeClr>
+          </a:solidFill>
+          <a:ln>
+            <a:noFill/>
+          </a:ln>
+        </p:spPr>
+        <p:style>
+          <a:lnRef idx="2">
+            <a:schemeClr val="accent1">
+              <a:shade val="50000"/>
+            </a:schemeClr>
+          </a:lnRef>
+          <a:fillRef idx="1">
+            <a:schemeClr val="accent1"/>
+          </a:fillRef>
+          <a:effectRef idx="0">
+            <a:schemeClr val="accent1"/>
+          </a:effectRef>
+          <a:fontRef idx="minor">
+            <a:schemeClr val="lt1"/>
+          </a:fontRef>
+        </p:style>
+      </p:sp>
     </p:spTree>
-    <p:extLst>
-      <p:ext uri="{BB962C8B-B14F-4D97-AF65-F5344CB8AC3E}">
-        <p14:creationId xmlns:p14="http://schemas.microsoft.com/office/powerpoint/2010/main" val="1190681420"/>
-      </p:ext>
-    </p:extLst>
   </p:cSld>
   <p:clrMapOvr>
     <a:masterClrMapping/>
   </p:clrMapOvr>
+  <p:extLst>
+    <p:ext uri="{DCECCB84-F9BA-43D5-87BE-67443E8EF086}">
+      <p15:sldGuideLst xmlns:p15="http://schemas.microsoft.com/office/powerpoint/2012/main"/>
+    </p:ext>
+  </p:extLst>
 </p:sldLayout>
 </file>
 
@@ -1142,7 +1371,7 @@
               <a:rPr lang="en-US" smtClean="0"/>
               <a:t>Click to edit Master title style</a:t>
             </a:r>
-            <a:endParaRPr lang="en-US"/>
+            <a:endParaRPr lang="en-US" dirty="0"/>
           </a:p>
         </p:txBody>
       </p:sp>
@@ -1194,7 +1423,7 @@
               <a:rPr lang="en-US" smtClean="0"/>
               <a:t>Fifth level</a:t>
             </a:r>
-            <a:endParaRPr lang="en-US"/>
+            <a:endParaRPr lang="en-US" dirty="0"/>
           </a:p>
         </p:txBody>
       </p:sp>
@@ -1263,12 +1492,48 @@
           </a:p>
         </p:txBody>
       </p:sp>
+      <p:sp>
+        <p:nvSpPr>
+          <p:cNvPr id="8" name="Rectangle 7"/>
+          <p:cNvSpPr/>
+          <p:nvPr/>
+        </p:nvSpPr>
+        <p:spPr>
+          <a:xfrm>
+            <a:off x="0" y="0"/>
+            <a:ext cx="457200" cy="6858000"/>
+          </a:xfrm>
+          <a:prstGeom prst="rect">
+            <a:avLst/>
+          </a:prstGeom>
+          <a:solidFill>
+            <a:schemeClr val="tx2">
+              <a:lumMod val="60000"/>
+              <a:lumOff val="40000"/>
+            </a:schemeClr>
+          </a:solidFill>
+          <a:ln>
+            <a:noFill/>
+          </a:ln>
+        </p:spPr>
+        <p:style>
+          <a:lnRef idx="2">
+            <a:schemeClr val="accent1">
+              <a:shade val="50000"/>
+            </a:schemeClr>
+          </a:lnRef>
+          <a:fillRef idx="1">
+            <a:schemeClr val="accent1"/>
+          </a:fillRef>
+          <a:effectRef idx="0">
+            <a:schemeClr val="accent1"/>
+          </a:effectRef>
+          <a:fontRef idx="minor">
+            <a:schemeClr val="lt1"/>
+          </a:fontRef>
+        </p:style>
+      </p:sp>
     </p:spTree>
-    <p:extLst>
-      <p:ext uri="{BB962C8B-B14F-4D97-AF65-F5344CB8AC3E}">
-        <p14:creationId xmlns:p14="http://schemas.microsoft.com/office/powerpoint/2010/main" val="964235977"/>
-      </p:ext>
-    </p:extLst>
   </p:cSld>
   <p:clrMapOvr>
     <a:masterClrMapping/>
@@ -1305,15 +1570,20 @@
         </p:nvSpPr>
         <p:spPr>
           <a:xfrm>
-            <a:off x="831850" y="1709738"/>
-            <a:ext cx="10515600" cy="2852737"/>
+            <a:off x="1261872" y="758952"/>
+            <a:ext cx="9418320" cy="4041648"/>
           </a:xfrm>
         </p:spPr>
         <p:txBody>
-          <a:bodyPr anchor="b"/>
+          <a:bodyPr anchor="b">
+            <a:normAutofit/>
+          </a:bodyPr>
           <a:lstStyle>
             <a:lvl1pPr>
-              <a:defRPr sz="6000"/>
+              <a:lnSpc>
+                <a:spcPct val="85000"/>
+              </a:lnSpc>
+              <a:defRPr sz="7200" b="1"/>
             </a:lvl1pPr>
           </a:lstStyle>
           <a:p>
@@ -1321,7 +1591,7 @@
               <a:rPr lang="en-US" smtClean="0"/>
               <a:t>Click to edit Master title style</a:t>
             </a:r>
-            <a:endParaRPr lang="en-US"/>
+            <a:endParaRPr lang="en-US" dirty="0"/>
           </a:p>
         </p:txBody>
       </p:sp>
@@ -1337,26 +1607,29 @@
         </p:nvSpPr>
         <p:spPr>
           <a:xfrm>
-            <a:off x="831850" y="4589463"/>
-            <a:ext cx="10515600" cy="1500187"/>
+            <a:off x="1261872" y="4800600"/>
+            <a:ext cx="9418320" cy="1691640"/>
           </a:xfrm>
         </p:spPr>
         <p:txBody>
-          <a:bodyPr/>
+          <a:bodyPr anchor="t">
+            <a:normAutofit/>
+          </a:bodyPr>
           <a:lstStyle>
             <a:lvl1pPr marL="0" indent="0">
               <a:buNone/>
-              <a:defRPr sz="2400">
+              <a:defRPr sz="2200" spc="30" baseline="0">
                 <a:solidFill>
                   <a:schemeClr val="tx1">
-                    <a:tint val="75000"/>
+                    <a:lumMod val="50000"/>
+                    <a:lumOff val="50000"/>
                   </a:schemeClr>
                 </a:solidFill>
               </a:defRPr>
             </a:lvl1pPr>
             <a:lvl2pPr marL="457200" indent="0">
               <a:buNone/>
-              <a:defRPr sz="2000">
+              <a:defRPr sz="1800">
                 <a:solidFill>
                   <a:schemeClr val="tx1">
                     <a:tint val="75000"/>
@@ -1366,7 +1639,7 @@
             </a:lvl2pPr>
             <a:lvl3pPr marL="914400" indent="0">
               <a:buNone/>
-              <a:defRPr sz="1800">
+              <a:defRPr sz="1600">
                 <a:solidFill>
                   <a:schemeClr val="tx1">
                     <a:tint val="75000"/>
@@ -1376,7 +1649,7 @@
             </a:lvl3pPr>
             <a:lvl4pPr marL="1371600" indent="0">
               <a:buNone/>
-              <a:defRPr sz="1600">
+              <a:defRPr sz="1400">
                 <a:solidFill>
                   <a:schemeClr val="tx1">
                     <a:tint val="75000"/>
@@ -1386,7 +1659,7 @@
             </a:lvl4pPr>
             <a:lvl5pPr marL="1828800" indent="0">
               <a:buNone/>
-              <a:defRPr sz="1600">
+              <a:defRPr sz="1400">
                 <a:solidFill>
                   <a:schemeClr val="tx1">
                     <a:tint val="75000"/>
@@ -1396,7 +1669,7 @@
             </a:lvl5pPr>
             <a:lvl6pPr marL="2286000" indent="0">
               <a:buNone/>
-              <a:defRPr sz="1600">
+              <a:defRPr sz="1400">
                 <a:solidFill>
                   <a:schemeClr val="tx1">
                     <a:tint val="75000"/>
@@ -1406,7 +1679,7 @@
             </a:lvl6pPr>
             <a:lvl7pPr marL="2743200" indent="0">
               <a:buNone/>
-              <a:defRPr sz="1600">
+              <a:defRPr sz="1400">
                 <a:solidFill>
                   <a:schemeClr val="tx1">
                     <a:tint val="75000"/>
@@ -1416,7 +1689,7 @@
             </a:lvl7pPr>
             <a:lvl8pPr marL="3200400" indent="0">
               <a:buNone/>
-              <a:defRPr sz="1600">
+              <a:defRPr sz="1400">
                 <a:solidFill>
                   <a:schemeClr val="tx1">
                     <a:tint val="75000"/>
@@ -1426,7 +1699,7 @@
             </a:lvl8pPr>
             <a:lvl9pPr marL="3657600" indent="0">
               <a:buNone/>
-              <a:defRPr sz="1600">
+              <a:defRPr sz="1400">
                 <a:solidFill>
                   <a:schemeClr val="tx1">
                     <a:tint val="75000"/>
@@ -1509,16 +1782,57 @@
           </a:p>
         </p:txBody>
       </p:sp>
+      <p:sp>
+        <p:nvSpPr>
+          <p:cNvPr id="8" name="Rectangle 7"/>
+          <p:cNvSpPr/>
+          <p:nvPr/>
+        </p:nvSpPr>
+        <p:spPr>
+          <a:xfrm>
+            <a:off x="0" y="0"/>
+            <a:ext cx="457200" cy="6858000"/>
+          </a:xfrm>
+          <a:prstGeom prst="rect">
+            <a:avLst/>
+          </a:prstGeom>
+          <a:solidFill>
+            <a:schemeClr val="tx2">
+              <a:lumMod val="60000"/>
+              <a:lumOff val="40000"/>
+            </a:schemeClr>
+          </a:solidFill>
+          <a:ln>
+            <a:noFill/>
+          </a:ln>
+        </p:spPr>
+        <p:style>
+          <a:lnRef idx="2">
+            <a:schemeClr val="accent1">
+              <a:shade val="50000"/>
+            </a:schemeClr>
+          </a:lnRef>
+          <a:fillRef idx="1">
+            <a:schemeClr val="accent1"/>
+          </a:fillRef>
+          <a:effectRef idx="0">
+            <a:schemeClr val="accent1"/>
+          </a:effectRef>
+          <a:fontRef idx="minor">
+            <a:schemeClr val="lt1"/>
+          </a:fontRef>
+        </p:style>
+      </p:sp>
     </p:spTree>
-    <p:extLst>
-      <p:ext uri="{BB962C8B-B14F-4D97-AF65-F5344CB8AC3E}">
-        <p14:creationId xmlns:p14="http://schemas.microsoft.com/office/powerpoint/2010/main" val="1002465177"/>
-      </p:ext>
-    </p:extLst>
   </p:cSld>
   <p:clrMapOvr>
     <a:masterClrMapping/>
   </p:clrMapOvr>
+  <p:extLst>
+    <p:ext uri="{DCECCB84-F9BA-43D5-87BE-67443E8EF086}">
+      <p15:sldGuideLst xmlns:p15="http://schemas.microsoft.com/office/powerpoint/2012/main"/>
+    </p:ext>
+  </p:extLst>
 </p:sldLayout>
 </file>
 
@@ -1558,7 +1872,7 @@
               <a:rPr lang="en-US" smtClean="0"/>
               <a:t>Click to edit Master title style</a:t>
             </a:r>
-            <a:endParaRPr lang="en-US"/>
+            <a:endParaRPr lang="en-US" dirty="0"/>
           </a:p>
         </p:txBody>
       </p:sp>
@@ -1574,13 +1888,41 @@
         </p:nvSpPr>
         <p:spPr>
           <a:xfrm>
-            <a:off x="838200" y="1825625"/>
-            <a:ext cx="5181600" cy="4351338"/>
+            <a:off x="1261872" y="1828800"/>
+            <a:ext cx="4480560" cy="4351337"/>
           </a:xfrm>
         </p:spPr>
         <p:txBody>
           <a:bodyPr/>
-          <a:lstStyle/>
+          <a:lstStyle>
+            <a:lvl1pPr>
+              <a:defRPr sz="2000"/>
+            </a:lvl1pPr>
+            <a:lvl2pPr>
+              <a:defRPr sz="1800"/>
+            </a:lvl2pPr>
+            <a:lvl3pPr>
+              <a:defRPr sz="1600"/>
+            </a:lvl3pPr>
+            <a:lvl4pPr>
+              <a:defRPr sz="1400"/>
+            </a:lvl4pPr>
+            <a:lvl5pPr>
+              <a:defRPr sz="1400"/>
+            </a:lvl5pPr>
+            <a:lvl6pPr>
+              <a:defRPr sz="1400"/>
+            </a:lvl6pPr>
+            <a:lvl7pPr>
+              <a:defRPr sz="1400"/>
+            </a:lvl7pPr>
+            <a:lvl8pPr>
+              <a:defRPr sz="1400"/>
+            </a:lvl8pPr>
+            <a:lvl9pPr>
+              <a:defRPr sz="1400"/>
+            </a:lvl9pPr>
+          </a:lstStyle>
           <a:p>
             <a:pPr lvl="0"/>
             <a:r>
@@ -1615,7 +1957,7 @@
               <a:rPr lang="en-US" smtClean="0"/>
               <a:t>Fifth level</a:t>
             </a:r>
-            <a:endParaRPr lang="en-US"/>
+            <a:endParaRPr lang="en-US" dirty="0"/>
           </a:p>
         </p:txBody>
       </p:sp>
@@ -1631,13 +1973,41 @@
         </p:nvSpPr>
         <p:spPr>
           <a:xfrm>
-            <a:off x="6172200" y="1825625"/>
-            <a:ext cx="5181600" cy="4351338"/>
+            <a:off x="6126480" y="1828800"/>
+            <a:ext cx="4480560" cy="4351337"/>
           </a:xfrm>
         </p:spPr>
         <p:txBody>
           <a:bodyPr/>
-          <a:lstStyle/>
+          <a:lstStyle>
+            <a:lvl1pPr>
+              <a:defRPr sz="2000"/>
+            </a:lvl1pPr>
+            <a:lvl2pPr>
+              <a:defRPr sz="1800"/>
+            </a:lvl2pPr>
+            <a:lvl3pPr>
+              <a:defRPr sz="1600"/>
+            </a:lvl3pPr>
+            <a:lvl4pPr>
+              <a:defRPr sz="1400"/>
+            </a:lvl4pPr>
+            <a:lvl5pPr>
+              <a:defRPr sz="1400"/>
+            </a:lvl5pPr>
+            <a:lvl6pPr>
+              <a:defRPr sz="1400"/>
+            </a:lvl6pPr>
+            <a:lvl7pPr>
+              <a:defRPr sz="1400"/>
+            </a:lvl7pPr>
+            <a:lvl8pPr>
+              <a:defRPr sz="1400"/>
+            </a:lvl8pPr>
+            <a:lvl9pPr>
+              <a:defRPr sz="1400"/>
+            </a:lvl9pPr>
+          </a:lstStyle>
           <a:p>
             <a:pPr lvl="0"/>
             <a:r>
@@ -1672,7 +2042,7 @@
               <a:rPr lang="en-US" smtClean="0"/>
               <a:t>Fifth level</a:t>
             </a:r>
-            <a:endParaRPr lang="en-US"/>
+            <a:endParaRPr lang="en-US" dirty="0"/>
           </a:p>
         </p:txBody>
       </p:sp>
@@ -1741,12 +2111,48 @@
           </a:p>
         </p:txBody>
       </p:sp>
+      <p:sp>
+        <p:nvSpPr>
+          <p:cNvPr id="8" name="Rectangle 7"/>
+          <p:cNvSpPr/>
+          <p:nvPr/>
+        </p:nvSpPr>
+        <p:spPr>
+          <a:xfrm>
+            <a:off x="0" y="0"/>
+            <a:ext cx="457200" cy="6858000"/>
+          </a:xfrm>
+          <a:prstGeom prst="rect">
+            <a:avLst/>
+          </a:prstGeom>
+          <a:solidFill>
+            <a:schemeClr val="tx2">
+              <a:lumMod val="60000"/>
+              <a:lumOff val="40000"/>
+            </a:schemeClr>
+          </a:solidFill>
+          <a:ln>
+            <a:noFill/>
+          </a:ln>
+        </p:spPr>
+        <p:style>
+          <a:lnRef idx="2">
+            <a:schemeClr val="accent1">
+              <a:shade val="50000"/>
+            </a:schemeClr>
+          </a:lnRef>
+          <a:fillRef idx="1">
+            <a:schemeClr val="accent1"/>
+          </a:fillRef>
+          <a:effectRef idx="0">
+            <a:schemeClr val="accent1"/>
+          </a:effectRef>
+          <a:fontRef idx="minor">
+            <a:schemeClr val="lt1"/>
+          </a:fontRef>
+        </p:style>
+      </p:sp>
     </p:spTree>
-    <p:extLst>
-      <p:ext uri="{BB962C8B-B14F-4D97-AF65-F5344CB8AC3E}">
-        <p14:creationId xmlns:p14="http://schemas.microsoft.com/office/powerpoint/2010/main" val="1423019124"/>
-      </p:ext>
-    </p:extLst>
   </p:cSld>
   <p:clrMapOvr>
     <a:masterClrMapping/>
@@ -1773,7 +2179,7 @@
       </p:grpSpPr>
       <p:sp>
         <p:nvSpPr>
-          <p:cNvPr id="2" name="Title 1"/>
+          <p:cNvPr id="10" name="Title 9"/>
           <p:cNvSpPr>
             <a:spLocks noGrp="1"/>
           </p:cNvSpPr>
@@ -1781,12 +2187,7 @@
             <p:ph type="title"/>
           </p:nvPr>
         </p:nvSpPr>
-        <p:spPr>
-          <a:xfrm>
-            <a:off x="839788" y="365125"/>
-            <a:ext cx="10515600" cy="1325563"/>
-          </a:xfrm>
-        </p:spPr>
+        <p:spPr/>
         <p:txBody>
           <a:bodyPr/>
           <a:lstStyle/>
@@ -1795,7 +2196,7 @@
               <a:rPr lang="en-US" smtClean="0"/>
               <a:t>Click to edit Master title style</a:t>
             </a:r>
-            <a:endParaRPr lang="en-US"/>
+            <a:endParaRPr lang="en-US" dirty="0"/>
           </a:p>
         </p:txBody>
       </p:sp>
@@ -1811,16 +2212,25 @@
         </p:nvSpPr>
         <p:spPr>
           <a:xfrm>
-            <a:off x="839788" y="1681163"/>
-            <a:ext cx="5157787" cy="823912"/>
+            <a:off x="1261872" y="1713655"/>
+            <a:ext cx="4480560" cy="731520"/>
           </a:xfrm>
         </p:spPr>
         <p:txBody>
-          <a:bodyPr anchor="b"/>
+          <a:bodyPr anchor="b">
+            <a:normAutofit/>
+          </a:bodyPr>
           <a:lstStyle>
             <a:lvl1pPr marL="0" indent="0">
+              <a:spcBef>
+                <a:spcPts val="0"/>
+              </a:spcBef>
               <a:buNone/>
-              <a:defRPr sz="2400" b="1"/>
+              <a:defRPr sz="2000" b="0">
+                <a:solidFill>
+                  <a:schemeClr val="tx2"/>
+                </a:solidFill>
+              </a:defRPr>
             </a:lvl1pPr>
             <a:lvl2pPr marL="457200" indent="0">
               <a:buNone/>
@@ -1876,13 +2286,41 @@
         </p:nvSpPr>
         <p:spPr>
           <a:xfrm>
-            <a:off x="839788" y="2505075"/>
-            <a:ext cx="5157787" cy="3684588"/>
+            <a:off x="1261872" y="2507550"/>
+            <a:ext cx="4480560" cy="3664650"/>
           </a:xfrm>
         </p:spPr>
         <p:txBody>
           <a:bodyPr/>
-          <a:lstStyle/>
+          <a:lstStyle>
+            <a:lvl1pPr>
+              <a:defRPr sz="1800"/>
+            </a:lvl1pPr>
+            <a:lvl2pPr>
+              <a:defRPr sz="1600"/>
+            </a:lvl2pPr>
+            <a:lvl3pPr>
+              <a:defRPr sz="1400"/>
+            </a:lvl3pPr>
+            <a:lvl4pPr>
+              <a:defRPr sz="1400"/>
+            </a:lvl4pPr>
+            <a:lvl5pPr>
+              <a:defRPr sz="1400"/>
+            </a:lvl5pPr>
+            <a:lvl6pPr>
+              <a:defRPr sz="1400"/>
+            </a:lvl6pPr>
+            <a:lvl7pPr>
+              <a:defRPr sz="1400"/>
+            </a:lvl7pPr>
+            <a:lvl8pPr>
+              <a:defRPr sz="1400"/>
+            </a:lvl8pPr>
+            <a:lvl9pPr>
+              <a:defRPr sz="1400"/>
+            </a:lvl9pPr>
+          </a:lstStyle>
           <a:p>
             <a:pPr lvl="0"/>
             <a:r>
@@ -1917,7 +2355,7 @@
               <a:rPr lang="en-US" smtClean="0"/>
               <a:t>Fifth level</a:t>
             </a:r>
-            <a:endParaRPr lang="en-US"/>
+            <a:endParaRPr lang="en-US" dirty="0"/>
           </a:p>
         </p:txBody>
       </p:sp>
@@ -1933,16 +2371,31 @@
         </p:nvSpPr>
         <p:spPr>
           <a:xfrm>
-            <a:off x="6172200" y="1681163"/>
-            <a:ext cx="5183188" cy="823912"/>
+            <a:off x="6126480" y="1713655"/>
+            <a:ext cx="4480560" cy="731520"/>
           </a:xfrm>
         </p:spPr>
         <p:txBody>
-          <a:bodyPr anchor="b"/>
+          <a:bodyPr anchor="b">
+            <a:normAutofit/>
+          </a:bodyPr>
           <a:lstStyle>
             <a:lvl1pPr marL="0" indent="0">
+              <a:lnSpc>
+                <a:spcPct val="95000"/>
+              </a:lnSpc>
+              <a:spcBef>
+                <a:spcPts val="0"/>
+              </a:spcBef>
               <a:buNone/>
-              <a:defRPr sz="2400" b="1"/>
+              <a:defRPr lang="en-US" sz="2000" b="0" kern="1200" dirty="0">
+                <a:solidFill>
+                  <a:schemeClr val="tx2"/>
+                </a:solidFill>
+                <a:latin typeface="+mn-lt"/>
+                <a:ea typeface="+mn-ea"/>
+                <a:cs typeface="+mn-cs"/>
+              </a:defRPr>
             </a:lvl1pPr>
             <a:lvl2pPr marL="457200" indent="0">
               <a:buNone/>
@@ -1978,7 +2431,16 @@
             </a:lvl9pPr>
           </a:lstStyle>
           <a:p>
-            <a:pPr lvl="0"/>
+            <a:pPr marL="0" lvl="0" indent="0" algn="l" defTabSz="914400" rtl="0" eaLnBrk="1" latinLnBrk="0" hangingPunct="1">
+              <a:lnSpc>
+                <a:spcPct val="90000"/>
+              </a:lnSpc>
+              <a:spcBef>
+                <a:spcPts val="2000"/>
+              </a:spcBef>
+              <a:buFontTx/>
+              <a:buNone/>
+            </a:pPr>
             <a:r>
               <a:rPr lang="en-US" smtClean="0"/>
               <a:t>Click to edit Master text styles</a:t>
@@ -1998,13 +2460,41 @@
         </p:nvSpPr>
         <p:spPr>
           <a:xfrm>
-            <a:off x="6172200" y="2505075"/>
-            <a:ext cx="5183188" cy="3684588"/>
+            <a:off x="6126480" y="2507550"/>
+            <a:ext cx="4480560" cy="3664650"/>
           </a:xfrm>
         </p:spPr>
         <p:txBody>
           <a:bodyPr/>
-          <a:lstStyle/>
+          <a:lstStyle>
+            <a:lvl1pPr>
+              <a:defRPr sz="1800"/>
+            </a:lvl1pPr>
+            <a:lvl2pPr>
+              <a:defRPr sz="1600"/>
+            </a:lvl2pPr>
+            <a:lvl3pPr>
+              <a:defRPr sz="1400"/>
+            </a:lvl3pPr>
+            <a:lvl4pPr>
+              <a:defRPr sz="1400"/>
+            </a:lvl4pPr>
+            <a:lvl5pPr>
+              <a:defRPr sz="1400"/>
+            </a:lvl5pPr>
+            <a:lvl6pPr>
+              <a:defRPr sz="1400"/>
+            </a:lvl6pPr>
+            <a:lvl7pPr>
+              <a:defRPr sz="1400"/>
+            </a:lvl7pPr>
+            <a:lvl8pPr>
+              <a:defRPr sz="1400"/>
+            </a:lvl8pPr>
+            <a:lvl9pPr>
+              <a:defRPr sz="1400"/>
+            </a:lvl9pPr>
+          </a:lstStyle>
           <a:p>
             <a:pPr lvl="0"/>
             <a:r>
@@ -2039,7 +2529,7 @@
               <a:rPr lang="en-US" smtClean="0"/>
               <a:t>Fifth level</a:t>
             </a:r>
-            <a:endParaRPr lang="en-US"/>
+            <a:endParaRPr lang="en-US" dirty="0"/>
           </a:p>
         </p:txBody>
       </p:sp>
@@ -2108,12 +2598,48 @@
           </a:p>
         </p:txBody>
       </p:sp>
+      <p:sp>
+        <p:nvSpPr>
+          <p:cNvPr id="11" name="Rectangle 10"/>
+          <p:cNvSpPr/>
+          <p:nvPr/>
+        </p:nvSpPr>
+        <p:spPr>
+          <a:xfrm>
+            <a:off x="0" y="0"/>
+            <a:ext cx="457200" cy="6858000"/>
+          </a:xfrm>
+          <a:prstGeom prst="rect">
+            <a:avLst/>
+          </a:prstGeom>
+          <a:solidFill>
+            <a:schemeClr val="tx2">
+              <a:lumMod val="60000"/>
+              <a:lumOff val="40000"/>
+            </a:schemeClr>
+          </a:solidFill>
+          <a:ln>
+            <a:noFill/>
+          </a:ln>
+        </p:spPr>
+        <p:style>
+          <a:lnRef idx="2">
+            <a:schemeClr val="accent1">
+              <a:shade val="50000"/>
+            </a:schemeClr>
+          </a:lnRef>
+          <a:fillRef idx="1">
+            <a:schemeClr val="accent1"/>
+          </a:fillRef>
+          <a:effectRef idx="0">
+            <a:schemeClr val="accent1"/>
+          </a:effectRef>
+          <a:fontRef idx="minor">
+            <a:schemeClr val="lt1"/>
+          </a:fontRef>
+        </p:style>
+      </p:sp>
     </p:spTree>
-    <p:extLst>
-      <p:ext uri="{BB962C8B-B14F-4D97-AF65-F5344CB8AC3E}">
-        <p14:creationId xmlns:p14="http://schemas.microsoft.com/office/powerpoint/2010/main" val="157040429"/>
-      </p:ext>
-    </p:extLst>
   </p:cSld>
   <p:clrMapOvr>
     <a:masterClrMapping/>
@@ -2140,7 +2666,7 @@
       </p:grpSpPr>
       <p:sp>
         <p:nvSpPr>
-          <p:cNvPr id="2" name="Title 1"/>
+          <p:cNvPr id="6" name="Title 5"/>
           <p:cNvSpPr>
             <a:spLocks noGrp="1"/>
           </p:cNvSpPr>
@@ -2157,7 +2683,7 @@
               <a:rPr lang="en-US" smtClean="0"/>
               <a:t>Click to edit Master title style</a:t>
             </a:r>
-            <a:endParaRPr lang="en-US"/>
+            <a:endParaRPr lang="en-US" dirty="0"/>
           </a:p>
         </p:txBody>
       </p:sp>
@@ -2226,12 +2752,48 @@
           </a:p>
         </p:txBody>
       </p:sp>
+      <p:sp>
+        <p:nvSpPr>
+          <p:cNvPr id="7" name="Rectangle 6"/>
+          <p:cNvSpPr/>
+          <p:nvPr/>
+        </p:nvSpPr>
+        <p:spPr>
+          <a:xfrm>
+            <a:off x="0" y="0"/>
+            <a:ext cx="457200" cy="6858000"/>
+          </a:xfrm>
+          <a:prstGeom prst="rect">
+            <a:avLst/>
+          </a:prstGeom>
+          <a:solidFill>
+            <a:schemeClr val="tx2">
+              <a:lumMod val="60000"/>
+              <a:lumOff val="40000"/>
+            </a:schemeClr>
+          </a:solidFill>
+          <a:ln>
+            <a:noFill/>
+          </a:ln>
+        </p:spPr>
+        <p:style>
+          <a:lnRef idx="2">
+            <a:schemeClr val="accent1">
+              <a:shade val="50000"/>
+            </a:schemeClr>
+          </a:lnRef>
+          <a:fillRef idx="1">
+            <a:schemeClr val="accent1"/>
+          </a:fillRef>
+          <a:effectRef idx="0">
+            <a:schemeClr val="accent1"/>
+          </a:effectRef>
+          <a:fontRef idx="minor">
+            <a:schemeClr val="lt1"/>
+          </a:fontRef>
+        </p:style>
+      </p:sp>
     </p:spTree>
-    <p:extLst>
-      <p:ext uri="{BB962C8B-B14F-4D97-AF65-F5344CB8AC3E}">
-        <p14:creationId xmlns:p14="http://schemas.microsoft.com/office/powerpoint/2010/main" val="121088040"/>
-      </p:ext>
-    </p:extLst>
   </p:cSld>
   <p:clrMapOvr>
     <a:masterClrMapping/>
@@ -2321,12 +2883,48 @@
           </a:p>
         </p:txBody>
       </p:sp>
+      <p:sp>
+        <p:nvSpPr>
+          <p:cNvPr id="5" name="Rectangle 4"/>
+          <p:cNvSpPr/>
+          <p:nvPr/>
+        </p:nvSpPr>
+        <p:spPr>
+          <a:xfrm>
+            <a:off x="0" y="0"/>
+            <a:ext cx="457200" cy="6858000"/>
+          </a:xfrm>
+          <a:prstGeom prst="rect">
+            <a:avLst/>
+          </a:prstGeom>
+          <a:solidFill>
+            <a:schemeClr val="tx2">
+              <a:lumMod val="60000"/>
+              <a:lumOff val="40000"/>
+            </a:schemeClr>
+          </a:solidFill>
+          <a:ln>
+            <a:noFill/>
+          </a:ln>
+        </p:spPr>
+        <p:style>
+          <a:lnRef idx="2">
+            <a:schemeClr val="accent1">
+              <a:shade val="50000"/>
+            </a:schemeClr>
+          </a:lnRef>
+          <a:fillRef idx="1">
+            <a:schemeClr val="accent1"/>
+          </a:fillRef>
+          <a:effectRef idx="0">
+            <a:schemeClr val="accent1"/>
+          </a:effectRef>
+          <a:fontRef idx="minor">
+            <a:schemeClr val="lt1"/>
+          </a:fontRef>
+        </p:style>
+      </p:sp>
     </p:spTree>
-    <p:extLst>
-      <p:ext uri="{BB962C8B-B14F-4D97-AF65-F5344CB8AC3E}">
-        <p14:creationId xmlns:p14="http://schemas.microsoft.com/office/powerpoint/2010/main" val="1459674571"/>
-      </p:ext>
-    </p:extLst>
   </p:cSld>
   <p:clrMapOvr>
     <a:masterClrMapping/>
@@ -2363,15 +2961,17 @@
         </p:nvSpPr>
         <p:spPr>
           <a:xfrm>
-            <a:off x="839788" y="457200"/>
-            <a:ext cx="3932237" cy="1600200"/>
+            <a:off x="841248" y="457200"/>
+            <a:ext cx="3200400" cy="1600197"/>
           </a:xfrm>
         </p:spPr>
         <p:txBody>
-          <a:bodyPr anchor="b"/>
+          <a:bodyPr anchor="b">
+            <a:normAutofit/>
+          </a:bodyPr>
           <a:lstStyle>
             <a:lvl1pPr>
-              <a:defRPr sz="3200"/>
+              <a:defRPr sz="2800" b="1" baseline="0"/>
             </a:lvl1pPr>
           </a:lstStyle>
           <a:p>
@@ -2379,7 +2979,7 @@
               <a:rPr lang="en-US" smtClean="0"/>
               <a:t>Click to edit Master title style</a:t>
             </a:r>
-            <a:endParaRPr lang="en-US"/>
+            <a:endParaRPr lang="en-US" dirty="0"/>
           </a:p>
         </p:txBody>
       </p:sp>
@@ -2395,39 +2995,39 @@
         </p:nvSpPr>
         <p:spPr>
           <a:xfrm>
-            <a:off x="5183188" y="987425"/>
-            <a:ext cx="6172200" cy="4873625"/>
+            <a:off x="4504267" y="685800"/>
+            <a:ext cx="6079066" cy="5486400"/>
           </a:xfrm>
         </p:spPr>
         <p:txBody>
           <a:bodyPr/>
           <a:lstStyle>
             <a:lvl1pPr>
-              <a:defRPr sz="3200"/>
+              <a:defRPr sz="2000"/>
             </a:lvl1pPr>
             <a:lvl2pPr>
-              <a:defRPr sz="2800"/>
+              <a:defRPr sz="1800"/>
             </a:lvl2pPr>
             <a:lvl3pPr>
-              <a:defRPr sz="2400"/>
+              <a:defRPr sz="1600"/>
             </a:lvl3pPr>
             <a:lvl4pPr>
-              <a:defRPr sz="2000"/>
+              <a:defRPr sz="1400"/>
             </a:lvl4pPr>
             <a:lvl5pPr>
-              <a:defRPr sz="2000"/>
+              <a:defRPr sz="1400"/>
             </a:lvl5pPr>
             <a:lvl6pPr>
-              <a:defRPr sz="2000"/>
+              <a:defRPr sz="1400"/>
             </a:lvl6pPr>
             <a:lvl7pPr>
-              <a:defRPr sz="2000"/>
+              <a:defRPr sz="1400"/>
             </a:lvl7pPr>
             <a:lvl8pPr>
-              <a:defRPr sz="2000"/>
+              <a:defRPr sz="1400"/>
             </a:lvl8pPr>
             <a:lvl9pPr>
-              <a:defRPr sz="2000"/>
+              <a:defRPr sz="1400"/>
             </a:lvl9pPr>
           </a:lstStyle>
           <a:p>
@@ -2464,7 +3064,7 @@
               <a:rPr lang="en-US" smtClean="0"/>
               <a:t>Fifth level</a:t>
             </a:r>
-            <a:endParaRPr lang="en-US"/>
+            <a:endParaRPr lang="en-US" dirty="0"/>
           </a:p>
         </p:txBody>
       </p:sp>
@@ -2480,48 +3080,56 @@
         </p:nvSpPr>
         <p:spPr>
           <a:xfrm>
-            <a:off x="839788" y="2057400"/>
-            <a:ext cx="3932237" cy="3811588"/>
+            <a:off x="841248" y="2099734"/>
+            <a:ext cx="3200400" cy="3810001"/>
           </a:xfrm>
         </p:spPr>
         <p:txBody>
-          <a:bodyPr/>
+          <a:bodyPr>
+            <a:normAutofit/>
+          </a:bodyPr>
           <a:lstStyle>
             <a:lvl1pPr marL="0" indent="0">
+              <a:lnSpc>
+                <a:spcPct val="114000"/>
+              </a:lnSpc>
+              <a:spcBef>
+                <a:spcPts val="800"/>
+              </a:spcBef>
               <a:buNone/>
-              <a:defRPr sz="1600"/>
+              <a:defRPr sz="1400"/>
             </a:lvl1pPr>
             <a:lvl2pPr marL="457200" indent="0">
               <a:buNone/>
-              <a:defRPr sz="1400"/>
+              <a:defRPr sz="1200"/>
             </a:lvl2pPr>
             <a:lvl3pPr marL="914400" indent="0">
               <a:buNone/>
-              <a:defRPr sz="1200"/>
+              <a:defRPr sz="1000"/>
             </a:lvl3pPr>
             <a:lvl4pPr marL="1371600" indent="0">
               <a:buNone/>
-              <a:defRPr sz="1000"/>
+              <a:defRPr sz="900"/>
             </a:lvl4pPr>
             <a:lvl5pPr marL="1828800" indent="0">
               <a:buNone/>
-              <a:defRPr sz="1000"/>
+              <a:defRPr sz="900"/>
             </a:lvl5pPr>
             <a:lvl6pPr marL="2286000" indent="0">
               <a:buNone/>
-              <a:defRPr sz="1000"/>
+              <a:defRPr sz="900"/>
             </a:lvl6pPr>
             <a:lvl7pPr marL="2743200" indent="0">
               <a:buNone/>
-              <a:defRPr sz="1000"/>
+              <a:defRPr sz="900"/>
             </a:lvl7pPr>
             <a:lvl8pPr marL="3200400" indent="0">
               <a:buNone/>
-              <a:defRPr sz="1000"/>
+              <a:defRPr sz="900"/>
             </a:lvl8pPr>
             <a:lvl9pPr marL="3657600" indent="0">
               <a:buNone/>
-              <a:defRPr sz="1000"/>
+              <a:defRPr sz="900"/>
             </a:lvl9pPr>
           </a:lstStyle>
           <a:p>
@@ -2599,11 +3207,6 @@
         </p:txBody>
       </p:sp>
     </p:spTree>
-    <p:extLst>
-      <p:ext uri="{BB962C8B-B14F-4D97-AF65-F5344CB8AC3E}">
-        <p14:creationId xmlns:p14="http://schemas.microsoft.com/office/powerpoint/2010/main" val="2044815116"/>
-      </p:ext>
-    </p:extLst>
   </p:cSld>
   <p:clrMapOvr>
     <a:masterClrMapping/>
@@ -2630,6 +3233,44 @@
       </p:grpSpPr>
       <p:sp>
         <p:nvSpPr>
+          <p:cNvPr id="8" name="Rectangle 7"/>
+          <p:cNvSpPr/>
+          <p:nvPr/>
+        </p:nvSpPr>
+        <p:spPr>
+          <a:xfrm>
+            <a:off x="0" y="5105400"/>
+            <a:ext cx="11292840" cy="1752600"/>
+          </a:xfrm>
+          <a:prstGeom prst="rect">
+            <a:avLst/>
+          </a:prstGeom>
+          <a:solidFill>
+            <a:schemeClr val="tx2"/>
+          </a:solidFill>
+          <a:ln>
+            <a:noFill/>
+          </a:ln>
+        </p:spPr>
+        <p:style>
+          <a:lnRef idx="2">
+            <a:schemeClr val="accent1">
+              <a:shade val="50000"/>
+            </a:schemeClr>
+          </a:lnRef>
+          <a:fillRef idx="1">
+            <a:schemeClr val="accent1"/>
+          </a:fillRef>
+          <a:effectRef idx="0">
+            <a:schemeClr val="accent1"/>
+          </a:effectRef>
+          <a:fontRef idx="minor">
+            <a:schemeClr val="lt1"/>
+          </a:fontRef>
+        </p:style>
+      </p:sp>
+      <p:sp>
+        <p:nvSpPr>
           <p:cNvPr id="2" name="Title 1"/>
           <p:cNvSpPr>
             <a:spLocks noGrp="1"/>
@@ -2640,15 +3281,21 @@
         </p:nvSpPr>
         <p:spPr>
           <a:xfrm>
-            <a:off x="839788" y="457200"/>
-            <a:ext cx="3932237" cy="1600200"/>
+            <a:off x="914400" y="5257800"/>
+            <a:ext cx="9982200" cy="914400"/>
           </a:xfrm>
         </p:spPr>
         <p:txBody>
-          <a:bodyPr anchor="b"/>
+          <a:bodyPr anchor="b">
+            <a:normAutofit/>
+          </a:bodyPr>
           <a:lstStyle>
             <a:lvl1pPr>
-              <a:defRPr sz="3200"/>
+              <a:defRPr sz="2800" b="1">
+                <a:solidFill>
+                  <a:schemeClr val="bg1"/>
+                </a:solidFill>
+              </a:defRPr>
             </a:lvl1pPr>
           </a:lstStyle>
           <a:p>
@@ -2656,7 +3303,7 @@
               <a:rPr lang="en-US" smtClean="0"/>
               <a:t>Click to edit Master title style</a:t>
             </a:r>
-            <a:endParaRPr lang="en-US"/>
+            <a:endParaRPr lang="en-US" dirty="0"/>
           </a:p>
         </p:txBody>
       </p:sp>
@@ -2664,7 +3311,7 @@
         <p:nvSpPr>
           <p:cNvPr id="3" name="Picture Placeholder 2"/>
           <p:cNvSpPr>
-            <a:spLocks noGrp="1"/>
+            <a:spLocks noGrp="1" noChangeAspect="1"/>
           </p:cNvSpPr>
           <p:nvPr>
             <p:ph type="pic" idx="1"/>
@@ -2672,12 +3319,12 @@
         </p:nvSpPr>
         <p:spPr>
           <a:xfrm>
-            <a:off x="5183188" y="987425"/>
-            <a:ext cx="6172200" cy="4873625"/>
+            <a:off x="0" y="0"/>
+            <a:ext cx="11292840" cy="5128923"/>
           </a:xfrm>
         </p:spPr>
         <p:txBody>
-          <a:bodyPr/>
+          <a:bodyPr anchor="t"/>
           <a:lstStyle>
             <a:lvl1pPr marL="0" indent="0">
               <a:buNone/>
@@ -2717,7 +3364,11 @@
             </a:lvl9pPr>
           </a:lstStyle>
           <a:p>
-            <a:endParaRPr lang="en-US"/>
+            <a:r>
+              <a:rPr lang="en-US" smtClean="0"/>
+              <a:t>Drag picture to placeholder or click icon to add</a:t>
+            </a:r>
+            <a:endParaRPr lang="en-US" dirty="0"/>
           </a:p>
         </p:txBody>
       </p:sp>
@@ -2733,48 +3384,62 @@
         </p:nvSpPr>
         <p:spPr>
           <a:xfrm>
-            <a:off x="839788" y="2057400"/>
-            <a:ext cx="3932237" cy="3811588"/>
+            <a:off x="914400" y="6108589"/>
+            <a:ext cx="9982200" cy="597011"/>
           </a:xfrm>
         </p:spPr>
         <p:txBody>
-          <a:bodyPr/>
+          <a:bodyPr>
+            <a:normAutofit/>
+          </a:bodyPr>
           <a:lstStyle>
             <a:lvl1pPr marL="0" indent="0">
+              <a:lnSpc>
+                <a:spcPct val="100000"/>
+              </a:lnSpc>
+              <a:spcBef>
+                <a:spcPts val="800"/>
+              </a:spcBef>
               <a:buNone/>
-              <a:defRPr sz="1600"/>
+              <a:defRPr sz="1400" baseline="0">
+                <a:solidFill>
+                  <a:schemeClr val="bg1">
+                    <a:lumMod val="75000"/>
+                  </a:schemeClr>
+                </a:solidFill>
+              </a:defRPr>
             </a:lvl1pPr>
             <a:lvl2pPr marL="457200" indent="0">
               <a:buNone/>
-              <a:defRPr sz="1400"/>
+              <a:defRPr sz="1200"/>
             </a:lvl2pPr>
             <a:lvl3pPr marL="914400" indent="0">
               <a:buNone/>
-              <a:defRPr sz="1200"/>
+              <a:defRPr sz="1000"/>
             </a:lvl3pPr>
             <a:lvl4pPr marL="1371600" indent="0">
               <a:buNone/>
-              <a:defRPr sz="1000"/>
+              <a:defRPr sz="900"/>
             </a:lvl4pPr>
             <a:lvl5pPr marL="1828800" indent="0">
               <a:buNone/>
-              <a:defRPr sz="1000"/>
+              <a:defRPr sz="900"/>
             </a:lvl5pPr>
             <a:lvl6pPr marL="2286000" indent="0">
               <a:buNone/>
-              <a:defRPr sz="1000"/>
+              <a:defRPr sz="900"/>
             </a:lvl6pPr>
             <a:lvl7pPr marL="2743200" indent="0">
               <a:buNone/>
-              <a:defRPr sz="1000"/>
+              <a:defRPr sz="900"/>
             </a:lvl7pPr>
             <a:lvl8pPr marL="3200400" indent="0">
               <a:buNone/>
-              <a:defRPr sz="1000"/>
+              <a:defRPr sz="900"/>
             </a:lvl8pPr>
             <a:lvl9pPr marL="3657600" indent="0">
               <a:buNone/>
-              <a:defRPr sz="1000"/>
+              <a:defRPr sz="900"/>
             </a:lvl9pPr>
           </a:lstStyle>
           <a:p>
@@ -2824,7 +3489,12 @@
           <a:bodyPr/>
           <a:lstStyle/>
           <a:p>
-            <a:endParaRPr lang="en-US"/>
+            <a:r>
+              <a:rPr lang="en-US" smtClean="0"/>
+              <a:t>
+              </a:t>
+            </a:r>
+            <a:endParaRPr lang="en-US" dirty="0"/>
           </a:p>
         </p:txBody>
       </p:sp>
@@ -2852,11 +3522,6 @@
         </p:txBody>
       </p:sp>
     </p:spTree>
-    <p:extLst>
-      <p:ext uri="{BB962C8B-B14F-4D97-AF65-F5344CB8AC3E}">
-        <p14:creationId xmlns:p14="http://schemas.microsoft.com/office/powerpoint/2010/main" val="1026851671"/>
-      </p:ext>
-    </p:extLst>
   </p:cSld>
   <p:clrMapOvr>
     <a:masterClrMapping/>
@@ -2888,6 +3553,44 @@
       </p:grpSpPr>
       <p:sp>
         <p:nvSpPr>
+          <p:cNvPr id="7" name="Rectangle 6"/>
+          <p:cNvSpPr/>
+          <p:nvPr/>
+        </p:nvSpPr>
+        <p:spPr>
+          <a:xfrm>
+            <a:off x="11292840" y="0"/>
+            <a:ext cx="914400" cy="6858000"/>
+          </a:xfrm>
+          <a:prstGeom prst="rect">
+            <a:avLst/>
+          </a:prstGeom>
+          <a:solidFill>
+            <a:schemeClr val="accent1"/>
+          </a:solidFill>
+          <a:ln>
+            <a:noFill/>
+          </a:ln>
+        </p:spPr>
+        <p:style>
+          <a:lnRef idx="2">
+            <a:schemeClr val="accent1">
+              <a:shade val="50000"/>
+            </a:schemeClr>
+          </a:lnRef>
+          <a:fillRef idx="1">
+            <a:schemeClr val="accent1"/>
+          </a:fillRef>
+          <a:effectRef idx="0">
+            <a:schemeClr val="accent1"/>
+          </a:effectRef>
+          <a:fontRef idx="minor">
+            <a:schemeClr val="lt1"/>
+          </a:fontRef>
+        </p:style>
+      </p:sp>
+      <p:sp>
+        <p:nvSpPr>
           <p:cNvPr id="2" name="Title Placeholder 1"/>
           <p:cNvSpPr>
             <a:spLocks noGrp="1"/>
@@ -2898,15 +3601,15 @@
         </p:nvSpPr>
         <p:spPr>
           <a:xfrm>
-            <a:off x="838200" y="365125"/>
-            <a:ext cx="10515600" cy="1325563"/>
+            <a:off x="1261872" y="294198"/>
+            <a:ext cx="9692640" cy="1397124"/>
           </a:xfrm>
           <a:prstGeom prst="rect">
             <a:avLst/>
           </a:prstGeom>
         </p:spPr>
         <p:txBody>
-          <a:bodyPr vert="horz" lIns="91440" tIns="45720" rIns="91440" bIns="45720" rtlCol="0" anchor="ctr">
+          <a:bodyPr vert="horz" lIns="91440" tIns="27432" rIns="91440" bIns="45720" rtlCol="0" anchor="b">
             <a:normAutofit/>
           </a:bodyPr>
           <a:lstStyle/>
@@ -2915,7 +3618,7 @@
               <a:rPr lang="en-US" smtClean="0"/>
               <a:t>Click to edit Master title style</a:t>
             </a:r>
-            <a:endParaRPr lang="en-US"/>
+            <a:endParaRPr lang="en-US" dirty="0"/>
           </a:p>
         </p:txBody>
       </p:sp>
@@ -2931,8 +3634,8 @@
         </p:nvSpPr>
         <p:spPr>
           <a:xfrm>
-            <a:off x="838200" y="1825625"/>
-            <a:ext cx="10515600" cy="4351338"/>
+            <a:off x="1261872" y="1828800"/>
+            <a:ext cx="8595360" cy="4351337"/>
           </a:xfrm>
           <a:prstGeom prst="rect">
             <a:avLst/>
@@ -2977,7 +3680,7 @@
               <a:rPr lang="en-US" smtClean="0"/>
               <a:t>Fifth level</a:t>
             </a:r>
-            <a:endParaRPr lang="en-US"/>
+            <a:endParaRPr lang="en-US" dirty="0"/>
           </a:p>
         </p:txBody>
       </p:sp>
@@ -2992,9 +3695,9 @@
           </p:nvPr>
         </p:nvSpPr>
         <p:spPr>
-          <a:xfrm>
-            <a:off x="838200" y="6356350"/>
-            <a:ext cx="2743200" cy="365125"/>
+          <a:xfrm rot="16200000">
+            <a:off x="10797542" y="998537"/>
+            <a:ext cx="1904999" cy="365125"/>
           </a:xfrm>
           <a:prstGeom prst="rect">
             <a:avLst/>
@@ -3003,11 +3706,12 @@
         <p:txBody>
           <a:bodyPr vert="horz" lIns="91440" tIns="45720" rIns="91440" bIns="45720" rtlCol="0" anchor="ctr"/>
           <a:lstStyle>
-            <a:lvl1pPr algn="l">
-              <a:defRPr sz="1200">
+            <a:lvl1pPr algn="r">
+              <a:defRPr sz="1050" b="0">
                 <a:solidFill>
-                  <a:schemeClr val="tx1">
-                    <a:tint val="75000"/>
+                  <a:schemeClr val="accent1">
+                    <a:lumMod val="40000"/>
+                    <a:lumOff val="60000"/>
                   </a:schemeClr>
                 </a:solidFill>
               </a:defRPr>
@@ -3033,9 +3737,9 @@
           </p:nvPr>
         </p:nvSpPr>
         <p:spPr>
-          <a:xfrm>
-            <a:off x="4038600" y="6356350"/>
-            <a:ext cx="4114800" cy="365125"/>
+          <a:xfrm rot="16200000">
+            <a:off x="9959341" y="4046537"/>
+            <a:ext cx="3581400" cy="365125"/>
           </a:xfrm>
           <a:prstGeom prst="rect">
             <a:avLst/>
@@ -3044,11 +3748,12 @@
         <p:txBody>
           <a:bodyPr vert="horz" lIns="91440" tIns="45720" rIns="91440" bIns="45720" rtlCol="0" anchor="ctr"/>
           <a:lstStyle>
-            <a:lvl1pPr algn="ctr">
-              <a:defRPr sz="1200">
+            <a:lvl1pPr algn="l">
+              <a:defRPr sz="1050">
                 <a:solidFill>
-                  <a:schemeClr val="tx1">
-                    <a:tint val="75000"/>
+                  <a:schemeClr val="accent1">
+                    <a:lumMod val="40000"/>
+                    <a:lumOff val="60000"/>
                   </a:schemeClr>
                 </a:solidFill>
               </a:defRPr>
@@ -3071,23 +3776,27 @@
         </p:nvSpPr>
         <p:spPr>
           <a:xfrm>
-            <a:off x="8610600" y="6356350"/>
-            <a:ext cx="2743200" cy="365125"/>
+            <a:off x="11292840" y="6172200"/>
+            <a:ext cx="914400" cy="593725"/>
           </a:xfrm>
           <a:prstGeom prst="rect">
             <a:avLst/>
           </a:prstGeom>
         </p:spPr>
         <p:txBody>
-          <a:bodyPr vert="horz" lIns="91440" tIns="45720" rIns="91440" bIns="45720" rtlCol="0" anchor="ctr"/>
+          <a:bodyPr vert="horz" lIns="45720" tIns="45720" rIns="45720" bIns="45720" rtlCol="0" anchor="ctr">
+            <a:normAutofit/>
+          </a:bodyPr>
           <a:lstStyle>
-            <a:lvl1pPr algn="r">
-              <a:defRPr sz="1200">
+            <a:lvl1pPr algn="ctr">
+              <a:defRPr sz="3600">
                 <a:solidFill>
-                  <a:schemeClr val="tx1">
-                    <a:tint val="75000"/>
+                  <a:schemeClr val="accent1">
+                    <a:lumMod val="60000"/>
+                    <a:lumOff val="40000"/>
                   </a:schemeClr>
                 </a:solidFill>
+                <a:latin typeface="+mj-lt"/>
               </a:defRPr>
             </a:lvl1pPr>
           </a:lstStyle>
@@ -3103,23 +3812,23 @@
     </p:spTree>
     <p:extLst>
       <p:ext uri="{BB962C8B-B14F-4D97-AF65-F5344CB8AC3E}">
-        <p14:creationId xmlns:p14="http://schemas.microsoft.com/office/powerpoint/2010/main" val="861023916"/>
+        <p14:creationId xmlns:p14="http://schemas.microsoft.com/office/powerpoint/2010/main" val="539510939"/>
       </p:ext>
     </p:extLst>
   </p:cSld>
   <p:clrMap bg1="lt1" tx1="dk1" bg2="lt2" tx2="dk2" accent1="accent1" accent2="accent2" accent3="accent3" accent4="accent4" accent5="accent5" accent6="accent6" hlink="hlink" folHlink="folHlink"/>
   <p:sldLayoutIdLst>
-    <p:sldLayoutId id="2147483649" r:id="rId1"/>
-    <p:sldLayoutId id="2147483650" r:id="rId2"/>
-    <p:sldLayoutId id="2147483651" r:id="rId3"/>
-    <p:sldLayoutId id="2147483652" r:id="rId4"/>
-    <p:sldLayoutId id="2147483653" r:id="rId5"/>
-    <p:sldLayoutId id="2147483654" r:id="rId6"/>
-    <p:sldLayoutId id="2147483655" r:id="rId7"/>
-    <p:sldLayoutId id="2147483656" r:id="rId8"/>
-    <p:sldLayoutId id="2147483657" r:id="rId9"/>
-    <p:sldLayoutId id="2147483658" r:id="rId10"/>
-    <p:sldLayoutId id="2147483659" r:id="rId11"/>
+    <p:sldLayoutId id="2147483847" r:id="rId1"/>
+    <p:sldLayoutId id="2147483848" r:id="rId2"/>
+    <p:sldLayoutId id="2147483849" r:id="rId3"/>
+    <p:sldLayoutId id="2147483850" r:id="rId4"/>
+    <p:sldLayoutId id="2147483851" r:id="rId5"/>
+    <p:sldLayoutId id="2147483852" r:id="rId6"/>
+    <p:sldLayoutId id="2147483853" r:id="rId7"/>
+    <p:sldLayoutId id="2147483854" r:id="rId8"/>
+    <p:sldLayoutId id="2147483855" r:id="rId9"/>
+    <p:sldLayoutId id="2147483856" r:id="rId10"/>
+    <p:sldLayoutId id="2147483857" r:id="rId11"/>
   </p:sldLayoutIdLst>
   <p:txStyles>
     <p:titleStyle>
@@ -3131,9 +3840,9 @@
           <a:spcPct val="0"/>
         </a:spcBef>
         <a:buNone/>
-        <a:defRPr sz="4400" kern="1200">
+        <a:defRPr sz="4400" b="1" kern="1200" spc="-50" baseline="0">
           <a:solidFill>
-            <a:schemeClr val="tx1"/>
+            <a:schemeClr val="accent1"/>
           </a:solidFill>
           <a:latin typeface="+mj-lt"/>
           <a:ea typeface="+mj-ea"/>
@@ -3142,162 +3851,244 @@
       </a:lvl1pPr>
     </p:titleStyle>
     <p:bodyStyle>
-      <a:lvl1pPr marL="228600" indent="-228600" algn="l" defTabSz="914400" rtl="0" eaLnBrk="1" latinLnBrk="0" hangingPunct="1">
+      <a:lvl1pPr marL="182880" indent="-182880" algn="l" defTabSz="914400" rtl="0" eaLnBrk="1" latinLnBrk="0" hangingPunct="1">
         <a:lnSpc>
-          <a:spcPct val="90000"/>
+          <a:spcPct val="95000"/>
         </a:lnSpc>
         <a:spcBef>
-          <a:spcPts val="1000"/>
+          <a:spcPts val="1400"/>
         </a:spcBef>
-        <a:buFont typeface="Arial"/>
+        <a:spcAft>
+          <a:spcPts val="200"/>
+        </a:spcAft>
+        <a:buClr>
+          <a:schemeClr val="accent1"/>
+        </a:buClr>
+        <a:buSzPct val="80000"/>
+        <a:buFont typeface="Arial" pitchFamily="34" charset="0"/>
         <a:buChar char="•"/>
-        <a:defRPr sz="2800" kern="1200">
+        <a:defRPr sz="2000" kern="1200" spc="10" baseline="0">
           <a:solidFill>
-            <a:schemeClr val="tx1"/>
+            <a:schemeClr val="tx1">
+              <a:lumMod val="65000"/>
+              <a:lumOff val="35000"/>
+            </a:schemeClr>
           </a:solidFill>
           <a:latin typeface="+mn-lt"/>
           <a:ea typeface="+mn-ea"/>
           <a:cs typeface="+mn-cs"/>
         </a:defRPr>
       </a:lvl1pPr>
-      <a:lvl2pPr marL="685800" indent="-228600" algn="l" defTabSz="914400" rtl="0" eaLnBrk="1" latinLnBrk="0" hangingPunct="1">
+      <a:lvl2pPr marL="457200" indent="-182880" algn="l" defTabSz="914400" rtl="0" eaLnBrk="1" latinLnBrk="0" hangingPunct="1">
         <a:lnSpc>
           <a:spcPct val="90000"/>
         </a:lnSpc>
         <a:spcBef>
-          <a:spcPts val="500"/>
+          <a:spcPts val="300"/>
         </a:spcBef>
-        <a:buFont typeface="Arial"/>
-        <a:buChar char="•"/>
-        <a:defRPr sz="2400" kern="1200">
+        <a:spcAft>
+          <a:spcPts val="300"/>
+        </a:spcAft>
+        <a:buClr>
+          <a:schemeClr val="accent1"/>
+        </a:buClr>
+        <a:buFont typeface="Wingdings 2" pitchFamily="18" charset="2"/>
+        <a:buChar char=""/>
+        <a:defRPr sz="1800" kern="1200">
           <a:solidFill>
-            <a:schemeClr val="tx1"/>
+            <a:schemeClr val="tx1">
+              <a:lumMod val="65000"/>
+              <a:lumOff val="35000"/>
+            </a:schemeClr>
           </a:solidFill>
           <a:latin typeface="+mn-lt"/>
           <a:ea typeface="+mn-ea"/>
           <a:cs typeface="+mn-cs"/>
         </a:defRPr>
       </a:lvl2pPr>
-      <a:lvl3pPr marL="1143000" indent="-228600" algn="l" defTabSz="914400" rtl="0" eaLnBrk="1" latinLnBrk="0" hangingPunct="1">
+      <a:lvl3pPr marL="731520" indent="-182880" algn="l" defTabSz="914400" rtl="0" eaLnBrk="1" latinLnBrk="0" hangingPunct="1">
         <a:lnSpc>
           <a:spcPct val="90000"/>
         </a:lnSpc>
         <a:spcBef>
-          <a:spcPts val="500"/>
+          <a:spcPts val="300"/>
         </a:spcBef>
-        <a:buFont typeface="Arial"/>
-        <a:buChar char="•"/>
-        <a:defRPr sz="2000" kern="1200">
+        <a:spcAft>
+          <a:spcPts val="300"/>
+        </a:spcAft>
+        <a:buClr>
+          <a:schemeClr val="accent1"/>
+        </a:buClr>
+        <a:buFont typeface="Wingdings 2" pitchFamily="18" charset="2"/>
+        <a:buChar char=""/>
+        <a:defRPr sz="1600" kern="1200">
           <a:solidFill>
-            <a:schemeClr val="tx1"/>
+            <a:schemeClr val="tx1">
+              <a:lumMod val="65000"/>
+              <a:lumOff val="35000"/>
+            </a:schemeClr>
           </a:solidFill>
           <a:latin typeface="+mn-lt"/>
           <a:ea typeface="+mn-ea"/>
           <a:cs typeface="+mn-cs"/>
         </a:defRPr>
       </a:lvl3pPr>
-      <a:lvl4pPr marL="1600200" indent="-228600" algn="l" defTabSz="914400" rtl="0" eaLnBrk="1" latinLnBrk="0" hangingPunct="1">
+      <a:lvl4pPr marL="1005840" indent="-182880" algn="l" defTabSz="914400" rtl="0" eaLnBrk="1" latinLnBrk="0" hangingPunct="1">
         <a:lnSpc>
           <a:spcPct val="90000"/>
         </a:lnSpc>
         <a:spcBef>
-          <a:spcPts val="500"/>
+          <a:spcPts val="300"/>
         </a:spcBef>
-        <a:buFont typeface="Arial"/>
-        <a:buChar char="•"/>
-        <a:defRPr sz="1800" kern="1200">
+        <a:spcAft>
+          <a:spcPts val="300"/>
+        </a:spcAft>
+        <a:buClr>
+          <a:schemeClr val="accent1"/>
+        </a:buClr>
+        <a:buFont typeface="Wingdings 2" pitchFamily="18" charset="2"/>
+        <a:buChar char=""/>
+        <a:defRPr sz="1400" kern="1200">
           <a:solidFill>
-            <a:schemeClr val="tx1"/>
+            <a:schemeClr val="tx1">
+              <a:lumMod val="65000"/>
+              <a:lumOff val="35000"/>
+            </a:schemeClr>
           </a:solidFill>
           <a:latin typeface="+mn-lt"/>
           <a:ea typeface="+mn-ea"/>
           <a:cs typeface="+mn-cs"/>
         </a:defRPr>
       </a:lvl4pPr>
-      <a:lvl5pPr marL="2057400" indent="-228600" algn="l" defTabSz="914400" rtl="0" eaLnBrk="1" latinLnBrk="0" hangingPunct="1">
+      <a:lvl5pPr marL="1280160" indent="-182880" algn="l" defTabSz="914400" rtl="0" eaLnBrk="1" latinLnBrk="0" hangingPunct="1">
         <a:lnSpc>
           <a:spcPct val="90000"/>
         </a:lnSpc>
         <a:spcBef>
-          <a:spcPts val="500"/>
+          <a:spcPts val="300"/>
         </a:spcBef>
-        <a:buFont typeface="Arial"/>
-        <a:buChar char="•"/>
-        <a:defRPr sz="1800" kern="1200">
+        <a:spcAft>
+          <a:spcPts val="300"/>
+        </a:spcAft>
+        <a:buClr>
+          <a:schemeClr val="accent1"/>
+        </a:buClr>
+        <a:buFont typeface="Wingdings 2" pitchFamily="18" charset="2"/>
+        <a:buChar char=""/>
+        <a:defRPr sz="1400" kern="1200">
           <a:solidFill>
-            <a:schemeClr val="tx1"/>
+            <a:schemeClr val="tx1">
+              <a:lumMod val="65000"/>
+              <a:lumOff val="35000"/>
+            </a:schemeClr>
           </a:solidFill>
           <a:latin typeface="+mn-lt"/>
           <a:ea typeface="+mn-ea"/>
           <a:cs typeface="+mn-cs"/>
         </a:defRPr>
       </a:lvl5pPr>
-      <a:lvl6pPr marL="2514600" indent="-228600" algn="l" defTabSz="914400" rtl="0" eaLnBrk="1" latinLnBrk="0" hangingPunct="1">
+      <a:lvl6pPr marL="1600000" indent="-228600" algn="l" defTabSz="914400" rtl="0" eaLnBrk="1" latinLnBrk="0" hangingPunct="1">
         <a:lnSpc>
           <a:spcPct val="90000"/>
         </a:lnSpc>
         <a:spcBef>
-          <a:spcPts val="500"/>
+          <a:spcPts val="300"/>
         </a:spcBef>
-        <a:buFont typeface="Arial"/>
-        <a:buChar char="•"/>
-        <a:defRPr sz="1800" kern="1200">
+        <a:spcAft>
+          <a:spcPts val="300"/>
+        </a:spcAft>
+        <a:buClr>
+          <a:schemeClr val="accent1"/>
+        </a:buClr>
+        <a:buFont typeface="Wingdings 2" pitchFamily="18" charset="2"/>
+        <a:buChar char=""/>
+        <a:defRPr sz="1400" kern="1200">
           <a:solidFill>
-            <a:schemeClr val="tx1"/>
+            <a:schemeClr val="tx1">
+              <a:lumMod val="65000"/>
+              <a:lumOff val="35000"/>
+            </a:schemeClr>
           </a:solidFill>
           <a:latin typeface="+mn-lt"/>
           <a:ea typeface="+mn-ea"/>
           <a:cs typeface="+mn-cs"/>
         </a:defRPr>
       </a:lvl6pPr>
-      <a:lvl7pPr marL="2971800" indent="-228600" algn="l" defTabSz="914400" rtl="0" eaLnBrk="1" latinLnBrk="0" hangingPunct="1">
+      <a:lvl7pPr marL="1900000" indent="-228600" algn="l" defTabSz="914400" rtl="0" eaLnBrk="1" latinLnBrk="0" hangingPunct="1">
         <a:lnSpc>
           <a:spcPct val="90000"/>
         </a:lnSpc>
         <a:spcBef>
-          <a:spcPts val="500"/>
+          <a:spcPts val="300"/>
         </a:spcBef>
-        <a:buFont typeface="Arial"/>
-        <a:buChar char="•"/>
-        <a:defRPr sz="1800" kern="1200">
+        <a:spcAft>
+          <a:spcPts val="300"/>
+        </a:spcAft>
+        <a:buClr>
+          <a:schemeClr val="accent1"/>
+        </a:buClr>
+        <a:buFont typeface="Wingdings 2" pitchFamily="18" charset="2"/>
+        <a:buChar char=""/>
+        <a:defRPr sz="1400" kern="1200">
           <a:solidFill>
-            <a:schemeClr val="tx1"/>
+            <a:schemeClr val="tx1">
+              <a:lumMod val="65000"/>
+              <a:lumOff val="35000"/>
+            </a:schemeClr>
           </a:solidFill>
           <a:latin typeface="+mn-lt"/>
           <a:ea typeface="+mn-ea"/>
           <a:cs typeface="+mn-cs"/>
         </a:defRPr>
       </a:lvl7pPr>
-      <a:lvl8pPr marL="3429000" indent="-228600" algn="l" defTabSz="914400" rtl="0" eaLnBrk="1" latinLnBrk="0" hangingPunct="1">
+      <a:lvl8pPr marL="2200000" indent="-228600" algn="l" defTabSz="914400" rtl="0" eaLnBrk="1" latinLnBrk="0" hangingPunct="1">
         <a:lnSpc>
           <a:spcPct val="90000"/>
         </a:lnSpc>
         <a:spcBef>
-          <a:spcPts val="500"/>
+          <a:spcPts val="300"/>
         </a:spcBef>
-        <a:buFont typeface="Arial"/>
-        <a:buChar char="•"/>
-        <a:defRPr sz="1800" kern="1200">
+        <a:spcAft>
+          <a:spcPts val="300"/>
+        </a:spcAft>
+        <a:buClr>
+          <a:schemeClr val="accent1"/>
+        </a:buClr>
+        <a:buFont typeface="Wingdings 2" pitchFamily="18" charset="2"/>
+        <a:buChar char=""/>
+        <a:defRPr sz="1400" kern="1200">
           <a:solidFill>
-            <a:schemeClr val="tx1"/>
+            <a:schemeClr val="tx1">
+              <a:lumMod val="65000"/>
+              <a:lumOff val="35000"/>
+            </a:schemeClr>
           </a:solidFill>
           <a:latin typeface="+mn-lt"/>
           <a:ea typeface="+mn-ea"/>
           <a:cs typeface="+mn-cs"/>
         </a:defRPr>
       </a:lvl8pPr>
-      <a:lvl9pPr marL="3886200" indent="-228600" algn="l" defTabSz="914400" rtl="0" eaLnBrk="1" latinLnBrk="0" hangingPunct="1">
+      <a:lvl9pPr marL="2500000" indent="-228600" algn="l" defTabSz="914400" rtl="0" eaLnBrk="1" latinLnBrk="0" hangingPunct="1">
         <a:lnSpc>
           <a:spcPct val="90000"/>
         </a:lnSpc>
         <a:spcBef>
-          <a:spcPts val="500"/>
+          <a:spcPts val="300"/>
         </a:spcBef>
-        <a:buFont typeface="Arial"/>
-        <a:buChar char="•"/>
-        <a:defRPr sz="1800" kern="1200">
+        <a:spcAft>
+          <a:spcPts val="300"/>
+        </a:spcAft>
+        <a:buClr>
+          <a:schemeClr val="accent1"/>
+        </a:buClr>
+        <a:buFont typeface="Wingdings 2" pitchFamily="18" charset="2"/>
+        <a:buChar char=""/>
+        <a:defRPr sz="1400" kern="1200">
           <a:solidFill>
-            <a:schemeClr val="tx1"/>
+            <a:schemeClr val="tx1">
+              <a:lumMod val="65000"/>
+              <a:lumOff val="35000"/>
+            </a:schemeClr>
           </a:solidFill>
           <a:latin typeface="+mn-lt"/>
           <a:ea typeface="+mn-ea"/>
@@ -3401,6 +4192,11 @@
       </a:lvl9pPr>
     </p:otherStyle>
   </p:txStyles>
+  <p:extLst>
+    <p:ext uri="{27BBF7A9-308A-43DC-89C8-2F10F3537804}">
+      <p15:sldGuideLst xmlns:p15="http://schemas.microsoft.com/office/powerpoint/2012/main"/>
+    </p:ext>
+  </p:extLst>
 </p:sldMaster>
 </file>
 
@@ -3433,8 +4229,8 @@
         </p:nvSpPr>
         <p:spPr>
           <a:xfrm>
-            <a:off x="1524000" y="1122363"/>
-            <a:ext cx="9144000" cy="3892982"/>
+            <a:off x="1551710" y="374072"/>
+            <a:ext cx="9144000" cy="4807528"/>
           </a:xfrm>
         </p:spPr>
         <p:txBody>
@@ -3443,25 +4239,26 @@
           </a:bodyPr>
           <a:lstStyle/>
           <a:p>
-            <a:r>
-              <a:rPr lang="ru-RU" b="1" dirty="0" smtClean="0"/>
+            <a:pPr algn="ctr"/>
+            <a:r>
+              <a:rPr lang="ru-RU" sz="6000" b="1" dirty="0" smtClean="0"/>
               <a:t>РАЗРАБОТКА ПРОГРАММНОГО ОБЕСПЕЧЕНИЯ ДЛЯ ПАРСИНГА ТЕКСТОВ </a:t>
             </a:r>
             <a:r>
-              <a:rPr lang="ru-RU" b="1" dirty="0"/>
+              <a:rPr lang="ru-RU" sz="6000" b="1" dirty="0"/>
               <a:t>И</a:t>
             </a:r>
             <a:r>
-              <a:rPr lang="ru-RU" b="1" dirty="0" smtClean="0"/>
+              <a:rPr lang="ru-RU" sz="6000" b="1" dirty="0" smtClean="0"/>
               <a:t> ГЕНЕРАЦИИ UML МОДЕЛЕЙ</a:t>
             </a:r>
             <a:r>
-              <a:rPr lang="ru-RU" dirty="0" smtClean="0">
+              <a:rPr lang="ru-RU" sz="6000" dirty="0" smtClean="0">
                 <a:effectLst/>
               </a:rPr>
               <a:t> </a:t>
             </a:r>
-            <a:endParaRPr lang="ru-RU" dirty="0"/>
+            <a:endParaRPr lang="ru-RU" sz="6000" dirty="0"/>
           </a:p>
         </p:txBody>
       </p:sp>
@@ -3514,13 +4311,13 @@
         </p:nvSpPr>
         <p:spPr>
           <a:xfrm>
-            <a:off x="838200" y="991175"/>
-            <a:ext cx="10515600" cy="5748292"/>
+            <a:off x="838200" y="1343891"/>
+            <a:ext cx="10009909" cy="5395576"/>
           </a:xfrm>
         </p:spPr>
         <p:txBody>
           <a:bodyPr>
-            <a:normAutofit fontScale="55000" lnSpcReduction="20000"/>
+            <a:normAutofit fontScale="40000" lnSpcReduction="20000"/>
           </a:bodyPr>
           <a:lstStyle/>
           <a:p>
@@ -3538,6 +4335,9 @@
               <a:lnSpc>
                 <a:spcPct val="120000"/>
               </a:lnSpc>
+              <a:spcAft>
+                <a:spcPts val="100"/>
+              </a:spcAft>
               <a:buNone/>
             </a:pPr>
             <a:r>
@@ -3584,6 +4384,9 @@
               <a:lnSpc>
                 <a:spcPct val="120000"/>
               </a:lnSpc>
+              <a:spcAft>
+                <a:spcPts val="100"/>
+              </a:spcAft>
               <a:buNone/>
             </a:pPr>
             <a:r>
@@ -3606,6 +4409,9 @@
               <a:lnSpc>
                 <a:spcPct val="120000"/>
               </a:lnSpc>
+              <a:spcAft>
+                <a:spcPts val="100"/>
+              </a:spcAft>
               <a:buNone/>
             </a:pPr>
             <a:r>
@@ -3644,6 +4450,9 @@
               <a:lnSpc>
                 <a:spcPct val="120000"/>
               </a:lnSpc>
+              <a:spcAft>
+                <a:spcPts val="100"/>
+              </a:spcAft>
               <a:buNone/>
             </a:pPr>
             <a:r>
@@ -3666,6 +4475,9 @@
               <a:lnSpc>
                 <a:spcPct val="120000"/>
               </a:lnSpc>
+              <a:spcAft>
+                <a:spcPts val="100"/>
+              </a:spcAft>
               <a:buNone/>
             </a:pPr>
             <a:r>
@@ -3760,6 +4572,9 @@
               <a:lnSpc>
                 <a:spcPct val="120000"/>
               </a:lnSpc>
+              <a:spcAft>
+                <a:spcPts val="100"/>
+              </a:spcAft>
               <a:buNone/>
             </a:pPr>
             <a:r>
@@ -3782,6 +4597,9 @@
               <a:lnSpc>
                 <a:spcPct val="120000"/>
               </a:lnSpc>
+              <a:spcAft>
+                <a:spcPts val="100"/>
+              </a:spcAft>
               <a:buNone/>
             </a:pPr>
             <a:r>
@@ -3820,6 +4638,9 @@
               <a:lnSpc>
                 <a:spcPct val="120000"/>
               </a:lnSpc>
+              <a:spcAft>
+                <a:spcPts val="100"/>
+              </a:spcAft>
               <a:buNone/>
             </a:pPr>
             <a:r>
@@ -3842,6 +4663,9 @@
               <a:lnSpc>
                 <a:spcPct val="120000"/>
               </a:lnSpc>
+              <a:spcAft>
+                <a:spcPts val="100"/>
+              </a:spcAft>
               <a:buNone/>
             </a:pPr>
             <a:r>
@@ -3936,6 +4760,9 @@
               <a:lnSpc>
                 <a:spcPct val="120000"/>
               </a:lnSpc>
+              <a:spcAft>
+                <a:spcPts val="100"/>
+              </a:spcAft>
               <a:buNone/>
             </a:pPr>
             <a:r>
@@ -3958,6 +4785,9 @@
               <a:lnSpc>
                 <a:spcPct val="120000"/>
               </a:lnSpc>
+              <a:spcAft>
+                <a:spcPts val="100"/>
+              </a:spcAft>
               <a:buNone/>
             </a:pPr>
             <a:r>
@@ -4021,7 +4851,7 @@
         <p:spPr>
           <a:xfrm>
             <a:off x="838200" y="406400"/>
-            <a:ext cx="11147470" cy="584775"/>
+            <a:ext cx="10176164" cy="1077218"/>
           </a:xfrm>
           <a:prstGeom prst="rect">
             <a:avLst/>
@@ -4035,14 +4865,52 @@
           <a:lstStyle/>
           <a:p>
             <a:r>
-              <a:rPr lang="ru-RU" sz="3200" dirty="0" smtClean="0">
+              <a:rPr lang="ru-RU" sz="3200" b="1" dirty="0" smtClean="0">
+                <a:solidFill>
+                  <a:schemeClr val="accent1"/>
+                </a:solidFill>
                 <a:latin typeface="Helvetica Neue" charset="0"/>
                 <a:ea typeface="Helvetica Neue" charset="0"/>
                 <a:cs typeface="Helvetica Neue" charset="0"/>
               </a:rPr>
-              <a:t>Результат конвертации дерева в промежуточный граф </a:t>
-            </a:r>
-            <a:endParaRPr lang="en-US" sz="3200" dirty="0">
+              <a:t>Результат конвертации дерева в </a:t>
+            </a:r>
+            <a:endParaRPr lang="ru-RU" sz="3200" b="1" dirty="0" smtClean="0">
+              <a:solidFill>
+                <a:schemeClr val="accent1"/>
+              </a:solidFill>
+              <a:latin typeface="Helvetica Neue" charset="0"/>
+              <a:ea typeface="Helvetica Neue" charset="0"/>
+              <a:cs typeface="Helvetica Neue" charset="0"/>
+            </a:endParaRPr>
+          </a:p>
+          <a:p>
+            <a:r>
+              <a:rPr lang="ru-RU" sz="3200" b="1" dirty="0" smtClean="0">
+                <a:solidFill>
+                  <a:schemeClr val="accent1"/>
+                </a:solidFill>
+                <a:latin typeface="Helvetica Neue" charset="0"/>
+                <a:ea typeface="Helvetica Neue" charset="0"/>
+                <a:cs typeface="Helvetica Neue" charset="0"/>
+              </a:rPr>
+              <a:t>промежуточный </a:t>
+            </a:r>
+            <a:r>
+              <a:rPr lang="ru-RU" sz="3200" b="1" dirty="0" smtClean="0">
+                <a:solidFill>
+                  <a:schemeClr val="accent1"/>
+                </a:solidFill>
+                <a:latin typeface="Helvetica Neue" charset="0"/>
+                <a:ea typeface="Helvetica Neue" charset="0"/>
+                <a:cs typeface="Helvetica Neue" charset="0"/>
+              </a:rPr>
+              <a:t>граф </a:t>
+            </a:r>
+            <a:endParaRPr lang="en-US" sz="3200" b="1" dirty="0">
+              <a:solidFill>
+                <a:schemeClr val="accent1"/>
+              </a:solidFill>
               <a:latin typeface="Helvetica Neue" charset="0"/>
               <a:ea typeface="Helvetica Neue" charset="0"/>
               <a:cs typeface="Helvetica Neue" charset="0"/>
@@ -4097,7 +4965,12 @@
             <p:ph type="title"/>
           </p:nvPr>
         </p:nvSpPr>
-        <p:spPr/>
+        <p:spPr>
+          <a:xfrm>
+            <a:off x="872837" y="294198"/>
+            <a:ext cx="10081676" cy="980420"/>
+          </a:xfrm>
+        </p:spPr>
         <p:txBody>
           <a:bodyPr>
             <a:normAutofit/>
@@ -4137,7 +5010,7 @@
         </p:nvGraphicFramePr>
         <p:xfrm>
           <a:off x="3041648" y="1663461"/>
-          <a:ext cx="6339418" cy="4162445"/>
+          <a:ext cx="6339418" cy="4783287"/>
         </p:xfrm>
         <a:graphic>
           <a:graphicData uri="http://schemas.openxmlformats.org/drawingml/2006/table">
@@ -4680,7 +5553,12 @@
             <p:ph type="title"/>
           </p:nvPr>
         </p:nvSpPr>
-        <p:spPr/>
+        <p:spPr>
+          <a:xfrm>
+            <a:off x="838200" y="294198"/>
+            <a:ext cx="10116312" cy="992735"/>
+          </a:xfrm>
+        </p:spPr>
         <p:txBody>
           <a:bodyPr>
             <a:normAutofit/>
@@ -5061,7 +5939,12 @@
             <p:ph type="title"/>
           </p:nvPr>
         </p:nvSpPr>
-        <p:spPr/>
+        <p:spPr>
+          <a:xfrm>
+            <a:off x="845127" y="294198"/>
+            <a:ext cx="10109385" cy="634057"/>
+          </a:xfrm>
+        </p:spPr>
         <p:txBody>
           <a:bodyPr>
             <a:normAutofit/>
@@ -5187,8 +6070,8 @@
         </p:blipFill>
         <p:spPr>
           <a:xfrm>
-            <a:off x="5435600" y="1455396"/>
-            <a:ext cx="6383867" cy="5029201"/>
+            <a:off x="5113868" y="1772717"/>
+            <a:ext cx="5966607" cy="4351338"/>
           </a:xfrm>
           <a:prstGeom prst="rect">
             <a:avLst/>
@@ -5208,8 +6091,8 @@
         </p:nvSpPr>
         <p:spPr>
           <a:xfrm>
-            <a:off x="541867" y="1455396"/>
-            <a:ext cx="4572001" cy="2492990"/>
+            <a:off x="762000" y="1455396"/>
+            <a:ext cx="4216400" cy="2616101"/>
           </a:xfrm>
           <a:prstGeom prst="rect">
             <a:avLst/>
@@ -5223,10 +6106,10 @@
           <a:lstStyle/>
           <a:p>
             <a:r>
-              <a:rPr lang="en-US" sz="2000" b="1" dirty="0" smtClean="0"/>
+              <a:rPr lang="en-US" b="1" dirty="0" smtClean="0"/>
               <a:t>Stopping by Woods on a Snowy Evening</a:t>
             </a:r>
-            <a:endParaRPr lang="en-US" sz="2000" dirty="0" smtClean="0"/>
+            <a:endParaRPr lang="en-US" dirty="0" smtClean="0"/>
           </a:p>
           <a:p>
             <a:r>
@@ -5257,7 +6140,7 @@
               </a:rPr>
             </a:br>
             <a:r>
-              <a:rPr lang="en-US" sz="2000" dirty="0" smtClean="0">
+              <a:rPr lang="en-US" dirty="0" smtClean="0">
                 <a:solidFill>
                   <a:schemeClr val="tx1">
                     <a:lumMod val="65000"/>
@@ -5273,7 +6156,7 @@
           </a:p>
           <a:p>
             <a:r>
-              <a:rPr lang="en-US" sz="2000" dirty="0" smtClean="0">
+              <a:rPr lang="en-US" dirty="0" smtClean="0">
                 <a:solidFill>
                   <a:schemeClr val="tx1">
                     <a:lumMod val="65000"/>
@@ -5289,7 +6172,7 @@
           </a:p>
           <a:p>
             <a:r>
-              <a:rPr lang="en-US" sz="2000" dirty="0" smtClean="0">
+              <a:rPr lang="en-US" dirty="0" smtClean="0">
                 <a:solidFill>
                   <a:schemeClr val="tx1">
                     <a:lumMod val="65000"/>
@@ -5305,7 +6188,7 @@
           </a:p>
           <a:p>
             <a:r>
-              <a:rPr lang="en-US" sz="2000" dirty="0" smtClean="0">
+              <a:rPr lang="en-US" dirty="0" smtClean="0">
                 <a:solidFill>
                   <a:schemeClr val="tx1">
                     <a:lumMod val="65000"/>
@@ -5349,11 +6232,15 @@
                 <a:ea typeface="Helvetica Neue" charset="0"/>
                 <a:cs typeface="Helvetica Neue" charset="0"/>
               </a:rPr>
-              <a:t>		</a:t>
+              <a:t>	</a:t>
             </a:r>
             <a:r>
               <a:rPr lang="en-US" sz="2000" b="1" dirty="0" smtClean="0"/>
-              <a:t>Robert Frost</a:t>
+              <a:t>Robert </a:t>
+            </a:r>
+            <a:r>
+              <a:rPr lang="en-US" sz="2000" b="1" dirty="0" smtClean="0"/>
+              <a:t>Frost</a:t>
             </a:r>
             <a:endParaRPr lang="en-US" sz="2000" dirty="0"/>
           </a:p>
@@ -5367,8 +6254,8 @@
         </p:nvSpPr>
         <p:spPr>
           <a:xfrm>
-            <a:off x="1388533" y="321733"/>
-            <a:ext cx="10430934" cy="584775"/>
+            <a:off x="761999" y="294024"/>
+            <a:ext cx="5652655" cy="584775"/>
           </a:xfrm>
           <a:prstGeom prst="rect">
             <a:avLst/>
@@ -5381,16 +6268,21 @@
           </a:bodyPr>
           <a:lstStyle/>
           <a:p>
-            <a:pPr algn="r"/>
-            <a:r>
-              <a:rPr lang="ru-RU" sz="3200" dirty="0" smtClean="0">
+            <a:r>
+              <a:rPr lang="ru-RU" sz="3200" b="1" dirty="0" smtClean="0">
+                <a:solidFill>
+                  <a:schemeClr val="accent1"/>
+                </a:solidFill>
                 <a:latin typeface="Helvetica Neue" charset="0"/>
                 <a:ea typeface="Helvetica Neue" charset="0"/>
                 <a:cs typeface="Helvetica Neue" charset="0"/>
               </a:rPr>
               <a:t>Полученные результаты</a:t>
             </a:r>
-            <a:endParaRPr lang="en-US" sz="3200" dirty="0">
+            <a:endParaRPr lang="en-US" sz="3200" b="1" dirty="0">
+              <a:solidFill>
+                <a:schemeClr val="accent1"/>
+              </a:solidFill>
               <a:latin typeface="Helvetica Neue" charset="0"/>
               <a:ea typeface="Helvetica Neue" charset="0"/>
               <a:cs typeface="Helvetica Neue" charset="0"/>
@@ -5445,10 +6337,15 @@
             <p:ph type="title"/>
           </p:nvPr>
         </p:nvSpPr>
-        <p:spPr/>
+        <p:spPr>
+          <a:xfrm>
+            <a:off x="838200" y="294198"/>
+            <a:ext cx="10116312" cy="941935"/>
+          </a:xfrm>
+        </p:spPr>
         <p:txBody>
           <a:bodyPr>
-            <a:normAutofit/>
+            <a:normAutofit fontScale="90000"/>
           </a:bodyPr>
           <a:lstStyle/>
           <a:p>
@@ -5609,7 +6506,9 @@
           </a:xfrm>
         </p:spPr>
         <p:txBody>
-          <a:bodyPr/>
+          <a:bodyPr>
+            <a:normAutofit/>
+          </a:bodyPr>
           <a:lstStyle/>
           <a:p>
             <a:r>
@@ -5640,8 +6539,8 @@
         </p:blipFill>
         <p:spPr>
           <a:xfrm>
-            <a:off x="5365634" y="1303745"/>
-            <a:ext cx="5988166" cy="4940952"/>
+            <a:off x="5733565" y="1524027"/>
+            <a:ext cx="5273586" cy="4351338"/>
           </a:xfrm>
           <a:prstGeom prst="rect">
             <a:avLst/>
@@ -5662,82 +6561,7 @@
         <p:spPr>
           <a:xfrm>
             <a:off x="819034" y="1557867"/>
-            <a:ext cx="4154920" cy="1938992"/>
-          </a:xfrm>
-          <a:prstGeom prst="rect">
-            <a:avLst/>
-          </a:prstGeom>
-          <a:noFill/>
-        </p:spPr>
-        <p:txBody>
-          <a:bodyPr wrap="none" rtlCol="0">
-            <a:spAutoFit/>
-          </a:bodyPr>
-          <a:lstStyle/>
-          <a:p>
-            <a:r>
-              <a:rPr lang="en-US" sz="2000" dirty="0">
-                <a:latin typeface="+mj-lt"/>
-              </a:rPr>
-              <a:t>The woods are lovely, dark and deep,   </a:t>
-            </a:r>
-          </a:p>
-          <a:p>
-            <a:r>
-              <a:rPr lang="en-US" sz="2000" dirty="0">
-                <a:latin typeface="+mj-lt"/>
-              </a:rPr>
-              <a:t>But I have promises to keep,   </a:t>
-            </a:r>
-          </a:p>
-          <a:p>
-            <a:r>
-              <a:rPr lang="en-US" sz="2000" dirty="0">
-                <a:latin typeface="+mj-lt"/>
-              </a:rPr>
-              <a:t>And miles to go before I sleep,   </a:t>
-            </a:r>
-          </a:p>
-          <a:p>
-            <a:r>
-              <a:rPr lang="en-US" sz="2000" dirty="0">
-                <a:latin typeface="+mj-lt"/>
-              </a:rPr>
-              <a:t>And miles to go before I sleep.   </a:t>
-            </a:r>
-            <a:endParaRPr lang="ru-RU" sz="2000" dirty="0" smtClean="0">
-              <a:latin typeface="+mj-lt"/>
-            </a:endParaRPr>
-          </a:p>
-          <a:p>
-            <a:endParaRPr lang="ru-RU" sz="2000" b="1" dirty="0">
-              <a:latin typeface="+mj-lt"/>
-            </a:endParaRPr>
-          </a:p>
-          <a:p>
-            <a:pPr algn="r"/>
-            <a:r>
-              <a:rPr lang="en-US" sz="2000" b="1" dirty="0" smtClean="0">
-                <a:latin typeface="+mj-lt"/>
-              </a:rPr>
-              <a:t>Robert Frost</a:t>
-            </a:r>
-            <a:endParaRPr lang="en-US" sz="2000" b="1" dirty="0">
-              <a:latin typeface="+mj-lt"/>
-            </a:endParaRPr>
-          </a:p>
-        </p:txBody>
-      </p:sp>
-      <p:sp>
-        <p:nvSpPr>
-          <p:cNvPr id="8" name="TextBox 7"/>
-          <p:cNvSpPr txBox="1"/>
-          <p:nvPr/>
-        </p:nvSpPr>
-        <p:spPr>
-          <a:xfrm>
-            <a:off x="2781355" y="5875365"/>
-            <a:ext cx="2388439" cy="369332"/>
+            <a:ext cx="4718166" cy="1938992"/>
           </a:xfrm>
           <a:prstGeom prst="rect">
             <a:avLst/>
@@ -5750,12 +6574,56 @@
           </a:bodyPr>
           <a:lstStyle/>
           <a:p>
+            <a:r>
+              <a:rPr lang="en-US" sz="2000" dirty="0">
+                <a:latin typeface="+mj-lt"/>
+              </a:rPr>
+              <a:t>The woods are lovely, dark and deep,   </a:t>
+            </a:r>
+          </a:p>
+          <a:p>
+            <a:r>
+              <a:rPr lang="en-US" sz="2000" dirty="0">
+                <a:latin typeface="+mj-lt"/>
+              </a:rPr>
+              <a:t>But I have promises to keep,   </a:t>
+            </a:r>
+          </a:p>
+          <a:p>
+            <a:r>
+              <a:rPr lang="en-US" sz="2000" dirty="0">
+                <a:latin typeface="+mj-lt"/>
+              </a:rPr>
+              <a:t>And miles to go before I sleep,   </a:t>
+            </a:r>
+          </a:p>
+          <a:p>
+            <a:r>
+              <a:rPr lang="en-US" sz="2000" dirty="0">
+                <a:latin typeface="+mj-lt"/>
+              </a:rPr>
+              <a:t>And miles to go before I sleep.   </a:t>
+            </a:r>
+            <a:endParaRPr lang="ru-RU" sz="2000" dirty="0" smtClean="0">
+              <a:latin typeface="+mj-lt"/>
+            </a:endParaRPr>
+          </a:p>
+          <a:p>
+            <a:endParaRPr lang="ru-RU" sz="2000" b="1" dirty="0">
+              <a:latin typeface="+mj-lt"/>
+            </a:endParaRPr>
+          </a:p>
+          <a:p>
             <a:pPr algn="r"/>
             <a:r>
-              <a:rPr lang="ru-RU" dirty="0" smtClean="0"/>
-              <a:t>Негативный результат</a:t>
-            </a:r>
-            <a:endParaRPr lang="en-US" dirty="0"/>
+              <a:rPr lang="en-US" sz="2000" b="1" dirty="0" smtClean="0">
+                <a:latin typeface="+mj-lt"/>
+              </a:rPr>
+              <a:t>Robert Frost</a:t>
+            </a:r>
+            <a:endParaRPr lang="en-US" sz="2000" b="1" dirty="0">
+              <a:latin typeface="+mj-lt"/>
+            </a:endParaRPr>
           </a:p>
         </p:txBody>
       </p:sp>
@@ -5816,8 +6684,8 @@
         </p:blipFill>
         <p:spPr>
           <a:xfrm>
-            <a:off x="3437466" y="1690688"/>
-            <a:ext cx="8351548" cy="4376168"/>
+            <a:off x="2762011" y="1715518"/>
+            <a:ext cx="8304162" cy="4351338"/>
           </a:xfrm>
           <a:prstGeom prst="rect">
             <a:avLst/>
@@ -5838,7 +6706,7 @@
         <p:spPr>
           <a:xfrm>
             <a:off x="1608667" y="355601"/>
-            <a:ext cx="10180347" cy="830997"/>
+            <a:ext cx="9618133" cy="1200329"/>
           </a:xfrm>
           <a:prstGeom prst="rect">
             <a:avLst/>
@@ -5852,7 +6720,7 @@
           <a:lstStyle/>
           <a:p>
             <a:r>
-              <a:rPr lang="en-US" sz="2400" smtClean="0">
+              <a:rPr lang="en-US" sz="2400" dirty="0" smtClean="0">
                 <a:latin typeface="+mj-lt"/>
               </a:rPr>
               <a:t>Cats </a:t>
@@ -5918,41 +6786,6 @@
               <a:t>prey</a:t>
             </a:r>
             <a:endParaRPr lang="en-US" sz="2400" dirty="0">
-              <a:latin typeface="+mj-lt"/>
-            </a:endParaRPr>
-          </a:p>
-        </p:txBody>
-      </p:sp>
-      <p:sp>
-        <p:nvSpPr>
-          <p:cNvPr id="8" name="TextBox 7"/>
-          <p:cNvSpPr txBox="1"/>
-          <p:nvPr/>
-        </p:nvSpPr>
-        <p:spPr>
-          <a:xfrm>
-            <a:off x="781509" y="5697524"/>
-            <a:ext cx="2523905" cy="369332"/>
-          </a:xfrm>
-          <a:prstGeom prst="rect">
-            <a:avLst/>
-          </a:prstGeom>
-          <a:noFill/>
-        </p:spPr>
-        <p:txBody>
-          <a:bodyPr wrap="square" rtlCol="0">
-            <a:spAutoFit/>
-          </a:bodyPr>
-          <a:lstStyle/>
-          <a:p>
-            <a:pPr algn="r"/>
-            <a:r>
-              <a:rPr lang="ru-RU" dirty="0" smtClean="0">
-                <a:latin typeface="+mj-lt"/>
-              </a:rPr>
-              <a:t>Наилучший результат</a:t>
-            </a:r>
-            <a:endParaRPr lang="en-US" dirty="0">
               <a:latin typeface="+mj-lt"/>
             </a:endParaRPr>
           </a:p>
@@ -5981,10 +6814,18 @@
           <a:lstStyle/>
           <a:p>
             <a:r>
-              <a:rPr lang="ru-RU" sz="4400" dirty="0"/>
+              <a:rPr lang="ru-RU" sz="4400" b="1" dirty="0">
+                <a:solidFill>
+                  <a:schemeClr val="accent1"/>
+                </a:solidFill>
+              </a:rPr>
               <a:t>2</a:t>
             </a:r>
-            <a:endParaRPr lang="en-US" sz="4400" dirty="0"/>
+            <a:endParaRPr lang="en-US" sz="4400" b="1" dirty="0">
+              <a:solidFill>
+                <a:schemeClr val="accent1"/>
+              </a:solidFill>
+            </a:endParaRPr>
           </a:p>
         </p:txBody>
       </p:sp>
@@ -6037,26 +6878,41 @@
         </p:nvSpPr>
         <p:spPr>
           <a:xfrm>
-            <a:off x="1710266" y="365125"/>
-            <a:ext cx="9643533" cy="1325563"/>
+            <a:off x="1540204" y="3454707"/>
+            <a:ext cx="5401732" cy="474133"/>
           </a:xfrm>
         </p:spPr>
         <p:txBody>
           <a:bodyPr>
-            <a:normAutofit/>
+            <a:normAutofit fontScale="90000"/>
           </a:bodyPr>
           <a:lstStyle/>
           <a:p>
-            <a:r>
-              <a:rPr lang="ru-RU" sz="3200" dirty="0" smtClean="0">
-                <a:latin typeface="Helvetica Neue" charset="0"/>
+            <a:pPr algn="r"/>
+            <a:r>
+              <a:rPr lang="ru-RU" sz="2000" dirty="0" smtClean="0">
+                <a:solidFill>
+                  <a:schemeClr val="tx1"/>
+                </a:solidFill>
                 <a:ea typeface="Helvetica Neue" charset="0"/>
                 <a:cs typeface="Helvetica Neue" charset="0"/>
               </a:rPr>
-              <a:t>Короткие семантически насыщенные тексты</a:t>
-            </a:r>
-            <a:endParaRPr lang="en-US" sz="3200" dirty="0">
-              <a:latin typeface="Helvetica Neue" charset="0"/>
+              <a:t>Короткие </a:t>
+            </a:r>
+            <a:r>
+              <a:rPr lang="ru-RU" sz="2000" dirty="0" smtClean="0">
+                <a:solidFill>
+                  <a:schemeClr val="tx1"/>
+                </a:solidFill>
+                <a:ea typeface="Helvetica Neue" charset="0"/>
+                <a:cs typeface="Helvetica Neue" charset="0"/>
+              </a:rPr>
+              <a:t>семантически насыщенные тексты</a:t>
+            </a:r>
+            <a:endParaRPr lang="en-US" sz="2000" dirty="0">
+              <a:solidFill>
+                <a:schemeClr val="tx1"/>
+              </a:solidFill>
               <a:ea typeface="Helvetica Neue" charset="0"/>
               <a:cs typeface="Helvetica Neue" charset="0"/>
             </a:endParaRPr>
@@ -6083,8 +6939,8 @@
         </p:blipFill>
         <p:spPr>
           <a:xfrm>
-            <a:off x="7305201" y="1520825"/>
-            <a:ext cx="4048599" cy="4768350"/>
+            <a:off x="7120466" y="1753171"/>
+            <a:ext cx="3694532" cy="4351338"/>
           </a:xfrm>
           <a:prstGeom prst="rect">
             <a:avLst/>
@@ -6105,7 +6961,7 @@
         <p:spPr>
           <a:xfrm>
             <a:off x="1202267" y="2252133"/>
-            <a:ext cx="5272982" cy="984885"/>
+            <a:ext cx="5561138" cy="984885"/>
           </a:xfrm>
           <a:prstGeom prst="rect">
             <a:avLst/>
@@ -6126,7 +6982,7 @@
                     <a:lumOff val="35000"/>
                   </a:schemeClr>
                 </a:solidFill>
-                <a:latin typeface="Helvetica Neue" charset="0"/>
+                <a:latin typeface="+mj-lt"/>
                 <a:ea typeface="Helvetica Neue" charset="0"/>
                 <a:cs typeface="Helvetica Neue" charset="0"/>
               </a:rPr>
@@ -6140,7 +6996,7 @@
                     <a:lumOff val="35000"/>
                   </a:schemeClr>
                 </a:solidFill>
-                <a:latin typeface="Helvetica Neue" charset="0"/>
+                <a:latin typeface="+mj-lt"/>
                 <a:ea typeface="Helvetica Neue" charset="0"/>
                 <a:cs typeface="Helvetica Neue" charset="0"/>
               </a:rPr>
@@ -6154,7 +7010,7 @@
                     <a:lumOff val="35000"/>
                   </a:schemeClr>
                 </a:solidFill>
-                <a:latin typeface="Helvetica Neue" charset="0"/>
+                <a:latin typeface="+mj-lt"/>
                 <a:ea typeface="Helvetica Neue" charset="0"/>
                 <a:cs typeface="Helvetica Neue" charset="0"/>
               </a:rPr>
@@ -6167,7 +7023,7 @@
                   <a:lumOff val="35000"/>
                 </a:schemeClr>
               </a:solidFill>
-              <a:latin typeface="Helvetica Neue" charset="0"/>
+              <a:latin typeface="+mj-lt"/>
               <a:ea typeface="Helvetica Neue" charset="0"/>
               <a:cs typeface="Helvetica Neue" charset="0"/>
             </a:endParaRPr>
@@ -6181,7 +7037,7 @@
                     <a:lumOff val="35000"/>
                   </a:schemeClr>
                 </a:solidFill>
-                <a:latin typeface="Helvetica Neue" charset="0"/>
+                <a:latin typeface="+mj-lt"/>
                 <a:ea typeface="Helvetica Neue" charset="0"/>
                 <a:cs typeface="Helvetica Neue" charset="0"/>
               </a:rPr>
@@ -6195,7 +7051,7 @@
                     <a:lumOff val="35000"/>
                   </a:schemeClr>
                 </a:solidFill>
-                <a:latin typeface="Helvetica Neue" charset="0"/>
+                <a:latin typeface="+mj-lt"/>
                 <a:ea typeface="Helvetica Neue" charset="0"/>
                 <a:cs typeface="Helvetica Neue" charset="0"/>
               </a:rPr>
@@ -6209,7 +7065,7 @@
                     <a:lumOff val="35000"/>
                   </a:schemeClr>
                 </a:solidFill>
-                <a:latin typeface="Helvetica Neue" charset="0"/>
+                <a:latin typeface="+mj-lt"/>
                 <a:ea typeface="Helvetica Neue" charset="0"/>
                 <a:cs typeface="Helvetica Neue" charset="0"/>
               </a:rPr>
@@ -6224,7 +7080,7 @@
                   </a:schemeClr>
                 </a:solidFill>
                 <a:effectLst/>
-                <a:latin typeface="Helvetica Neue" charset="0"/>
+                <a:latin typeface="+mj-lt"/>
                 <a:ea typeface="Helvetica Neue" charset="0"/>
                 <a:cs typeface="Helvetica Neue" charset="0"/>
               </a:rPr>
@@ -6237,7 +7093,7 @@
                   <a:lumOff val="35000"/>
                 </a:schemeClr>
               </a:solidFill>
-              <a:latin typeface="Helvetica Neue" charset="0"/>
+              <a:latin typeface="+mj-lt"/>
               <a:ea typeface="Helvetica Neue" charset="0"/>
               <a:cs typeface="Helvetica Neue" charset="0"/>
             </a:endParaRPr>
@@ -6249,14 +7105,14 @@
       </p:sp>
       <p:sp>
         <p:nvSpPr>
-          <p:cNvPr id="7" name="TextBox 6"/>
+          <p:cNvPr id="8" name="TextBox 7"/>
           <p:cNvSpPr txBox="1"/>
           <p:nvPr/>
         </p:nvSpPr>
         <p:spPr>
           <a:xfrm>
-            <a:off x="4732027" y="5919843"/>
-            <a:ext cx="2388439" cy="369332"/>
+            <a:off x="660401" y="643186"/>
+            <a:ext cx="541866" cy="769441"/>
           </a:xfrm>
           <a:prstGeom prst="rect">
             <a:avLst/>
@@ -6269,42 +7125,19 @@
           </a:bodyPr>
           <a:lstStyle/>
           <a:p>
-            <a:pPr algn="r"/>
-            <a:r>
-              <a:rPr lang="ru-RU" smtClean="0"/>
-              <a:t>Позитивный результат</a:t>
-            </a:r>
-            <a:endParaRPr lang="en-US" dirty="0"/>
-          </a:p>
-        </p:txBody>
-      </p:sp>
-      <p:sp>
-        <p:nvSpPr>
-          <p:cNvPr id="8" name="TextBox 7"/>
-          <p:cNvSpPr txBox="1"/>
-          <p:nvPr/>
-        </p:nvSpPr>
-        <p:spPr>
-          <a:xfrm>
-            <a:off x="660401" y="643185"/>
-            <a:ext cx="609600" cy="769441"/>
-          </a:xfrm>
-          <a:prstGeom prst="rect">
-            <a:avLst/>
-          </a:prstGeom>
-          <a:noFill/>
-        </p:spPr>
-        <p:txBody>
-          <a:bodyPr wrap="square" rtlCol="0">
-            <a:spAutoFit/>
-          </a:bodyPr>
-          <a:lstStyle/>
-          <a:p>
-            <a:r>
-              <a:rPr lang="ru-RU" sz="4400" dirty="0" smtClean="0"/>
+            <a:r>
+              <a:rPr lang="ru-RU" sz="4400" b="1" dirty="0" smtClean="0">
+                <a:solidFill>
+                  <a:schemeClr val="accent1"/>
+                </a:solidFill>
+              </a:rPr>
               <a:t>3</a:t>
             </a:r>
-            <a:endParaRPr lang="en-US" sz="4400" dirty="0"/>
+            <a:endParaRPr lang="en-US" sz="4400" b="1" dirty="0">
+              <a:solidFill>
+                <a:schemeClr val="accent1"/>
+              </a:solidFill>
+            </a:endParaRPr>
           </a:p>
         </p:txBody>
       </p:sp>
@@ -6363,7 +7196,7 @@
         </p:spPr>
         <p:txBody>
           <a:bodyPr>
-            <a:normAutofit fontScale="92500" lnSpcReduction="20000"/>
+            <a:normAutofit/>
           </a:bodyPr>
           <a:lstStyle/>
           <a:p>
@@ -6374,7 +7207,11 @@
               <a:buNone/>
             </a:pPr>
             <a:r>
-              <a:rPr lang="ru-RU" sz="4800" dirty="0" smtClean="0"/>
+              <a:rPr lang="ru-RU" sz="4800" b="1" dirty="0" smtClean="0">
+                <a:solidFill>
+                  <a:schemeClr val="accent1"/>
+                </a:solidFill>
+              </a:rPr>
               <a:t>4</a:t>
             </a:r>
             <a:r>
@@ -6511,7 +7348,7 @@
         <p:spPr>
           <a:xfrm>
             <a:off x="838200" y="365125"/>
-            <a:ext cx="10515600" cy="2361142"/>
+            <a:ext cx="10185400" cy="2361142"/>
           </a:xfrm>
         </p:spPr>
         <p:txBody>
@@ -6525,10 +7362,18 @@
               <a:t>Цель работы </a:t>
             </a:r>
             <a:r>
-              <a:rPr lang="ru-RU" sz="3200" dirty="0" smtClean="0"/>
+              <a:rPr lang="ru-RU" sz="2800" b="0" dirty="0" smtClean="0">
+                <a:solidFill>
+                  <a:schemeClr val="tx1"/>
+                </a:solidFill>
+              </a:rPr>
               <a:t>- разработка правил конвертации текста на естественном языке в формат для обмена данными UML, Создание программного продукта для автоматизированной конвертации текста с последующим сохранением в формате XMI.</a:t>
             </a:r>
-            <a:endParaRPr lang="en-US" sz="3200" dirty="0"/>
+            <a:endParaRPr lang="en-US" sz="2800" b="0" dirty="0">
+              <a:solidFill>
+                <a:schemeClr val="tx1"/>
+              </a:solidFill>
+            </a:endParaRPr>
           </a:p>
         </p:txBody>
       </p:sp>
@@ -6574,18 +7419,22 @@
           </a:lstStyle>
           <a:p>
             <a:r>
-              <a:rPr lang="ru-RU" sz="3200" b="1" dirty="0" smtClean="0"/>
+              <a:rPr lang="ru-RU" sz="3200" b="1" dirty="0" smtClean="0">
+                <a:solidFill>
+                  <a:schemeClr val="accent1"/>
+                </a:solidFill>
+              </a:rPr>
               <a:t>Практическое значение </a:t>
             </a:r>
             <a:r>
-              <a:rPr lang="ru-RU" sz="3200" dirty="0" smtClean="0"/>
+              <a:rPr lang="ru-RU" sz="2800" dirty="0" smtClean="0"/>
               <a:t>этой дипломной работы составляет, получения и использования UML диаграмм в дальнейшем анализе и редактировании текста, с целью конвертации в OWL формат (язык онтологий) - дипломная работа Александра </a:t>
             </a:r>
             <a:r>
-              <a:rPr lang="ru-RU" sz="3200" dirty="0" err="1" smtClean="0"/>
+              <a:rPr lang="ru-RU" sz="2800" dirty="0" err="1" smtClean="0"/>
               <a:t>Василейко</a:t>
             </a:r>
-            <a:endParaRPr lang="en-US" sz="3200" dirty="0"/>
+            <a:endParaRPr lang="en-US" sz="2800" dirty="0"/>
           </a:p>
         </p:txBody>
       </p:sp>
@@ -6646,8 +7495,8 @@
         </p:blipFill>
         <p:spPr>
           <a:xfrm>
-            <a:off x="2810933" y="592666"/>
-            <a:ext cx="8847667" cy="5652030"/>
+            <a:off x="2777067" y="1215998"/>
+            <a:ext cx="8189993" cy="5231898"/>
           </a:xfrm>
           <a:prstGeom prst="rect">
             <a:avLst/>
@@ -6667,8 +7516,8 @@
         </p:nvSpPr>
         <p:spPr>
           <a:xfrm>
-            <a:off x="261626" y="5875364"/>
-            <a:ext cx="2388439" cy="369332"/>
+            <a:off x="744228" y="541865"/>
+            <a:ext cx="9077106" cy="369332"/>
           </a:xfrm>
           <a:prstGeom prst="rect">
             <a:avLst/>
@@ -6681,12 +7530,11 @@
           </a:bodyPr>
           <a:lstStyle/>
           <a:p>
-            <a:pPr algn="r"/>
-            <a:r>
-              <a:rPr lang="ru-RU" dirty="0" smtClean="0"/>
-              <a:t>Негативный результат</a:t>
-            </a:r>
-            <a:endParaRPr lang="en-US" dirty="0"/>
+            <a:r>
+              <a:rPr lang="ru-RU" b="1" dirty="0" smtClean="0"/>
+              <a:t>Текст с орфографическими и синтаксическими ошибками</a:t>
+            </a:r>
+            <a:endParaRPr lang="en-US" b="1" dirty="0"/>
           </a:p>
         </p:txBody>
       </p:sp>
@@ -6737,7 +7585,12 @@
             <p:ph type="title"/>
           </p:nvPr>
         </p:nvSpPr>
-        <p:spPr/>
+        <p:spPr>
+          <a:xfrm>
+            <a:off x="863600" y="294198"/>
+            <a:ext cx="10090912" cy="721802"/>
+          </a:xfrm>
+        </p:spPr>
         <p:txBody>
           <a:bodyPr/>
           <a:lstStyle/>
@@ -6760,7 +7613,12 @@
             <p:ph idx="1"/>
           </p:nvPr>
         </p:nvSpPr>
-        <p:spPr/>
+        <p:spPr>
+          <a:xfrm>
+            <a:off x="863599" y="1828800"/>
+            <a:ext cx="10227733" cy="4351337"/>
+          </a:xfrm>
+        </p:spPr>
         <p:txBody>
           <a:bodyPr>
             <a:normAutofit/>
@@ -6968,6 +7826,29 @@
               <a:rPr lang="ru-RU" dirty="0" smtClean="0"/>
               <a:t>его корректность с точки зрения орфографии и семантики; </a:t>
             </a:r>
+            <a:endParaRPr lang="ru-RU" dirty="0" smtClean="0"/>
+          </a:p>
+          <a:p>
+            <a:pPr>
+              <a:buFontTx/>
+              <a:buChar char="-"/>
+            </a:pPr>
+            <a:r>
+              <a:rPr lang="ru-RU" dirty="0" smtClean="0"/>
+              <a:t>результаты </a:t>
+            </a:r>
+            <a:r>
+              <a:rPr lang="ru-RU" dirty="0" err="1" smtClean="0"/>
+              <a:t>парсинга</a:t>
+            </a:r>
+            <a:r>
+              <a:rPr lang="ru-RU" dirty="0" smtClean="0"/>
+              <a:t> </a:t>
+            </a:r>
+            <a:r>
+              <a:rPr lang="en-US" dirty="0" smtClean="0"/>
+              <a:t>Stanford Core NLP;</a:t>
+            </a:r>
             <a:endParaRPr lang="ru-RU" dirty="0"/>
           </a:p>
           <a:p>
@@ -6976,7 +7857,15 @@
             </a:pPr>
             <a:r>
               <a:rPr lang="ru-RU" dirty="0" smtClean="0"/>
-              <a:t>- третьим важнейшим фактором может быть корректность правил конвертации.</a:t>
+              <a:t>- </a:t>
+            </a:r>
+            <a:r>
+              <a:rPr lang="ru-RU" dirty="0" smtClean="0"/>
+              <a:t> корректность </a:t>
+            </a:r>
+            <a:r>
+              <a:rPr lang="ru-RU" dirty="0" smtClean="0"/>
+              <a:t>правил конвертации.</a:t>
             </a:r>
             <a:endParaRPr lang="en-US" dirty="0" smtClean="0"/>
           </a:p>
@@ -7212,7 +8101,12 @@
             <p:ph type="title"/>
           </p:nvPr>
         </p:nvSpPr>
-        <p:spPr/>
+        <p:spPr>
+          <a:xfrm>
+            <a:off x="863600" y="294198"/>
+            <a:ext cx="10090912" cy="671002"/>
+          </a:xfrm>
+        </p:spPr>
         <p:txBody>
           <a:bodyPr>
             <a:normAutofit/>
@@ -7245,9 +8139,16 @@
             <p:ph idx="1"/>
           </p:nvPr>
         </p:nvSpPr>
-        <p:spPr/>
+        <p:spPr>
+          <a:xfrm>
+            <a:off x="863600" y="1828800"/>
+            <a:ext cx="8993632" cy="4351337"/>
+          </a:xfrm>
+        </p:spPr>
         <p:txBody>
-          <a:bodyPr/>
+          <a:bodyPr>
+            <a:normAutofit/>
+          </a:bodyPr>
           <a:lstStyle/>
           <a:p>
             <a:pPr>
@@ -7259,14 +8160,22 @@
               </a:spcBef>
             </a:pPr>
             <a:r>
-              <a:rPr lang="ru-RU" dirty="0" smtClean="0">
+              <a:rPr lang="ru-RU" sz="2400" dirty="0" smtClean="0">
                 <a:latin typeface="+mj-lt"/>
                 <a:ea typeface="Helvetica Neue" charset="0"/>
                 <a:cs typeface="Helvetica Neue" charset="0"/>
               </a:rPr>
-              <a:t>Интегрированный набор инструментов для грамматического анализа</a:t>
-            </a:r>
-            <a:endParaRPr lang="ru-RU" dirty="0">
+              <a:t>Интегрированный набор инструментов для грамматического </a:t>
+            </a:r>
+            <a:r>
+              <a:rPr lang="ru-RU" sz="2400" dirty="0" smtClean="0">
+                <a:latin typeface="+mj-lt"/>
+                <a:ea typeface="Helvetica Neue" charset="0"/>
+                <a:cs typeface="Helvetica Neue" charset="0"/>
+              </a:rPr>
+              <a:t>анализа</a:t>
+            </a:r>
+            <a:endParaRPr lang="ru-RU" sz="2400" dirty="0">
               <a:latin typeface="+mj-lt"/>
               <a:ea typeface="Helvetica Neue" charset="0"/>
               <a:cs typeface="Helvetica Neue" charset="0"/>
@@ -7282,14 +8191,22 @@
               </a:spcBef>
             </a:pPr>
             <a:r>
-              <a:rPr lang="ru-RU" dirty="0" smtClean="0">
+              <a:rPr lang="ru-RU" sz="2400" dirty="0" smtClean="0">
                 <a:latin typeface="+mj-lt"/>
                 <a:ea typeface="Helvetica Neue" charset="0"/>
                 <a:cs typeface="Helvetica Neue" charset="0"/>
               </a:rPr>
-              <a:t> Быстрый и надежный анализ произвольного текста</a:t>
-            </a:r>
-            <a:endParaRPr lang="ru-RU" dirty="0">
+              <a:t>Быстрый </a:t>
+            </a:r>
+            <a:r>
+              <a:rPr lang="ru-RU" sz="2400" dirty="0" smtClean="0">
+                <a:latin typeface="+mj-lt"/>
+                <a:ea typeface="Helvetica Neue" charset="0"/>
+                <a:cs typeface="Helvetica Neue" charset="0"/>
+              </a:rPr>
+              <a:t>и надежный анализ произвольного текста</a:t>
+            </a:r>
+            <a:endParaRPr lang="ru-RU" sz="2400" dirty="0">
               <a:latin typeface="+mj-lt"/>
               <a:ea typeface="Helvetica Neue" charset="0"/>
               <a:cs typeface="Helvetica Neue" charset="0"/>
@@ -7305,14 +8222,14 @@
               </a:spcBef>
             </a:pPr>
             <a:r>
-              <a:rPr lang="ru-RU" dirty="0" smtClean="0">
+              <a:rPr lang="ru-RU" sz="2400" dirty="0" smtClean="0">
                 <a:latin typeface="+mj-lt"/>
                 <a:ea typeface="Helvetica Neue" charset="0"/>
                 <a:cs typeface="Helvetica Neue" charset="0"/>
               </a:rPr>
               <a:t>Высокое качество при анализе текста</a:t>
             </a:r>
-            <a:endParaRPr lang="ru-RU" dirty="0">
+            <a:endParaRPr lang="ru-RU" sz="2400" dirty="0">
               <a:latin typeface="+mj-lt"/>
               <a:ea typeface="Helvetica Neue" charset="0"/>
               <a:cs typeface="Helvetica Neue" charset="0"/>
@@ -7328,14 +8245,14 @@
               </a:spcBef>
             </a:pPr>
             <a:r>
-              <a:rPr lang="ru-RU" dirty="0" smtClean="0">
+              <a:rPr lang="ru-RU" sz="2400" dirty="0" smtClean="0">
                 <a:latin typeface="+mj-lt"/>
                 <a:ea typeface="Helvetica Neue" charset="0"/>
                 <a:cs typeface="Helvetica Neue" charset="0"/>
               </a:rPr>
               <a:t> Поддержка основных языков (английский, арабский, китайский, французский, немецкий, испанский)</a:t>
             </a:r>
-            <a:endParaRPr lang="ru-RU" dirty="0">
+            <a:endParaRPr lang="ru-RU" sz="2400" dirty="0">
               <a:latin typeface="+mj-lt"/>
               <a:ea typeface="Helvetica Neue" charset="0"/>
               <a:cs typeface="Helvetica Neue" charset="0"/>
@@ -7351,14 +8268,14 @@
               </a:spcBef>
             </a:pPr>
             <a:r>
-              <a:rPr lang="ru-RU" dirty="0" smtClean="0">
+              <a:rPr lang="ru-RU" sz="2400" dirty="0" smtClean="0">
                 <a:latin typeface="+mj-lt"/>
                 <a:ea typeface="Helvetica Neue" charset="0"/>
                 <a:cs typeface="Helvetica Neue" charset="0"/>
               </a:rPr>
               <a:t> Доступные интерфейсы для основных современных языков программирования</a:t>
             </a:r>
-            <a:endParaRPr lang="ru-RU" dirty="0">
+            <a:endParaRPr lang="ru-RU" sz="2400" dirty="0">
               <a:latin typeface="+mj-lt"/>
               <a:ea typeface="Helvetica Neue" charset="0"/>
               <a:cs typeface="Helvetica Neue" charset="0"/>
@@ -7374,14 +8291,14 @@
               </a:spcBef>
             </a:pPr>
             <a:r>
-              <a:rPr lang="ru-RU" dirty="0" smtClean="0">
+              <a:rPr lang="ru-RU" sz="2400" dirty="0" smtClean="0">
                 <a:latin typeface="+mj-lt"/>
                 <a:ea typeface="Helvetica Neue" charset="0"/>
                 <a:cs typeface="Helvetica Neue" charset="0"/>
               </a:rPr>
               <a:t> Возможность работать как простой веб-сервис</a:t>
             </a:r>
-            <a:endParaRPr lang="en-US" dirty="0">
+            <a:endParaRPr lang="en-US" sz="2400" dirty="0">
               <a:latin typeface="+mj-lt"/>
               <a:ea typeface="Helvetica Neue" charset="0"/>
               <a:cs typeface="Helvetica Neue" charset="0"/>
@@ -7436,7 +8353,12 @@
             <p:ph type="title"/>
           </p:nvPr>
         </p:nvSpPr>
-        <p:spPr/>
+        <p:spPr>
+          <a:xfrm>
+            <a:off x="1261872" y="294198"/>
+            <a:ext cx="9692640" cy="703329"/>
+          </a:xfrm>
+        </p:spPr>
         <p:txBody>
           <a:bodyPr>
             <a:normAutofit/>
@@ -7469,7 +8391,7 @@
             <p:ph idx="1"/>
             <p:extLst>
               <p:ext uri="{D42A27DB-BD31-4B8C-83A1-F6EECF244321}">
-                <p14:modId xmlns:p14="http://schemas.microsoft.com/office/powerpoint/2010/main" val="630479522"/>
+                <p14:modId xmlns:p14="http://schemas.microsoft.com/office/powerpoint/2010/main" val="898490837"/>
               </p:ext>
             </p:extLst>
           </p:nvPr>
@@ -8074,12 +8996,12 @@
                         </a:spcAft>
                       </a:pPr>
                       <a:r>
-                        <a:rPr lang="en-US" sz="1400">
+                        <a:rPr lang="en-US" sz="1400" dirty="0" err="1">
                           <a:effectLst/>
                         </a:rPr>
                         <a:t>Truecase</a:t>
                       </a:r>
-                      <a:endParaRPr lang="en-US" sz="1100">
+                      <a:endParaRPr lang="en-US" sz="1100" dirty="0">
                         <a:solidFill>
                           <a:srgbClr val="000000"/>
                         </a:solidFill>
@@ -9880,8 +10802,8 @@
         </p:nvSpPr>
         <p:spPr>
           <a:xfrm>
-            <a:off x="838200" y="237068"/>
-            <a:ext cx="10515600" cy="6366932"/>
+            <a:off x="838200" y="0"/>
+            <a:ext cx="10515600" cy="6858000"/>
           </a:xfrm>
         </p:spPr>
         <p:txBody>
@@ -9891,10 +10813,16 @@
           <a:lstStyle/>
           <a:p>
             <a:pPr marL="0" indent="0">
+              <a:lnSpc>
+                <a:spcPct val="100000"/>
+              </a:lnSpc>
+              <a:spcAft>
+                <a:spcPts val="100"/>
+              </a:spcAft>
               <a:buNone/>
             </a:pPr>
             <a:r>
-              <a:rPr lang="en-US" sz="1600" dirty="0">
+              <a:rPr lang="en-US" sz="1400" dirty="0">
                 <a:latin typeface="Helvetica Neue" charset="0"/>
                 <a:ea typeface="Helvetica Neue" charset="0"/>
                 <a:cs typeface="Helvetica Neue" charset="0"/>
@@ -9904,10 +10832,16 @@
           </a:p>
           <a:p>
             <a:pPr marL="0" indent="0">
+              <a:lnSpc>
+                <a:spcPct val="100000"/>
+              </a:lnSpc>
+              <a:spcAft>
+                <a:spcPts val="100"/>
+              </a:spcAft>
               <a:buNone/>
             </a:pPr>
             <a:r>
-              <a:rPr lang="en-US" sz="1600" dirty="0">
+              <a:rPr lang="en-US" sz="1400" dirty="0">
                 <a:latin typeface="Helvetica Neue" charset="0"/>
                 <a:ea typeface="Helvetica Neue" charset="0"/>
                 <a:cs typeface="Helvetica Neue" charset="0"/>
@@ -9917,10 +10851,16 @@
           </a:p>
           <a:p>
             <a:pPr marL="0" indent="0">
+              <a:lnSpc>
+                <a:spcPct val="100000"/>
+              </a:lnSpc>
+              <a:spcAft>
+                <a:spcPts val="100"/>
+              </a:spcAft>
               <a:buNone/>
             </a:pPr>
             <a:r>
-              <a:rPr lang="en-US" sz="1600" dirty="0">
+              <a:rPr lang="en-US" sz="1400" dirty="0">
                 <a:latin typeface="Helvetica Neue" charset="0"/>
                 <a:ea typeface="Helvetica Neue" charset="0"/>
                 <a:cs typeface="Helvetica Neue" charset="0"/>
@@ -9930,10 +10870,16 @@
           </a:p>
           <a:p>
             <a:pPr marL="0" indent="0">
+              <a:lnSpc>
+                <a:spcPct val="100000"/>
+              </a:lnSpc>
+              <a:spcAft>
+                <a:spcPts val="100"/>
+              </a:spcAft>
               <a:buNone/>
             </a:pPr>
             <a:r>
-              <a:rPr lang="en-US" sz="1600" dirty="0">
+              <a:rPr lang="en-US" sz="1400" dirty="0">
                 <a:latin typeface="Helvetica Neue" charset="0"/>
                 <a:ea typeface="Helvetica Neue" charset="0"/>
                 <a:cs typeface="Helvetica Neue" charset="0"/>
@@ -9943,10 +10889,16 @@
           </a:p>
           <a:p>
             <a:pPr marL="0" indent="0">
+              <a:lnSpc>
+                <a:spcPct val="100000"/>
+              </a:lnSpc>
+              <a:spcAft>
+                <a:spcPts val="100"/>
+              </a:spcAft>
               <a:buNone/>
             </a:pPr>
             <a:r>
-              <a:rPr lang="en-US" sz="1600" dirty="0">
+              <a:rPr lang="en-US" sz="1400" dirty="0">
                 <a:latin typeface="Helvetica Neue" charset="0"/>
                 <a:ea typeface="Helvetica Neue" charset="0"/>
                 <a:cs typeface="Helvetica Neue" charset="0"/>
@@ -9956,10 +10908,16 @@
           </a:p>
           <a:p>
             <a:pPr marL="0" indent="0">
+              <a:lnSpc>
+                <a:spcPct val="100000"/>
+              </a:lnSpc>
+              <a:spcAft>
+                <a:spcPts val="100"/>
+              </a:spcAft>
               <a:buNone/>
             </a:pPr>
             <a:r>
-              <a:rPr lang="en-US" sz="1600" dirty="0">
+              <a:rPr lang="en-US" sz="1400" dirty="0">
                 <a:latin typeface="Helvetica Neue" charset="0"/>
                 <a:ea typeface="Helvetica Neue" charset="0"/>
                 <a:cs typeface="Helvetica Neue" charset="0"/>
@@ -9969,10 +10927,16 @@
           </a:p>
           <a:p>
             <a:pPr marL="0" indent="0">
+              <a:lnSpc>
+                <a:spcPct val="100000"/>
+              </a:lnSpc>
+              <a:spcAft>
+                <a:spcPts val="100"/>
+              </a:spcAft>
               <a:buNone/>
             </a:pPr>
             <a:r>
-              <a:rPr lang="en-US" sz="1600" dirty="0">
+              <a:rPr lang="en-US" sz="1400" dirty="0">
                 <a:latin typeface="Helvetica Neue" charset="0"/>
                 <a:ea typeface="Helvetica Neue" charset="0"/>
                 <a:cs typeface="Helvetica Neue" charset="0"/>
@@ -9982,10 +10946,16 @@
           </a:p>
           <a:p>
             <a:pPr marL="0" indent="0">
+              <a:lnSpc>
+                <a:spcPct val="100000"/>
+              </a:lnSpc>
+              <a:spcAft>
+                <a:spcPts val="100"/>
+              </a:spcAft>
               <a:buNone/>
             </a:pPr>
             <a:r>
-              <a:rPr lang="en-US" sz="1600" dirty="0">
+              <a:rPr lang="en-US" sz="1400" dirty="0">
                 <a:latin typeface="Helvetica Neue" charset="0"/>
                 <a:ea typeface="Helvetica Neue" charset="0"/>
                 <a:cs typeface="Helvetica Neue" charset="0"/>
@@ -9995,10 +10965,16 @@
           </a:p>
           <a:p>
             <a:pPr marL="0" indent="0">
+              <a:lnSpc>
+                <a:spcPct val="100000"/>
+              </a:lnSpc>
+              <a:spcAft>
+                <a:spcPts val="100"/>
+              </a:spcAft>
               <a:buNone/>
             </a:pPr>
             <a:r>
-              <a:rPr lang="en-US" sz="1600" dirty="0">
+              <a:rPr lang="en-US" sz="1400" dirty="0">
                 <a:latin typeface="Helvetica Neue" charset="0"/>
                 <a:ea typeface="Helvetica Neue" charset="0"/>
                 <a:cs typeface="Helvetica Neue" charset="0"/>
@@ -10008,10 +10984,16 @@
           </a:p>
           <a:p>
             <a:pPr marL="0" indent="0">
+              <a:lnSpc>
+                <a:spcPct val="100000"/>
+              </a:lnSpc>
+              <a:spcAft>
+                <a:spcPts val="100"/>
+              </a:spcAft>
               <a:buNone/>
             </a:pPr>
             <a:r>
-              <a:rPr lang="en-US" sz="1600" dirty="0">
+              <a:rPr lang="en-US" sz="1400" dirty="0">
                 <a:latin typeface="Helvetica Neue" charset="0"/>
                 <a:ea typeface="Helvetica Neue" charset="0"/>
                 <a:cs typeface="Helvetica Neue" charset="0"/>
@@ -10021,51 +11003,31 @@
           </a:p>
           <a:p>
             <a:pPr marL="0" indent="0">
+              <a:lnSpc>
+                <a:spcPct val="100000"/>
+              </a:lnSpc>
+              <a:spcAft>
+                <a:spcPts val="100"/>
+              </a:spcAft>
               <a:buNone/>
             </a:pPr>
             <a:r>
-              <a:rPr lang="en-US" sz="1600" dirty="0">
+              <a:rPr lang="en-US" sz="1400" dirty="0">
                 <a:latin typeface="Helvetica Neue" charset="0"/>
                 <a:ea typeface="Helvetica Neue" charset="0"/>
                 <a:cs typeface="Helvetica Neue" charset="0"/>
               </a:rPr>
-              <a:t>              (PP (IN without)</a:t>
-            </a:r>
-          </a:p>
-          <a:p>
-            <a:pPr marL="0" indent="0">
-              <a:buNone/>
-            </a:pPr>
-            <a:r>
-              <a:rPr lang="en-US" sz="1600" dirty="0">
+              <a:t>              (PP (IN without</a:t>
+            </a:r>
+            <a:r>
+              <a:rPr lang="en-US" sz="1400" dirty="0" smtClean="0">
                 <a:latin typeface="Helvetica Neue" charset="0"/>
                 <a:ea typeface="Helvetica Neue" charset="0"/>
                 <a:cs typeface="Helvetica Neue" charset="0"/>
               </a:rPr>
-              <a:t>                (NP</a:t>
-            </a:r>
-          </a:p>
-          <a:p>
-            <a:pPr marL="0" indent="0">
-              <a:buNone/>
-            </a:pPr>
-            <a:r>
-              <a:rPr lang="en-US" sz="1600" dirty="0" smtClean="0">
-                <a:latin typeface="Helvetica Neue" charset="0"/>
-                <a:ea typeface="Helvetica Neue" charset="0"/>
-                <a:cs typeface="Helvetica Neue" charset="0"/>
-              </a:rPr>
-              <a:t>		</a:t>
-            </a:r>
-            <a:r>
-              <a:rPr lang="mr-IN" sz="1600" dirty="0" smtClean="0">
-                <a:latin typeface="Helvetica Neue" charset="0"/>
-                <a:ea typeface="Helvetica Neue" charset="0"/>
-                <a:cs typeface="Helvetica Neue" charset="0"/>
-              </a:rPr>
-              <a:t>…</a:t>
-            </a:r>
-            <a:endParaRPr lang="en-US" sz="1600" dirty="0">
+              <a:t>)</a:t>
+            </a:r>
+            <a:endParaRPr lang="ru-RU" sz="1400" dirty="0" smtClean="0">
               <a:latin typeface="Helvetica Neue" charset="0"/>
               <a:ea typeface="Helvetica Neue" charset="0"/>
               <a:cs typeface="Helvetica Neue" charset="0"/>
@@ -10073,62 +11035,124 @@
           </a:p>
           <a:p>
             <a:pPr marL="0" indent="0">
+              <a:lnSpc>
+                <a:spcPct val="100000"/>
+              </a:lnSpc>
+              <a:spcAft>
+                <a:spcPts val="100"/>
+              </a:spcAft>
               <a:buNone/>
             </a:pPr>
             <a:r>
-              <a:rPr lang="en-US" sz="1600" dirty="0">
+              <a:rPr lang="en-US" sz="1400" dirty="0" smtClean="0">
                 <a:latin typeface="Helvetica Neue" charset="0"/>
                 <a:ea typeface="Helvetica Neue" charset="0"/>
                 <a:cs typeface="Helvetica Neue" charset="0"/>
               </a:rPr>
-              <a:t>                    (NP</a:t>
-            </a:r>
-          </a:p>
-          <a:p>
-            <a:pPr marL="0" indent="0">
-              <a:buNone/>
-            </a:pPr>
-            <a:r>
-              <a:rPr lang="en-US" sz="1600" dirty="0">
+              <a:t>		</a:t>
+            </a:r>
+            <a:r>
+              <a:rPr lang="mr-IN" sz="1400" dirty="0" smtClean="0">
                 <a:latin typeface="Helvetica Neue" charset="0"/>
                 <a:ea typeface="Helvetica Neue" charset="0"/>
                 <a:cs typeface="Helvetica Neue" charset="0"/>
               </a:rPr>
-              <a:t>                      (NP (DT The) (JJS darkest) (NN evening))</a:t>
-            </a:r>
+              <a:t>…</a:t>
+            </a:r>
+            <a:endParaRPr lang="en-US" sz="1400" dirty="0">
+              <a:latin typeface="Helvetica Neue" charset="0"/>
+              <a:ea typeface="Helvetica Neue" charset="0"/>
+              <a:cs typeface="Helvetica Neue" charset="0"/>
+            </a:endParaRPr>
           </a:p>
           <a:p>
             <a:pPr marL="0" indent="0">
+              <a:lnSpc>
+                <a:spcPct val="100000"/>
+              </a:lnSpc>
+              <a:spcAft>
+                <a:spcPts val="100"/>
+              </a:spcAft>
               <a:buNone/>
             </a:pPr>
             <a:r>
-              <a:rPr lang="en-US" sz="1600" dirty="0">
+              <a:rPr lang="en-US" sz="1400" dirty="0">
                 <a:latin typeface="Helvetica Neue" charset="0"/>
                 <a:ea typeface="Helvetica Neue" charset="0"/>
                 <a:cs typeface="Helvetica Neue" charset="0"/>
               </a:rPr>
-              <a:t>                      (PP (IN of)</a:t>
+              <a:t>                    (NP</a:t>
             </a:r>
           </a:p>
           <a:p>
             <a:pPr marL="0" indent="0">
+              <a:lnSpc>
+                <a:spcPct val="100000"/>
+              </a:lnSpc>
+              <a:spcAft>
+                <a:spcPts val="100"/>
+              </a:spcAft>
               <a:buNone/>
             </a:pPr>
             <a:r>
-              <a:rPr lang="en-US" sz="1600" dirty="0">
+              <a:rPr lang="en-US" sz="1400" dirty="0">
                 <a:latin typeface="Helvetica Neue" charset="0"/>
                 <a:ea typeface="Helvetica Neue" charset="0"/>
                 <a:cs typeface="Helvetica Neue" charset="0"/>
               </a:rPr>
-              <a:t>                        (NP (DT the) (NN year))))))))))))</a:t>
+              <a:t>                      (NP (DT The) (JJS darkest) (NN evening))</a:t>
             </a:r>
           </a:p>
           <a:p>
             <a:pPr marL="0" indent="0">
+              <a:lnSpc>
+                <a:spcPct val="100000"/>
+              </a:lnSpc>
+              <a:spcAft>
+                <a:spcPts val="100"/>
+              </a:spcAft>
               <a:buNone/>
             </a:pPr>
             <a:r>
-              <a:rPr lang="en-US" sz="1600" dirty="0">
+              <a:rPr lang="en-US" sz="1400" dirty="0">
+                <a:latin typeface="Helvetica Neue" charset="0"/>
+                <a:ea typeface="Helvetica Neue" charset="0"/>
+                <a:cs typeface="Helvetica Neue" charset="0"/>
+              </a:rPr>
+              <a:t>                      (PP (IN of)</a:t>
+            </a:r>
+          </a:p>
+          <a:p>
+            <a:pPr marL="0" indent="0">
+              <a:lnSpc>
+                <a:spcPct val="100000"/>
+              </a:lnSpc>
+              <a:spcAft>
+                <a:spcPts val="100"/>
+              </a:spcAft>
+              <a:buNone/>
+            </a:pPr>
+            <a:r>
+              <a:rPr lang="en-US" sz="1400" dirty="0">
+                <a:latin typeface="Helvetica Neue" charset="0"/>
+                <a:ea typeface="Helvetica Neue" charset="0"/>
+                <a:cs typeface="Helvetica Neue" charset="0"/>
+              </a:rPr>
+              <a:t>                        (NP (DT the) (NN year))))))))))))</a:t>
+            </a:r>
+          </a:p>
+          <a:p>
+            <a:pPr marL="0" indent="0">
+              <a:lnSpc>
+                <a:spcPct val="100000"/>
+              </a:lnSpc>
+              <a:spcAft>
+                <a:spcPts val="100"/>
+              </a:spcAft>
+              <a:buNone/>
+            </a:pPr>
+            <a:r>
+              <a:rPr lang="en-US" sz="1400" dirty="0">
                 <a:latin typeface="Helvetica Neue" charset="0"/>
                 <a:ea typeface="Helvetica Neue" charset="0"/>
                 <a:cs typeface="Helvetica Neue" charset="0"/>
@@ -10201,23 +11225,7 @@
                 <a:ea typeface="Helvetica Neue" charset="0"/>
                 <a:cs typeface="Helvetica Neue" charset="0"/>
               </a:rPr>
-              <a:t>2 Реализация распознавания текста и создание </a:t>
-            </a:r>
-            <a:r>
-              <a:rPr lang="ru-RU" sz="3200" b="1" dirty="0" smtClean="0">
-                <a:latin typeface="Helvetica Neue" charset="0"/>
-                <a:ea typeface="Helvetica Neue" charset="0"/>
-                <a:cs typeface="Helvetica Neue" charset="0"/>
-              </a:rPr>
-              <a:t>UML </a:t>
-            </a:r>
-            <a:r>
-              <a:rPr lang="ru-RU" sz="3200" b="1" dirty="0" smtClean="0">
-                <a:latin typeface="Helvetica Neue" charset="0"/>
-                <a:ea typeface="Helvetica Neue" charset="0"/>
-                <a:cs typeface="Helvetica Neue" charset="0"/>
-              </a:rPr>
-              <a:t>диаграмм</a:t>
+              <a:t>2 Реализация распознавания текста и создание UML диаграмм</a:t>
             </a:r>
             <a:endParaRPr lang="en-US" sz="3200" b="1" dirty="0">
               <a:latin typeface="Helvetica Neue" charset="0"/>
@@ -10404,8 +11412,8 @@
         </p:blipFill>
         <p:spPr>
           <a:xfrm>
-            <a:off x="3567112" y="1354668"/>
-            <a:ext cx="6880755" cy="4613380"/>
+            <a:off x="2912534" y="1354667"/>
+            <a:ext cx="7535334" cy="4978399"/>
           </a:xfrm>
           <a:prstGeom prst="rect">
             <a:avLst/>
@@ -10464,7 +11472,12 @@
             <p:ph type="title"/>
           </p:nvPr>
         </p:nvSpPr>
-        <p:spPr/>
+        <p:spPr>
+          <a:xfrm>
+            <a:off x="1261872" y="363471"/>
+            <a:ext cx="9692640" cy="689475"/>
+          </a:xfrm>
+        </p:spPr>
         <p:txBody>
           <a:bodyPr>
             <a:normAutofit/>
@@ -10497,7 +11510,7 @@
             <p:ph idx="1"/>
             <p:extLst>
               <p:ext uri="{D42A27DB-BD31-4B8C-83A1-F6EECF244321}">
-                <p14:modId xmlns:p14="http://schemas.microsoft.com/office/powerpoint/2010/main" val="1647754077"/>
+                <p14:modId xmlns:p14="http://schemas.microsoft.com/office/powerpoint/2010/main" val="1747799381"/>
               </p:ext>
             </p:extLst>
           </p:nvPr>
@@ -10528,12 +11541,12 @@
                         </a:spcAft>
                       </a:pPr>
                       <a:r>
-                        <a:rPr lang="en-US" sz="1400">
+                        <a:rPr lang="en-US" sz="1600" dirty="0" err="1">
                           <a:effectLst/>
                         </a:rPr>
                         <a:t>Вершини</a:t>
                       </a:r>
-                      <a:endParaRPr lang="en-US" sz="1000" b="1">
+                      <a:endParaRPr lang="en-US" sz="1600" b="1" dirty="0">
                         <a:solidFill>
                           <a:srgbClr val="000000"/>
                         </a:solidFill>
@@ -10557,12 +11570,12 @@
                         </a:spcAft>
                       </a:pPr>
                       <a:r>
-                        <a:rPr lang="en-US" sz="1400">
+                        <a:rPr lang="en-US" sz="1600" dirty="0" err="1">
                           <a:effectLst/>
                         </a:rPr>
                         <a:t>Ребра</a:t>
                       </a:r>
-                      <a:endParaRPr lang="en-US" sz="1000" b="1">
+                      <a:endParaRPr lang="en-US" sz="1600" b="1" dirty="0">
                         <a:solidFill>
                           <a:srgbClr val="000000"/>
                         </a:solidFill>
@@ -10851,9 +11864,9 @@
 </file>
 
 <file path=ppt/theme/theme1.xml><?xml version="1.0" encoding="utf-8"?>
-<a:theme xmlns:a="http://schemas.openxmlformats.org/drawingml/2006/main" name="Office Theme">
+<a:theme xmlns:a="http://schemas.openxmlformats.org/drawingml/2006/main" name="View">
   <a:themeElements>
-    <a:clrScheme name="Office">
+    <a:clrScheme name="View">
       <a:dk1>
         <a:sysClr val="windowText" lastClr="000000"/>
       </a:dk1>
@@ -10861,83 +11874,48 @@
         <a:sysClr val="window" lastClr="FFFFFF"/>
       </a:lt1>
       <a:dk2>
-        <a:srgbClr val="44546A"/>
+        <a:srgbClr val="696464"/>
       </a:dk2>
       <a:lt2>
-        <a:srgbClr val="E7E6E6"/>
+        <a:srgbClr val="E9E5DC"/>
       </a:lt2>
       <a:accent1>
-        <a:srgbClr val="4472C4"/>
+        <a:srgbClr val="D34817"/>
       </a:accent1>
       <a:accent2>
-        <a:srgbClr val="ED7D31"/>
+        <a:srgbClr val="9B2D1F"/>
       </a:accent2>
       <a:accent3>
-        <a:srgbClr val="A5A5A5"/>
+        <a:srgbClr val="A28E6A"/>
       </a:accent3>
       <a:accent4>
-        <a:srgbClr val="FFC000"/>
+        <a:srgbClr val="956251"/>
       </a:accent4>
       <a:accent5>
-        <a:srgbClr val="5B9BD5"/>
+        <a:srgbClr val="918485"/>
       </a:accent5>
       <a:accent6>
-        <a:srgbClr val="70AD47"/>
+        <a:srgbClr val="855D5D"/>
       </a:accent6>
       <a:hlink>
-        <a:srgbClr val="0563C1"/>
+        <a:srgbClr val="CC9900"/>
       </a:hlink>
       <a:folHlink>
-        <a:srgbClr val="954F72"/>
+        <a:srgbClr val="96A9A9"/>
       </a:folHlink>
     </a:clrScheme>
-    <a:fontScheme name="Office">
+    <a:fontScheme name="View">
       <a:majorFont>
-        <a:latin typeface="Calibri Light" panose="020F0302020204030204"/>
+        <a:latin typeface="Century Schoolbook" panose="02040604050505020304"/>
         <a:ea typeface=""/>
         <a:cs typeface=""/>
-        <a:font script="Jpan" typeface="Yu Gothic Light"/>
+        <a:font script="Jpan" typeface="ＭＳ ゴシック"/>
         <a:font script="Hang" typeface="맑은 고딕"/>
-        <a:font script="Hans" typeface="DengXian Light"/>
+        <a:font script="Hans" typeface="宋体"/>
         <a:font script="Hant" typeface="新細明體"/>
-        <a:font script="Arab" typeface="Times New Roman"/>
-        <a:font script="Hebr" typeface="Times New Roman"/>
-        <a:font script="Thai" typeface="Angsana New"/>
-        <a:font script="Ethi" typeface="Nyala"/>
-        <a:font script="Beng" typeface="Vrinda"/>
-        <a:font script="Gujr" typeface="Shruti"/>
-        <a:font script="Khmr" typeface="MoolBoran"/>
-        <a:font script="Knda" typeface="Tunga"/>
-        <a:font script="Guru" typeface="Raavi"/>
-        <a:font script="Cans" typeface="Euphemia"/>
-        <a:font script="Cher" typeface="Plantagenet Cherokee"/>
-        <a:font script="Yiii" typeface="Microsoft Yi Baiti"/>
-        <a:font script="Tibt" typeface="Microsoft Himalaya"/>
-        <a:font script="Thaa" typeface="MV Boli"/>
-        <a:font script="Deva" typeface="Mangal"/>
-        <a:font script="Telu" typeface="Gautami"/>
-        <a:font script="Taml" typeface="Latha"/>
-        <a:font script="Syrc" typeface="Estrangelo Edessa"/>
-        <a:font script="Orya" typeface="Kalinga"/>
-        <a:font script="Mlym" typeface="Kartika"/>
-        <a:font script="Laoo" typeface="DokChampa"/>
-        <a:font script="Sinh" typeface="Iskoola Pota"/>
-        <a:font script="Mong" typeface="Mongolian Baiti"/>
-        <a:font script="Viet" typeface="Times New Roman"/>
-        <a:font script="Uigh" typeface="Microsoft Uighur"/>
-        <a:font script="Geor" typeface="Sylfaen"/>
-      </a:majorFont>
-      <a:minorFont>
-        <a:latin typeface="Calibri" panose="020F0502020204030204"/>
-        <a:ea typeface=""/>
-        <a:cs typeface=""/>
-        <a:font script="Jpan" typeface="Yu Gothic"/>
-        <a:font script="Hang" typeface="맑은 고딕"/>
-        <a:font script="Hans" typeface="DengXian"/>
-        <a:font script="Hant" typeface="新細明體"/>
-        <a:font script="Arab" typeface="Arial"/>
-        <a:font script="Hebr" typeface="Arial"/>
-        <a:font script="Thai" typeface="Cordia New"/>
+        <a:font script="Arab" typeface="Tahoma"/>
+        <a:font script="Hebr" typeface="Gisha"/>
+        <a:font script="Thai" typeface="DilleniaUPC"/>
         <a:font script="Ethi" typeface="Nyala"/>
         <a:font script="Beng" typeface="Vrinda"/>
         <a:font script="Gujr" typeface="Shruti"/>
@@ -10958,90 +11936,86 @@
         <a:font script="Laoo" typeface="DokChampa"/>
         <a:font script="Sinh" typeface="Iskoola Pota"/>
         <a:font script="Mong" typeface="Mongolian Baiti"/>
-        <a:font script="Viet" typeface="Arial"/>
+        <a:font script="Viet" typeface="Tahoma"/>
+        <a:font script="Uigh" typeface="Microsoft Uighur"/>
+        <a:font script="Geor" typeface="Sylfaen"/>
+      </a:majorFont>
+      <a:minorFont>
+        <a:latin typeface="Century Schoolbook" panose="02040604050505020304"/>
+        <a:ea typeface=""/>
+        <a:cs typeface=""/>
+        <a:font script="Jpan" typeface="ＭＳ ゴシック"/>
+        <a:font script="Hang" typeface="맑은 고딕"/>
+        <a:font script="Hans" typeface="宋体"/>
+        <a:font script="Hant" typeface="新細明體"/>
+        <a:font script="Arab" typeface="Tahoma"/>
+        <a:font script="Hebr" typeface="Gisha"/>
+        <a:font script="Thai" typeface="DilleniaUPC"/>
+        <a:font script="Ethi" typeface="Nyala"/>
+        <a:font script="Beng" typeface="Vrinda"/>
+        <a:font script="Gujr" typeface="Shruti"/>
+        <a:font script="Khmr" typeface="DaunPenh"/>
+        <a:font script="Knda" typeface="Tunga"/>
+        <a:font script="Guru" typeface="Raavi"/>
+        <a:font script="Cans" typeface="Euphemia"/>
+        <a:font script="Cher" typeface="Plantagenet Cherokee"/>
+        <a:font script="Yiii" typeface="Microsoft Yi Baiti"/>
+        <a:font script="Tibt" typeface="Microsoft Himalaya"/>
+        <a:font script="Thaa" typeface="MV Boli"/>
+        <a:font script="Deva" typeface="Mangal"/>
+        <a:font script="Telu" typeface="Gautami"/>
+        <a:font script="Taml" typeface="Latha"/>
+        <a:font script="Syrc" typeface="Estrangelo Edessa"/>
+        <a:font script="Orya" typeface="Kalinga"/>
+        <a:font script="Mlym" typeface="Kartika"/>
+        <a:font script="Laoo" typeface="DokChampa"/>
+        <a:font script="Sinh" typeface="Iskoola Pota"/>
+        <a:font script="Mong" typeface="Mongolian Baiti"/>
+        <a:font script="Viet" typeface="Verdana"/>
         <a:font script="Uigh" typeface="Microsoft Uighur"/>
         <a:font script="Geor" typeface="Sylfaen"/>
       </a:minorFont>
     </a:fontScheme>
-    <a:fmtScheme name="Office">
+    <a:fmtScheme name="View">
       <a:fillStyleLst>
         <a:solidFill>
           <a:schemeClr val="phClr"/>
         </a:solidFill>
-        <a:gradFill rotWithShape="1">
-          <a:gsLst>
-            <a:gs pos="0">
-              <a:schemeClr val="phClr">
-                <a:lumMod val="110000"/>
-                <a:satMod val="105000"/>
-                <a:tint val="67000"/>
-              </a:schemeClr>
-            </a:gs>
-            <a:gs pos="50000">
-              <a:schemeClr val="phClr">
-                <a:lumMod val="105000"/>
-                <a:satMod val="103000"/>
-                <a:tint val="73000"/>
-              </a:schemeClr>
-            </a:gs>
-            <a:gs pos="100000">
-              <a:schemeClr val="phClr">
-                <a:lumMod val="105000"/>
-                <a:satMod val="109000"/>
-                <a:tint val="81000"/>
-              </a:schemeClr>
-            </a:gs>
-          </a:gsLst>
-          <a:lin ang="5400000" scaled="0"/>
-        </a:gradFill>
-        <a:gradFill rotWithShape="1">
-          <a:gsLst>
-            <a:gs pos="0">
-              <a:schemeClr val="phClr">
-                <a:satMod val="103000"/>
-                <a:lumMod val="102000"/>
-                <a:tint val="94000"/>
-              </a:schemeClr>
-            </a:gs>
-            <a:gs pos="50000">
-              <a:schemeClr val="phClr">
-                <a:satMod val="110000"/>
-                <a:lumMod val="100000"/>
-                <a:shade val="100000"/>
-              </a:schemeClr>
-            </a:gs>
-            <a:gs pos="100000">
-              <a:schemeClr val="phClr">
-                <a:lumMod val="99000"/>
-                <a:satMod val="120000"/>
-                <a:shade val="78000"/>
-              </a:schemeClr>
-            </a:gs>
-          </a:gsLst>
-          <a:lin ang="5400000" scaled="0"/>
-        </a:gradFill>
+        <a:solidFill>
+          <a:schemeClr val="phClr">
+            <a:tint val="60000"/>
+            <a:satMod val="120000"/>
+          </a:schemeClr>
+        </a:solidFill>
+        <a:solidFill>
+          <a:schemeClr val="phClr">
+            <a:shade val="75000"/>
+            <a:satMod val="130000"/>
+          </a:schemeClr>
+        </a:solidFill>
       </a:fillStyleLst>
       <a:lnStyleLst>
-        <a:ln w="6350" cap="flat" cmpd="sng" algn="ctr">
+        <a:ln w="9525" cap="flat" cmpd="sng" algn="ctr">
           <a:solidFill>
             <a:schemeClr val="phClr"/>
           </a:solidFill>
           <a:prstDash val="solid"/>
-          <a:miter lim="800000"/>
         </a:ln>
-        <a:ln w="12700" cap="flat" cmpd="sng" algn="ctr">
+        <a:ln w="13970" cap="flat" cmpd="sng" algn="ctr">
           <a:solidFill>
             <a:schemeClr val="phClr"/>
           </a:solidFill>
           <a:prstDash val="solid"/>
-          <a:miter lim="800000"/>
         </a:ln>
-        <a:ln w="19050" cap="flat" cmpd="sng" algn="ctr">
+        <a:ln w="17145" cap="flat" cmpd="sng" algn="ctr">
           <a:solidFill>
-            <a:schemeClr val="phClr"/>
+            <a:schemeClr val="phClr">
+              <a:shade val="95000"/>
+              <a:alpha val="95000"/>
+              <a:satMod val="150000"/>
+            </a:schemeClr>
           </a:solidFill>
           <a:prstDash val="solid"/>
-          <a:miter lim="800000"/>
         </a:ln>
       </a:lnStyleLst>
       <a:effectStyleLst>
@@ -11049,16 +12023,52 @@
           <a:effectLst/>
         </a:effectStyle>
         <a:effectStyle>
-          <a:effectLst/>
+          <a:effectLst>
+            <a:outerShdw blurRad="50800" dist="15240" dir="5400000" algn="tl" rotWithShape="0">
+              <a:srgbClr val="000000">
+                <a:alpha val="75000"/>
+              </a:srgbClr>
+            </a:outerShdw>
+          </a:effectLst>
+          <a:scene3d>
+            <a:camera prst="orthographicFront">
+              <a:rot lat="0" lon="0" rev="0"/>
+            </a:camera>
+            <a:lightRig rig="brightRoom" dir="tl"/>
+          </a:scene3d>
+          <a:sp3d contourW="9525" prstMaterial="flat">
+            <a:bevelT w="0" h="0" prst="coolSlant"/>
+            <a:contourClr>
+              <a:schemeClr val="phClr">
+                <a:shade val="35000"/>
+                <a:satMod val="130000"/>
+              </a:schemeClr>
+            </a:contourClr>
+          </a:sp3d>
         </a:effectStyle>
         <a:effectStyle>
           <a:effectLst>
-            <a:outerShdw blurRad="57150" dist="19050" dir="5400000" algn="ctr" rotWithShape="0">
+            <a:outerShdw blurRad="76200" dist="25400" dir="5400000" algn="tl" rotWithShape="0">
               <a:srgbClr val="000000">
-                <a:alpha val="63000"/>
+                <a:alpha val="55000"/>
               </a:srgbClr>
             </a:outerShdw>
           </a:effectLst>
+          <a:scene3d>
+            <a:camera prst="orthographicFront">
+              <a:rot lat="0" lon="0" rev="0"/>
+            </a:camera>
+            <a:lightRig rig="brightRoom" dir="tl"/>
+          </a:scene3d>
+          <a:sp3d contourW="19050" prstMaterial="flat">
+            <a:bevelT w="0" h="0" prst="coolSlant"/>
+            <a:contourClr>
+              <a:schemeClr val="phClr">
+                <a:shade val="25000"/>
+                <a:satMod val="140000"/>
+              </a:schemeClr>
+            </a:contourClr>
+          </a:sp3d>
         </a:effectStyle>
       </a:effectStyleLst>
       <a:bgFillStyleLst>
@@ -11075,28 +12085,23 @@
           <a:gsLst>
             <a:gs pos="0">
               <a:schemeClr val="phClr">
-                <a:tint val="93000"/>
-                <a:satMod val="150000"/>
+                <a:tint val="94000"/>
                 <a:shade val="98000"/>
+                <a:satMod val="130000"/>
                 <a:lumMod val="102000"/>
-              </a:schemeClr>
-            </a:gs>
-            <a:gs pos="50000">
-              <a:schemeClr val="phClr">
-                <a:tint val="98000"/>
-                <a:satMod val="130000"/>
-                <a:shade val="90000"/>
-                <a:lumMod val="103000"/>
               </a:schemeClr>
             </a:gs>
             <a:gs pos="100000">
               <a:schemeClr val="phClr">
-                <a:shade val="63000"/>
-                <a:satMod val="120000"/>
+                <a:tint val="98000"/>
+                <a:shade val="78000"/>
+                <a:satMod val="140000"/>
               </a:schemeClr>
             </a:gs>
           </a:gsLst>
-          <a:lin ang="5400000" scaled="0"/>
+          <a:path path="circle">
+            <a:fillToRect l="100000" t="100000" r="100000" b="100000"/>
+          </a:path>
         </a:gradFill>
       </a:bgFillStyleLst>
     </a:fmtScheme>
@@ -11105,7 +12110,7 @@
   <a:extraClrSchemeLst/>
   <a:extLst>
     <a:ext uri="{05A4C25C-085E-4340-85A3-A5531E510DB2}">
-      <thm15:themeFamily xmlns:thm15="http://schemas.microsoft.com/office/thememl/2012/main" name="Office Theme" id="{62F939B6-93AF-4DB8-9C6B-D6C7DFDC589F}" vid="{4A3C46E8-61CC-4603-A589-7422A47A8E4A}"/>
+      <thm15:themeFamily xmlns:thm15="http://schemas.microsoft.com/office/thememl/2012/main" name="View" id="{BA0EB5A6-F2D4-4F82-977B-64ADEE4A2A69}" vid="{7B713C7F-58B7-4AE9-B361-B13EB9EC4C0C}"/>
     </a:ext>
   </a:extLst>
 </a:theme>

--- a/presentation/Moiseyenko_presentation.pptx
+++ b/presentation/Moiseyenko_presentation.pptx
@@ -4875,14 +4875,6 @@
               </a:rPr>
               <a:t>Результат конвертации дерева в </a:t>
             </a:r>
-            <a:endParaRPr lang="ru-RU" sz="3200" b="1" dirty="0" smtClean="0">
-              <a:solidFill>
-                <a:schemeClr val="accent1"/>
-              </a:solidFill>
-              <a:latin typeface="Helvetica Neue" charset="0"/>
-              <a:ea typeface="Helvetica Neue" charset="0"/>
-              <a:cs typeface="Helvetica Neue" charset="0"/>
-            </a:endParaRPr>
           </a:p>
           <a:p>
             <a:r>
@@ -4894,18 +4886,7 @@
                 <a:ea typeface="Helvetica Neue" charset="0"/>
                 <a:cs typeface="Helvetica Neue" charset="0"/>
               </a:rPr>
-              <a:t>промежуточный </a:t>
-            </a:r>
-            <a:r>
-              <a:rPr lang="ru-RU" sz="3200" b="1" dirty="0" smtClean="0">
-                <a:solidFill>
-                  <a:schemeClr val="accent1"/>
-                </a:solidFill>
-                <a:latin typeface="Helvetica Neue" charset="0"/>
-                <a:ea typeface="Helvetica Neue" charset="0"/>
-                <a:cs typeface="Helvetica Neue" charset="0"/>
-              </a:rPr>
-              <a:t>граф </a:t>
+              <a:t>промежуточный граф </a:t>
             </a:r>
             <a:endParaRPr lang="en-US" sz="3200" b="1" dirty="0">
               <a:solidFill>
@@ -6236,11 +6217,7 @@
             </a:r>
             <a:r>
               <a:rPr lang="en-US" sz="2000" b="1" dirty="0" smtClean="0"/>
-              <a:t>Robert </a:t>
-            </a:r>
-            <a:r>
-              <a:rPr lang="en-US" sz="2000" b="1" dirty="0" smtClean="0"/>
-              <a:t>Frost</a:t>
+              <a:t>Robert Frost</a:t>
             </a:r>
             <a:endParaRPr lang="en-US" sz="2000" dirty="0"/>
           </a:p>
@@ -6378,7 +6355,7 @@
         <p:spPr>
           <a:xfrm>
             <a:off x="838200" y="2387599"/>
-            <a:ext cx="10515600" cy="3789363"/>
+            <a:ext cx="10259291" cy="3930073"/>
           </a:xfrm>
         </p:spPr>
         <p:txBody>
@@ -6396,11 +6373,30 @@
               </a:spcBef>
             </a:pPr>
             <a:r>
-              <a:rPr lang="ru-RU" dirty="0" smtClean="0">
-                <a:latin typeface="+mj-lt"/>
-              </a:rPr>
-              <a:t>Создание различных как положительных так и отрицательных условий для работы программного обеспечения</a:t>
-            </a:r>
+              <a:rPr lang="ru-RU" dirty="0" smtClean="0"/>
+              <a:t> План </a:t>
+            </a:r>
+            <a:r>
+              <a:rPr lang="ru-RU" dirty="0"/>
+              <a:t>і </a:t>
+            </a:r>
+            <a:r>
+              <a:rPr lang="ru-RU" dirty="0" err="1"/>
+              <a:t>проведення</a:t>
+            </a:r>
+            <a:r>
+              <a:rPr lang="ru-RU" dirty="0"/>
+              <a:t> </a:t>
+            </a:r>
+            <a:r>
+              <a:rPr lang="ru-RU" dirty="0" err="1"/>
+              <a:t>експерименту</a:t>
+            </a:r>
+            <a:r>
+              <a:rPr lang="en-US" dirty="0"/>
+              <a:t> </a:t>
+            </a:r>
+            <a:endParaRPr lang="ru-RU" dirty="0" smtClean="0"/>
           </a:p>
           <a:p>
             <a:pPr>
@@ -6412,11 +6408,58 @@
               </a:spcBef>
             </a:pPr>
             <a:r>
-              <a:rPr lang="ru-RU" dirty="0" smtClean="0">
-                <a:latin typeface="+mj-lt"/>
-              </a:rPr>
-              <a:t>Тестирование разработанного программного обеспечения моделируя различные события развития</a:t>
-            </a:r>
+              <a:rPr lang="ru-RU" dirty="0"/>
+              <a:t> </a:t>
+            </a:r>
+            <a:r>
+              <a:rPr lang="ru-RU" dirty="0" err="1"/>
+              <a:t>Перевірка</a:t>
+            </a:r>
+            <a:r>
+              <a:rPr lang="ru-RU" dirty="0"/>
+              <a:t> </a:t>
+            </a:r>
+            <a:r>
+              <a:rPr lang="ru-RU" dirty="0" err="1"/>
+              <a:t>конвертації</a:t>
+            </a:r>
+            <a:r>
+              <a:rPr lang="ru-RU" dirty="0"/>
+              <a:t> </a:t>
+            </a:r>
+            <a:r>
+              <a:rPr lang="ru-RU" dirty="0" err="1"/>
+              <a:t>текстових</a:t>
+            </a:r>
+            <a:r>
+              <a:rPr lang="ru-RU" dirty="0"/>
+              <a:t> </a:t>
+            </a:r>
+            <a:r>
+              <a:rPr lang="ru-RU" dirty="0" err="1"/>
+              <a:t>сутностей</a:t>
+            </a:r>
+            <a:r>
+              <a:rPr lang="ru-RU" dirty="0"/>
+              <a:t> в </a:t>
+            </a:r>
+            <a:r>
+              <a:rPr lang="en-US" dirty="0"/>
+              <a:t>UML</a:t>
+            </a:r>
+            <a:r>
+              <a:rPr lang="ru-RU" dirty="0"/>
+              <a:t> </a:t>
+            </a:r>
+            <a:r>
+              <a:rPr lang="ru-RU" dirty="0" err="1"/>
+              <a:t>елементи</a:t>
+            </a:r>
+            <a:r>
+              <a:rPr lang="en-US" dirty="0"/>
+              <a:t> </a:t>
+            </a:r>
+            <a:endParaRPr lang="ru-RU" dirty="0" smtClean="0"/>
           </a:p>
           <a:p>
             <a:pPr>
@@ -6428,11 +6471,46 @@
               </a:spcBef>
             </a:pPr>
             <a:r>
-              <a:rPr lang="ru-RU" dirty="0" smtClean="0">
-                <a:latin typeface="+mj-lt"/>
-              </a:rPr>
-              <a:t>Анализ и оценка работы отдельного модуля</a:t>
-            </a:r>
+              <a:rPr lang="ru-RU" dirty="0" smtClean="0"/>
+              <a:t> </a:t>
+            </a:r>
+            <a:r>
+              <a:rPr lang="ru-RU" dirty="0" err="1" smtClean="0"/>
+              <a:t>Аналіз</a:t>
+            </a:r>
+            <a:r>
+              <a:rPr lang="ru-RU" dirty="0" smtClean="0"/>
+              <a:t> </a:t>
+            </a:r>
+            <a:r>
+              <a:rPr lang="ru-RU" dirty="0"/>
+              <a:t>та </a:t>
+            </a:r>
+            <a:r>
+              <a:rPr lang="ru-RU" dirty="0" err="1"/>
+              <a:t>оцінка</a:t>
+            </a:r>
+            <a:r>
+              <a:rPr lang="ru-RU" dirty="0"/>
+              <a:t> </a:t>
+            </a:r>
+            <a:r>
+              <a:rPr lang="ru-RU" dirty="0" err="1"/>
+              <a:t>проведеного</a:t>
+            </a:r>
+            <a:r>
+              <a:rPr lang="ru-RU" dirty="0"/>
+              <a:t> </a:t>
+            </a:r>
+            <a:r>
+              <a:rPr lang="ru-RU" dirty="0" err="1"/>
+              <a:t>експерименту</a:t>
+            </a:r>
+            <a:r>
+              <a:rPr lang="en-US" dirty="0"/>
+              <a:t> </a:t>
+            </a:r>
+            <a:endParaRPr lang="ru-RU" dirty="0" smtClean="0"/>
           </a:p>
           <a:p>
             <a:pPr>
@@ -6443,12 +6521,22 @@
                 <a:spcPts val="0"/>
               </a:spcBef>
             </a:pPr>
-            <a:r>
-              <a:rPr lang="ru-RU" dirty="0" smtClean="0">
-                <a:latin typeface="+mj-lt"/>
-              </a:rPr>
-              <a:t>Определение узких мест и возможности их оптимизации</a:t>
-            </a:r>
+            <a:endParaRPr lang="ru-RU" dirty="0">
+              <a:latin typeface="+mj-lt"/>
+            </a:endParaRPr>
+          </a:p>
+          <a:p>
+            <a:pPr>
+              <a:lnSpc>
+                <a:spcPct val="100000"/>
+              </a:lnSpc>
+              <a:spcBef>
+                <a:spcPts val="0"/>
+              </a:spcBef>
+            </a:pPr>
+            <a:endParaRPr lang="ru-RU" dirty="0" smtClean="0">
+              <a:latin typeface="+mj-lt"/>
+            </a:endParaRPr>
           </a:p>
         </p:txBody>
       </p:sp>
@@ -6897,17 +6985,7 @@
                 <a:ea typeface="Helvetica Neue" charset="0"/>
                 <a:cs typeface="Helvetica Neue" charset="0"/>
               </a:rPr>
-              <a:t>Короткие </a:t>
-            </a:r>
-            <a:r>
-              <a:rPr lang="ru-RU" sz="2000" dirty="0" smtClean="0">
-                <a:solidFill>
-                  <a:schemeClr val="tx1"/>
-                </a:solidFill>
-                <a:ea typeface="Helvetica Neue" charset="0"/>
-                <a:cs typeface="Helvetica Neue" charset="0"/>
-              </a:rPr>
-              <a:t>семантически насыщенные тексты</a:t>
+              <a:t>Короткие семантически насыщенные тексты</a:t>
             </a:r>
             <a:endParaRPr lang="en-US" sz="2000" dirty="0">
               <a:solidFill>
@@ -7826,7 +7904,6 @@
               <a:rPr lang="ru-RU" dirty="0" smtClean="0"/>
               <a:t>его корректность с точки зрения орфографии и семантики; </a:t>
             </a:r>
-            <a:endParaRPr lang="ru-RU" dirty="0" smtClean="0"/>
           </a:p>
           <a:p>
             <a:pPr>
@@ -7857,15 +7934,7 @@
             </a:pPr>
             <a:r>
               <a:rPr lang="ru-RU" dirty="0" smtClean="0"/>
-              <a:t>- </a:t>
-            </a:r>
-            <a:r>
-              <a:rPr lang="ru-RU" dirty="0" smtClean="0"/>
-              <a:t> корректность </a:t>
-            </a:r>
-            <a:r>
-              <a:rPr lang="ru-RU" dirty="0" smtClean="0"/>
-              <a:t>правил конвертации.</a:t>
+              <a:t>-  корректность правил конвертации.</a:t>
             </a:r>
             <a:endParaRPr lang="en-US" dirty="0" smtClean="0"/>
           </a:p>
@@ -7971,7 +8040,7 @@
         <p:spPr>
           <a:xfrm>
             <a:off x="668868" y="2777065"/>
-            <a:ext cx="10684932" cy="1815882"/>
+            <a:ext cx="10684932" cy="3785652"/>
           </a:xfrm>
           <a:prstGeom prst="rect">
             <a:avLst/>
@@ -7984,73 +8053,261 @@
           </a:bodyPr>
           <a:lstStyle/>
           <a:p>
-            <a:r>
-              <a:rPr lang="ru-RU" sz="2800" b="1" dirty="0" err="1" smtClean="0">
-                <a:latin typeface="+mj-lt"/>
-                <a:ea typeface="Helvetica Neue" charset="0"/>
-                <a:cs typeface="Helvetica Neue" charset="0"/>
-              </a:rPr>
-              <a:t>Natural</a:t>
-            </a:r>
-            <a:r>
-              <a:rPr lang="ru-RU" sz="2800" b="1" dirty="0" smtClean="0">
-                <a:latin typeface="+mj-lt"/>
-                <a:ea typeface="Helvetica Neue" charset="0"/>
-                <a:cs typeface="Helvetica Neue" charset="0"/>
-              </a:rPr>
+            <a:pPr marL="457200" indent="-457200">
+              <a:buFont typeface="Arial" charset="0"/>
+              <a:buChar char="•"/>
+            </a:pPr>
+            <a:r>
+              <a:rPr lang="ru-RU" sz="2400" dirty="0" err="1" smtClean="0"/>
+              <a:t>Семантичний</a:t>
+            </a:r>
+            <a:r>
+              <a:rPr lang="ru-RU" sz="2400" dirty="0" smtClean="0"/>
               <a:t> </a:t>
             </a:r>
             <a:r>
-              <a:rPr lang="ru-RU" sz="2800" b="1" dirty="0" err="1" smtClean="0">
-                <a:latin typeface="+mj-lt"/>
-                <a:ea typeface="Helvetica Neue" charset="0"/>
-                <a:cs typeface="Helvetica Neue" charset="0"/>
-              </a:rPr>
-              <a:t>Language</a:t>
-            </a:r>
-            <a:r>
-              <a:rPr lang="ru-RU" sz="2800" b="1" dirty="0" smtClean="0">
-                <a:latin typeface="+mj-lt"/>
-                <a:ea typeface="Helvetica Neue" charset="0"/>
-                <a:cs typeface="Helvetica Neue" charset="0"/>
-              </a:rPr>
+              <a:rPr lang="ru-RU" sz="2400" dirty="0" err="1"/>
+              <a:t>аналіз</a:t>
+            </a:r>
+            <a:r>
+              <a:rPr lang="ru-RU" sz="2400" dirty="0"/>
+              <a:t> тексту як основа для </a:t>
+            </a:r>
+            <a:r>
+              <a:rPr lang="ru-RU" sz="2400" dirty="0" err="1"/>
+              <a:t>виконання</a:t>
+            </a:r>
+            <a:r>
+              <a:rPr lang="ru-RU" sz="2400" dirty="0"/>
               <a:t> </a:t>
             </a:r>
             <a:r>
-              <a:rPr lang="ru-RU" sz="2800" b="1" dirty="0" err="1" smtClean="0">
-                <a:latin typeface="+mj-lt"/>
-                <a:ea typeface="Helvetica Neue" charset="0"/>
-                <a:cs typeface="Helvetica Neue" charset="0"/>
-              </a:rPr>
-              <a:t>Processing</a:t>
-            </a:r>
-            <a:r>
-              <a:rPr lang="ru-RU" sz="2800" b="1" dirty="0" smtClean="0">
-                <a:latin typeface="+mj-lt"/>
-                <a:ea typeface="Helvetica Neue" charset="0"/>
-                <a:cs typeface="Helvetica Neue" charset="0"/>
-              </a:rPr>
+              <a:rPr lang="ru-RU" sz="2400" dirty="0" err="1"/>
+              <a:t>парсинга</a:t>
+            </a:r>
+            <a:r>
+              <a:rPr lang="en-US" sz="2400" dirty="0"/>
               <a:t> </a:t>
             </a:r>
-            <a:r>
-              <a:rPr lang="ru-RU" sz="2800" dirty="0" smtClean="0">
-                <a:latin typeface="+mj-lt"/>
-                <a:ea typeface="Helvetica Neue" charset="0"/>
-                <a:cs typeface="Helvetica Neue" charset="0"/>
-              </a:rPr>
-              <a:t>(Обработка естественного языка) является одним из центральных направлений искусственного интеллекта в компьютерной науке, в основе которого лежит анализ естественно-текстов</a:t>
-            </a:r>
-            <a:endParaRPr lang="en-US" sz="2800" dirty="0">
+            <a:endParaRPr lang="ru-RU" sz="2400" dirty="0"/>
+          </a:p>
+          <a:p>
+            <a:pPr marL="457200" indent="-457200">
+              <a:buFont typeface="Arial" charset="0"/>
+              <a:buChar char="•"/>
+            </a:pPr>
+            <a:r>
+              <a:rPr lang="ru-RU" sz="2400" dirty="0" err="1" smtClean="0"/>
+              <a:t>Огляд</a:t>
+            </a:r>
+            <a:r>
+              <a:rPr lang="ru-RU" sz="2400" dirty="0" smtClean="0"/>
+              <a:t> </a:t>
+            </a:r>
+            <a:r>
+              <a:rPr lang="ru-RU" sz="2400" dirty="0" err="1"/>
+              <a:t>існуючого</a:t>
+            </a:r>
+            <a:r>
+              <a:rPr lang="ru-RU" sz="2400" dirty="0"/>
+              <a:t> </a:t>
+            </a:r>
+            <a:r>
+              <a:rPr lang="ru-RU" sz="2400" dirty="0" err="1"/>
+              <a:t>інструментарію</a:t>
+            </a:r>
+            <a:r>
+              <a:rPr lang="ru-RU" sz="2400" dirty="0"/>
+              <a:t>  </a:t>
+            </a:r>
+            <a:r>
+              <a:rPr lang="en-US" sz="2400" dirty="0"/>
+              <a:t>Stanford Core NLP </a:t>
+            </a:r>
+            <a:endParaRPr lang="ru-RU" sz="2400" dirty="0"/>
+          </a:p>
+          <a:p>
+            <a:pPr marL="457200" indent="-457200">
+              <a:buFont typeface="Arial" charset="0"/>
+              <a:buChar char="•"/>
+            </a:pPr>
+            <a:r>
+              <a:rPr lang="ru-RU" sz="2400" dirty="0" err="1" smtClean="0"/>
+              <a:t>Засоби</a:t>
+            </a:r>
+            <a:r>
+              <a:rPr lang="ru-RU" sz="2400" dirty="0" smtClean="0"/>
+              <a:t> </a:t>
+            </a:r>
+            <a:r>
+              <a:rPr lang="ru-RU" sz="2400" dirty="0" err="1"/>
+              <a:t>зберігання</a:t>
+            </a:r>
+            <a:r>
+              <a:rPr lang="ru-RU" sz="2400" dirty="0"/>
+              <a:t> і </a:t>
+            </a:r>
+            <a:r>
+              <a:rPr lang="ru-RU" sz="2400" dirty="0" err="1"/>
+              <a:t>візуального</a:t>
+            </a:r>
+            <a:r>
+              <a:rPr lang="ru-RU" sz="2400" dirty="0"/>
+              <a:t> </a:t>
+            </a:r>
+            <a:r>
+              <a:rPr lang="ru-RU" sz="2400" dirty="0" err="1"/>
+              <a:t>представлення</a:t>
+            </a:r>
+            <a:r>
+              <a:rPr lang="ru-RU" sz="2400" dirty="0"/>
+              <a:t> тексту</a:t>
+            </a:r>
+            <a:r>
+              <a:rPr lang="en-US" sz="2400" dirty="0"/>
+              <a:t> </a:t>
+            </a:r>
+            <a:endParaRPr lang="ru-RU" sz="2400" dirty="0"/>
+          </a:p>
+          <a:p>
+            <a:pPr marL="457200" indent="-457200">
+              <a:buFont typeface="Arial" charset="0"/>
+              <a:buChar char="•"/>
+            </a:pPr>
+            <a:r>
+              <a:rPr lang="ru-RU" sz="2400" dirty="0" smtClean="0"/>
+              <a:t>Вектор </a:t>
+            </a:r>
+            <a:r>
+              <a:rPr lang="ru-RU" sz="2400" dirty="0" err="1"/>
+              <a:t>розвитку</a:t>
+            </a:r>
+            <a:r>
+              <a:rPr lang="ru-RU" sz="2400" dirty="0"/>
+              <a:t> </a:t>
+            </a:r>
+            <a:r>
+              <a:rPr lang="ru-RU" sz="2400" dirty="0" err="1"/>
+              <a:t>даного</a:t>
+            </a:r>
+            <a:r>
+              <a:rPr lang="ru-RU" sz="2400" dirty="0"/>
+              <a:t> </a:t>
+            </a:r>
+            <a:r>
+              <a:rPr lang="ru-RU" sz="2400" dirty="0" err="1"/>
+              <a:t>напрямку</a:t>
+            </a:r>
+            <a:r>
+              <a:rPr lang="ru-RU" sz="2400" dirty="0"/>
+              <a:t> і </a:t>
+            </a:r>
+            <a:r>
+              <a:rPr lang="ru-RU" sz="2400" dirty="0" err="1"/>
+              <a:t>його</a:t>
+            </a:r>
+            <a:r>
+              <a:rPr lang="ru-RU" sz="2400" dirty="0"/>
+              <a:t> </a:t>
+            </a:r>
+            <a:r>
+              <a:rPr lang="ru-RU" sz="2400" dirty="0" err="1"/>
+              <a:t>перспективи</a:t>
+            </a:r>
+            <a:r>
+              <a:rPr lang="en-US" sz="2400" dirty="0"/>
+              <a:t> </a:t>
+            </a:r>
+            <a:endParaRPr lang="en-US" sz="2400" dirty="0">
               <a:solidFill>
                 <a:schemeClr val="tx1">
                   <a:lumMod val="65000"/>
                   <a:lumOff val="35000"/>
                 </a:schemeClr>
               </a:solidFill>
+              <a:ea typeface="Helvetica Neue" charset="0"/>
+              <a:cs typeface="Helvetica Neue" charset="0"/>
+            </a:endParaRPr>
+          </a:p>
+          <a:p>
+            <a:endParaRPr lang="ru-RU" sz="2400" b="1" dirty="0" smtClean="0">
               <a:latin typeface="+mj-lt"/>
               <a:ea typeface="Helvetica Neue" charset="0"/>
               <a:cs typeface="Helvetica Neue" charset="0"/>
             </a:endParaRPr>
+          </a:p>
+          <a:p>
+            <a:endParaRPr lang="ru-RU" sz="2400" b="1" dirty="0">
+              <a:latin typeface="+mj-lt"/>
+              <a:ea typeface="Helvetica Neue" charset="0"/>
+              <a:cs typeface="Helvetica Neue" charset="0"/>
+            </a:endParaRPr>
+          </a:p>
+          <a:p>
+            <a:r>
+              <a:rPr lang="ru-RU" sz="2400" b="1" dirty="0" err="1" smtClean="0">
+                <a:latin typeface="+mj-lt"/>
+                <a:ea typeface="Helvetica Neue" charset="0"/>
+                <a:cs typeface="Helvetica Neue" charset="0"/>
+              </a:rPr>
+              <a:t>Natural</a:t>
+            </a:r>
+            <a:r>
+              <a:rPr lang="ru-RU" sz="2400" b="1" dirty="0" smtClean="0">
+                <a:latin typeface="+mj-lt"/>
+                <a:ea typeface="Helvetica Neue" charset="0"/>
+                <a:cs typeface="Helvetica Neue" charset="0"/>
+              </a:rPr>
+              <a:t> </a:t>
+            </a:r>
+            <a:r>
+              <a:rPr lang="ru-RU" sz="2400" b="1" dirty="0" err="1" smtClean="0">
+                <a:latin typeface="+mj-lt"/>
+                <a:ea typeface="Helvetica Neue" charset="0"/>
+                <a:cs typeface="Helvetica Neue" charset="0"/>
+              </a:rPr>
+              <a:t>Language</a:t>
+            </a:r>
+            <a:r>
+              <a:rPr lang="ru-RU" sz="2400" b="1" dirty="0" smtClean="0">
+                <a:latin typeface="+mj-lt"/>
+                <a:ea typeface="Helvetica Neue" charset="0"/>
+                <a:cs typeface="Helvetica Neue" charset="0"/>
+              </a:rPr>
+              <a:t> </a:t>
+            </a:r>
+            <a:r>
+              <a:rPr lang="ru-RU" sz="2400" b="1" dirty="0" err="1" smtClean="0">
+                <a:latin typeface="+mj-lt"/>
+                <a:ea typeface="Helvetica Neue" charset="0"/>
+                <a:cs typeface="Helvetica Neue" charset="0"/>
+              </a:rPr>
+              <a:t>Processing</a:t>
+            </a:r>
+            <a:r>
+              <a:rPr lang="ru-RU" sz="2400" b="1" dirty="0" smtClean="0">
+                <a:latin typeface="+mj-lt"/>
+                <a:ea typeface="Helvetica Neue" charset="0"/>
+                <a:cs typeface="Helvetica Neue" charset="0"/>
+              </a:rPr>
+              <a:t> </a:t>
+            </a:r>
+            <a:r>
+              <a:rPr lang="ru-RU" sz="2400" dirty="0" smtClean="0">
+                <a:latin typeface="+mj-lt"/>
+                <a:ea typeface="Helvetica Neue" charset="0"/>
+                <a:cs typeface="Helvetica Neue" charset="0"/>
+              </a:rPr>
+              <a:t>(Обработка естественного языка) является одним из центральных направлений искусственного интеллекта в компьютерной науке, в основе которого лежит анализ </a:t>
+            </a:r>
+            <a:r>
+              <a:rPr lang="ru-RU" sz="2400" dirty="0" smtClean="0">
+                <a:latin typeface="+mj-lt"/>
+                <a:ea typeface="Helvetica Neue" charset="0"/>
+                <a:cs typeface="Helvetica Neue" charset="0"/>
+              </a:rPr>
+              <a:t>естественно-текстов</a:t>
+            </a:r>
           </a:p>
         </p:txBody>
       </p:sp>
@@ -8165,15 +8422,7 @@
                 <a:ea typeface="Helvetica Neue" charset="0"/>
                 <a:cs typeface="Helvetica Neue" charset="0"/>
               </a:rPr>
-              <a:t>Интегрированный набор инструментов для грамматического </a:t>
-            </a:r>
-            <a:r>
-              <a:rPr lang="ru-RU" sz="2400" dirty="0" smtClean="0">
-                <a:latin typeface="+mj-lt"/>
-                <a:ea typeface="Helvetica Neue" charset="0"/>
-                <a:cs typeface="Helvetica Neue" charset="0"/>
-              </a:rPr>
-              <a:t>анализа</a:t>
+              <a:t>Интегрированный набор инструментов для грамматического анализа</a:t>
             </a:r>
             <a:endParaRPr lang="ru-RU" sz="2400" dirty="0">
               <a:latin typeface="+mj-lt"/>
@@ -8196,15 +8445,7 @@
                 <a:ea typeface="Helvetica Neue" charset="0"/>
                 <a:cs typeface="Helvetica Neue" charset="0"/>
               </a:rPr>
-              <a:t>Быстрый </a:t>
-            </a:r>
-            <a:r>
-              <a:rPr lang="ru-RU" sz="2400" dirty="0" smtClean="0">
-                <a:latin typeface="+mj-lt"/>
-                <a:ea typeface="Helvetica Neue" charset="0"/>
-                <a:cs typeface="Helvetica Neue" charset="0"/>
-              </a:rPr>
-              <a:t>и надежный анализ произвольного текста</a:t>
+              <a:t>Быстрый и надежный анализ произвольного текста</a:t>
             </a:r>
             <a:endParaRPr lang="ru-RU" sz="2400" dirty="0">
               <a:latin typeface="+mj-lt"/>
@@ -11299,6 +11540,9 @@
               </a:rPr>
               <a:t>текста </a:t>
             </a:r>
+            <a:endParaRPr lang="ru-RU" dirty="0" smtClean="0">
+              <a:latin typeface="+mj-lt"/>
+            </a:endParaRPr>
           </a:p>
           <a:p>
             <a:pPr>
@@ -11313,7 +11557,35 @@
               <a:rPr lang="ru-RU" dirty="0" smtClean="0">
                 <a:latin typeface="+mj-lt"/>
               </a:rPr>
-              <a:t>Механизм построения UML диаграмм</a:t>
+              <a:t>Механизм построения UML </a:t>
+            </a:r>
+            <a:r>
+              <a:rPr lang="ru-RU" dirty="0" smtClean="0">
+                <a:latin typeface="+mj-lt"/>
+              </a:rPr>
+              <a:t>диаграмм</a:t>
+            </a:r>
+          </a:p>
+          <a:p>
+            <a:pPr>
+              <a:lnSpc>
+                <a:spcPct val="100000"/>
+              </a:lnSpc>
+              <a:spcBef>
+                <a:spcPts val="0"/>
+              </a:spcBef>
+            </a:pPr>
+            <a:r>
+              <a:rPr lang="ru-RU" dirty="0"/>
+              <a:t>Робота з форматом </a:t>
+            </a:r>
+            <a:r>
+              <a:rPr lang="en-US" dirty="0"/>
+              <a:t>XMI</a:t>
+            </a:r>
+            <a:r>
+              <a:rPr lang="en-US" dirty="0"/>
+              <a:t> </a:t>
             </a:r>
             <a:endParaRPr lang="en-US" dirty="0">
               <a:latin typeface="+mj-lt"/>

--- a/presentation/Moiseyenko_presentation.pptx
+++ b/presentation/Moiseyenko_presentation.pptx
@@ -2,7 +2,7 @@
 <file path=ppt/presentation.xml><?xml version="1.0" encoding="utf-8"?>
 <p:presentation xmlns:a="http://schemas.openxmlformats.org/drawingml/2006/main" xmlns:r="http://schemas.openxmlformats.org/officeDocument/2006/relationships" xmlns:p="http://schemas.openxmlformats.org/presentationml/2006/main" saveSubsetFonts="1" autoCompressPictures="0">
   <p:sldMasterIdLst>
-    <p:sldMasterId id="2147483846" r:id="rId1"/>
+    <p:sldMasterId id="2147483942" r:id="rId1"/>
   </p:sldMasterIdLst>
   <p:notesMasterIdLst>
     <p:notesMasterId r:id="rId23"/>
@@ -217,7 +217,7 @@
           <a:p>
             <a:fld id="{5F76E262-0863-D14E-8989-C21AD0421303}" type="datetimeFigureOut">
               <a:rPr lang="en-US" smtClean="0"/>
-              <a:t>5/28/17</a:t>
+              <a:t>5/29/17</a:t>
             </a:fld>
             <a:endParaRPr lang="en-US"/>
           </a:p>
@@ -654,7 +654,7 @@
 </file>
 
 <file path=ppt/slideLayouts/slideLayout1.xml><?xml version="1.0" encoding="utf-8"?>
-<p:sldLayout xmlns:a="http://schemas.openxmlformats.org/drawingml/2006/main" xmlns:r="http://schemas.openxmlformats.org/officeDocument/2006/relationships" xmlns:p="http://schemas.openxmlformats.org/presentationml/2006/main" type="title" preserve="1">
+<p:sldLayout xmlns:a="http://schemas.openxmlformats.org/drawingml/2006/main" xmlns:r="http://schemas.openxmlformats.org/officeDocument/2006/relationships" xmlns:p="http://schemas.openxmlformats.org/presentationml/2006/main" showMasterSp="0" type="title" preserve="1">
   <p:cSld name="Title Slide">
     <p:bg>
       <p:bgRef idx="1001">
@@ -700,7 +700,7 @@
               <a:lnSpc>
                 <a:spcPct val="85000"/>
               </a:lnSpc>
-              <a:defRPr sz="7200" baseline="0">
+              <a:defRPr sz="7200" b="0" baseline="0">
                 <a:solidFill>
                   <a:schemeClr val="tx1"/>
                 </a:solidFill>
@@ -804,10 +804,7 @@
             <a:avLst/>
           </a:prstGeom>
           <a:solidFill>
-            <a:schemeClr val="bg2">
-              <a:lumMod val="60000"/>
-              <a:lumOff val="40000"/>
-            </a:schemeClr>
+            <a:schemeClr val="accent1"/>
           </a:solidFill>
           <a:ln>
             <a:noFill/>
@@ -847,7 +844,7 @@
           <a:p>
             <a:fld id="{19B0FB5A-CC79-4043-A8CB-7CA54D655012}" type="datetimeFigureOut">
               <a:rPr lang="en-US" smtClean="0"/>
-              <a:t>5/28/17</a:t>
+              <a:t>5/29/17</a:t>
             </a:fld>
             <a:endParaRPr lang="en-US"/>
           </a:p>
@@ -894,6 +891,46 @@
             <a:endParaRPr lang="en-US"/>
           </a:p>
         </p:txBody>
+      </p:sp>
+      <p:sp>
+        <p:nvSpPr>
+          <p:cNvPr id="11" name="Rectangle 10"/>
+          <p:cNvSpPr/>
+          <p:nvPr/>
+        </p:nvSpPr>
+        <p:spPr>
+          <a:xfrm>
+            <a:off x="11292840" y="0"/>
+            <a:ext cx="914400" cy="6858000"/>
+          </a:xfrm>
+          <a:prstGeom prst="rect">
+            <a:avLst/>
+          </a:prstGeom>
+          <a:solidFill>
+            <a:schemeClr val="bg2">
+              <a:lumMod val="75000"/>
+            </a:schemeClr>
+          </a:solidFill>
+          <a:ln>
+            <a:noFill/>
+          </a:ln>
+        </p:spPr>
+        <p:style>
+          <a:lnRef idx="2">
+            <a:schemeClr val="accent1">
+              <a:shade val="50000"/>
+            </a:schemeClr>
+          </a:lnRef>
+          <a:fillRef idx="1">
+            <a:schemeClr val="accent1"/>
+          </a:fillRef>
+          <a:effectRef idx="0">
+            <a:schemeClr val="accent1"/>
+          </a:effectRef>
+          <a:fontRef idx="minor">
+            <a:schemeClr val="lt1"/>
+          </a:fontRef>
+        </p:style>
       </p:sp>
     </p:spTree>
   </p:cSld>
@@ -1017,7 +1054,7 @@
           <a:p>
             <a:fld id="{19B0FB5A-CC79-4043-A8CB-7CA54D655012}" type="datetimeFigureOut">
               <a:rPr lang="en-US" smtClean="0"/>
-              <a:t>5/28/17</a:t>
+              <a:t>5/29/17</a:t>
             </a:fld>
             <a:endParaRPr lang="en-US"/>
           </a:p>
@@ -1064,47 +1101,6 @@
             <a:endParaRPr lang="en-US"/>
           </a:p>
         </p:txBody>
-      </p:sp>
-      <p:sp>
-        <p:nvSpPr>
-          <p:cNvPr id="7" name="Rectangle 6"/>
-          <p:cNvSpPr/>
-          <p:nvPr/>
-        </p:nvSpPr>
-        <p:spPr>
-          <a:xfrm>
-            <a:off x="0" y="0"/>
-            <a:ext cx="457200" cy="6858000"/>
-          </a:xfrm>
-          <a:prstGeom prst="rect">
-            <a:avLst/>
-          </a:prstGeom>
-          <a:solidFill>
-            <a:schemeClr val="tx2">
-              <a:lumMod val="60000"/>
-              <a:lumOff val="40000"/>
-            </a:schemeClr>
-          </a:solidFill>
-          <a:ln>
-            <a:noFill/>
-          </a:ln>
-        </p:spPr>
-        <p:style>
-          <a:lnRef idx="2">
-            <a:schemeClr val="accent1">
-              <a:shade val="50000"/>
-            </a:schemeClr>
-          </a:lnRef>
-          <a:fillRef idx="1">
-            <a:schemeClr val="accent1"/>
-          </a:fillRef>
-          <a:effectRef idx="0">
-            <a:schemeClr val="accent1"/>
-          </a:effectRef>
-          <a:fontRef idx="minor">
-            <a:schemeClr val="lt1"/>
-          </a:fontRef>
-        </p:style>
       </p:sp>
     </p:spTree>
   </p:cSld>
@@ -1233,7 +1229,7 @@
           <a:p>
             <a:fld id="{19B0FB5A-CC79-4043-A8CB-7CA54D655012}" type="datetimeFigureOut">
               <a:rPr lang="en-US" smtClean="0"/>
-              <a:t>5/28/17</a:t>
+              <a:t>5/29/17</a:t>
             </a:fld>
             <a:endParaRPr lang="en-US"/>
           </a:p>
@@ -1280,47 +1276,6 @@
             <a:endParaRPr lang="en-US"/>
           </a:p>
         </p:txBody>
-      </p:sp>
-      <p:sp>
-        <p:nvSpPr>
-          <p:cNvPr id="7" name="Rectangle 6"/>
-          <p:cNvSpPr/>
-          <p:nvPr/>
-        </p:nvSpPr>
-        <p:spPr>
-          <a:xfrm>
-            <a:off x="0" y="0"/>
-            <a:ext cx="457200" cy="6858000"/>
-          </a:xfrm>
-          <a:prstGeom prst="rect">
-            <a:avLst/>
-          </a:prstGeom>
-          <a:solidFill>
-            <a:schemeClr val="tx2">
-              <a:lumMod val="60000"/>
-              <a:lumOff val="40000"/>
-            </a:schemeClr>
-          </a:solidFill>
-          <a:ln>
-            <a:noFill/>
-          </a:ln>
-        </p:spPr>
-        <p:style>
-          <a:lnRef idx="2">
-            <a:schemeClr val="accent1">
-              <a:shade val="50000"/>
-            </a:schemeClr>
-          </a:lnRef>
-          <a:fillRef idx="1">
-            <a:schemeClr val="accent1"/>
-          </a:fillRef>
-          <a:effectRef idx="0">
-            <a:schemeClr val="accent1"/>
-          </a:effectRef>
-          <a:fontRef idx="minor">
-            <a:schemeClr val="lt1"/>
-          </a:fontRef>
-        </p:style>
       </p:sp>
     </p:spTree>
   </p:cSld>
@@ -1444,7 +1399,7 @@
           <a:p>
             <a:fld id="{19B0FB5A-CC79-4043-A8CB-7CA54D655012}" type="datetimeFigureOut">
               <a:rPr lang="en-US" smtClean="0"/>
-              <a:t>5/28/17</a:t>
+              <a:t>5/29/17</a:t>
             </a:fld>
             <a:endParaRPr lang="en-US"/>
           </a:p>
@@ -1491,47 +1446,6 @@
             <a:endParaRPr lang="en-US"/>
           </a:p>
         </p:txBody>
-      </p:sp>
-      <p:sp>
-        <p:nvSpPr>
-          <p:cNvPr id="8" name="Rectangle 7"/>
-          <p:cNvSpPr/>
-          <p:nvPr/>
-        </p:nvSpPr>
-        <p:spPr>
-          <a:xfrm>
-            <a:off x="0" y="0"/>
-            <a:ext cx="457200" cy="6858000"/>
-          </a:xfrm>
-          <a:prstGeom prst="rect">
-            <a:avLst/>
-          </a:prstGeom>
-          <a:solidFill>
-            <a:schemeClr val="tx2">
-              <a:lumMod val="60000"/>
-              <a:lumOff val="40000"/>
-            </a:schemeClr>
-          </a:solidFill>
-          <a:ln>
-            <a:noFill/>
-          </a:ln>
-        </p:spPr>
-        <p:style>
-          <a:lnRef idx="2">
-            <a:schemeClr val="accent1">
-              <a:shade val="50000"/>
-            </a:schemeClr>
-          </a:lnRef>
-          <a:fillRef idx="1">
-            <a:schemeClr val="accent1"/>
-          </a:fillRef>
-          <a:effectRef idx="0">
-            <a:schemeClr val="accent1"/>
-          </a:effectRef>
-          <a:fontRef idx="minor">
-            <a:schemeClr val="lt1"/>
-          </a:fontRef>
-        </p:style>
       </p:sp>
     </p:spTree>
   </p:cSld>
@@ -1583,7 +1497,7 @@
               <a:lnSpc>
                 <a:spcPct val="85000"/>
               </a:lnSpc>
-              <a:defRPr sz="7200" b="1"/>
+              <a:defRPr sz="7200" b="0"/>
             </a:lvl1pPr>
           </a:lstStyle>
           <a:p>
@@ -1621,8 +1535,8 @@
               <a:defRPr sz="2200" spc="30" baseline="0">
                 <a:solidFill>
                   <a:schemeClr val="tx1">
-                    <a:lumMod val="50000"/>
-                    <a:lumOff val="50000"/>
+                    <a:lumMod val="75000"/>
+                    <a:lumOff val="25000"/>
                   </a:schemeClr>
                 </a:solidFill>
               </a:defRPr>
@@ -1734,7 +1648,7 @@
           <a:p>
             <a:fld id="{19B0FB5A-CC79-4043-A8CB-7CA54D655012}" type="datetimeFigureOut">
               <a:rPr lang="en-US" smtClean="0"/>
-              <a:t>5/28/17</a:t>
+              <a:t>5/29/17</a:t>
             </a:fld>
             <a:endParaRPr lang="en-US"/>
           </a:p>
@@ -1797,10 +1711,7 @@
             <a:avLst/>
           </a:prstGeom>
           <a:solidFill>
-            <a:schemeClr val="tx2">
-              <a:lumMod val="60000"/>
-              <a:lumOff val="40000"/>
-            </a:schemeClr>
+            <a:schemeClr val="accent1"/>
           </a:solidFill>
           <a:ln>
             <a:noFill/>
@@ -2063,7 +1974,7 @@
           <a:p>
             <a:fld id="{19B0FB5A-CC79-4043-A8CB-7CA54D655012}" type="datetimeFigureOut">
               <a:rPr lang="en-US" smtClean="0"/>
-              <a:t>5/28/17</a:t>
+              <a:t>5/29/17</a:t>
             </a:fld>
             <a:endParaRPr lang="en-US"/>
           </a:p>
@@ -2110,47 +2021,6 @@
             <a:endParaRPr lang="en-US"/>
           </a:p>
         </p:txBody>
-      </p:sp>
-      <p:sp>
-        <p:nvSpPr>
-          <p:cNvPr id="8" name="Rectangle 7"/>
-          <p:cNvSpPr/>
-          <p:nvPr/>
-        </p:nvSpPr>
-        <p:spPr>
-          <a:xfrm>
-            <a:off x="0" y="0"/>
-            <a:ext cx="457200" cy="6858000"/>
-          </a:xfrm>
-          <a:prstGeom prst="rect">
-            <a:avLst/>
-          </a:prstGeom>
-          <a:solidFill>
-            <a:schemeClr val="tx2">
-              <a:lumMod val="60000"/>
-              <a:lumOff val="40000"/>
-            </a:schemeClr>
-          </a:solidFill>
-          <a:ln>
-            <a:noFill/>
-          </a:ln>
-        </p:spPr>
-        <p:style>
-          <a:lnRef idx="2">
-            <a:schemeClr val="accent1">
-              <a:shade val="50000"/>
-            </a:schemeClr>
-          </a:lnRef>
-          <a:fillRef idx="1">
-            <a:schemeClr val="accent1"/>
-          </a:fillRef>
-          <a:effectRef idx="0">
-            <a:schemeClr val="accent1"/>
-          </a:effectRef>
-          <a:fontRef idx="minor">
-            <a:schemeClr val="lt1"/>
-          </a:fontRef>
-        </p:style>
       </p:sp>
     </p:spTree>
   </p:cSld>
@@ -2212,7 +2082,7 @@
         </p:nvSpPr>
         <p:spPr>
           <a:xfrm>
-            <a:off x="1261872" y="1713655"/>
+            <a:off x="1261872" y="1721606"/>
             <a:ext cx="4480560" cy="731520"/>
           </a:xfrm>
         </p:spPr>
@@ -2226,7 +2096,7 @@
                 <a:spcPts val="0"/>
               </a:spcBef>
               <a:buNone/>
-              <a:defRPr sz="2000" b="0">
+              <a:defRPr sz="2000" b="0" baseline="0">
                 <a:solidFill>
                   <a:schemeClr val="tx2"/>
                 </a:solidFill>
@@ -2361,7 +2231,7 @@
       </p:sp>
       <p:sp>
         <p:nvSpPr>
-          <p:cNvPr id="5" name="Text Placeholder 4"/>
+          <p:cNvPr id="11" name="Text Placeholder 4"/>
           <p:cNvSpPr>
             <a:spLocks noGrp="1"/>
           </p:cNvSpPr>
@@ -2371,7 +2241,7 @@
         </p:nvSpPr>
         <p:spPr>
           <a:xfrm>
-            <a:off x="6126480" y="1713655"/>
+            <a:off x="6126480" y="1721606"/>
             <a:ext cx="4480560" cy="731520"/>
           </a:xfrm>
         </p:spPr>
@@ -2550,7 +2420,7 @@
           <a:p>
             <a:fld id="{19B0FB5A-CC79-4043-A8CB-7CA54D655012}" type="datetimeFigureOut">
               <a:rPr lang="en-US" smtClean="0"/>
-              <a:t>5/28/17</a:t>
+              <a:t>5/29/17</a:t>
             </a:fld>
             <a:endParaRPr lang="en-US"/>
           </a:p>
@@ -2597,47 +2467,6 @@
             <a:endParaRPr lang="en-US"/>
           </a:p>
         </p:txBody>
-      </p:sp>
-      <p:sp>
-        <p:nvSpPr>
-          <p:cNvPr id="11" name="Rectangle 10"/>
-          <p:cNvSpPr/>
-          <p:nvPr/>
-        </p:nvSpPr>
-        <p:spPr>
-          <a:xfrm>
-            <a:off x="0" y="0"/>
-            <a:ext cx="457200" cy="6858000"/>
-          </a:xfrm>
-          <a:prstGeom prst="rect">
-            <a:avLst/>
-          </a:prstGeom>
-          <a:solidFill>
-            <a:schemeClr val="tx2">
-              <a:lumMod val="60000"/>
-              <a:lumOff val="40000"/>
-            </a:schemeClr>
-          </a:solidFill>
-          <a:ln>
-            <a:noFill/>
-          </a:ln>
-        </p:spPr>
-        <p:style>
-          <a:lnRef idx="2">
-            <a:schemeClr val="accent1">
-              <a:shade val="50000"/>
-            </a:schemeClr>
-          </a:lnRef>
-          <a:fillRef idx="1">
-            <a:schemeClr val="accent1"/>
-          </a:fillRef>
-          <a:effectRef idx="0">
-            <a:schemeClr val="accent1"/>
-          </a:effectRef>
-          <a:fontRef idx="minor">
-            <a:schemeClr val="lt1"/>
-          </a:fontRef>
-        </p:style>
       </p:sp>
     </p:spTree>
   </p:cSld>
@@ -2704,7 +2533,7 @@
           <a:p>
             <a:fld id="{19B0FB5A-CC79-4043-A8CB-7CA54D655012}" type="datetimeFigureOut">
               <a:rPr lang="en-US" smtClean="0"/>
-              <a:t>5/28/17</a:t>
+              <a:t>5/29/17</a:t>
             </a:fld>
             <a:endParaRPr lang="en-US"/>
           </a:p>
@@ -2751,47 +2580,6 @@
             <a:endParaRPr lang="en-US"/>
           </a:p>
         </p:txBody>
-      </p:sp>
-      <p:sp>
-        <p:nvSpPr>
-          <p:cNvPr id="7" name="Rectangle 6"/>
-          <p:cNvSpPr/>
-          <p:nvPr/>
-        </p:nvSpPr>
-        <p:spPr>
-          <a:xfrm>
-            <a:off x="0" y="0"/>
-            <a:ext cx="457200" cy="6858000"/>
-          </a:xfrm>
-          <a:prstGeom prst="rect">
-            <a:avLst/>
-          </a:prstGeom>
-          <a:solidFill>
-            <a:schemeClr val="tx2">
-              <a:lumMod val="60000"/>
-              <a:lumOff val="40000"/>
-            </a:schemeClr>
-          </a:solidFill>
-          <a:ln>
-            <a:noFill/>
-          </a:ln>
-        </p:spPr>
-        <p:style>
-          <a:lnRef idx="2">
-            <a:schemeClr val="accent1">
-              <a:shade val="50000"/>
-            </a:schemeClr>
-          </a:lnRef>
-          <a:fillRef idx="1">
-            <a:schemeClr val="accent1"/>
-          </a:fillRef>
-          <a:effectRef idx="0">
-            <a:schemeClr val="accent1"/>
-          </a:effectRef>
-          <a:fontRef idx="minor">
-            <a:schemeClr val="lt1"/>
-          </a:fontRef>
-        </p:style>
       </p:sp>
     </p:spTree>
   </p:cSld>
@@ -2835,7 +2623,7 @@
           <a:p>
             <a:fld id="{19B0FB5A-CC79-4043-A8CB-7CA54D655012}" type="datetimeFigureOut">
               <a:rPr lang="en-US" smtClean="0"/>
-              <a:t>5/28/17</a:t>
+              <a:t>5/29/17</a:t>
             </a:fld>
             <a:endParaRPr lang="en-US"/>
           </a:p>
@@ -2882,47 +2670,6 @@
             <a:endParaRPr lang="en-US"/>
           </a:p>
         </p:txBody>
-      </p:sp>
-      <p:sp>
-        <p:nvSpPr>
-          <p:cNvPr id="5" name="Rectangle 4"/>
-          <p:cNvSpPr/>
-          <p:nvPr/>
-        </p:nvSpPr>
-        <p:spPr>
-          <a:xfrm>
-            <a:off x="0" y="0"/>
-            <a:ext cx="457200" cy="6858000"/>
-          </a:xfrm>
-          <a:prstGeom prst="rect">
-            <a:avLst/>
-          </a:prstGeom>
-          <a:solidFill>
-            <a:schemeClr val="tx2">
-              <a:lumMod val="60000"/>
-              <a:lumOff val="40000"/>
-            </a:schemeClr>
-          </a:solidFill>
-          <a:ln>
-            <a:noFill/>
-          </a:ln>
-        </p:spPr>
-        <p:style>
-          <a:lnRef idx="2">
-            <a:schemeClr val="accent1">
-              <a:shade val="50000"/>
-            </a:schemeClr>
-          </a:lnRef>
-          <a:fillRef idx="1">
-            <a:schemeClr val="accent1"/>
-          </a:fillRef>
-          <a:effectRef idx="0">
-            <a:schemeClr val="accent1"/>
-          </a:effectRef>
-          <a:fontRef idx="minor">
-            <a:schemeClr val="lt1"/>
-          </a:fontRef>
-        </p:style>
       </p:sp>
     </p:spTree>
   </p:cSld>
@@ -2971,7 +2718,7 @@
           </a:bodyPr>
           <a:lstStyle>
             <a:lvl1pPr>
-              <a:defRPr sz="2800" b="1" baseline="0"/>
+              <a:defRPr sz="3200" b="1" baseline="0"/>
             </a:lvl1pPr>
           </a:lstStyle>
           <a:p>
@@ -3158,7 +2905,7 @@
           <a:p>
             <a:fld id="{19B0FB5A-CC79-4043-A8CB-7CA54D655012}" type="datetimeFigureOut">
               <a:rPr lang="en-US" smtClean="0"/>
-              <a:t>5/28/17</a:t>
+              <a:t>5/29/17</a:t>
             </a:fld>
             <a:endParaRPr lang="en-US"/>
           </a:p>
@@ -3246,7 +2993,9 @@
             <a:avLst/>
           </a:prstGeom>
           <a:solidFill>
-            <a:schemeClr val="tx2"/>
+            <a:schemeClr val="accent1">
+              <a:lumMod val="75000"/>
+            </a:schemeClr>
           </a:solidFill>
           <a:ln>
             <a:noFill/>
@@ -3293,7 +3042,7 @@
             <a:lvl1pPr>
               <a:defRPr sz="2800" b="1">
                 <a:solidFill>
-                  <a:schemeClr val="bg1"/>
+                  <a:srgbClr val="FFFFFF"/>
                 </a:solidFill>
               </a:defRPr>
             </a:lvl1pPr>
@@ -3401,10 +3150,11 @@
                 <a:spcPts val="800"/>
               </a:spcBef>
               <a:buNone/>
-              <a:defRPr sz="1400" baseline="0">
+              <a:defRPr sz="1400">
                 <a:solidFill>
-                  <a:schemeClr val="bg1">
-                    <a:lumMod val="75000"/>
+                  <a:schemeClr val="accent1">
+                    <a:lumMod val="20000"/>
+                    <a:lumOff val="80000"/>
                   </a:schemeClr>
                 </a:solidFill>
               </a:defRPr>
@@ -3468,7 +3218,7 @@
           <a:p>
             <a:fld id="{19B0FB5A-CC79-4043-A8CB-7CA54D655012}" type="datetimeFigureOut">
               <a:rPr lang="en-US" smtClean="0"/>
-              <a:t>5/28/17</a:t>
+              <a:t>5/29/17</a:t>
             </a:fld>
             <a:endParaRPr lang="en-US"/>
           </a:p>
@@ -3566,7 +3316,7 @@
             <a:avLst/>
           </a:prstGeom>
           <a:solidFill>
-            <a:schemeClr val="accent1"/>
+            <a:schemeClr val="tx2"/>
           </a:solidFill>
           <a:ln>
             <a:noFill/>
@@ -3601,8 +3351,8 @@
         </p:nvSpPr>
         <p:spPr>
           <a:xfrm>
-            <a:off x="1261872" y="294198"/>
-            <a:ext cx="9692640" cy="1397124"/>
+            <a:off x="1261872" y="262393"/>
+            <a:ext cx="9692640" cy="1428929"/>
           </a:xfrm>
           <a:prstGeom prst="rect">
             <a:avLst/>
@@ -3707,9 +3457,9 @@
           <a:bodyPr vert="horz" lIns="91440" tIns="45720" rIns="91440" bIns="45720" rtlCol="0" anchor="ctr"/>
           <a:lstStyle>
             <a:lvl1pPr algn="r">
-              <a:defRPr sz="1050" b="0">
+              <a:defRPr sz="1100" b="0">
                 <a:solidFill>
-                  <a:schemeClr val="accent1">
+                  <a:schemeClr val="tx2">
                     <a:lumMod val="40000"/>
                     <a:lumOff val="60000"/>
                   </a:schemeClr>
@@ -3720,7 +3470,7 @@
           <a:p>
             <a:fld id="{19B0FB5A-CC79-4043-A8CB-7CA54D655012}" type="datetimeFigureOut">
               <a:rPr lang="en-US" smtClean="0"/>
-              <a:t>5/28/17</a:t>
+              <a:t>5/29/17</a:t>
             </a:fld>
             <a:endParaRPr lang="en-US"/>
           </a:p>
@@ -3749,9 +3499,9 @@
           <a:bodyPr vert="horz" lIns="91440" tIns="45720" rIns="91440" bIns="45720" rtlCol="0" anchor="ctr"/>
           <a:lstStyle>
             <a:lvl1pPr algn="l">
-              <a:defRPr sz="1050">
+              <a:defRPr sz="1100">
                 <a:solidFill>
-                  <a:schemeClr val="accent1">
+                  <a:schemeClr val="tx2">
                     <a:lumMod val="40000"/>
                     <a:lumOff val="60000"/>
                   </a:schemeClr>
@@ -3791,7 +3541,7 @@
             <a:lvl1pPr algn="ctr">
               <a:defRPr sz="3600">
                 <a:solidFill>
-                  <a:schemeClr val="accent1">
+                  <a:schemeClr val="tx2">
                     <a:lumMod val="60000"/>
                     <a:lumOff val="40000"/>
                   </a:schemeClr>
@@ -3812,23 +3562,23 @@
     </p:spTree>
     <p:extLst>
       <p:ext uri="{BB962C8B-B14F-4D97-AF65-F5344CB8AC3E}">
-        <p14:creationId xmlns:p14="http://schemas.microsoft.com/office/powerpoint/2010/main" val="539510939"/>
+        <p14:creationId xmlns:p14="http://schemas.microsoft.com/office/powerpoint/2010/main" val="766187249"/>
       </p:ext>
     </p:extLst>
   </p:cSld>
   <p:clrMap bg1="lt1" tx1="dk1" bg2="lt2" tx2="dk2" accent1="accent1" accent2="accent2" accent3="accent3" accent4="accent4" accent5="accent5" accent6="accent6" hlink="hlink" folHlink="folHlink"/>
   <p:sldLayoutIdLst>
-    <p:sldLayoutId id="2147483847" r:id="rId1"/>
-    <p:sldLayoutId id="2147483848" r:id="rId2"/>
-    <p:sldLayoutId id="2147483849" r:id="rId3"/>
-    <p:sldLayoutId id="2147483850" r:id="rId4"/>
-    <p:sldLayoutId id="2147483851" r:id="rId5"/>
-    <p:sldLayoutId id="2147483852" r:id="rId6"/>
-    <p:sldLayoutId id="2147483853" r:id="rId7"/>
-    <p:sldLayoutId id="2147483854" r:id="rId8"/>
-    <p:sldLayoutId id="2147483855" r:id="rId9"/>
-    <p:sldLayoutId id="2147483856" r:id="rId10"/>
-    <p:sldLayoutId id="2147483857" r:id="rId11"/>
+    <p:sldLayoutId id="2147483943" r:id="rId1"/>
+    <p:sldLayoutId id="2147483944" r:id="rId2"/>
+    <p:sldLayoutId id="2147483945" r:id="rId3"/>
+    <p:sldLayoutId id="2147483946" r:id="rId4"/>
+    <p:sldLayoutId id="2147483947" r:id="rId5"/>
+    <p:sldLayoutId id="2147483948" r:id="rId6"/>
+    <p:sldLayoutId id="2147483949" r:id="rId7"/>
+    <p:sldLayoutId id="2147483950" r:id="rId8"/>
+    <p:sldLayoutId id="2147483951" r:id="rId9"/>
+    <p:sldLayoutId id="2147483952" r:id="rId10"/>
+    <p:sldLayoutId id="2147483953" r:id="rId11"/>
   </p:sldLayoutIdLst>
   <p:txStyles>
     <p:titleStyle>
@@ -4991,7 +4741,7 @@
         </p:nvGraphicFramePr>
         <p:xfrm>
           <a:off x="3041648" y="1663461"/>
-          <a:ext cx="6339418" cy="4783287"/>
+          <a:ext cx="6339418" cy="4676939"/>
         </p:xfrm>
         <a:graphic>
           <a:graphicData uri="http://schemas.openxmlformats.org/drawingml/2006/table">
@@ -8298,15 +8048,7 @@
                 <a:ea typeface="Helvetica Neue" charset="0"/>
                 <a:cs typeface="Helvetica Neue" charset="0"/>
               </a:rPr>
-              <a:t>(Обработка естественного языка) является одним из центральных направлений искусственного интеллекта в компьютерной науке, в основе которого лежит анализ </a:t>
-            </a:r>
-            <a:r>
-              <a:rPr lang="ru-RU" sz="2400" dirty="0" smtClean="0">
-                <a:latin typeface="+mj-lt"/>
-                <a:ea typeface="Helvetica Neue" charset="0"/>
-                <a:cs typeface="Helvetica Neue" charset="0"/>
-              </a:rPr>
-              <a:t>естественно-текстов</a:t>
+              <a:t>(Обработка естественного языка) является одним из центральных направлений искусственного интеллекта в компьютерной науке, в основе которого лежит анализ естественно-текстов</a:t>
             </a:r>
           </a:p>
         </p:txBody>
@@ -11540,9 +11282,6 @@
               </a:rPr>
               <a:t>текста </a:t>
             </a:r>
-            <a:endParaRPr lang="ru-RU" dirty="0" smtClean="0">
-              <a:latin typeface="+mj-lt"/>
-            </a:endParaRPr>
           </a:p>
           <a:p>
             <a:pPr>
@@ -11557,13 +11296,7 @@
               <a:rPr lang="ru-RU" dirty="0" smtClean="0">
                 <a:latin typeface="+mj-lt"/>
               </a:rPr>
-              <a:t>Механизм построения UML </a:t>
-            </a:r>
-            <a:r>
-              <a:rPr lang="ru-RU" dirty="0" smtClean="0">
-                <a:latin typeface="+mj-lt"/>
-              </a:rPr>
-              <a:t>диаграмм</a:t>
+              <a:t>Механизм построения UML диаграмм</a:t>
             </a:r>
           </a:p>
           <a:p>
@@ -11581,11 +11314,7 @@
             </a:r>
             <a:r>
               <a:rPr lang="en-US" dirty="0"/>
-              <a:t>XMI</a:t>
-            </a:r>
-            <a:r>
-              <a:rPr lang="en-US" dirty="0"/>
-              <a:t> </a:t>
+              <a:t>XMI </a:t>
             </a:r>
             <a:endParaRPr lang="en-US" dirty="0">
               <a:latin typeface="+mj-lt"/>
@@ -12138,7 +11867,7 @@
 <file path=ppt/theme/theme1.xml><?xml version="1.0" encoding="utf-8"?>
 <a:theme xmlns:a="http://schemas.openxmlformats.org/drawingml/2006/main" name="View">
   <a:themeElements>
-    <a:clrScheme name="View">
+    <a:clrScheme name="Yellow Orange">
       <a:dk1>
         <a:sysClr val="windowText" lastClr="000000"/>
       </a:dk1>
@@ -12146,34 +11875,34 @@
         <a:sysClr val="window" lastClr="FFFFFF"/>
       </a:lt1>
       <a:dk2>
-        <a:srgbClr val="696464"/>
+        <a:srgbClr val="4E3B30"/>
       </a:dk2>
       <a:lt2>
-        <a:srgbClr val="E9E5DC"/>
+        <a:srgbClr val="FBEEC9"/>
       </a:lt2>
       <a:accent1>
-        <a:srgbClr val="D34817"/>
+        <a:srgbClr val="F0A22E"/>
       </a:accent1>
       <a:accent2>
-        <a:srgbClr val="9B2D1F"/>
+        <a:srgbClr val="A5644E"/>
       </a:accent2>
       <a:accent3>
-        <a:srgbClr val="A28E6A"/>
+        <a:srgbClr val="B58B80"/>
       </a:accent3>
       <a:accent4>
-        <a:srgbClr val="956251"/>
+        <a:srgbClr val="C3986D"/>
       </a:accent4>
       <a:accent5>
-        <a:srgbClr val="918485"/>
+        <a:srgbClr val="A19574"/>
       </a:accent5>
       <a:accent6>
-        <a:srgbClr val="855D5D"/>
+        <a:srgbClr val="C17529"/>
       </a:accent6>
       <a:hlink>
-        <a:srgbClr val="CC9900"/>
+        <a:srgbClr val="AD1F1F"/>
       </a:hlink>
       <a:folHlink>
-        <a:srgbClr val="96A9A9"/>
+        <a:srgbClr val="FFC42F"/>
       </a:folHlink>
     </a:clrScheme>
     <a:fontScheme name="View">
@@ -12382,7 +12111,7 @@
   <a:extraClrSchemeLst/>
   <a:extLst>
     <a:ext uri="{05A4C25C-085E-4340-85A3-A5531E510DB2}">
-      <thm15:themeFamily xmlns:thm15="http://schemas.microsoft.com/office/thememl/2012/main" name="View" id="{BA0EB5A6-F2D4-4F82-977B-64ADEE4A2A69}" vid="{7B713C7F-58B7-4AE9-B361-B13EB9EC4C0C}"/>
+      <thm15:themeFamily xmlns:thm15="http://schemas.microsoft.com/office/thememl/2012/main" name="View" id="{BA0EB5A6-F2D4-4F82-977B-64ADEE4A2A69}" vid="{23C5FE65-18CC-4A65-9EBC-B05E331504EC}"/>
     </a:ext>
   </a:extLst>
 </a:theme>

--- a/presentation/Moiseyenko_presentation.pptx
+++ b/presentation/Moiseyenko_presentation.pptx
@@ -4850,7 +4850,7 @@
           <a:p>
             <a:r>
               <a:rPr lang="ru-RU" dirty="0" err="1" smtClean="0"/>
-              <a:t>Подитоживание</a:t>
+              <a:t>Подытоживание</a:t>
             </a:r>
             <a:endParaRPr lang="en-US" dirty="0"/>
           </a:p>
@@ -4916,7 +4916,6 @@
               <a:rPr lang="ru-RU" dirty="0" smtClean="0"/>
               <a:t>:</a:t>
             </a:r>
-            <a:endParaRPr lang="ru-RU" dirty="0" smtClean="0"/>
           </a:p>
           <a:p>
             <a:pPr>
@@ -5309,19 +5308,19 @@
               <a:t> </a:t>
             </a:r>
             <a:r>
-              <a:rPr lang="en-US" dirty="0" err="1"/>
+              <a:rPr lang="en-US" dirty="0" err="1" smtClean="0"/>
               <a:t>Василейко</a:t>
             </a:r>
             <a:r>
-              <a:rPr lang="en-US" dirty="0"/>
-              <a:t> [2] </a:t>
-            </a:r>
-            <a:r>
-              <a:rPr lang="en-US" dirty="0" err="1"/>
+              <a:rPr lang="en-US" dirty="0" smtClean="0"/>
+              <a:t> </a:t>
+            </a:r>
+            <a:r>
+              <a:rPr lang="en-US" dirty="0" err="1" smtClean="0"/>
               <a:t>с</a:t>
             </a:r>
             <a:r>
-              <a:rPr lang="en-US" dirty="0"/>
+              <a:rPr lang="en-US" dirty="0" smtClean="0"/>
               <a:t> </a:t>
             </a:r>
             <a:r>
@@ -5509,11 +5508,19 @@
               <a:t> </a:t>
             </a:r>
             <a:r>
-              <a:rPr lang="en-US" dirty="0" err="1"/>
-              <a:t>пролем</a:t>
-            </a:r>
-            <a:r>
-              <a:rPr lang="en-US" dirty="0"/>
+              <a:rPr lang="en-US" dirty="0" err="1" smtClean="0"/>
+              <a:t>про</a:t>
+            </a:r>
+            <a:r>
+              <a:rPr lang="ru-RU" dirty="0" smtClean="0"/>
+              <a:t>б</a:t>
+            </a:r>
+            <a:r>
+              <a:rPr lang="en-US" dirty="0" err="1" smtClean="0"/>
+              <a:t>лем</a:t>
+            </a:r>
+            <a:r>
+              <a:rPr lang="en-US" dirty="0" smtClean="0"/>
               <a:t> </a:t>
             </a:r>
             <a:r>
@@ -5557,11 +5564,15 @@
               <a:t> </a:t>
             </a:r>
             <a:r>
-              <a:rPr lang="en-US" dirty="0" err="1"/>
-              <a:t>процесси</a:t>
-            </a:r>
-            <a:r>
-              <a:rPr lang="en-US" dirty="0"/>
+              <a:rPr lang="en-US" dirty="0" err="1" smtClean="0"/>
+              <a:t>процесс</a:t>
+            </a:r>
+            <a:r>
+              <a:rPr lang="ru-RU" dirty="0" smtClean="0"/>
+              <a:t>е</a:t>
+            </a:r>
+            <a:r>
+              <a:rPr lang="en-US" dirty="0" smtClean="0"/>
               <a:t> </a:t>
             </a:r>
             <a:r>
@@ -5693,7 +5704,11 @@
               <a:t> </a:t>
             </a:r>
             <a:r>
-              <a:rPr lang="en-US" dirty="0" err="1"/>
+              <a:rPr lang="ru-RU" dirty="0" smtClean="0"/>
+              <a:t>его последующего </a:t>
+            </a:r>
+            <a:r>
+              <a:rPr lang="en-US" dirty="0" err="1" smtClean="0"/>
               <a:t>улучшения</a:t>
             </a:r>
             <a:r>
@@ -5806,29 +5821,84 @@
             </a:pPr>
             <a:r>
               <a:rPr lang="ru-RU" sz="2800" dirty="0" smtClean="0"/>
-              <a:t> План </a:t>
-            </a:r>
+              <a:t> </a:t>
+            </a:r>
+            <a:r>
+              <a:rPr lang="uk-UA" sz="2800" dirty="0"/>
+              <a:t>План </a:t>
+            </a:r>
+            <a:r>
+              <a:rPr lang="uk-UA" sz="2800" dirty="0" err="1"/>
+              <a:t>и</a:t>
+            </a:r>
+            <a:r>
+              <a:rPr lang="uk-UA" sz="2800" dirty="0"/>
+              <a:t> </a:t>
+            </a:r>
+            <a:r>
+              <a:rPr lang="uk-UA" sz="2800" dirty="0" err="1" smtClean="0"/>
+              <a:t>проведение</a:t>
+            </a:r>
+            <a:r>
+              <a:rPr lang="uk-UA" sz="2800" dirty="0" smtClean="0"/>
+              <a:t> </a:t>
+            </a:r>
+            <a:r>
+              <a:rPr lang="uk-UA" sz="2800" dirty="0" err="1" smtClean="0"/>
+              <a:t>експеримента</a:t>
+            </a:r>
+            <a:endParaRPr lang="ru-RU" sz="2800" dirty="0" smtClean="0"/>
+          </a:p>
+          <a:p>
             <a:r>
               <a:rPr lang="ru-RU" sz="2800" dirty="0"/>
-              <a:t>і </a:t>
-            </a:r>
-            <a:r>
-              <a:rPr lang="ru-RU" sz="2800" dirty="0" err="1"/>
-              <a:t>проведення</a:t>
-            </a:r>
-            <a:r>
-              <a:rPr lang="ru-RU" sz="2800" dirty="0"/>
-              <a:t> </a:t>
-            </a:r>
-            <a:r>
-              <a:rPr lang="ru-RU" sz="2800" dirty="0" err="1" smtClean="0"/>
-              <a:t>експерименту</a:t>
+              <a:t> </a:t>
+            </a:r>
+            <a:r>
+              <a:rPr lang="en-US" sz="2800" dirty="0" err="1" smtClean="0"/>
+              <a:t>Проверка</a:t>
             </a:r>
             <a:r>
               <a:rPr lang="en-US" sz="2800" dirty="0" smtClean="0"/>
               <a:t> </a:t>
             </a:r>
-            <a:endParaRPr lang="ru-RU" sz="2800" dirty="0" smtClean="0"/>
+            <a:r>
+              <a:rPr lang="en-US" sz="2800" dirty="0" err="1"/>
+              <a:t>конвертации</a:t>
+            </a:r>
+            <a:r>
+              <a:rPr lang="en-US" sz="2800" dirty="0"/>
+              <a:t> </a:t>
+            </a:r>
+            <a:r>
+              <a:rPr lang="en-US" sz="2800" dirty="0" err="1"/>
+              <a:t>текстовых</a:t>
+            </a:r>
+            <a:r>
+              <a:rPr lang="en-US" sz="2800" dirty="0"/>
+              <a:t> </a:t>
+            </a:r>
+            <a:r>
+              <a:rPr lang="en-US" sz="2800" dirty="0" err="1"/>
+              <a:t>сущностей</a:t>
+            </a:r>
+            <a:r>
+              <a:rPr lang="en-US" sz="2800" dirty="0"/>
+              <a:t> </a:t>
+            </a:r>
+            <a:r>
+              <a:rPr lang="en-US" sz="2800" dirty="0" err="1"/>
+              <a:t>в</a:t>
+            </a:r>
+            <a:r>
+              <a:rPr lang="en-US" sz="2800" dirty="0"/>
+              <a:t> UML </a:t>
+            </a:r>
+            <a:r>
+              <a:rPr lang="en-US" sz="2800" dirty="0" err="1"/>
+              <a:t>элементы</a:t>
+            </a:r>
+            <a:endParaRPr lang="en-US" sz="2800" dirty="0"/>
           </a:p>
           <a:p>
             <a:pPr>
@@ -5840,119 +5910,13 @@
               </a:spcBef>
             </a:pPr>
             <a:r>
+              <a:rPr lang="ru-RU" sz="2800" dirty="0" smtClean="0"/>
+              <a:t> </a:t>
+            </a:r>
+            <a:r>
               <a:rPr lang="ru-RU" sz="2800" dirty="0"/>
-              <a:t> </a:t>
-            </a:r>
-            <a:r>
-              <a:rPr lang="ru-RU" sz="2800" dirty="0" err="1"/>
-              <a:t>Перевірка</a:t>
-            </a:r>
-            <a:r>
-              <a:rPr lang="ru-RU" sz="2800" dirty="0"/>
-              <a:t> </a:t>
-            </a:r>
-            <a:r>
-              <a:rPr lang="ru-RU" sz="2800" dirty="0" err="1"/>
-              <a:t>конвертації</a:t>
-            </a:r>
-            <a:r>
-              <a:rPr lang="ru-RU" sz="2800" dirty="0"/>
-              <a:t> </a:t>
-            </a:r>
-            <a:r>
-              <a:rPr lang="ru-RU" sz="2800" dirty="0" err="1"/>
-              <a:t>текстових</a:t>
-            </a:r>
-            <a:r>
-              <a:rPr lang="ru-RU" sz="2800" dirty="0"/>
-              <a:t> </a:t>
-            </a:r>
-            <a:r>
-              <a:rPr lang="ru-RU" sz="2800" dirty="0" err="1"/>
-              <a:t>сутностей</a:t>
-            </a:r>
-            <a:r>
-              <a:rPr lang="ru-RU" sz="2800" dirty="0"/>
-              <a:t> в </a:t>
-            </a:r>
-            <a:r>
-              <a:rPr lang="en-US" sz="2800" dirty="0"/>
-              <a:t>UML</a:t>
-            </a:r>
-            <a:r>
-              <a:rPr lang="ru-RU" sz="2800" dirty="0"/>
-              <a:t> </a:t>
-            </a:r>
-            <a:r>
-              <a:rPr lang="ru-RU" sz="2800" dirty="0" err="1"/>
-              <a:t>елементи</a:t>
-            </a:r>
-            <a:r>
-              <a:rPr lang="en-US" sz="2800" dirty="0"/>
-              <a:t> </a:t>
-            </a:r>
-            <a:endParaRPr lang="ru-RU" sz="2800" dirty="0" smtClean="0"/>
-          </a:p>
-          <a:p>
-            <a:pPr>
-              <a:lnSpc>
-                <a:spcPct val="100000"/>
-              </a:lnSpc>
-              <a:spcBef>
-                <a:spcPts val="0"/>
-              </a:spcBef>
-            </a:pPr>
-            <a:r>
-              <a:rPr lang="ru-RU" sz="2800" dirty="0" smtClean="0"/>
-              <a:t> </a:t>
-            </a:r>
-            <a:r>
-              <a:rPr lang="ru-RU" sz="2800" dirty="0" err="1" smtClean="0"/>
-              <a:t>Аналіз</a:t>
-            </a:r>
-            <a:r>
-              <a:rPr lang="ru-RU" sz="2800" dirty="0" smtClean="0"/>
-              <a:t> </a:t>
-            </a:r>
-            <a:r>
-              <a:rPr lang="ru-RU" sz="2800" dirty="0"/>
-              <a:t>та </a:t>
-            </a:r>
-            <a:r>
-              <a:rPr lang="ru-RU" sz="2800" dirty="0" err="1"/>
-              <a:t>оцінка</a:t>
-            </a:r>
-            <a:r>
-              <a:rPr lang="ru-RU" sz="2800" dirty="0"/>
-              <a:t> </a:t>
-            </a:r>
-            <a:r>
-              <a:rPr lang="ru-RU" sz="2800" dirty="0" err="1"/>
-              <a:t>проведеного</a:t>
-            </a:r>
-            <a:r>
-              <a:rPr lang="ru-RU" sz="2800" dirty="0"/>
-              <a:t> </a:t>
-            </a:r>
-            <a:r>
-              <a:rPr lang="ru-RU" sz="2800" dirty="0" err="1"/>
-              <a:t>експерименту</a:t>
-            </a:r>
-            <a:r>
-              <a:rPr lang="en-US" sz="2800" dirty="0"/>
-              <a:t> </a:t>
-            </a:r>
-            <a:endParaRPr lang="ru-RU" sz="2800" dirty="0" smtClean="0"/>
-          </a:p>
-          <a:p>
-            <a:pPr>
-              <a:lnSpc>
-                <a:spcPct val="100000"/>
-              </a:lnSpc>
-              <a:spcBef>
-                <a:spcPts val="0"/>
-              </a:spcBef>
-            </a:pPr>
+              <a:t>Анализ и оценка проведенного эксперимента</a:t>
+            </a:r>
             <a:endParaRPr lang="ru-RU" dirty="0">
               <a:latin typeface="+mj-lt"/>
             </a:endParaRPr>
@@ -7153,10 +7117,10 @@
                   </a:schemeClr>
                 </a:solidFill>
               </a:rPr>
-              <a:t>этой дипломной работы составляет, получения и использования UML диаграмм в дальнейшем анализе и редактировании текста, с целью конвертации в OWL формат (язык онтологий) - дипломная работа Александра </a:t>
-            </a:r>
-            <a:r>
-              <a:rPr lang="ru-RU" sz="2800" dirty="0" err="1" smtClean="0">
+              <a:t>этой дипломной работы </a:t>
+            </a:r>
+            <a:r>
+              <a:rPr lang="ru-RU" sz="2800" dirty="0" smtClean="0">
                 <a:solidFill>
                   <a:schemeClr val="tx1">
                     <a:lumMod val="65000"/>
@@ -7164,7 +7128,51 @@
                   </a:schemeClr>
                 </a:solidFill>
               </a:rPr>
-              <a:t>Василейко</a:t>
+              <a:t>составляет получение и использование UML диаграмм для проведения дальнейшего их анализа и </a:t>
+            </a:r>
+            <a:r>
+              <a:rPr lang="ru-RU" sz="2800" dirty="0" err="1" smtClean="0">
+                <a:solidFill>
+                  <a:schemeClr val="tx1">
+                    <a:lumMod val="65000"/>
+                    <a:lumOff val="35000"/>
+                  </a:schemeClr>
+                </a:solidFill>
+              </a:rPr>
+              <a:t>редактиро-вания</a:t>
+            </a:r>
+            <a:r>
+              <a:rPr lang="ru-RU" sz="2800" dirty="0" smtClean="0">
+                <a:solidFill>
+                  <a:schemeClr val="tx1">
+                    <a:lumMod val="65000"/>
+                    <a:lumOff val="35000"/>
+                  </a:schemeClr>
+                </a:solidFill>
+              </a:rPr>
+              <a:t>, </a:t>
+            </a:r>
+            <a:r>
+              <a:rPr lang="ru-RU" sz="2800" dirty="0" smtClean="0">
+                <a:solidFill>
+                  <a:schemeClr val="tx1">
+                    <a:lumMod val="65000"/>
+                    <a:lumOff val="35000"/>
+                  </a:schemeClr>
+                </a:solidFill>
+              </a:rPr>
+              <a:t>с целью конвертации в OWL формат (язык онтологий</a:t>
+            </a:r>
+            <a:r>
+              <a:rPr lang="ru-RU" sz="2800" dirty="0" smtClean="0">
+                <a:solidFill>
+                  <a:schemeClr val="tx1">
+                    <a:lumMod val="65000"/>
+                    <a:lumOff val="35000"/>
+                  </a:schemeClr>
+                </a:solidFill>
+              </a:rPr>
+              <a:t>)</a:t>
             </a:r>
             <a:endParaRPr lang="en-US" sz="2800" dirty="0">
               <a:solidFill>
@@ -7254,17 +7262,17 @@
         </p:nvSpPr>
         <p:spPr>
           <a:xfrm>
-            <a:off x="863599" y="1828800"/>
-            <a:ext cx="10227733" cy="4351337"/>
+            <a:off x="863599" y="1016000"/>
+            <a:ext cx="10227733" cy="5164137"/>
           </a:xfrm>
         </p:spPr>
         <p:txBody>
           <a:bodyPr>
-            <a:normAutofit fontScale="92500" lnSpcReduction="10000"/>
+            <a:normAutofit lnSpcReduction="10000"/>
           </a:bodyPr>
           <a:lstStyle/>
           <a:p>
-            <a:pPr marL="0" indent="0" algn="just">
+            <a:pPr marL="0" indent="0">
               <a:buNone/>
             </a:pPr>
             <a:r>
@@ -7273,6 +7281,13 @@
             </a:r>
             <a:r>
               <a:rPr lang="ru-RU" sz="2800" dirty="0" smtClean="0"/>
+              <a:t/>
+            </a:r>
+            <a:br>
+              <a:rPr lang="ru-RU" sz="2800" dirty="0" smtClean="0"/>
+            </a:br>
+            <a:r>
+              <a:rPr lang="ru-RU" sz="2800" dirty="0" smtClean="0"/>
               <a:t>П</a:t>
             </a:r>
             <a:r>
@@ -7380,20 +7395,16 @@
               <a:t> </a:t>
             </a:r>
             <a:r>
-              <a:rPr lang="en-US" sz="2800" dirty="0" err="1" smtClean="0"/>
+              <a:rPr lang="ru-RU" sz="2800" smtClean="0"/>
+              <a:t>разработанным </a:t>
+            </a:r>
+            <a:r>
+              <a:rPr lang="en-US" sz="2800" smtClean="0"/>
               <a:t>правилам</a:t>
             </a:r>
             <a:r>
               <a:rPr lang="ru-RU" sz="2800" dirty="0" smtClean="0"/>
-              <a:t>, </a:t>
-            </a:r>
-            <a:r>
-              <a:rPr lang="en-US" sz="2800" dirty="0" err="1" smtClean="0"/>
-              <a:t>но</a:t>
-            </a:r>
-            <a:r>
-              <a:rPr lang="en-US" sz="2800" dirty="0" smtClean="0"/>
-              <a:t> </a:t>
+              <a:t>, однако </a:t>
             </a:r>
             <a:r>
               <a:rPr lang="en-US" sz="2800" dirty="0" err="1" smtClean="0"/>
@@ -7507,7 +7518,15 @@
             </a:r>
             <a:r>
               <a:rPr lang="ru-RU" sz="2800" dirty="0" smtClean="0"/>
-              <a:t>  корректность правил конвертации.</a:t>
+              <a:t> </a:t>
+            </a:r>
+            <a:r>
+              <a:rPr lang="ru-RU" sz="2800" dirty="0" smtClean="0"/>
+              <a:t>корректность </a:t>
+            </a:r>
+            <a:r>
+              <a:rPr lang="ru-RU" sz="2800" dirty="0" smtClean="0"/>
+              <a:t>правил конвертации.</a:t>
             </a:r>
             <a:endParaRPr lang="en-US" sz="2800" dirty="0" smtClean="0"/>
           </a:p>
@@ -8117,15 +8136,7 @@
                 <a:ea typeface="Helvetica Neue" charset="0"/>
                 <a:cs typeface="Helvetica Neue" charset="0"/>
               </a:rPr>
-              <a:t>Поддержка </a:t>
-            </a:r>
-            <a:r>
-              <a:rPr lang="ru-RU" sz="2400" dirty="0" smtClean="0">
-                <a:latin typeface="+mj-lt"/>
-                <a:ea typeface="Helvetica Neue" charset="0"/>
-                <a:cs typeface="Helvetica Neue" charset="0"/>
-              </a:rPr>
-              <a:t>основных языков (английский, арабский, китайский, французский, немецкий, испанский)</a:t>
+              <a:t>Поддержка основных языков (английский, арабский, китайский, французский, немецкий, испанский)</a:t>
             </a:r>
             <a:endParaRPr lang="ru-RU" sz="2400" dirty="0">
               <a:latin typeface="+mj-lt"/>
@@ -8148,7 +8159,15 @@
                 <a:ea typeface="Helvetica Neue" charset="0"/>
                 <a:cs typeface="Helvetica Neue" charset="0"/>
               </a:rPr>
-              <a:t> Доступные интерфейсы для основных современных языков программирования</a:t>
+              <a:t>Доступные </a:t>
+            </a:r>
+            <a:r>
+              <a:rPr lang="ru-RU" sz="2400" dirty="0" smtClean="0">
+                <a:latin typeface="+mj-lt"/>
+                <a:ea typeface="Helvetica Neue" charset="0"/>
+                <a:cs typeface="Helvetica Neue" charset="0"/>
+              </a:rPr>
+              <a:t>интерфейсы для основных современных языков программирования</a:t>
             </a:r>
             <a:endParaRPr lang="ru-RU" sz="2400" dirty="0">
               <a:latin typeface="+mj-lt"/>
@@ -8171,7 +8190,15 @@
                 <a:ea typeface="Helvetica Neue" charset="0"/>
                 <a:cs typeface="Helvetica Neue" charset="0"/>
               </a:rPr>
-              <a:t> Возможность работать как простой веб-сервис</a:t>
+              <a:t>Возможность </a:t>
+            </a:r>
+            <a:r>
+              <a:rPr lang="ru-RU" sz="2400" dirty="0" smtClean="0">
+                <a:latin typeface="+mj-lt"/>
+                <a:ea typeface="Helvetica Neue" charset="0"/>
+                <a:cs typeface="Helvetica Neue" charset="0"/>
+              </a:rPr>
+              <a:t>работать как простой веб-сервис</a:t>
             </a:r>
             <a:endParaRPr lang="en-US" sz="2400" dirty="0">
               <a:latin typeface="+mj-lt"/>
@@ -9593,14 +9620,14 @@
             <p:ph idx="1"/>
             <p:extLst>
               <p:ext uri="{D42A27DB-BD31-4B8C-83A1-F6EECF244321}">
-                <p14:modId xmlns:p14="http://schemas.microsoft.com/office/powerpoint/2010/main" val="372291343"/>
+                <p14:modId xmlns:p14="http://schemas.microsoft.com/office/powerpoint/2010/main" val="1036660736"/>
               </p:ext>
             </p:extLst>
           </p:nvPr>
         </p:nvGraphicFramePr>
         <p:xfrm>
           <a:off x="3041648" y="1663461"/>
-          <a:ext cx="6339418" cy="4783287"/>
+          <a:ext cx="6339418" cy="4704167"/>
         </p:xfrm>
         <a:graphic>
           <a:graphicData uri="http://schemas.openxmlformats.org/drawingml/2006/table">
@@ -9719,12 +9746,30 @@
                         </a:spcAft>
                       </a:pPr>
                       <a:r>
-                        <a:rPr lang="en-US" sz="1400">
+                        <a:rPr lang="en-US" sz="1400" dirty="0" err="1" smtClean="0">
                           <a:effectLst/>
                         </a:rPr>
-                        <a:t>Класи</a:t>
+                        <a:t>Кла</a:t>
                       </a:r>
-                      <a:endParaRPr lang="en-US" sz="1100">
+                      <a:r>
+                        <a:rPr lang="ru-RU" sz="1400" dirty="0" smtClean="0">
+                          <a:effectLst/>
+                        </a:rPr>
+                        <a:t>с</a:t>
+                      </a:r>
+                      <a:r>
+                        <a:rPr lang="en-US" sz="1400" dirty="0" err="1" smtClean="0">
+                          <a:effectLst/>
+                        </a:rPr>
+                        <a:t>с</a:t>
+                      </a:r>
+                      <a:r>
+                        <a:rPr lang="ru-RU" sz="1400" dirty="0" smtClean="0">
+                          <a:effectLst/>
+                        </a:rPr>
+                        <a:t>ы</a:t>
+                      </a:r>
+                      <a:endParaRPr lang="en-US" sz="1100" dirty="0">
                         <a:solidFill>
                           <a:srgbClr val="000000"/>
                         </a:solidFill>
@@ -9785,12 +9830,42 @@
                         </a:spcAft>
                       </a:pPr>
                       <a:r>
-                        <a:rPr lang="en-US" sz="1400">
+                        <a:rPr lang="en-US" sz="1400" dirty="0" err="1" smtClean="0">
                           <a:effectLst/>
                         </a:rPr>
-                        <a:t>Атрибути класів</a:t>
+                        <a:t>Атрибут</a:t>
                       </a:r>
-                      <a:endParaRPr lang="en-US" sz="1100">
+                      <a:r>
+                        <a:rPr lang="ru-RU" sz="1400" dirty="0" smtClean="0">
+                          <a:effectLst/>
+                        </a:rPr>
+                        <a:t>ы</a:t>
+                      </a:r>
+                      <a:r>
+                        <a:rPr lang="en-US" sz="1400" dirty="0" smtClean="0">
+                          <a:effectLst/>
+                        </a:rPr>
+                        <a:t> </a:t>
+                      </a:r>
+                      <a:r>
+                        <a:rPr lang="en-US" sz="1400" dirty="0" err="1" smtClean="0">
+                          <a:effectLst/>
+                        </a:rPr>
+                        <a:t>клас</a:t>
+                      </a:r>
+                      <a:r>
+                        <a:rPr lang="ru-RU" sz="1400" dirty="0" smtClean="0">
+                          <a:effectLst/>
+                        </a:rPr>
+                        <a:t>со</a:t>
+                      </a:r>
+                      <a:r>
+                        <a:rPr lang="en-US" sz="1400" dirty="0" err="1" smtClean="0">
+                          <a:effectLst/>
+                        </a:rPr>
+                        <a:t>в</a:t>
+                      </a:r>
+                      <a:endParaRPr lang="en-US" sz="1100" dirty="0">
                         <a:solidFill>
                           <a:srgbClr val="000000"/>
                         </a:solidFill>
@@ -9851,12 +9926,24 @@
                         </a:spcAft>
                       </a:pPr>
                       <a:r>
-                        <a:rPr lang="ru-RU" sz="1400">
+                        <a:rPr lang="ru-RU" sz="1400" dirty="0" smtClean="0">
                           <a:effectLst/>
                         </a:rPr>
-                        <a:t>Залежності між класами (асоціація, агрегація, генералізація)</a:t>
+                        <a:t>Зависимости между классами (ассоциация</a:t>
                       </a:r>
-                      <a:endParaRPr lang="en-US" sz="1100">
+                      <a:r>
+                        <a:rPr lang="ru-RU" sz="1400" dirty="0">
+                          <a:effectLst/>
+                        </a:rPr>
+                        <a:t>, </a:t>
+                      </a:r>
+                      <a:r>
+                        <a:rPr lang="ru-RU" sz="1400" dirty="0" smtClean="0">
+                          <a:effectLst/>
+                        </a:rPr>
+                        <a:t>агрегация, генерализация)</a:t>
+                      </a:r>
+                      <a:endParaRPr lang="en-US" sz="1100" dirty="0">
                         <a:solidFill>
                           <a:srgbClr val="000000"/>
                         </a:solidFill>
@@ -9917,12 +10004,18 @@
                         </a:spcAft>
                       </a:pPr>
                       <a:r>
-                        <a:rPr lang="ru-RU" sz="1400">
+                        <a:rPr lang="ru-RU" sz="1400" dirty="0" smtClean="0">
                           <a:effectLst/>
                         </a:rPr>
-                        <a:t>Додаткова інформація для залежностей між класами, яка впливає на те як вони будуть конвертовані</a:t>
+                        <a:t>Дополнительная информация для зависимостей между классами, которая влияет</a:t>
                       </a:r>
-                      <a:endParaRPr lang="en-US" sz="1100">
+                      <a:r>
+                        <a:rPr lang="ru-RU" sz="1400" baseline="0" dirty="0" smtClean="0">
+                          <a:effectLst/>
+                        </a:rPr>
+                        <a:t> на их последующую конвертацию</a:t>
+                      </a:r>
+                      <a:endParaRPr lang="en-US" sz="1100" dirty="0">
                         <a:solidFill>
                           <a:srgbClr val="000000"/>
                         </a:solidFill>
@@ -9983,12 +10076,30 @@
                         </a:spcAft>
                       </a:pPr>
                       <a:r>
-                        <a:rPr lang="ru-RU" sz="1400">
+                        <a:rPr lang="ru-RU" sz="1400" dirty="0" smtClean="0">
                           <a:effectLst/>
                         </a:rPr>
-                        <a:t>вказує на агрегацію або генералізацію в залежності від контекту</a:t>
+                        <a:t>Указывает на агрегацию</a:t>
                       </a:r>
-                      <a:endParaRPr lang="en-US" sz="1100">
+                      <a:r>
+                        <a:rPr lang="ru-RU" sz="1400" baseline="0" dirty="0" smtClean="0">
+                          <a:effectLst/>
+                        </a:rPr>
+                        <a:t> </a:t>
+                      </a:r>
+                      <a:r>
+                        <a:rPr lang="ru-RU" sz="1400" dirty="0" smtClean="0">
+                          <a:effectLst/>
+                        </a:rPr>
+                        <a:t>или генерализацию в зависимости</a:t>
+                      </a:r>
+                      <a:r>
+                        <a:rPr lang="ru-RU" sz="1400" baseline="0" dirty="0" smtClean="0">
+                          <a:effectLst/>
+                        </a:rPr>
+                        <a:t> контекста</a:t>
+                      </a:r>
+                      <a:endParaRPr lang="en-US" sz="1100" dirty="0">
                         <a:solidFill>
                           <a:srgbClr val="000000"/>
                         </a:solidFill>
@@ -10049,34 +10160,16 @@
                         </a:spcAft>
                       </a:pPr>
                       <a:r>
-                        <a:rPr lang="ru-RU" sz="1400" dirty="0" err="1">
+                        <a:rPr lang="ru-RU" sz="1400" dirty="0" smtClean="0">
                           <a:effectLst/>
                         </a:rPr>
-                        <a:t>Поєднання</a:t>
+                        <a:t>Соединение одинаковых</a:t>
                       </a:r>
                       <a:r>
-                        <a:rPr lang="ru-RU" sz="1400" dirty="0">
+                        <a:rPr lang="ru-RU" sz="1400" baseline="0" dirty="0" smtClean="0">
                           <a:effectLst/>
                         </a:rPr>
-                        <a:t> </a:t>
-                      </a:r>
-                      <a:r>
-                        <a:rPr lang="ru-RU" sz="1400" dirty="0" err="1">
-                          <a:effectLst/>
-                        </a:rPr>
-                        <a:t>однакових</a:t>
-                      </a:r>
-                      <a:r>
-                        <a:rPr lang="ru-RU" sz="1400" dirty="0">
-                          <a:effectLst/>
-                        </a:rPr>
-                        <a:t> по типу </a:t>
-                      </a:r>
-                      <a:r>
-                        <a:rPr lang="ru-RU" sz="1400" dirty="0" err="1">
-                          <a:effectLst/>
-                        </a:rPr>
-                        <a:t>залежностей</a:t>
+                        <a:t> по типу зависимостей</a:t>
                       </a:r>
                       <a:endParaRPr lang="en-US" sz="1100" dirty="0">
                         <a:solidFill>

--- a/presentation/Moiseyenko_presentation.pptx
+++ b/presentation/Moiseyenko_presentation.pptx
@@ -5276,35 +5276,27 @@
               <a:t> </a:t>
             </a:r>
             <a:r>
-              <a:rPr lang="en-US" dirty="0" err="1"/>
-              <a:t>в</a:t>
-            </a:r>
-            <a:r>
-              <a:rPr lang="en-US" dirty="0"/>
-              <a:t> </a:t>
-            </a:r>
-            <a:r>
-              <a:rPr lang="en-US" dirty="0" err="1"/>
-              <a:t>дипломном</a:t>
-            </a:r>
-            <a:r>
-              <a:rPr lang="en-US" dirty="0"/>
-              <a:t> </a:t>
-            </a:r>
-            <a:r>
-              <a:rPr lang="en-US" dirty="0" err="1"/>
-              <a:t>проекте</a:t>
-            </a:r>
-            <a:r>
-              <a:rPr lang="en-US" dirty="0"/>
-              <a:t> </a:t>
-            </a:r>
-            <a:r>
-              <a:rPr lang="en-US" dirty="0" err="1"/>
+              <a:rPr lang="ru-RU" dirty="0" smtClean="0"/>
+              <a:t>для</a:t>
+            </a:r>
+            <a:r>
+              <a:rPr lang="en-US" dirty="0" smtClean="0"/>
+              <a:t> </a:t>
+            </a:r>
+            <a:r>
+              <a:rPr lang="ru-RU"/>
+              <a:t>квалификационной </a:t>
+            </a:r>
+            <a:r>
+              <a:rPr lang="ru-RU" smtClean="0"/>
+              <a:t> работы </a:t>
+            </a:r>
+            <a:r>
+              <a:rPr lang="en-US" dirty="0" err="1" smtClean="0"/>
               <a:t>Александра</a:t>
             </a:r>
             <a:r>
-              <a:rPr lang="en-US" dirty="0"/>
+              <a:rPr lang="en-US" dirty="0" smtClean="0"/>
               <a:t> </a:t>
             </a:r>
             <a:r>
@@ -7117,7 +7109,7 @@
                   </a:schemeClr>
                 </a:solidFill>
               </a:rPr>
-              <a:t>этой дипломной работы </a:t>
+              <a:t>этой </a:t>
             </a:r>
             <a:r>
               <a:rPr lang="ru-RU" sz="2800" dirty="0" smtClean="0">
@@ -7128,10 +7120,10 @@
                   </a:schemeClr>
                 </a:solidFill>
               </a:rPr>
-              <a:t>составляет получение и использование UML диаграмм для проведения дальнейшего их анализа и </a:t>
-            </a:r>
-            <a:r>
-              <a:rPr lang="ru-RU" sz="2800" dirty="0" err="1" smtClean="0">
+              <a:t>квалификационной работе </a:t>
+            </a:r>
+            <a:r>
+              <a:rPr lang="ru-RU" sz="2800" dirty="0" smtClean="0">
                 <a:solidFill>
                   <a:schemeClr val="tx1">
                     <a:lumMod val="65000"/>
@@ -7139,10 +7131,10 @@
                   </a:schemeClr>
                 </a:solidFill>
               </a:rPr>
-              <a:t>редактиро-вания</a:t>
-            </a:r>
-            <a:r>
-              <a:rPr lang="ru-RU" sz="2800" dirty="0" smtClean="0">
+              <a:t>составляет получение и использование UML диаграмм для проведения дальнейшего их анализа и </a:t>
+            </a:r>
+            <a:r>
+              <a:rPr lang="ru-RU" sz="2800" dirty="0" err="1" smtClean="0">
                 <a:solidFill>
                   <a:schemeClr val="tx1">
                     <a:lumMod val="65000"/>
@@ -7150,7 +7142,7 @@
                   </a:schemeClr>
                 </a:solidFill>
               </a:rPr>
-              <a:t>, </a:t>
+              <a:t>редактиро-вания</a:t>
             </a:r>
             <a:r>
               <a:rPr lang="ru-RU" sz="2800" dirty="0" smtClean="0">
@@ -7161,18 +7153,7 @@
                   </a:schemeClr>
                 </a:solidFill>
               </a:rPr>
-              <a:t>с целью конвертации в OWL формат (язык онтологий</a:t>
-            </a:r>
-            <a:r>
-              <a:rPr lang="ru-RU" sz="2800" dirty="0" smtClean="0">
-                <a:solidFill>
-                  <a:schemeClr val="tx1">
-                    <a:lumMod val="65000"/>
-                    <a:lumOff val="35000"/>
-                  </a:schemeClr>
-                </a:solidFill>
-              </a:rPr>
-              <a:t>)</a:t>
+              <a:t>, с целью конвертации в OWL формат (язык онтологий)</a:t>
             </a:r>
             <a:endParaRPr lang="en-US" sz="2800" dirty="0">
               <a:solidFill>
@@ -7518,15 +7499,7 @@
             </a:r>
             <a:r>
               <a:rPr lang="ru-RU" sz="2800" dirty="0" smtClean="0"/>
-              <a:t> </a:t>
-            </a:r>
-            <a:r>
-              <a:rPr lang="ru-RU" sz="2800" dirty="0" smtClean="0"/>
-              <a:t>корректность </a:t>
-            </a:r>
-            <a:r>
-              <a:rPr lang="ru-RU" sz="2800" dirty="0" smtClean="0"/>
-              <a:t>правил конвертации.</a:t>
+              <a:t> корректность правил конвертации.</a:t>
             </a:r>
             <a:endParaRPr lang="en-US" sz="2800" dirty="0" smtClean="0"/>
           </a:p>
@@ -8159,15 +8132,7 @@
                 <a:ea typeface="Helvetica Neue" charset="0"/>
                 <a:cs typeface="Helvetica Neue" charset="0"/>
               </a:rPr>
-              <a:t>Доступные </a:t>
-            </a:r>
-            <a:r>
-              <a:rPr lang="ru-RU" sz="2400" dirty="0" smtClean="0">
-                <a:latin typeface="+mj-lt"/>
-                <a:ea typeface="Helvetica Neue" charset="0"/>
-                <a:cs typeface="Helvetica Neue" charset="0"/>
-              </a:rPr>
-              <a:t>интерфейсы для основных современных языков программирования</a:t>
+              <a:t>Доступные интерфейсы для основных современных языков программирования</a:t>
             </a:r>
             <a:endParaRPr lang="ru-RU" sz="2400" dirty="0">
               <a:latin typeface="+mj-lt"/>
@@ -8190,15 +8155,7 @@
                 <a:ea typeface="Helvetica Neue" charset="0"/>
                 <a:cs typeface="Helvetica Neue" charset="0"/>
               </a:rPr>
-              <a:t>Возможность </a:t>
-            </a:r>
-            <a:r>
-              <a:rPr lang="ru-RU" sz="2400" dirty="0" smtClean="0">
-                <a:latin typeface="+mj-lt"/>
-                <a:ea typeface="Helvetica Neue" charset="0"/>
-                <a:cs typeface="Helvetica Neue" charset="0"/>
-              </a:rPr>
-              <a:t>работать как простой веб-сервис</a:t>
+              <a:t>Возможность работать как простой веб-сервис</a:t>
             </a:r>
             <a:endParaRPr lang="en-US" sz="2400" dirty="0">
               <a:latin typeface="+mj-lt"/>
@@ -9627,7 +9584,7 @@
         </p:nvGraphicFramePr>
         <p:xfrm>
           <a:off x="3041648" y="1663461"/>
-          <a:ext cx="6339418" cy="4704167"/>
+          <a:ext cx="6339418" cy="4783287"/>
         </p:xfrm>
         <a:graphic>
           <a:graphicData uri="http://schemas.openxmlformats.org/drawingml/2006/table">

--- a/presentation/Moiseyenko_presentation.pptx
+++ b/presentation/Moiseyenko_presentation.pptx
@@ -5284,11 +5284,11 @@
               <a:t> </a:t>
             </a:r>
             <a:r>
-              <a:rPr lang="ru-RU"/>
+              <a:rPr lang="ru-RU" dirty="0"/>
               <a:t>квалификационной </a:t>
             </a:r>
             <a:r>
-              <a:rPr lang="ru-RU" smtClean="0"/>
+              <a:rPr lang="ru-RU" dirty="0" smtClean="0"/>
               <a:t> работы </a:t>
             </a:r>
             <a:r>
@@ -5836,8 +5836,8 @@
               <a:t> </a:t>
             </a:r>
             <a:r>
-              <a:rPr lang="uk-UA" sz="2800" dirty="0" err="1" smtClean="0"/>
-              <a:t>експеримента</a:t>
+              <a:rPr lang="ru-RU" sz="2800" dirty="0"/>
+              <a:t>эксперимента</a:t>
             </a:r>
             <a:endParaRPr lang="ru-RU" sz="2800" dirty="0" smtClean="0"/>
           </a:p>
@@ -7038,7 +7038,29 @@
                   </a:schemeClr>
                 </a:solidFill>
               </a:rPr>
-              <a:t>- разработка правил конвертации текста на естественном языке в формат для обмена данными UML, Создание программного продукта для автоматизированной конвертации текста с последующим сохранением в формате XMI.</a:t>
+              <a:t>- разработка правил конвертации текста на естественном языке в формат для обмена данными </a:t>
+            </a:r>
+            <a:r>
+              <a:rPr lang="ru-RU" sz="2800" b="0" dirty="0" smtClean="0">
+                <a:solidFill>
+                  <a:schemeClr val="tx1">
+                    <a:lumMod val="65000"/>
+                    <a:lumOff val="35000"/>
+                  </a:schemeClr>
+                </a:solidFill>
+              </a:rPr>
+              <a:t>UML. </a:t>
+            </a:r>
+            <a:r>
+              <a:rPr lang="ru-RU" sz="2800" b="0" dirty="0" smtClean="0">
+                <a:solidFill>
+                  <a:schemeClr val="tx1">
+                    <a:lumMod val="65000"/>
+                    <a:lumOff val="35000"/>
+                  </a:schemeClr>
+                </a:solidFill>
+              </a:rPr>
+              <a:t>Создание программного продукта для автоматизированной конвертации текста с последующим сохранением в формате XMI.</a:t>
             </a:r>
             <a:endParaRPr lang="en-US" sz="2800" b="0" dirty="0">
               <a:solidFill>
@@ -7109,7 +7131,7 @@
                   </a:schemeClr>
                 </a:solidFill>
               </a:rPr>
-              <a:t>этой </a:t>
+              <a:t>этой квалификационной работе составляет получение и использование UML диаграмм для проведения дальнейшего их анализа и </a:t>
             </a:r>
             <a:r>
               <a:rPr lang="ru-RU" sz="2800" dirty="0" smtClean="0">
@@ -7120,7 +7142,7 @@
                   </a:schemeClr>
                 </a:solidFill>
               </a:rPr>
-              <a:t>квалификационной работе </a:t>
+              <a:t>редактирования</a:t>
             </a:r>
             <a:r>
               <a:rPr lang="ru-RU" sz="2800" dirty="0" smtClean="0">
@@ -7131,10 +7153,10 @@
                   </a:schemeClr>
                 </a:solidFill>
               </a:rPr>
-              <a:t>составляет получение и использование UML диаграмм для проведения дальнейшего их анализа и </a:t>
-            </a:r>
-            <a:r>
-              <a:rPr lang="ru-RU" sz="2800" dirty="0" err="1" smtClean="0">
+              <a:t>, с целью конвертации в OWL формат (язык онтологий</a:t>
+            </a:r>
+            <a:r>
+              <a:rPr lang="ru-RU" sz="2800" dirty="0" smtClean="0">
                 <a:solidFill>
                   <a:schemeClr val="tx1">
                     <a:lumMod val="65000"/>
@@ -7142,18 +7164,7 @@
                   </a:schemeClr>
                 </a:solidFill>
               </a:rPr>
-              <a:t>редактиро-вания</a:t>
-            </a:r>
-            <a:r>
-              <a:rPr lang="ru-RU" sz="2800" dirty="0" smtClean="0">
-                <a:solidFill>
-                  <a:schemeClr val="tx1">
-                    <a:lumMod val="65000"/>
-                    <a:lumOff val="35000"/>
-                  </a:schemeClr>
-                </a:solidFill>
-              </a:rPr>
-              <a:t>, с целью конвертации в OWL формат (язык онтологий)</a:t>
+              <a:t>).</a:t>
             </a:r>
             <a:endParaRPr lang="en-US" sz="2800" dirty="0">
               <a:solidFill>
@@ -7253,7 +7264,7 @@
           </a:bodyPr>
           <a:lstStyle/>
           <a:p>
-            <a:pPr marL="0" indent="0">
+            <a:pPr marL="0" indent="0" algn="just">
               <a:buNone/>
             </a:pPr>
             <a:r>
@@ -7269,7 +7280,7 @@
             </a:br>
             <a:r>
               <a:rPr lang="ru-RU" sz="2800" dirty="0" smtClean="0"/>
-              <a:t>П</a:t>
+              <a:t>	П</a:t>
             </a:r>
             <a:r>
               <a:rPr lang="en-US" sz="2800" dirty="0" err="1" smtClean="0"/>
@@ -7376,11 +7387,11 @@
               <a:t> </a:t>
             </a:r>
             <a:r>
-              <a:rPr lang="ru-RU" sz="2800" smtClean="0"/>
+              <a:rPr lang="ru-RU" sz="2800" dirty="0" smtClean="0"/>
               <a:t>разработанным </a:t>
             </a:r>
             <a:r>
-              <a:rPr lang="en-US" sz="2800" smtClean="0"/>
+              <a:rPr lang="en-US" sz="2800" dirty="0" err="1" smtClean="0"/>
               <a:t>правилам</a:t>
             </a:r>
             <a:r>

--- a/presentation/Moiseyenko_presentation.pptx
+++ b/presentation/Moiseyenko_presentation.pptx
@@ -5,7 +5,7 @@
     <p:sldMasterId id="2147483942" r:id="rId1"/>
   </p:sldMasterIdLst>
   <p:notesMasterIdLst>
-    <p:notesMasterId r:id="rId22"/>
+    <p:notesMasterId r:id="rId24"/>
   </p:notesMasterIdLst>
   <p:sldIdLst>
     <p:sldId id="256" r:id="rId2"/>
@@ -27,7 +27,9 @@
     <p:sldId id="269" r:id="rId18"/>
     <p:sldId id="277" r:id="rId19"/>
     <p:sldId id="276" r:id="rId20"/>
-    <p:sldId id="278" r:id="rId21"/>
+    <p:sldId id="282" r:id="rId21"/>
+    <p:sldId id="283" r:id="rId22"/>
+    <p:sldId id="278" r:id="rId23"/>
   </p:sldIdLst>
   <p:sldSz cx="12192000" cy="6858000"/>
   <p:notesSz cx="6858000" cy="9144000"/>
@@ -7038,29 +7040,7 @@
                   </a:schemeClr>
                 </a:solidFill>
               </a:rPr>
-              <a:t>- разработка правил конвертации текста на естественном языке в формат для обмена данными </a:t>
-            </a:r>
-            <a:r>
-              <a:rPr lang="ru-RU" sz="2800" b="0" dirty="0" smtClean="0">
-                <a:solidFill>
-                  <a:schemeClr val="tx1">
-                    <a:lumMod val="65000"/>
-                    <a:lumOff val="35000"/>
-                  </a:schemeClr>
-                </a:solidFill>
-              </a:rPr>
-              <a:t>UML. </a:t>
-            </a:r>
-            <a:r>
-              <a:rPr lang="ru-RU" sz="2800" b="0" dirty="0" smtClean="0">
-                <a:solidFill>
-                  <a:schemeClr val="tx1">
-                    <a:lumMod val="65000"/>
-                    <a:lumOff val="35000"/>
-                  </a:schemeClr>
-                </a:solidFill>
-              </a:rPr>
-              <a:t>Создание программного продукта для автоматизированной конвертации текста с последующим сохранением в формате XMI.</a:t>
+              <a:t>- разработка правил конвертации текста на естественном языке в формат для обмена данными UML. Создание программного продукта для автоматизированной конвертации текста с последующим сохранением в формате XMI.</a:t>
             </a:r>
             <a:endParaRPr lang="en-US" sz="2800" b="0" dirty="0">
               <a:solidFill>
@@ -7131,40 +7111,7 @@
                   </a:schemeClr>
                 </a:solidFill>
               </a:rPr>
-              <a:t>этой квалификационной работе составляет получение и использование UML диаграмм для проведения дальнейшего их анализа и </a:t>
-            </a:r>
-            <a:r>
-              <a:rPr lang="ru-RU" sz="2800" dirty="0" smtClean="0">
-                <a:solidFill>
-                  <a:schemeClr val="tx1">
-                    <a:lumMod val="65000"/>
-                    <a:lumOff val="35000"/>
-                  </a:schemeClr>
-                </a:solidFill>
-              </a:rPr>
-              <a:t>редактирования</a:t>
-            </a:r>
-            <a:r>
-              <a:rPr lang="ru-RU" sz="2800" dirty="0" smtClean="0">
-                <a:solidFill>
-                  <a:schemeClr val="tx1">
-                    <a:lumMod val="65000"/>
-                    <a:lumOff val="35000"/>
-                  </a:schemeClr>
-                </a:solidFill>
-              </a:rPr>
-              <a:t>, с целью конвертации в OWL формат (язык онтологий</a:t>
-            </a:r>
-            <a:r>
-              <a:rPr lang="ru-RU" sz="2800" dirty="0" smtClean="0">
-                <a:solidFill>
-                  <a:schemeClr val="tx1">
-                    <a:lumMod val="65000"/>
-                    <a:lumOff val="35000"/>
-                  </a:schemeClr>
-                </a:solidFill>
-              </a:rPr>
-              <a:t>).</a:t>
+              <a:t>этой квалификационной работе составляет получение и использование UML диаграмм для проведения дальнейшего их анализа и редактирования, с целью конвертации в OWL формат (язык онтологий).</a:t>
             </a:r>
             <a:endParaRPr lang="en-US" sz="2800" dirty="0">
               <a:solidFill>
@@ -7198,6 +7145,381 @@
 </file>
 
 <file path=ppt/slides/slide20.xml><?xml version="1.0" encoding="utf-8"?>
+<p:sld xmlns:a="http://schemas.openxmlformats.org/drawingml/2006/main" xmlns:r="http://schemas.openxmlformats.org/officeDocument/2006/relationships" xmlns:p="http://schemas.openxmlformats.org/presentationml/2006/main">
+  <p:cSld>
+    <p:spTree>
+      <p:nvGrpSpPr>
+        <p:cNvPr id="1" name=""/>
+        <p:cNvGrpSpPr/>
+        <p:nvPr/>
+      </p:nvGrpSpPr>
+      <p:grpSpPr>
+        <a:xfrm>
+          <a:off x="0" y="0"/>
+          <a:ext cx="0" cy="0"/>
+          <a:chOff x="0" y="0"/>
+          <a:chExt cx="0" cy="0"/>
+        </a:xfrm>
+      </p:grpSpPr>
+      <p:sp>
+        <p:nvSpPr>
+          <p:cNvPr id="2" name="Title 1"/>
+          <p:cNvSpPr>
+            <a:spLocks noGrp="1"/>
+          </p:cNvSpPr>
+          <p:nvPr>
+            <p:ph type="title"/>
+          </p:nvPr>
+        </p:nvSpPr>
+        <p:spPr>
+          <a:xfrm>
+            <a:off x="1261872" y="262393"/>
+            <a:ext cx="9692640" cy="1303171"/>
+          </a:xfrm>
+        </p:spPr>
+        <p:txBody>
+          <a:bodyPr/>
+          <a:lstStyle/>
+          <a:p>
+            <a:r>
+              <a:rPr lang="ru-RU" dirty="0"/>
+              <a:t>Преимущества</a:t>
+            </a:r>
+            <a:r>
+              <a:rPr lang="en-US" dirty="0"/>
+              <a:t/>
+            </a:r>
+            <a:br>
+              <a:rPr lang="en-US" dirty="0"/>
+            </a:br>
+            <a:endParaRPr lang="en-US" dirty="0"/>
+          </a:p>
+        </p:txBody>
+      </p:sp>
+      <p:sp>
+        <p:nvSpPr>
+          <p:cNvPr id="3" name="Content Placeholder 2"/>
+          <p:cNvSpPr>
+            <a:spLocks noGrp="1"/>
+          </p:cNvSpPr>
+          <p:nvPr>
+            <p:ph idx="1"/>
+          </p:nvPr>
+        </p:nvSpPr>
+        <p:spPr>
+          <a:xfrm>
+            <a:off x="1261872" y="1842655"/>
+            <a:ext cx="9198310" cy="3366654"/>
+          </a:xfrm>
+        </p:spPr>
+        <p:txBody>
+          <a:bodyPr>
+            <a:normAutofit/>
+          </a:bodyPr>
+          <a:lstStyle/>
+          <a:p>
+            <a:pPr lvl="0" algn="just"/>
+            <a:r>
+              <a:rPr lang="ru-RU" dirty="0" smtClean="0"/>
+              <a:t>Применение </a:t>
+            </a:r>
+            <a:r>
+              <a:rPr lang="ru-RU" dirty="0"/>
+              <a:t>библиотеки </a:t>
+            </a:r>
+            <a:r>
+              <a:rPr lang="ru-RU" dirty="0" err="1"/>
+              <a:t>Stanford</a:t>
+            </a:r>
+            <a:r>
+              <a:rPr lang="ru-RU" dirty="0"/>
+              <a:t> </a:t>
+            </a:r>
+            <a:r>
+              <a:rPr lang="ru-RU" dirty="0" err="1"/>
+              <a:t>CoreNLP</a:t>
+            </a:r>
+            <a:r>
+              <a:rPr lang="ru-RU" dirty="0"/>
+              <a:t> дает широкие возможности выполнения различных типов </a:t>
+            </a:r>
+            <a:r>
+              <a:rPr lang="ru-RU" dirty="0" err="1"/>
+              <a:t>парсинга</a:t>
+            </a:r>
+            <a:r>
+              <a:rPr lang="ru-RU" dirty="0" smtClean="0"/>
+              <a:t>.</a:t>
+            </a:r>
+            <a:endParaRPr lang="en-US" dirty="0"/>
+          </a:p>
+          <a:p>
+            <a:pPr lvl="0" algn="just"/>
+            <a:r>
+              <a:rPr lang="ru-RU" dirty="0"/>
+              <a:t>Обработка полученного дерева через выделение основных узлов NP и VP без четкой привязки к каждому типу зависимости</a:t>
+            </a:r>
+            <a:r>
+              <a:rPr lang="ru-RU" dirty="0" smtClean="0"/>
+              <a:t>.</a:t>
+            </a:r>
+            <a:endParaRPr lang="en-US" dirty="0"/>
+          </a:p>
+          <a:p>
+            <a:pPr lvl="0" algn="just"/>
+            <a:r>
+              <a:rPr lang="ru-RU" dirty="0" smtClean="0"/>
+              <a:t>Использование</a:t>
+            </a:r>
+            <a:r>
+              <a:rPr lang="en-US" dirty="0" smtClean="0"/>
+              <a:t> </a:t>
+            </a:r>
+            <a:r>
+              <a:rPr lang="ru-RU" dirty="0" smtClean="0"/>
+              <a:t>граф</a:t>
+            </a:r>
+            <a:r>
+              <a:rPr lang="ru-RU" dirty="0"/>
+              <a:t>а</a:t>
+            </a:r>
+            <a:r>
+              <a:rPr lang="ru-RU" dirty="0" smtClean="0"/>
+              <a:t> </a:t>
+            </a:r>
+            <a:r>
+              <a:rPr lang="ru-RU" dirty="0"/>
+              <a:t>как основной структуры данных.</a:t>
+            </a:r>
+            <a:br>
+              <a:rPr lang="ru-RU" dirty="0"/>
+            </a:br>
+            <a:r>
+              <a:rPr lang="ru-RU" dirty="0"/>
+              <a:t>Быстрая обработка небольших объемов текстов</a:t>
+            </a:r>
+            <a:r>
+              <a:rPr lang="ru-RU" dirty="0" smtClean="0"/>
+              <a:t>.</a:t>
+            </a:r>
+            <a:endParaRPr lang="en-US" dirty="0"/>
+          </a:p>
+          <a:p>
+            <a:endParaRPr lang="en-US" dirty="0"/>
+          </a:p>
+        </p:txBody>
+      </p:sp>
+    </p:spTree>
+    <p:extLst>
+      <p:ext uri="{BB962C8B-B14F-4D97-AF65-F5344CB8AC3E}">
+        <p14:creationId xmlns:p14="http://schemas.microsoft.com/office/powerpoint/2010/main" val="923096641"/>
+      </p:ext>
+    </p:extLst>
+  </p:cSld>
+  <p:clrMapOvr>
+    <a:masterClrMapping/>
+  </p:clrMapOvr>
+</p:sld>
+</file>
+
+<file path=ppt/slides/slide21.xml><?xml version="1.0" encoding="utf-8"?>
+<p:sld xmlns:a="http://schemas.openxmlformats.org/drawingml/2006/main" xmlns:r="http://schemas.openxmlformats.org/officeDocument/2006/relationships" xmlns:p="http://schemas.openxmlformats.org/presentationml/2006/main">
+  <p:cSld>
+    <p:spTree>
+      <p:nvGrpSpPr>
+        <p:cNvPr id="1" name=""/>
+        <p:cNvGrpSpPr/>
+        <p:nvPr/>
+      </p:nvGrpSpPr>
+      <p:grpSpPr>
+        <a:xfrm>
+          <a:off x="0" y="0"/>
+          <a:ext cx="0" cy="0"/>
+          <a:chOff x="0" y="0"/>
+          <a:chExt cx="0" cy="0"/>
+        </a:xfrm>
+      </p:grpSpPr>
+      <p:sp>
+        <p:nvSpPr>
+          <p:cNvPr id="2" name="Title 1"/>
+          <p:cNvSpPr>
+            <a:spLocks noGrp="1"/>
+          </p:cNvSpPr>
+          <p:nvPr>
+            <p:ph type="title"/>
+          </p:nvPr>
+        </p:nvSpPr>
+        <p:spPr>
+          <a:xfrm>
+            <a:off x="1261872" y="262393"/>
+            <a:ext cx="9692640" cy="1081497"/>
+          </a:xfrm>
+        </p:spPr>
+        <p:txBody>
+          <a:bodyPr>
+            <a:normAutofit fontScale="90000"/>
+          </a:bodyPr>
+          <a:lstStyle/>
+          <a:p>
+            <a:r>
+              <a:rPr lang="ru-RU" dirty="0" smtClean="0"/>
+              <a:t>Недостатки и возможности их решения</a:t>
+            </a:r>
+            <a:endParaRPr lang="en-US" dirty="0"/>
+          </a:p>
+        </p:txBody>
+      </p:sp>
+      <p:sp>
+        <p:nvSpPr>
+          <p:cNvPr id="3" name="Content Placeholder 2"/>
+          <p:cNvSpPr>
+            <a:spLocks noGrp="1"/>
+          </p:cNvSpPr>
+          <p:nvPr>
+            <p:ph idx="1"/>
+          </p:nvPr>
+        </p:nvSpPr>
+        <p:spPr>
+          <a:xfrm>
+            <a:off x="1261871" y="1690254"/>
+            <a:ext cx="9239873" cy="4793673"/>
+          </a:xfrm>
+        </p:spPr>
+        <p:txBody>
+          <a:bodyPr>
+            <a:normAutofit fontScale="92500" lnSpcReduction="20000"/>
+          </a:bodyPr>
+          <a:lstStyle/>
+          <a:p>
+            <a:pPr lvl="0" algn="just"/>
+            <a:r>
+              <a:rPr lang="en-US" dirty="0"/>
+              <a:t>Stanford </a:t>
+            </a:r>
+            <a:r>
+              <a:rPr lang="en-US" dirty="0" err="1"/>
+              <a:t>CoreNLP</a:t>
+            </a:r>
+            <a:r>
+              <a:rPr lang="ru-RU" dirty="0"/>
+              <a:t> может показывать непредсказуемые результаты </a:t>
+            </a:r>
+            <a:r>
+              <a:rPr lang="ru-RU" dirty="0" err="1"/>
+              <a:t>парсинга</a:t>
+            </a:r>
+            <a:r>
+              <a:rPr lang="ru-RU" dirty="0"/>
+              <a:t>, это зависит от многих факторов например, ошибки в тексте, неправильно поставленные знаки препинания и другие</a:t>
+            </a:r>
+            <a:r>
+              <a:rPr lang="ru-RU" dirty="0" smtClean="0"/>
+              <a:t>.</a:t>
+            </a:r>
+            <a:endParaRPr lang="en-US" dirty="0"/>
+          </a:p>
+          <a:p>
+            <a:pPr lvl="0" algn="just"/>
+            <a:r>
+              <a:rPr lang="ru-RU" dirty="0"/>
+              <a:t>Так как обработка текстов  может занимать достаточно много времени. В будущем необходимо провести оптимизацию </a:t>
+            </a:r>
+            <a:r>
+              <a:rPr lang="ru-RU" dirty="0" err="1"/>
+              <a:t>парсинга</a:t>
+            </a:r>
+            <a:r>
+              <a:rPr lang="ru-RU" dirty="0"/>
+              <a:t> большого объема текстов</a:t>
+            </a:r>
+            <a:r>
+              <a:rPr lang="ru-RU" dirty="0" smtClean="0"/>
+              <a:t>.</a:t>
+            </a:r>
+            <a:endParaRPr lang="en-US" dirty="0"/>
+          </a:p>
+          <a:p>
+            <a:pPr lvl="0" algn="just"/>
+            <a:r>
+              <a:rPr lang="ru-RU" dirty="0"/>
+              <a:t>Текущий подход к конвертации дерева зависимостей между частями речи хоть и является универсальным, но не является достаточно надежным. В отдельных случаях мы можем получить достаточно непредсказуемые результаты, которые могут очень сильно отличаться от ожидаемых</a:t>
+            </a:r>
+            <a:r>
+              <a:rPr lang="ru-RU" dirty="0" smtClean="0"/>
+              <a:t>.</a:t>
+            </a:r>
+            <a:endParaRPr lang="en-US" dirty="0"/>
+          </a:p>
+          <a:p>
+            <a:pPr lvl="0" algn="just"/>
+            <a:r>
+              <a:rPr lang="ru-RU" dirty="0"/>
+              <a:t>В настоящее время до сих пор не существует четких правил конвертации текста, поэтому довольно трудно вывести успешную формулу для конвертации естественного языка в </a:t>
+            </a:r>
+            <a:r>
+              <a:rPr lang="en-US" dirty="0"/>
+              <a:t>UML</a:t>
+            </a:r>
+            <a:r>
+              <a:rPr lang="ru-RU" dirty="0"/>
+              <a:t> диаграммы</a:t>
+            </a:r>
+            <a:r>
+              <a:rPr lang="ru-RU" dirty="0" smtClean="0"/>
+              <a:t>.</a:t>
+            </a:r>
+            <a:endParaRPr lang="en-US" dirty="0"/>
+          </a:p>
+          <a:p>
+            <a:pPr lvl="0" algn="just"/>
+            <a:r>
+              <a:rPr lang="ru-RU" dirty="0"/>
+              <a:t>Очень большая зависимость от результатов </a:t>
+            </a:r>
+            <a:r>
+              <a:rPr lang="ru-RU" dirty="0" err="1"/>
+              <a:t>парсинга</a:t>
+            </a:r>
+            <a:r>
+              <a:rPr lang="ru-RU" dirty="0"/>
+              <a:t> </a:t>
+            </a:r>
+            <a:r>
+              <a:rPr lang="en-US" dirty="0" err="1"/>
+              <a:t>Stanfrod</a:t>
+            </a:r>
+            <a:r>
+              <a:rPr lang="en-US" dirty="0"/>
+              <a:t> Core NLP</a:t>
+            </a:r>
+            <a:r>
+              <a:rPr lang="ru-RU" dirty="0"/>
+              <a:t>. В будущем можно рассмотреть альтернативное или комплексное решение (например, использование дополнительных библиотек или оптимизацию </a:t>
+            </a:r>
+            <a:r>
+              <a:rPr lang="en-US" dirty="0"/>
+              <a:t>Core NLP)</a:t>
+            </a:r>
+          </a:p>
+          <a:p>
+            <a:endParaRPr lang="en-US" dirty="0"/>
+          </a:p>
+        </p:txBody>
+      </p:sp>
+    </p:spTree>
+    <p:extLst>
+      <p:ext uri="{BB962C8B-B14F-4D97-AF65-F5344CB8AC3E}">
+        <p14:creationId xmlns:p14="http://schemas.microsoft.com/office/powerpoint/2010/main" val="2077263680"/>
+      </p:ext>
+    </p:extLst>
+  </p:cSld>
+  <p:clrMapOvr>
+    <a:masterClrMapping/>
+  </p:clrMapOvr>
+</p:sld>
+</file>
+
+<file path=ppt/slides/slide22.xml><?xml version="1.0" encoding="utf-8"?>
 <p:sld xmlns:a="http://schemas.openxmlformats.org/drawingml/2006/main" xmlns:r="http://schemas.openxmlformats.org/officeDocument/2006/relationships" xmlns:p="http://schemas.openxmlformats.org/presentationml/2006/main">
   <p:cSld>
     <p:spTree>

--- a/presentation/Moiseyenko_presentation.pptx
+++ b/presentation/Moiseyenko_presentation.pptx
@@ -4757,8 +4757,8 @@
         </p:nvSpPr>
         <p:spPr>
           <a:xfrm>
-            <a:off x="761999" y="294024"/>
-            <a:ext cx="5652655" cy="584775"/>
+            <a:off x="762000" y="294024"/>
+            <a:ext cx="5652654" cy="584775"/>
           </a:xfrm>
           <a:prstGeom prst="rect">
             <a:avLst/>
@@ -5979,8 +5979,8 @@
         </p:nvSpPr>
         <p:spPr>
           <a:xfrm>
-            <a:off x="838200" y="365125"/>
-            <a:ext cx="10515600" cy="752475"/>
+            <a:off x="819034" y="365125"/>
+            <a:ext cx="10534766" cy="752475"/>
           </a:xfrm>
         </p:spPr>
         <p:txBody>
@@ -7887,8 +7887,8 @@
         </p:nvSpPr>
         <p:spPr>
           <a:xfrm>
-            <a:off x="838200" y="365126"/>
-            <a:ext cx="10515600" cy="1228148"/>
+            <a:off x="613450" y="365126"/>
+            <a:ext cx="10276223" cy="1228148"/>
           </a:xfrm>
         </p:spPr>
         <p:txBody>
@@ -8957,7 +8957,12 @@
             <p:ph type="title"/>
           </p:nvPr>
         </p:nvSpPr>
-        <p:spPr/>
+        <p:spPr>
+          <a:xfrm>
+            <a:off x="838200" y="262393"/>
+            <a:ext cx="10116312" cy="1428929"/>
+          </a:xfrm>
+        </p:spPr>
         <p:txBody>
           <a:bodyPr>
             <a:normAutofit/>

--- a/presentation/Moiseyenko_presentation.pptx
+++ b/presentation/Moiseyenko_presentation.pptx
@@ -2,7 +2,7 @@
 <file path=ppt/presentation.xml><?xml version="1.0" encoding="utf-8"?>
 <p:presentation xmlns:a="http://schemas.openxmlformats.org/drawingml/2006/main" xmlns:r="http://schemas.openxmlformats.org/officeDocument/2006/relationships" xmlns:p="http://schemas.openxmlformats.org/presentationml/2006/main" saveSubsetFonts="1" autoCompressPictures="0">
   <p:sldMasterIdLst>
-    <p:sldMasterId id="2147483942" r:id="rId1"/>
+    <p:sldMasterId id="2147485548" r:id="rId1"/>
   </p:sldMasterIdLst>
   <p:notesMasterIdLst>
     <p:notesMasterId r:id="rId24"/>
@@ -31,7 +31,7 @@
     <p:sldId id="283" r:id="rId22"/>
     <p:sldId id="278" r:id="rId23"/>
   </p:sldIdLst>
-  <p:sldSz cx="12192000" cy="6858000"/>
+  <p:sldSz cx="9144000" cy="6858000" type="screen4x3"/>
   <p:notesSz cx="6858000" cy="9144000"/>
   <p:defaultTextStyle>
     <a:defPPr>
@@ -218,7 +218,7 @@
           <a:p>
             <a:fld id="{5F76E262-0863-D14E-8989-C21AD0421303}" type="datetimeFigureOut">
               <a:rPr lang="en-US" smtClean="0"/>
-              <a:t>5/29/17</a:t>
+              <a:t>5/30/17</a:t>
             </a:fld>
             <a:endParaRPr lang="en-US"/>
           </a:p>
@@ -236,8 +236,8 @@
         </p:nvSpPr>
         <p:spPr>
           <a:xfrm>
-            <a:off x="685800" y="1143000"/>
-            <a:ext cx="5486400" cy="3086100"/>
+            <a:off x="1371600" y="1143000"/>
+            <a:ext cx="4114800" cy="3086100"/>
           </a:xfrm>
           <a:prstGeom prst="rect">
             <a:avLst/>
@@ -513,7 +513,12 @@
             <p:ph type="sldImg"/>
           </p:nvPr>
         </p:nvSpPr>
-        <p:spPr/>
+        <p:spPr>
+          <a:xfrm>
+            <a:off x="1371600" y="1143000"/>
+            <a:ext cx="4114800" cy="3086100"/>
+          </a:xfrm>
+        </p:spPr>
       </p:sp>
       <p:sp>
         <p:nvSpPr>
@@ -597,7 +602,12 @@
             <p:ph type="sldImg"/>
           </p:nvPr>
         </p:nvSpPr>
-        <p:spPr/>
+        <p:spPr>
+          <a:xfrm>
+            <a:off x="1371600" y="1143000"/>
+            <a:ext cx="4114800" cy="3086100"/>
+          </a:xfrm>
+        </p:spPr>
       </p:sp>
       <p:sp>
         <p:nvSpPr>
@@ -655,7 +665,7 @@
 </file>
 
 <file path=ppt/slideLayouts/slideLayout1.xml><?xml version="1.0" encoding="utf-8"?>
-<p:sldLayout xmlns:a="http://schemas.openxmlformats.org/drawingml/2006/main" xmlns:r="http://schemas.openxmlformats.org/officeDocument/2006/relationships" xmlns:p="http://schemas.openxmlformats.org/presentationml/2006/main" showMasterSp="0" type="title" preserve="1">
+<p:sldLayout xmlns:a="http://schemas.openxmlformats.org/drawingml/2006/main" xmlns:r="http://schemas.openxmlformats.org/officeDocument/2006/relationships" xmlns:p="http://schemas.openxmlformats.org/presentationml/2006/main" type="title" preserve="1">
   <p:cSld name="Title Slide">
     <p:bg>
       <p:bgRef idx="1001">
@@ -688,8 +698,8 @@
         </p:nvSpPr>
         <p:spPr>
           <a:xfrm>
-            <a:off x="1261872" y="758952"/>
-            <a:ext cx="9418320" cy="4041648"/>
+            <a:off x="946404" y="758952"/>
+            <a:ext cx="7063740" cy="4041648"/>
           </a:xfrm>
         </p:spPr>
         <p:txBody>
@@ -701,7 +711,7 @@
               <a:lnSpc>
                 <a:spcPct val="85000"/>
               </a:lnSpc>
-              <a:defRPr sz="7200" b="0" baseline="0">
+              <a:defRPr sz="6200" baseline="0">
                 <a:solidFill>
                   <a:schemeClr val="tx1"/>
                 </a:solidFill>
@@ -729,8 +739,8 @@
         </p:nvSpPr>
         <p:spPr>
           <a:xfrm>
-            <a:off x="1261872" y="4800600"/>
-            <a:ext cx="9418320" cy="1691640"/>
+            <a:off x="946404" y="4800600"/>
+            <a:ext cx="7063740" cy="1691640"/>
           </a:xfrm>
         </p:spPr>
         <p:txBody>
@@ -740,7 +750,7 @@
           <a:lstStyle>
             <a:lvl1pPr marL="0" indent="0" algn="l">
               <a:buNone/>
-              <a:defRPr sz="2200" spc="30" baseline="0">
+              <a:defRPr sz="2000" spc="30" baseline="0">
                 <a:solidFill>
                   <a:schemeClr val="tx1">
                     <a:lumMod val="75000"/>
@@ -750,11 +760,11 @@
             </a:lvl1pPr>
             <a:lvl2pPr marL="457200" indent="0" algn="ctr">
               <a:buNone/>
-              <a:defRPr sz="2200"/>
+              <a:defRPr sz="2000"/>
             </a:lvl2pPr>
             <a:lvl3pPr marL="914400" indent="0" algn="ctr">
               <a:buNone/>
-              <a:defRPr sz="2200"/>
+              <a:defRPr sz="2000"/>
             </a:lvl3pPr>
             <a:lvl4pPr marL="1371600" indent="0" algn="ctr">
               <a:buNone/>
@@ -799,117 +809,15 @@
         <p:spPr>
           <a:xfrm>
             <a:off x="0" y="0"/>
-            <a:ext cx="457200" cy="6858000"/>
-          </a:xfrm>
-          <a:prstGeom prst="rect">
-            <a:avLst/>
-          </a:prstGeom>
-          <a:solidFill>
-            <a:schemeClr val="accent1"/>
-          </a:solidFill>
-          <a:ln>
-            <a:noFill/>
-          </a:ln>
-        </p:spPr>
-        <p:style>
-          <a:lnRef idx="2">
-            <a:schemeClr val="accent1">
-              <a:shade val="50000"/>
-            </a:schemeClr>
-          </a:lnRef>
-          <a:fillRef idx="1">
-            <a:schemeClr val="accent1"/>
-          </a:fillRef>
-          <a:effectRef idx="0">
-            <a:schemeClr val="accent1"/>
-          </a:effectRef>
-          <a:fontRef idx="minor">
-            <a:schemeClr val="lt1"/>
-          </a:fontRef>
-        </p:style>
-      </p:sp>
-      <p:sp>
-        <p:nvSpPr>
-          <p:cNvPr id="8" name="Date Placeholder 7"/>
-          <p:cNvSpPr>
-            <a:spLocks noGrp="1"/>
-          </p:cNvSpPr>
-          <p:nvPr>
-            <p:ph type="dt" sz="half" idx="10"/>
-          </p:nvPr>
-        </p:nvSpPr>
-        <p:spPr/>
-        <p:txBody>
-          <a:bodyPr/>
-          <a:lstStyle/>
-          <a:p>
-            <a:fld id="{19B0FB5A-CC79-4043-A8CB-7CA54D655012}" type="datetimeFigureOut">
-              <a:rPr lang="en-US" smtClean="0"/>
-              <a:t>5/29/17</a:t>
-            </a:fld>
-            <a:endParaRPr lang="en-US"/>
-          </a:p>
-        </p:txBody>
-      </p:sp>
-      <p:sp>
-        <p:nvSpPr>
-          <p:cNvPr id="9" name="Footer Placeholder 8"/>
-          <p:cNvSpPr>
-            <a:spLocks noGrp="1"/>
-          </p:cNvSpPr>
-          <p:nvPr>
-            <p:ph type="ftr" sz="quarter" idx="11"/>
-          </p:nvPr>
-        </p:nvSpPr>
-        <p:spPr/>
-        <p:txBody>
-          <a:bodyPr/>
-          <a:lstStyle/>
-          <a:p>
-            <a:endParaRPr lang="en-US"/>
-          </a:p>
-        </p:txBody>
-      </p:sp>
-      <p:sp>
-        <p:nvSpPr>
-          <p:cNvPr id="10" name="Slide Number Placeholder 9"/>
-          <p:cNvSpPr>
-            <a:spLocks noGrp="1"/>
-          </p:cNvSpPr>
-          <p:nvPr>
-            <p:ph type="sldNum" sz="quarter" idx="12"/>
-          </p:nvPr>
-        </p:nvSpPr>
-        <p:spPr/>
-        <p:txBody>
-          <a:bodyPr/>
-          <a:lstStyle/>
-          <a:p>
-            <a:fld id="{3A5596B5-F113-5546-AEB2-94035C7E09CD}" type="slidenum">
-              <a:rPr lang="en-US" smtClean="0"/>
-              <a:t>‹#›</a:t>
-            </a:fld>
-            <a:endParaRPr lang="en-US"/>
-          </a:p>
-        </p:txBody>
-      </p:sp>
-      <p:sp>
-        <p:nvSpPr>
-          <p:cNvPr id="11" name="Rectangle 10"/>
-          <p:cNvSpPr/>
-          <p:nvPr/>
-        </p:nvSpPr>
-        <p:spPr>
-          <a:xfrm>
-            <a:off x="11292840" y="0"/>
-            <a:ext cx="914400" cy="6858000"/>
+            <a:ext cx="342900" cy="6858000"/>
           </a:xfrm>
           <a:prstGeom prst="rect">
             <a:avLst/>
           </a:prstGeom>
           <a:solidFill>
             <a:schemeClr val="bg2">
-              <a:lumMod val="75000"/>
+              <a:lumMod val="60000"/>
+              <a:lumOff val="40000"/>
             </a:schemeClr>
           </a:solidFill>
           <a:ln>
@@ -932,6 +840,71 @@
             <a:schemeClr val="lt1"/>
           </a:fontRef>
         </p:style>
+      </p:sp>
+      <p:sp>
+        <p:nvSpPr>
+          <p:cNvPr id="4" name="Date Placeholder 3"/>
+          <p:cNvSpPr>
+            <a:spLocks noGrp="1"/>
+          </p:cNvSpPr>
+          <p:nvPr>
+            <p:ph type="dt" sz="half" idx="10"/>
+          </p:nvPr>
+        </p:nvSpPr>
+        <p:spPr/>
+        <p:txBody>
+          <a:bodyPr/>
+          <a:lstStyle/>
+          <a:p>
+            <a:fld id="{19B0FB5A-CC79-4043-A8CB-7CA54D655012}" type="datetimeFigureOut">
+              <a:rPr lang="en-US" smtClean="0"/>
+              <a:t>5/30/17</a:t>
+            </a:fld>
+            <a:endParaRPr lang="en-US"/>
+          </a:p>
+        </p:txBody>
+      </p:sp>
+      <p:sp>
+        <p:nvSpPr>
+          <p:cNvPr id="5" name="Footer Placeholder 4"/>
+          <p:cNvSpPr>
+            <a:spLocks noGrp="1"/>
+          </p:cNvSpPr>
+          <p:nvPr>
+            <p:ph type="ftr" sz="quarter" idx="11"/>
+          </p:nvPr>
+        </p:nvSpPr>
+        <p:spPr/>
+        <p:txBody>
+          <a:bodyPr/>
+          <a:lstStyle/>
+          <a:p>
+            <a:endParaRPr lang="en-US"/>
+          </a:p>
+        </p:txBody>
+      </p:sp>
+      <p:sp>
+        <p:nvSpPr>
+          <p:cNvPr id="6" name="Slide Number Placeholder 5"/>
+          <p:cNvSpPr>
+            <a:spLocks noGrp="1"/>
+          </p:cNvSpPr>
+          <p:nvPr>
+            <p:ph type="sldNum" sz="quarter" idx="12"/>
+          </p:nvPr>
+        </p:nvSpPr>
+        <p:spPr/>
+        <p:txBody>
+          <a:bodyPr/>
+          <a:lstStyle/>
+          <a:p>
+            <a:fld id="{3A5596B5-F113-5546-AEB2-94035C7E09CD}" type="slidenum">
+              <a:rPr lang="en-US" smtClean="0"/>
+              <a:t>‹#›</a:t>
+            </a:fld>
+            <a:endParaRPr lang="en-US"/>
+          </a:p>
+        </p:txBody>
       </p:sp>
     </p:spTree>
   </p:cSld>
@@ -1055,7 +1028,7 @@
           <a:p>
             <a:fld id="{19B0FB5A-CC79-4043-A8CB-7CA54D655012}" type="datetimeFigureOut">
               <a:rPr lang="en-US" smtClean="0"/>
-              <a:t>5/29/17</a:t>
+              <a:t>5/30/17</a:t>
             </a:fld>
             <a:endParaRPr lang="en-US"/>
           </a:p>
@@ -1102,6 +1075,47 @@
             <a:endParaRPr lang="en-US"/>
           </a:p>
         </p:txBody>
+      </p:sp>
+      <p:sp>
+        <p:nvSpPr>
+          <p:cNvPr id="7" name="Rectangle 6"/>
+          <p:cNvSpPr/>
+          <p:nvPr/>
+        </p:nvSpPr>
+        <p:spPr>
+          <a:xfrm>
+            <a:off x="0" y="0"/>
+            <a:ext cx="342900" cy="6858000"/>
+          </a:xfrm>
+          <a:prstGeom prst="rect">
+            <a:avLst/>
+          </a:prstGeom>
+          <a:solidFill>
+            <a:schemeClr val="tx2">
+              <a:lumMod val="60000"/>
+              <a:lumOff val="40000"/>
+            </a:schemeClr>
+          </a:solidFill>
+          <a:ln>
+            <a:noFill/>
+          </a:ln>
+        </p:spPr>
+        <p:style>
+          <a:lnRef idx="2">
+            <a:schemeClr val="accent1">
+              <a:shade val="50000"/>
+            </a:schemeClr>
+          </a:lnRef>
+          <a:fillRef idx="1">
+            <a:schemeClr val="accent1"/>
+          </a:fillRef>
+          <a:effectRef idx="0">
+            <a:schemeClr val="accent1"/>
+          </a:effectRef>
+          <a:fontRef idx="minor">
+            <a:schemeClr val="lt1"/>
+          </a:fontRef>
+        </p:style>
       </p:sp>
     </p:spTree>
   </p:cSld>
@@ -1140,8 +1154,8 @@
         </p:nvSpPr>
         <p:spPr>
           <a:xfrm>
-            <a:off x="8648700" y="381000"/>
-            <a:ext cx="2476500" cy="5897562"/>
+            <a:off x="6486525" y="381000"/>
+            <a:ext cx="1857375" cy="5897562"/>
           </a:xfrm>
         </p:spPr>
         <p:txBody>
@@ -1168,8 +1182,8 @@
         </p:nvSpPr>
         <p:spPr>
           <a:xfrm>
-            <a:off x="762000" y="381000"/>
-            <a:ext cx="7734300" cy="5897562"/>
+            <a:off x="571500" y="381000"/>
+            <a:ext cx="5800725" cy="5897562"/>
           </a:xfrm>
         </p:spPr>
         <p:txBody>
@@ -1230,7 +1244,7 @@
           <a:p>
             <a:fld id="{19B0FB5A-CC79-4043-A8CB-7CA54D655012}" type="datetimeFigureOut">
               <a:rPr lang="en-US" smtClean="0"/>
-              <a:t>5/29/17</a:t>
+              <a:t>5/30/17</a:t>
             </a:fld>
             <a:endParaRPr lang="en-US"/>
           </a:p>
@@ -1277,6 +1291,47 @@
             <a:endParaRPr lang="en-US"/>
           </a:p>
         </p:txBody>
+      </p:sp>
+      <p:sp>
+        <p:nvSpPr>
+          <p:cNvPr id="7" name="Rectangle 6"/>
+          <p:cNvSpPr/>
+          <p:nvPr/>
+        </p:nvSpPr>
+        <p:spPr>
+          <a:xfrm>
+            <a:off x="0" y="0"/>
+            <a:ext cx="342900" cy="6858000"/>
+          </a:xfrm>
+          <a:prstGeom prst="rect">
+            <a:avLst/>
+          </a:prstGeom>
+          <a:solidFill>
+            <a:schemeClr val="tx2">
+              <a:lumMod val="60000"/>
+              <a:lumOff val="40000"/>
+            </a:schemeClr>
+          </a:solidFill>
+          <a:ln>
+            <a:noFill/>
+          </a:ln>
+        </p:spPr>
+        <p:style>
+          <a:lnRef idx="2">
+            <a:schemeClr val="accent1">
+              <a:shade val="50000"/>
+            </a:schemeClr>
+          </a:lnRef>
+          <a:fillRef idx="1">
+            <a:schemeClr val="accent1"/>
+          </a:fillRef>
+          <a:effectRef idx="0">
+            <a:schemeClr val="accent1"/>
+          </a:effectRef>
+          <a:fontRef idx="minor">
+            <a:schemeClr val="lt1"/>
+          </a:fontRef>
+        </p:style>
       </p:sp>
     </p:spTree>
   </p:cSld>
@@ -1400,7 +1455,7 @@
           <a:p>
             <a:fld id="{19B0FB5A-CC79-4043-A8CB-7CA54D655012}" type="datetimeFigureOut">
               <a:rPr lang="en-US" smtClean="0"/>
-              <a:t>5/29/17</a:t>
+              <a:t>5/30/17</a:t>
             </a:fld>
             <a:endParaRPr lang="en-US"/>
           </a:p>
@@ -1447,6 +1502,47 @@
             <a:endParaRPr lang="en-US"/>
           </a:p>
         </p:txBody>
+      </p:sp>
+      <p:sp>
+        <p:nvSpPr>
+          <p:cNvPr id="7" name="Rectangle 6"/>
+          <p:cNvSpPr/>
+          <p:nvPr/>
+        </p:nvSpPr>
+        <p:spPr>
+          <a:xfrm>
+            <a:off x="0" y="0"/>
+            <a:ext cx="342900" cy="6858000"/>
+          </a:xfrm>
+          <a:prstGeom prst="rect">
+            <a:avLst/>
+          </a:prstGeom>
+          <a:solidFill>
+            <a:schemeClr val="tx2">
+              <a:lumMod val="60000"/>
+              <a:lumOff val="40000"/>
+            </a:schemeClr>
+          </a:solidFill>
+          <a:ln>
+            <a:noFill/>
+          </a:ln>
+        </p:spPr>
+        <p:style>
+          <a:lnRef idx="2">
+            <a:schemeClr val="accent1">
+              <a:shade val="50000"/>
+            </a:schemeClr>
+          </a:lnRef>
+          <a:fillRef idx="1">
+            <a:schemeClr val="accent1"/>
+          </a:fillRef>
+          <a:effectRef idx="0">
+            <a:schemeClr val="accent1"/>
+          </a:effectRef>
+          <a:fontRef idx="minor">
+            <a:schemeClr val="lt1"/>
+          </a:fontRef>
+        </p:style>
       </p:sp>
     </p:spTree>
   </p:cSld>
@@ -1485,8 +1581,8 @@
         </p:nvSpPr>
         <p:spPr>
           <a:xfrm>
-            <a:off x="1261872" y="758952"/>
-            <a:ext cx="9418320" cy="4041648"/>
+            <a:off x="946404" y="758952"/>
+            <a:ext cx="7063740" cy="4041648"/>
           </a:xfrm>
         </p:spPr>
         <p:txBody>
@@ -1498,7 +1594,7 @@
               <a:lnSpc>
                 <a:spcPct val="85000"/>
               </a:lnSpc>
-              <a:defRPr sz="7200" b="0"/>
+              <a:defRPr sz="6200" b="1" baseline="0"/>
             </a:lvl1pPr>
           </a:lstStyle>
           <a:p>
@@ -1522,8 +1618,8 @@
         </p:nvSpPr>
         <p:spPr>
           <a:xfrm>
-            <a:off x="1261872" y="4800600"/>
-            <a:ext cx="9418320" cy="1691640"/>
+            <a:off x="946404" y="4800600"/>
+            <a:ext cx="7063740" cy="1691640"/>
           </a:xfrm>
         </p:spPr>
         <p:txBody>
@@ -1533,11 +1629,11 @@
           <a:lstStyle>
             <a:lvl1pPr marL="0" indent="0">
               <a:buNone/>
-              <a:defRPr sz="2200" spc="30" baseline="0">
+              <a:defRPr sz="2000" spc="30" baseline="0">
                 <a:solidFill>
                   <a:schemeClr val="tx1">
-                    <a:lumMod val="75000"/>
-                    <a:lumOff val="25000"/>
+                    <a:lumMod val="50000"/>
+                    <a:lumOff val="50000"/>
                   </a:schemeClr>
                 </a:solidFill>
               </a:defRPr>
@@ -1649,7 +1745,7 @@
           <a:p>
             <a:fld id="{19B0FB5A-CC79-4043-A8CB-7CA54D655012}" type="datetimeFigureOut">
               <a:rPr lang="en-US" smtClean="0"/>
-              <a:t>5/29/17</a:t>
+              <a:t>5/30/17</a:t>
             </a:fld>
             <a:endParaRPr lang="en-US"/>
           </a:p>
@@ -1699,20 +1795,23 @@
       </p:sp>
       <p:sp>
         <p:nvSpPr>
-          <p:cNvPr id="8" name="Rectangle 7"/>
+          <p:cNvPr id="7" name="Rectangle 6"/>
           <p:cNvSpPr/>
           <p:nvPr/>
         </p:nvSpPr>
         <p:spPr>
           <a:xfrm>
             <a:off x="0" y="0"/>
-            <a:ext cx="457200" cy="6858000"/>
+            <a:ext cx="342900" cy="6858000"/>
           </a:xfrm>
           <a:prstGeom prst="rect">
             <a:avLst/>
           </a:prstGeom>
           <a:solidFill>
-            <a:schemeClr val="accent1"/>
+            <a:schemeClr val="tx2">
+              <a:lumMod val="60000"/>
+              <a:lumOff val="40000"/>
+            </a:schemeClr>
           </a:solidFill>
           <a:ln>
             <a:noFill/>
@@ -1800,8 +1899,8 @@
         </p:nvSpPr>
         <p:spPr>
           <a:xfrm>
-            <a:off x="1261872" y="1828800"/>
-            <a:ext cx="4480560" cy="4351337"/>
+            <a:off x="946404" y="1828801"/>
+            <a:ext cx="3360420" cy="4351337"/>
           </a:xfrm>
         </p:spPr>
         <p:txBody>
@@ -1885,8 +1984,8 @@
         </p:nvSpPr>
         <p:spPr>
           <a:xfrm>
-            <a:off x="6126480" y="1828800"/>
-            <a:ext cx="4480560" cy="4351337"/>
+            <a:off x="4594860" y="1828801"/>
+            <a:ext cx="3360420" cy="4351337"/>
           </a:xfrm>
         </p:spPr>
         <p:txBody>
@@ -1975,7 +2074,7 @@
           <a:p>
             <a:fld id="{19B0FB5A-CC79-4043-A8CB-7CA54D655012}" type="datetimeFigureOut">
               <a:rPr lang="en-US" smtClean="0"/>
-              <a:t>5/29/17</a:t>
+              <a:t>5/30/17</a:t>
             </a:fld>
             <a:endParaRPr lang="en-US"/>
           </a:p>
@@ -2023,11 +2122,57 @@
           </a:p>
         </p:txBody>
       </p:sp>
+      <p:sp>
+        <p:nvSpPr>
+          <p:cNvPr id="8" name="Rectangle 7"/>
+          <p:cNvSpPr/>
+          <p:nvPr/>
+        </p:nvSpPr>
+        <p:spPr>
+          <a:xfrm>
+            <a:off x="0" y="0"/>
+            <a:ext cx="342900" cy="6858000"/>
+          </a:xfrm>
+          <a:prstGeom prst="rect">
+            <a:avLst/>
+          </a:prstGeom>
+          <a:solidFill>
+            <a:schemeClr val="tx2">
+              <a:lumMod val="60000"/>
+              <a:lumOff val="40000"/>
+            </a:schemeClr>
+          </a:solidFill>
+          <a:ln>
+            <a:noFill/>
+          </a:ln>
+        </p:spPr>
+        <p:style>
+          <a:lnRef idx="2">
+            <a:schemeClr val="accent1">
+              <a:shade val="50000"/>
+            </a:schemeClr>
+          </a:lnRef>
+          <a:fillRef idx="1">
+            <a:schemeClr val="accent1"/>
+          </a:fillRef>
+          <a:effectRef idx="0">
+            <a:schemeClr val="accent1"/>
+          </a:effectRef>
+          <a:fontRef idx="minor">
+            <a:schemeClr val="lt1"/>
+          </a:fontRef>
+        </p:style>
+      </p:sp>
     </p:spTree>
   </p:cSld>
   <p:clrMapOvr>
     <a:masterClrMapping/>
   </p:clrMapOvr>
+  <p:extLst>
+    <p:ext uri="{DCECCB84-F9BA-43D5-87BE-67443E8EF086}">
+      <p15:sldGuideLst xmlns:p15="http://schemas.microsoft.com/office/powerpoint/2012/main"/>
+    </p:ext>
+  </p:extLst>
 </p:sldLayout>
 </file>
 
@@ -2083,8 +2228,8 @@
         </p:nvSpPr>
         <p:spPr>
           <a:xfrm>
-            <a:off x="1261872" y="1721606"/>
-            <a:ext cx="4480560" cy="731520"/>
+            <a:off x="946404" y="1713655"/>
+            <a:ext cx="3360420" cy="731520"/>
           </a:xfrm>
         </p:spPr>
         <p:txBody>
@@ -2097,7 +2242,7 @@
                 <a:spcPts val="0"/>
               </a:spcBef>
               <a:buNone/>
-              <a:defRPr sz="2000" b="0" baseline="0">
+              <a:defRPr sz="2000" b="0">
                 <a:solidFill>
                   <a:schemeClr val="tx2"/>
                 </a:solidFill>
@@ -2157,8 +2302,8 @@
         </p:nvSpPr>
         <p:spPr>
           <a:xfrm>
-            <a:off x="1261872" y="2507550"/>
-            <a:ext cx="4480560" cy="3664650"/>
+            <a:off x="946404" y="2507550"/>
+            <a:ext cx="3360420" cy="3664650"/>
           </a:xfrm>
         </p:spPr>
         <p:txBody>
@@ -2232,7 +2377,7 @@
       </p:sp>
       <p:sp>
         <p:nvSpPr>
-          <p:cNvPr id="11" name="Text Placeholder 4"/>
+          <p:cNvPr id="5" name="Text Placeholder 4"/>
           <p:cNvSpPr>
             <a:spLocks noGrp="1"/>
           </p:cNvSpPr>
@@ -2242,8 +2387,8 @@
         </p:nvSpPr>
         <p:spPr>
           <a:xfrm>
-            <a:off x="6126480" y="1721606"/>
-            <a:ext cx="4480560" cy="731520"/>
+            <a:off x="4594860" y="1713655"/>
+            <a:ext cx="3360420" cy="731520"/>
           </a:xfrm>
         </p:spPr>
         <p:txBody>
@@ -2331,8 +2476,8 @@
         </p:nvSpPr>
         <p:spPr>
           <a:xfrm>
-            <a:off x="6126480" y="2507550"/>
-            <a:ext cx="4480560" cy="3664650"/>
+            <a:off x="4594860" y="2507550"/>
+            <a:ext cx="3360420" cy="3664650"/>
           </a:xfrm>
         </p:spPr>
         <p:txBody>
@@ -2421,7 +2566,7 @@
           <a:p>
             <a:fld id="{19B0FB5A-CC79-4043-A8CB-7CA54D655012}" type="datetimeFigureOut">
               <a:rPr lang="en-US" smtClean="0"/>
-              <a:t>5/29/17</a:t>
+              <a:t>5/30/17</a:t>
             </a:fld>
             <a:endParaRPr lang="en-US"/>
           </a:p>
@@ -2469,11 +2614,57 @@
           </a:p>
         </p:txBody>
       </p:sp>
+      <p:sp>
+        <p:nvSpPr>
+          <p:cNvPr id="11" name="Rectangle 10"/>
+          <p:cNvSpPr/>
+          <p:nvPr/>
+        </p:nvSpPr>
+        <p:spPr>
+          <a:xfrm>
+            <a:off x="0" y="0"/>
+            <a:ext cx="342900" cy="6858000"/>
+          </a:xfrm>
+          <a:prstGeom prst="rect">
+            <a:avLst/>
+          </a:prstGeom>
+          <a:solidFill>
+            <a:schemeClr val="tx2">
+              <a:lumMod val="60000"/>
+              <a:lumOff val="40000"/>
+            </a:schemeClr>
+          </a:solidFill>
+          <a:ln>
+            <a:noFill/>
+          </a:ln>
+        </p:spPr>
+        <p:style>
+          <a:lnRef idx="2">
+            <a:schemeClr val="accent1">
+              <a:shade val="50000"/>
+            </a:schemeClr>
+          </a:lnRef>
+          <a:fillRef idx="1">
+            <a:schemeClr val="accent1"/>
+          </a:fillRef>
+          <a:effectRef idx="0">
+            <a:schemeClr val="accent1"/>
+          </a:effectRef>
+          <a:fontRef idx="minor">
+            <a:schemeClr val="lt1"/>
+          </a:fontRef>
+        </p:style>
+      </p:sp>
     </p:spTree>
   </p:cSld>
   <p:clrMapOvr>
     <a:masterClrMapping/>
   </p:clrMapOvr>
+  <p:extLst>
+    <p:ext uri="{DCECCB84-F9BA-43D5-87BE-67443E8EF086}">
+      <p15:sldGuideLst xmlns:p15="http://schemas.microsoft.com/office/powerpoint/2012/main"/>
+    </p:ext>
+  </p:extLst>
 </p:sldLayout>
 </file>
 
@@ -2534,7 +2725,7 @@
           <a:p>
             <a:fld id="{19B0FB5A-CC79-4043-A8CB-7CA54D655012}" type="datetimeFigureOut">
               <a:rPr lang="en-US" smtClean="0"/>
-              <a:t>5/29/17</a:t>
+              <a:t>5/30/17</a:t>
             </a:fld>
             <a:endParaRPr lang="en-US"/>
           </a:p>
@@ -2581,6 +2772,47 @@
             <a:endParaRPr lang="en-US"/>
           </a:p>
         </p:txBody>
+      </p:sp>
+      <p:sp>
+        <p:nvSpPr>
+          <p:cNvPr id="7" name="Rectangle 6"/>
+          <p:cNvSpPr/>
+          <p:nvPr/>
+        </p:nvSpPr>
+        <p:spPr>
+          <a:xfrm>
+            <a:off x="0" y="0"/>
+            <a:ext cx="342900" cy="6858000"/>
+          </a:xfrm>
+          <a:prstGeom prst="rect">
+            <a:avLst/>
+          </a:prstGeom>
+          <a:solidFill>
+            <a:schemeClr val="tx2">
+              <a:lumMod val="60000"/>
+              <a:lumOff val="40000"/>
+            </a:schemeClr>
+          </a:solidFill>
+          <a:ln>
+            <a:noFill/>
+          </a:ln>
+        </p:spPr>
+        <p:style>
+          <a:lnRef idx="2">
+            <a:schemeClr val="accent1">
+              <a:shade val="50000"/>
+            </a:schemeClr>
+          </a:lnRef>
+          <a:fillRef idx="1">
+            <a:schemeClr val="accent1"/>
+          </a:fillRef>
+          <a:effectRef idx="0">
+            <a:schemeClr val="accent1"/>
+          </a:effectRef>
+          <a:fontRef idx="minor">
+            <a:schemeClr val="lt1"/>
+          </a:fontRef>
+        </p:style>
       </p:sp>
     </p:spTree>
   </p:cSld>
@@ -2624,7 +2856,7 @@
           <a:p>
             <a:fld id="{19B0FB5A-CC79-4043-A8CB-7CA54D655012}" type="datetimeFigureOut">
               <a:rPr lang="en-US" smtClean="0"/>
-              <a:t>5/29/17</a:t>
+              <a:t>5/30/17</a:t>
             </a:fld>
             <a:endParaRPr lang="en-US"/>
           </a:p>
@@ -2672,11 +2904,57 @@
           </a:p>
         </p:txBody>
       </p:sp>
+      <p:sp>
+        <p:nvSpPr>
+          <p:cNvPr id="5" name="Rectangle 4"/>
+          <p:cNvSpPr/>
+          <p:nvPr/>
+        </p:nvSpPr>
+        <p:spPr>
+          <a:xfrm>
+            <a:off x="0" y="0"/>
+            <a:ext cx="342900" cy="6858000"/>
+          </a:xfrm>
+          <a:prstGeom prst="rect">
+            <a:avLst/>
+          </a:prstGeom>
+          <a:solidFill>
+            <a:schemeClr val="tx2">
+              <a:lumMod val="60000"/>
+              <a:lumOff val="40000"/>
+            </a:schemeClr>
+          </a:solidFill>
+          <a:ln>
+            <a:noFill/>
+          </a:ln>
+        </p:spPr>
+        <p:style>
+          <a:lnRef idx="2">
+            <a:schemeClr val="accent1">
+              <a:shade val="50000"/>
+            </a:schemeClr>
+          </a:lnRef>
+          <a:fillRef idx="1">
+            <a:schemeClr val="accent1"/>
+          </a:fillRef>
+          <a:effectRef idx="0">
+            <a:schemeClr val="accent1"/>
+          </a:effectRef>
+          <a:fontRef idx="minor">
+            <a:schemeClr val="lt1"/>
+          </a:fontRef>
+        </p:style>
+      </p:sp>
     </p:spTree>
   </p:cSld>
   <p:clrMapOvr>
     <a:masterClrMapping/>
   </p:clrMapOvr>
+  <p:extLst>
+    <p:ext uri="{DCECCB84-F9BA-43D5-87BE-67443E8EF086}">
+      <p15:sldGuideLst xmlns:p15="http://schemas.microsoft.com/office/powerpoint/2012/main"/>
+    </p:ext>
+  </p:extLst>
 </p:sldLayout>
 </file>
 
@@ -2709,8 +2987,8 @@
         </p:nvSpPr>
         <p:spPr>
           <a:xfrm>
-            <a:off x="841248" y="457200"/>
-            <a:ext cx="3200400" cy="1600197"/>
+            <a:off x="630936" y="457201"/>
+            <a:ext cx="2400300" cy="1600197"/>
           </a:xfrm>
         </p:spPr>
         <p:txBody>
@@ -2719,7 +2997,7 @@
           </a:bodyPr>
           <a:lstStyle>
             <a:lvl1pPr>
-              <a:defRPr sz="3200" b="1" baseline="0"/>
+              <a:defRPr sz="2800" b="1" baseline="0"/>
             </a:lvl1pPr>
           </a:lstStyle>
           <a:p>
@@ -2743,21 +3021,21 @@
         </p:nvSpPr>
         <p:spPr>
           <a:xfrm>
-            <a:off x="4504267" y="685800"/>
-            <a:ext cx="6079066" cy="5486400"/>
+            <a:off x="3378200" y="685800"/>
+            <a:ext cx="4559300" cy="5486400"/>
           </a:xfrm>
         </p:spPr>
         <p:txBody>
           <a:bodyPr/>
           <a:lstStyle>
             <a:lvl1pPr>
-              <a:defRPr sz="2000"/>
+              <a:defRPr sz="1800"/>
             </a:lvl1pPr>
             <a:lvl2pPr>
-              <a:defRPr sz="1800"/>
+              <a:defRPr sz="1600"/>
             </a:lvl2pPr>
             <a:lvl3pPr>
-              <a:defRPr sz="1600"/>
+              <a:defRPr sz="1400"/>
             </a:lvl3pPr>
             <a:lvl4pPr>
               <a:defRPr sz="1400"/>
@@ -2828,8 +3106,8 @@
         </p:nvSpPr>
         <p:spPr>
           <a:xfrm>
-            <a:off x="841248" y="2099734"/>
-            <a:ext cx="3200400" cy="3810001"/>
+            <a:off x="630936" y="2099735"/>
+            <a:ext cx="2400300" cy="3810001"/>
           </a:xfrm>
         </p:spPr>
         <p:txBody>
@@ -2906,7 +3184,7 @@
           <a:p>
             <a:fld id="{19B0FB5A-CC79-4043-A8CB-7CA54D655012}" type="datetimeFigureOut">
               <a:rPr lang="en-US" smtClean="0"/>
-              <a:t>5/29/17</a:t>
+              <a:t>5/30/17</a:t>
             </a:fld>
             <a:endParaRPr lang="en-US"/>
           </a:p>
@@ -2959,6 +3237,11 @@
   <p:clrMapOvr>
     <a:masterClrMapping/>
   </p:clrMapOvr>
+  <p:extLst>
+    <p:ext uri="{DCECCB84-F9BA-43D5-87BE-67443E8EF086}">
+      <p15:sldGuideLst xmlns:p15="http://schemas.microsoft.com/office/powerpoint/2012/main"/>
+    </p:ext>
+  </p:extLst>
 </p:sldLayout>
 </file>
 
@@ -2988,15 +3271,13 @@
         <p:spPr>
           <a:xfrm>
             <a:off x="0" y="5105400"/>
-            <a:ext cx="11292840" cy="1752600"/>
+            <a:ext cx="8469630" cy="1752600"/>
           </a:xfrm>
           <a:prstGeom prst="rect">
             <a:avLst/>
           </a:prstGeom>
           <a:solidFill>
-            <a:schemeClr val="accent1">
-              <a:lumMod val="75000"/>
-            </a:schemeClr>
+            <a:schemeClr val="tx2"/>
           </a:solidFill>
           <a:ln>
             <a:noFill/>
@@ -3031,8 +3312,8 @@
         </p:nvSpPr>
         <p:spPr>
           <a:xfrm>
-            <a:off x="914400" y="5257800"/>
-            <a:ext cx="9982200" cy="914400"/>
+            <a:off x="685800" y="5257800"/>
+            <a:ext cx="7486650" cy="914400"/>
           </a:xfrm>
         </p:spPr>
         <p:txBody>
@@ -3043,7 +3324,7 @@
             <a:lvl1pPr>
               <a:defRPr sz="2800" b="1">
                 <a:solidFill>
-                  <a:srgbClr val="FFFFFF"/>
+                  <a:schemeClr val="bg1"/>
                 </a:solidFill>
               </a:defRPr>
             </a:lvl1pPr>
@@ -3069,8 +3350,8 @@
         </p:nvSpPr>
         <p:spPr>
           <a:xfrm>
-            <a:off x="0" y="0"/>
-            <a:ext cx="11292840" cy="5128923"/>
+            <a:off x="0" y="1"/>
+            <a:ext cx="8469630" cy="5128923"/>
           </a:xfrm>
         </p:spPr>
         <p:txBody>
@@ -3134,8 +3415,8 @@
         </p:nvSpPr>
         <p:spPr>
           <a:xfrm>
-            <a:off x="914400" y="6108589"/>
-            <a:ext cx="9982200" cy="597011"/>
+            <a:off x="685800" y="6108590"/>
+            <a:ext cx="7486650" cy="597011"/>
           </a:xfrm>
         </p:spPr>
         <p:txBody>
@@ -3153,9 +3434,8 @@
               <a:buNone/>
               <a:defRPr sz="1400">
                 <a:solidFill>
-                  <a:schemeClr val="accent1">
-                    <a:lumMod val="20000"/>
-                    <a:lumOff val="80000"/>
+                  <a:schemeClr val="bg1">
+                    <a:lumMod val="75000"/>
                   </a:schemeClr>
                 </a:solidFill>
               </a:defRPr>
@@ -3219,7 +3499,7 @@
           <a:p>
             <a:fld id="{19B0FB5A-CC79-4043-A8CB-7CA54D655012}" type="datetimeFigureOut">
               <a:rPr lang="en-US" smtClean="0"/>
-              <a:t>5/29/17</a:t>
+              <a:t>5/30/17</a:t>
             </a:fld>
             <a:endParaRPr lang="en-US"/>
           </a:p>
@@ -3310,14 +3590,14 @@
         </p:nvSpPr>
         <p:spPr>
           <a:xfrm>
-            <a:off x="11292840" y="0"/>
-            <a:ext cx="914400" cy="6858000"/>
+            <a:off x="8418195" y="0"/>
+            <a:ext cx="731520" cy="6858000"/>
           </a:xfrm>
           <a:prstGeom prst="rect">
             <a:avLst/>
           </a:prstGeom>
           <a:solidFill>
-            <a:schemeClr val="tx2"/>
+            <a:schemeClr val="accent1"/>
           </a:solidFill>
           <a:ln>
             <a:noFill/>
@@ -3352,15 +3632,15 @@
         </p:nvSpPr>
         <p:spPr>
           <a:xfrm>
-            <a:off x="1261872" y="262393"/>
-            <a:ext cx="9692640" cy="1428929"/>
+            <a:off x="946404" y="365760"/>
+            <a:ext cx="7269480" cy="1325562"/>
           </a:xfrm>
           <a:prstGeom prst="rect">
             <a:avLst/>
           </a:prstGeom>
         </p:spPr>
         <p:txBody>
-          <a:bodyPr vert="horz" lIns="91440" tIns="27432" rIns="91440" bIns="45720" rtlCol="0" anchor="b">
+          <a:bodyPr vert="horz" lIns="91440" tIns="45720" rIns="91440" bIns="45720" rtlCol="0" anchor="b">
             <a:normAutofit/>
           </a:bodyPr>
           <a:lstStyle/>
@@ -3385,8 +3665,8 @@
         </p:nvSpPr>
         <p:spPr>
           <a:xfrm>
-            <a:off x="1261872" y="1828800"/>
-            <a:ext cx="8595360" cy="4351337"/>
+            <a:off x="946404" y="1828801"/>
+            <a:ext cx="6446520" cy="4351337"/>
           </a:xfrm>
           <a:prstGeom prst="rect">
             <a:avLst/>
@@ -3447,8 +3727,8 @@
         </p:nvSpPr>
         <p:spPr>
           <a:xfrm rot="16200000">
-            <a:off x="10797542" y="998537"/>
-            <a:ext cx="1904999" cy="365125"/>
+            <a:off x="7831456" y="1044178"/>
+            <a:ext cx="1904999" cy="273844"/>
           </a:xfrm>
           <a:prstGeom prst="rect">
             <a:avLst/>
@@ -3458,9 +3738,9 @@
           <a:bodyPr vert="horz" lIns="91440" tIns="45720" rIns="91440" bIns="45720" rtlCol="0" anchor="ctr"/>
           <a:lstStyle>
             <a:lvl1pPr algn="r">
-              <a:defRPr sz="1100" b="0">
+              <a:defRPr sz="1050" b="0">
                 <a:solidFill>
-                  <a:schemeClr val="tx2">
+                  <a:schemeClr val="accent1">
                     <a:lumMod val="40000"/>
                     <a:lumOff val="60000"/>
                   </a:schemeClr>
@@ -3471,7 +3751,7 @@
           <a:p>
             <a:fld id="{19B0FB5A-CC79-4043-A8CB-7CA54D655012}" type="datetimeFigureOut">
               <a:rPr lang="en-US" smtClean="0"/>
-              <a:t>5/29/17</a:t>
+              <a:t>5/30/17</a:t>
             </a:fld>
             <a:endParaRPr lang="en-US"/>
           </a:p>
@@ -3489,8 +3769,8 @@
         </p:nvSpPr>
         <p:spPr>
           <a:xfrm rot="16200000">
-            <a:off x="9959341" y="4046537"/>
-            <a:ext cx="3581400" cy="365125"/>
+            <a:off x="6993255" y="4092178"/>
+            <a:ext cx="3581400" cy="273844"/>
           </a:xfrm>
           <a:prstGeom prst="rect">
             <a:avLst/>
@@ -3500,9 +3780,9 @@
           <a:bodyPr vert="horz" lIns="91440" tIns="45720" rIns="91440" bIns="45720" rtlCol="0" anchor="ctr"/>
           <a:lstStyle>
             <a:lvl1pPr algn="l">
-              <a:defRPr sz="1100">
+              <a:defRPr sz="1050">
                 <a:solidFill>
-                  <a:schemeClr val="tx2">
+                  <a:schemeClr val="accent1">
                     <a:lumMod val="40000"/>
                     <a:lumOff val="60000"/>
                   </a:schemeClr>
@@ -3527,22 +3807,22 @@
         </p:nvSpPr>
         <p:spPr>
           <a:xfrm>
-            <a:off x="11292840" y="6172200"/>
-            <a:ext cx="914400" cy="593725"/>
+            <a:off x="8441055" y="6172201"/>
+            <a:ext cx="685800" cy="593725"/>
           </a:xfrm>
           <a:prstGeom prst="rect">
             <a:avLst/>
           </a:prstGeom>
         </p:spPr>
         <p:txBody>
-          <a:bodyPr vert="horz" lIns="45720" tIns="45720" rIns="45720" bIns="45720" rtlCol="0" anchor="ctr">
+          <a:bodyPr vert="horz" lIns="27432" tIns="45720" rIns="27432" bIns="45720" rtlCol="0" anchor="ctr">
             <a:normAutofit/>
           </a:bodyPr>
           <a:lstStyle>
             <a:lvl1pPr algn="ctr">
-              <a:defRPr sz="3600">
+              <a:defRPr sz="3200">
                 <a:solidFill>
-                  <a:schemeClr val="tx2">
+                  <a:schemeClr val="accent1">
                     <a:lumMod val="60000"/>
                     <a:lumOff val="40000"/>
                   </a:schemeClr>
@@ -3563,23 +3843,23 @@
     </p:spTree>
     <p:extLst>
       <p:ext uri="{BB962C8B-B14F-4D97-AF65-F5344CB8AC3E}">
-        <p14:creationId xmlns:p14="http://schemas.microsoft.com/office/powerpoint/2010/main" val="766187249"/>
+        <p14:creationId xmlns:p14="http://schemas.microsoft.com/office/powerpoint/2010/main" val="1470219328"/>
       </p:ext>
     </p:extLst>
   </p:cSld>
   <p:clrMap bg1="lt1" tx1="dk1" bg2="lt2" tx2="dk2" accent1="accent1" accent2="accent2" accent3="accent3" accent4="accent4" accent5="accent5" accent6="accent6" hlink="hlink" folHlink="folHlink"/>
   <p:sldLayoutIdLst>
-    <p:sldLayoutId id="2147483943" r:id="rId1"/>
-    <p:sldLayoutId id="2147483944" r:id="rId2"/>
-    <p:sldLayoutId id="2147483945" r:id="rId3"/>
-    <p:sldLayoutId id="2147483946" r:id="rId4"/>
-    <p:sldLayoutId id="2147483947" r:id="rId5"/>
-    <p:sldLayoutId id="2147483948" r:id="rId6"/>
-    <p:sldLayoutId id="2147483949" r:id="rId7"/>
-    <p:sldLayoutId id="2147483950" r:id="rId8"/>
-    <p:sldLayoutId id="2147483951" r:id="rId9"/>
-    <p:sldLayoutId id="2147483952" r:id="rId10"/>
-    <p:sldLayoutId id="2147483953" r:id="rId11"/>
+    <p:sldLayoutId id="2147485549" r:id="rId1"/>
+    <p:sldLayoutId id="2147485550" r:id="rId2"/>
+    <p:sldLayoutId id="2147485551" r:id="rId3"/>
+    <p:sldLayoutId id="2147485552" r:id="rId4"/>
+    <p:sldLayoutId id="2147485553" r:id="rId5"/>
+    <p:sldLayoutId id="2147485554" r:id="rId6"/>
+    <p:sldLayoutId id="2147485555" r:id="rId7"/>
+    <p:sldLayoutId id="2147485556" r:id="rId8"/>
+    <p:sldLayoutId id="2147485557" r:id="rId9"/>
+    <p:sldLayoutId id="2147485558" r:id="rId10"/>
+    <p:sldLayoutId id="2147485559" r:id="rId11"/>
   </p:sldLayoutIdLst>
   <p:txStyles>
     <p:titleStyle>
@@ -3591,7 +3871,7 @@
           <a:spcPct val="0"/>
         </a:spcBef>
         <a:buNone/>
-        <a:defRPr sz="4400" b="1" kern="1200" spc="-50" baseline="0">
+        <a:defRPr sz="4000" b="1" kern="1200" spc="-70" baseline="0">
           <a:solidFill>
             <a:schemeClr val="accent1"/>
           </a:solidFill>
@@ -3954,6 +4234,41 @@
 <file path=ppt/slides/slide1.xml><?xml version="1.0" encoding="utf-8"?>
 <p:sld xmlns:a="http://schemas.openxmlformats.org/drawingml/2006/main" xmlns:r="http://schemas.openxmlformats.org/officeDocument/2006/relationships" xmlns:p="http://schemas.openxmlformats.org/presentationml/2006/main">
   <p:cSld>
+    <p:bg>
+      <p:bgPr>
+        <a:gradFill rotWithShape="1">
+          <a:gsLst>
+            <a:gs pos="0">
+              <a:schemeClr val="bg2">
+                <a:tint val="96000"/>
+                <a:shade val="100000"/>
+                <a:hueMod val="270000"/>
+                <a:satMod val="200000"/>
+                <a:lumMod val="128000"/>
+              </a:schemeClr>
+            </a:gs>
+            <a:gs pos="22000">
+              <a:schemeClr val="bg2">
+                <a:shade val="100000"/>
+                <a:hueMod val="100000"/>
+                <a:satMod val="110000"/>
+                <a:lumMod val="130000"/>
+              </a:schemeClr>
+            </a:gs>
+            <a:gs pos="100000">
+              <a:schemeClr val="bg2">
+                <a:shade val="78000"/>
+                <a:hueMod val="44000"/>
+                <a:satMod val="200000"/>
+                <a:lumMod val="69000"/>
+              </a:schemeClr>
+            </a:gs>
+          </a:gsLst>
+          <a:lin ang="2520000" scaled="0"/>
+        </a:gradFill>
+        <a:effectLst/>
+      </p:bgPr>
+    </p:bg>
     <p:spTree>
       <p:nvGrpSpPr>
         <p:cNvPr id="1" name=""/>
@@ -3980,36 +4295,144 @@
         </p:nvSpPr>
         <p:spPr>
           <a:xfrm>
-            <a:off x="1551710" y="374072"/>
-            <a:ext cx="9144000" cy="4807528"/>
+            <a:off x="706583" y="1302327"/>
+            <a:ext cx="7633854" cy="3241964"/>
           </a:xfrm>
         </p:spPr>
         <p:txBody>
           <a:bodyPr>
-            <a:normAutofit fontScale="90000"/>
+            <a:normAutofit/>
           </a:bodyPr>
           <a:lstStyle/>
           <a:p>
             <a:pPr algn="ctr"/>
             <a:r>
-              <a:rPr lang="ru-RU" sz="6000" b="1" dirty="0" smtClean="0"/>
-              <a:t>РАЗРАБОТКА ПРОГРАММНОГО ОБЕСПЕЧЕНИЯ ДЛЯ ПАРСИНГА ТЕКСТОВ </a:t>
-            </a:r>
-            <a:r>
-              <a:rPr lang="ru-RU" sz="6000" b="1" dirty="0"/>
+              <a:rPr lang="ru-RU" sz="4000" b="1" dirty="0"/>
+              <a:t>РАЗРАБОТКА ПРОГРАММНОГО ОБЕСПЕЧЕНИЯ </a:t>
+            </a:r>
+            <a:r>
+              <a:rPr lang="en-US" sz="4000" b="1" dirty="0" smtClean="0"/>
+              <a:t/>
+            </a:r>
+            <a:br>
+              <a:rPr lang="en-US" sz="4000" b="1" dirty="0" smtClean="0"/>
+            </a:br>
+            <a:r>
+              <a:rPr lang="ru-RU" sz="4000" b="1" dirty="0" smtClean="0"/>
+              <a:t>ДЛЯ ПАРСИНГА</a:t>
+            </a:r>
+            <a:r>
+              <a:rPr lang="en-US" sz="4000" b="1" dirty="0" smtClean="0"/>
+              <a:t> </a:t>
+            </a:r>
+            <a:r>
+              <a:rPr lang="ru-RU" sz="4000" b="1" dirty="0" smtClean="0"/>
+              <a:t>ТЕКСТОВ </a:t>
+            </a:r>
+            <a:br>
+              <a:rPr lang="ru-RU" sz="4000" b="1" dirty="0" smtClean="0"/>
+            </a:br>
+            <a:r>
+              <a:rPr lang="ru-RU" sz="4000" b="1" dirty="0" smtClean="0"/>
               <a:t>И</a:t>
             </a:r>
             <a:r>
-              <a:rPr lang="ru-RU" sz="6000" b="1" dirty="0" smtClean="0"/>
-              <a:t> ГЕНЕРАЦИИ UML МОДЕЛЕЙ</a:t>
-            </a:r>
-            <a:r>
-              <a:rPr lang="ru-RU" sz="6000" dirty="0" smtClean="0">
-                <a:effectLst/>
-              </a:rPr>
-              <a:t> </a:t>
-            </a:r>
-            <a:endParaRPr lang="ru-RU" sz="6000" dirty="0"/>
+              <a:rPr lang="en-US" sz="4000" dirty="0" smtClean="0"/>
+              <a:t> </a:t>
+            </a:r>
+            <a:r>
+              <a:rPr lang="ru-RU" sz="4000" b="1" dirty="0" smtClean="0"/>
+              <a:t>ГЕНЕРАЦИИ </a:t>
+            </a:r>
+            <a:r>
+              <a:rPr lang="ru-RU" sz="4000" b="1" dirty="0"/>
+              <a:t>UML МОДЕЛЕЙ</a:t>
+            </a:r>
+            <a:r>
+              <a:rPr lang="ru-RU" sz="4000" dirty="0"/>
+              <a:t> </a:t>
+            </a:r>
+            <a:endParaRPr lang="ru-RU" sz="4000" dirty="0"/>
+          </a:p>
+        </p:txBody>
+      </p:sp>
+      <p:sp>
+        <p:nvSpPr>
+          <p:cNvPr id="3" name="TextBox 2"/>
+          <p:cNvSpPr txBox="1"/>
+          <p:nvPr/>
+        </p:nvSpPr>
+        <p:spPr>
+          <a:xfrm>
+            <a:off x="3034145" y="5721744"/>
+            <a:ext cx="5444837" cy="369332"/>
+          </a:xfrm>
+          <a:prstGeom prst="rect">
+            <a:avLst/>
+          </a:prstGeom>
+          <a:noFill/>
+        </p:spPr>
+        <p:txBody>
+          <a:bodyPr wrap="square" rtlCol="0">
+            <a:spAutoFit/>
+          </a:bodyPr>
+          <a:lstStyle/>
+          <a:p>
+            <a:r>
+              <a:rPr lang="ru-RU" altLang="x-none" dirty="0"/>
+              <a:t>руководитель: доц. </a:t>
+            </a:r>
+            <a:r>
+              <a:rPr lang="ru-RU" altLang="x-none" dirty="0" smtClean="0"/>
+              <a:t>В.А</a:t>
+            </a:r>
+            <a:r>
+              <a:rPr lang="ru-RU" altLang="x-none" dirty="0"/>
+              <a:t>. Ермолаев</a:t>
+            </a:r>
+            <a:endParaRPr lang="ru-RU" altLang="x-none" dirty="0"/>
+          </a:p>
+        </p:txBody>
+      </p:sp>
+      <p:sp>
+        <p:nvSpPr>
+          <p:cNvPr id="4" name="TextBox 3"/>
+          <p:cNvSpPr txBox="1"/>
+          <p:nvPr/>
+        </p:nvSpPr>
+        <p:spPr>
+          <a:xfrm>
+            <a:off x="3034145" y="5352412"/>
+            <a:ext cx="5444836" cy="369332"/>
+          </a:xfrm>
+          <a:prstGeom prst="rect">
+            <a:avLst/>
+          </a:prstGeom>
+          <a:noFill/>
+        </p:spPr>
+        <p:txBody>
+          <a:bodyPr wrap="square" rtlCol="0">
+            <a:spAutoFit/>
+          </a:bodyPr>
+          <a:lstStyle/>
+          <a:p>
+            <a:r>
+              <a:rPr lang="ru-RU" altLang="x-none" dirty="0" smtClean="0"/>
+              <a:t>выполнила: Моисеенко Светлана, </a:t>
+            </a:r>
+            <a:r>
+              <a:rPr lang="ru-RU" altLang="x-none" dirty="0"/>
+              <a:t>гр. </a:t>
+            </a:r>
+            <a:r>
+              <a:rPr lang="uk-UA" dirty="0"/>
+              <a:t>7.1226-з</a:t>
+            </a:r>
+            <a:r>
+              <a:rPr lang="en-US" dirty="0"/>
+              <a:t> </a:t>
+            </a:r>
+            <a:endParaRPr lang="ru-RU" dirty="0" smtClean="0"/>
           </a:p>
         </p:txBody>
       </p:sp>
@@ -4062,25 +4485,25 @@
         </p:nvSpPr>
         <p:spPr>
           <a:xfrm>
-            <a:off x="838200" y="294198"/>
-            <a:ext cx="10116312" cy="992735"/>
+            <a:off x="628650" y="1077899"/>
+            <a:ext cx="7587234" cy="744551"/>
           </a:xfrm>
         </p:spPr>
         <p:txBody>
           <a:bodyPr>
-            <a:normAutofit/>
+            <a:normAutofit fontScale="90000"/>
           </a:bodyPr>
           <a:lstStyle/>
           <a:p>
             <a:r>
-              <a:rPr lang="ru-RU" sz="3200" dirty="0" smtClean="0">
+              <a:rPr lang="ru-RU" sz="2400" dirty="0">
                 <a:latin typeface="Helvetica Neue" charset="0"/>
                 <a:ea typeface="Helvetica Neue" charset="0"/>
                 <a:cs typeface="Helvetica Neue" charset="0"/>
               </a:rPr>
               <a:t>Результат конвертации промежуточного графа в UML граф</a:t>
             </a:r>
-            <a:endParaRPr lang="en-US" sz="3200" dirty="0">
+            <a:endParaRPr lang="en-US" sz="2400" dirty="0">
               <a:latin typeface="Helvetica Neue" charset="0"/>
               <a:ea typeface="Helvetica Neue" charset="0"/>
               <a:cs typeface="Helvetica Neue" charset="0"/>
@@ -4100,8 +4523,8 @@
         </p:nvSpPr>
         <p:spPr>
           <a:xfrm>
-            <a:off x="838200" y="2404533"/>
-            <a:ext cx="10515600" cy="3772430"/>
+            <a:off x="628650" y="2660650"/>
+            <a:ext cx="7886700" cy="2829323"/>
           </a:xfrm>
         </p:spPr>
         <p:txBody>
@@ -4114,37 +4537,19 @@
               <a:buNone/>
             </a:pPr>
             <a:r>
-              <a:rPr lang="it-IT" sz="2400" b="1" dirty="0" err="1">
+              <a:rPr lang="it-IT" sz="1800" b="1" dirty="0" err="1">
                 <a:latin typeface="+mj-lt"/>
               </a:rPr>
               <a:t>Horse</a:t>
             </a:r>
             <a:r>
-              <a:rPr lang="en-US" sz="2400" dirty="0">
+              <a:rPr lang="en-US" sz="1800" dirty="0">
                 <a:latin typeface="+mj-lt"/>
               </a:rPr>
-              <a:t> —&gt; </a:t>
-            </a:r>
-            <a:r>
-              <a:rPr lang="en-US" sz="2400" dirty="0">
-                <a:solidFill>
-                  <a:schemeClr val="tx1">
-                    <a:lumMod val="65000"/>
-                    <a:lumOff val="35000"/>
-                  </a:schemeClr>
-                </a:solidFill>
-                <a:latin typeface="+mj-lt"/>
-              </a:rPr>
-              <a:t>think queer To stop without near Between of </a:t>
-            </a:r>
-            <a:r>
-              <a:rPr lang="en-US" sz="2400" dirty="0">
-                <a:latin typeface="+mj-lt"/>
-              </a:rPr>
-              <a:t>—&gt; </a:t>
-            </a:r>
-            <a:r>
-              <a:rPr lang="en-US" sz="2400" b="1" dirty="0">
+              <a:t> —&gt; think queer To stop without near Between of —&gt; </a:t>
+            </a:r>
+            <a:r>
+              <a:rPr lang="en-US" sz="1800" b="1" dirty="0">
                 <a:latin typeface="+mj-lt"/>
               </a:rPr>
               <a:t>It</a:t>
@@ -4155,43 +4560,25 @@
               <a:buNone/>
             </a:pPr>
             <a:r>
-              <a:rPr lang="en-US" sz="2400" b="1" dirty="0">
+              <a:rPr lang="en-US" sz="1800" b="1" dirty="0">
                 <a:latin typeface="+mj-lt"/>
               </a:rPr>
               <a:t>It</a:t>
             </a:r>
             <a:r>
-              <a:rPr lang="en-US" sz="2400" dirty="0">
+              <a:rPr lang="en-US" sz="1800" dirty="0">
                 <a:latin typeface="+mj-lt"/>
               </a:rPr>
               <a:t> </a:t>
             </a:r>
             <a:r>
-              <a:rPr lang="en-US" sz="2400" dirty="0" smtClean="0">
+              <a:rPr lang="en-US" sz="1800" dirty="0">
                 <a:latin typeface="+mj-lt"/>
               </a:rPr>
-              <a:t>—&gt; </a:t>
-            </a:r>
-            <a:r>
-              <a:rPr lang="en-US" sz="2400" dirty="0" smtClean="0">
-                <a:solidFill>
-                  <a:schemeClr val="tx1">
-                    <a:lumMod val="65000"/>
-                    <a:lumOff val="35000"/>
-                  </a:schemeClr>
-                </a:solidFill>
-                <a:latin typeface="+mj-lt"/>
-              </a:rPr>
-              <a:t>without near Between queer </a:t>
-            </a:r>
-            <a:r>
-              <a:rPr lang="en-US" sz="2400" dirty="0" smtClean="0">
-                <a:latin typeface="+mj-lt"/>
-              </a:rPr>
-              <a:t>—&gt; </a:t>
-            </a:r>
-            <a:r>
-              <a:rPr lang="en-US" sz="2400" b="1" dirty="0">
+              <a:t>—&gt; without near Between queer —&gt; </a:t>
+            </a:r>
+            <a:r>
+              <a:rPr lang="en-US" sz="1800" b="1" dirty="0">
                 <a:latin typeface="+mj-lt"/>
               </a:rPr>
               <a:t>Farmhouse</a:t>
@@ -4202,61 +4589,31 @@
               <a:buNone/>
             </a:pPr>
             <a:r>
-              <a:rPr lang="en-US" sz="2400" b="1" dirty="0">
+              <a:rPr lang="en-US" sz="1800" b="1" dirty="0">
                 <a:latin typeface="+mj-lt"/>
               </a:rPr>
               <a:t>It</a:t>
             </a:r>
             <a:r>
-              <a:rPr lang="en-US" sz="2400" dirty="0">
+              <a:rPr lang="en-US" sz="1800" dirty="0">
                 <a:latin typeface="+mj-lt"/>
               </a:rPr>
-              <a:t> —&gt; </a:t>
-            </a:r>
-            <a:r>
-              <a:rPr lang="en-US" sz="2400" dirty="0">
-                <a:solidFill>
-                  <a:schemeClr val="tx1">
-                    <a:lumMod val="65000"/>
-                    <a:lumOff val="35000"/>
-                  </a:schemeClr>
-                </a:solidFill>
+              <a:t> —&gt; without near </a:t>
+            </a:r>
+            <a:r>
+              <a:rPr lang="en-US" sz="1800" dirty="0">
                 <a:latin typeface="+mj-lt"/>
               </a:rPr>
-              <a:t>without near </a:t>
-            </a:r>
-            <a:r>
-              <a:rPr lang="en-US" sz="2400" dirty="0" smtClean="0">
-                <a:solidFill>
-                  <a:schemeClr val="tx1">
-                    <a:lumMod val="65000"/>
-                    <a:lumOff val="35000"/>
-                  </a:schemeClr>
-                </a:solidFill>
+              <a:t>Between </a:t>
+            </a:r>
+            <a:r>
+              <a:rPr lang="en-US" sz="1800" dirty="0">
                 <a:latin typeface="+mj-lt"/>
               </a:rPr>
-              <a:t>Between </a:t>
-            </a:r>
-            <a:r>
-              <a:rPr lang="en-US" sz="2400" dirty="0">
-                <a:solidFill>
-                  <a:schemeClr val="tx1">
-                    <a:lumMod val="65000"/>
-                    <a:lumOff val="35000"/>
-                  </a:schemeClr>
-                </a:solidFill>
-                <a:latin typeface="+mj-lt"/>
-              </a:rPr>
-              <a:t>queer </a:t>
-            </a:r>
-            <a:r>
-              <a:rPr lang="en-US" sz="2400" dirty="0">
-                <a:latin typeface="+mj-lt"/>
-              </a:rPr>
-              <a:t>—&gt; </a:t>
-            </a:r>
-            <a:r>
-              <a:rPr lang="en-US" sz="2400" b="1" dirty="0">
+              <a:t>queer —&gt; </a:t>
+            </a:r>
+            <a:r>
+              <a:rPr lang="en-US" sz="1800" b="1" dirty="0">
                 <a:latin typeface="+mj-lt"/>
               </a:rPr>
               <a:t>Woods</a:t>
@@ -4267,37 +4624,19 @@
               <a:buNone/>
             </a:pPr>
             <a:r>
-              <a:rPr lang="en-US" sz="2400" b="1" dirty="0">
+              <a:rPr lang="en-US" sz="1800" b="1" dirty="0">
                 <a:latin typeface="+mj-lt"/>
               </a:rPr>
               <a:t>It</a:t>
             </a:r>
             <a:r>
-              <a:rPr lang="en-US" sz="2400" dirty="0">
+              <a:rPr lang="en-US" sz="1800" dirty="0">
                 <a:latin typeface="+mj-lt"/>
               </a:rPr>
-              <a:t> —&gt; </a:t>
-            </a:r>
-            <a:r>
-              <a:rPr lang="en-US" sz="2400" dirty="0">
-                <a:solidFill>
-                  <a:schemeClr val="tx1">
-                    <a:lumMod val="65000"/>
-                    <a:lumOff val="35000"/>
-                  </a:schemeClr>
-                </a:solidFill>
-                <a:latin typeface="+mj-lt"/>
-              </a:rPr>
-              <a:t>without near Between queer </a:t>
-            </a:r>
-            <a:r>
-              <a:rPr lang="en-US" sz="2400" dirty="0">
-                <a:latin typeface="+mj-lt"/>
-              </a:rPr>
-              <a:t>—&gt; </a:t>
-            </a:r>
-            <a:r>
-              <a:rPr lang="en-US" sz="2400" b="1" dirty="0">
+              <a:t> —&gt; without near Between queer —&gt; </a:t>
+            </a:r>
+            <a:r>
+              <a:rPr lang="en-US" sz="1800" b="1" dirty="0">
                 <a:latin typeface="+mj-lt"/>
               </a:rPr>
               <a:t>Lake</a:t>
@@ -4308,49 +4647,31 @@
               <a:buNone/>
             </a:pPr>
             <a:r>
-              <a:rPr lang="en-US" sz="2400" b="1" dirty="0">
+              <a:rPr lang="en-US" sz="1800" b="1" dirty="0">
                 <a:latin typeface="+mj-lt"/>
               </a:rPr>
               <a:t>It</a:t>
             </a:r>
             <a:r>
-              <a:rPr lang="en-US" sz="2400" dirty="0">
+              <a:rPr lang="en-US" sz="1800" dirty="0">
                 <a:latin typeface="+mj-lt"/>
               </a:rPr>
               <a:t> —&gt; </a:t>
             </a:r>
             <a:r>
-              <a:rPr lang="nl-NL" sz="2400" dirty="0" err="1">
-                <a:solidFill>
-                  <a:schemeClr val="tx1">
-                    <a:lumMod val="65000"/>
-                    <a:lumOff val="35000"/>
-                  </a:schemeClr>
-                </a:solidFill>
+              <a:rPr lang="nl-NL" sz="1800" dirty="0" err="1">
                 <a:latin typeface="+mj-lt"/>
               </a:rPr>
               <a:t>queer</a:t>
             </a:r>
             <a:r>
-              <a:rPr lang="en-US" sz="2400" dirty="0">
-                <a:solidFill>
-                  <a:schemeClr val="tx1">
-                    <a:lumMod val="65000"/>
-                    <a:lumOff val="35000"/>
-                  </a:schemeClr>
-                </a:solidFill>
+              <a:rPr lang="en-US" sz="1800" dirty="0">
                 <a:latin typeface="+mj-lt"/>
               </a:rPr>
-              <a:t> </a:t>
-            </a:r>
-            <a:r>
-              <a:rPr lang="en-US" sz="2400" dirty="0">
-                <a:latin typeface="+mj-lt"/>
-              </a:rPr>
-              <a:t>—&gt; </a:t>
-            </a:r>
-            <a:r>
-              <a:rPr lang="en-US" sz="2400" b="1" dirty="0">
+              <a:t> —&gt; </a:t>
+            </a:r>
+            <a:r>
+              <a:rPr lang="en-US" sz="1800" b="1" dirty="0">
                 <a:latin typeface="+mj-lt"/>
               </a:rPr>
               <a:t>Evening</a:t>
@@ -4361,37 +4682,19 @@
               <a:buNone/>
             </a:pPr>
             <a:r>
-              <a:rPr lang="en-US" sz="2400" b="1" dirty="0">
+              <a:rPr lang="en-US" sz="1800" b="1" dirty="0">
                 <a:latin typeface="+mj-lt"/>
               </a:rPr>
               <a:t>It</a:t>
             </a:r>
             <a:r>
-              <a:rPr lang="en-US" sz="2400" dirty="0">
+              <a:rPr lang="en-US" sz="1800" dirty="0">
                 <a:latin typeface="+mj-lt"/>
               </a:rPr>
-              <a:t> —&gt; </a:t>
-            </a:r>
-            <a:r>
-              <a:rPr lang="en-US" sz="2400" dirty="0">
-                <a:solidFill>
-                  <a:schemeClr val="tx1">
-                    <a:lumMod val="65000"/>
-                    <a:lumOff val="35000"/>
-                  </a:schemeClr>
-                </a:solidFill>
-                <a:latin typeface="+mj-lt"/>
-              </a:rPr>
-              <a:t>of queer </a:t>
-            </a:r>
-            <a:r>
-              <a:rPr lang="en-US" sz="2400" dirty="0">
-                <a:latin typeface="+mj-lt"/>
-              </a:rPr>
-              <a:t>—&gt; </a:t>
-            </a:r>
-            <a:r>
-              <a:rPr lang="en-US" sz="2400" b="1" dirty="0">
+              <a:t> —&gt; of queer —&gt; </a:t>
+            </a:r>
+            <a:r>
+              <a:rPr lang="en-US" sz="1800" b="1" dirty="0">
                 <a:latin typeface="+mj-lt"/>
               </a:rPr>
               <a:t>Year</a:t>
@@ -4448,8 +4751,8 @@
         </p:nvSpPr>
         <p:spPr>
           <a:xfrm>
-            <a:off x="845127" y="294198"/>
-            <a:ext cx="10109385" cy="634057"/>
+            <a:off x="633846" y="1077899"/>
+            <a:ext cx="7582039" cy="475543"/>
           </a:xfrm>
         </p:spPr>
         <p:txBody>
@@ -4459,7 +4762,7 @@
           <a:lstStyle/>
           <a:p>
             <a:r>
-              <a:rPr lang="ru-RU" sz="3200" dirty="0" smtClean="0">
+              <a:rPr lang="ru-RU" sz="2400" dirty="0">
                 <a:latin typeface="Helvetica Neue" charset="0"/>
                 <a:ea typeface="Helvetica Neue" charset="0"/>
                 <a:cs typeface="Helvetica Neue" charset="0"/>
@@ -4467,7 +4770,7 @@
               <a:t>Диаграмма генерации </a:t>
             </a:r>
             <a:r>
-              <a:rPr lang="en-US" sz="3200" dirty="0" smtClean="0">
+              <a:rPr lang="en-US" sz="2400" dirty="0">
                 <a:latin typeface="Helvetica Neue" charset="0"/>
                 <a:ea typeface="Helvetica Neue" charset="0"/>
                 <a:cs typeface="Helvetica Neue" charset="0"/>
@@ -4475,14 +4778,14 @@
               <a:t>UML </a:t>
             </a:r>
             <a:r>
-              <a:rPr lang="ru-RU" sz="3200" dirty="0" smtClean="0">
+              <a:rPr lang="ru-RU" sz="2400" dirty="0">
                 <a:latin typeface="Helvetica Neue" charset="0"/>
                 <a:ea typeface="Helvetica Neue" charset="0"/>
                 <a:cs typeface="Helvetica Neue" charset="0"/>
               </a:rPr>
               <a:t>моделей</a:t>
             </a:r>
-            <a:endParaRPr lang="en-US" sz="3200" dirty="0">
+            <a:endParaRPr lang="en-US" sz="2400" dirty="0">
               <a:latin typeface="Helvetica Neue" charset="0"/>
               <a:ea typeface="Helvetica Neue" charset="0"/>
               <a:cs typeface="Helvetica Neue" charset="0"/>
@@ -4512,8 +4815,8 @@
         </p:blipFill>
         <p:spPr>
           <a:xfrm>
-            <a:off x="4072466" y="1690687"/>
-            <a:ext cx="3810000" cy="4489979"/>
+            <a:off x="3054350" y="2125266"/>
+            <a:ext cx="2857500" cy="3367484"/>
           </a:xfrm>
           <a:prstGeom prst="rect">
             <a:avLst/>
@@ -4577,7 +4880,7 @@
         </p:blipFill>
         <p:spPr>
           <a:xfrm>
-            <a:off x="5113868" y="1772717"/>
+            <a:off x="1186265" y="1828800"/>
             <a:ext cx="5966607" cy="4351338"/>
           </a:xfrm>
           <a:prstGeom prst="rect">
@@ -4598,8 +4901,8 @@
         </p:nvSpPr>
         <p:spPr>
           <a:xfrm>
-            <a:off x="762000" y="1455396"/>
-            <a:ext cx="4216400" cy="2616101"/>
+            <a:off x="571500" y="1948797"/>
+            <a:ext cx="3162300" cy="2215991"/>
           </a:xfrm>
           <a:prstGeom prst="rect">
             <a:avLst/>
@@ -4613,14 +4916,14 @@
           <a:lstStyle/>
           <a:p>
             <a:r>
-              <a:rPr lang="en-US" b="1" dirty="0" smtClean="0"/>
+              <a:rPr lang="en-US" sz="1350" b="1" dirty="0"/>
               <a:t>Stopping by Woods on a Snowy Evening</a:t>
             </a:r>
-            <a:endParaRPr lang="en-US" dirty="0" smtClean="0"/>
-          </a:p>
-          <a:p>
-            <a:r>
-              <a:rPr lang="ru-RU" dirty="0" smtClean="0">
+            <a:endParaRPr lang="en-US" sz="1350" dirty="0"/>
+          </a:p>
+          <a:p>
+            <a:r>
+              <a:rPr lang="ru-RU" sz="1350" dirty="0">
                 <a:solidFill>
                   <a:schemeClr val="tx1">
                     <a:lumMod val="65000"/>
@@ -4634,7 +4937,7 @@
               <a:t/>
             </a:r>
             <a:br>
-              <a:rPr lang="ru-RU" dirty="0" smtClean="0">
+              <a:rPr lang="ru-RU" sz="1350" dirty="0">
                 <a:solidFill>
                   <a:schemeClr val="tx1">
                     <a:lumMod val="65000"/>
@@ -4647,7 +4950,7 @@
               </a:rPr>
             </a:br>
             <a:r>
-              <a:rPr lang="en-US" dirty="0" smtClean="0">
+              <a:rPr lang="en-US" sz="1350" dirty="0">
                 <a:solidFill>
                   <a:schemeClr val="tx1">
                     <a:lumMod val="65000"/>
@@ -4663,7 +4966,7 @@
           </a:p>
           <a:p>
             <a:r>
-              <a:rPr lang="en-US" dirty="0" smtClean="0">
+              <a:rPr lang="en-US" sz="1350" dirty="0">
                 <a:solidFill>
                   <a:schemeClr val="tx1">
                     <a:lumMod val="65000"/>
@@ -4679,7 +4982,7 @@
           </a:p>
           <a:p>
             <a:r>
-              <a:rPr lang="en-US" dirty="0" smtClean="0">
+              <a:rPr lang="en-US" sz="1350" dirty="0">
                 <a:solidFill>
                   <a:schemeClr val="tx1">
                     <a:lumMod val="65000"/>
@@ -4695,7 +4998,7 @@
           </a:p>
           <a:p>
             <a:r>
-              <a:rPr lang="en-US" dirty="0" smtClean="0">
+              <a:rPr lang="en-US" sz="1350" dirty="0">
                 <a:solidFill>
                   <a:schemeClr val="tx1">
                     <a:lumMod val="65000"/>
@@ -4711,7 +5014,7 @@
           </a:p>
           <a:p>
             <a:r>
-              <a:rPr lang="ru-RU" dirty="0" smtClean="0">
+              <a:rPr lang="ru-RU" sz="1350" dirty="0">
                 <a:latin typeface="Helvetica Neue" charset="0"/>
                 <a:ea typeface="Helvetica Neue" charset="0"/>
                 <a:cs typeface="Helvetica Neue" charset="0"/>
@@ -4719,14 +5022,14 @@
               <a:t/>
             </a:r>
             <a:br>
-              <a:rPr lang="ru-RU" dirty="0" smtClean="0">
+              <a:rPr lang="ru-RU" sz="1350" dirty="0">
                 <a:latin typeface="Helvetica Neue" charset="0"/>
                 <a:ea typeface="Helvetica Neue" charset="0"/>
                 <a:cs typeface="Helvetica Neue" charset="0"/>
               </a:rPr>
             </a:br>
             <a:r>
-              <a:rPr lang="ru-RU" dirty="0">
+              <a:rPr lang="ru-RU" sz="1350" dirty="0">
                 <a:latin typeface="Helvetica Neue" charset="0"/>
                 <a:ea typeface="Helvetica Neue" charset="0"/>
                 <a:cs typeface="Helvetica Neue" charset="0"/>
@@ -4734,7 +5037,7 @@
               <a:t>	</a:t>
             </a:r>
             <a:r>
-              <a:rPr lang="ru-RU" dirty="0" smtClean="0">
+              <a:rPr lang="ru-RU" sz="1350" dirty="0">
                 <a:latin typeface="Helvetica Neue" charset="0"/>
                 <a:ea typeface="Helvetica Neue" charset="0"/>
                 <a:cs typeface="Helvetica Neue" charset="0"/>
@@ -4742,10 +5045,10 @@
               <a:t>	</a:t>
             </a:r>
             <a:r>
-              <a:rPr lang="en-US" sz="2000" b="1" dirty="0" smtClean="0"/>
+              <a:rPr lang="en-US" sz="1500" b="1" dirty="0"/>
               <a:t>Robert Frost</a:t>
             </a:r>
-            <a:endParaRPr lang="en-US" sz="2000" dirty="0"/>
+            <a:endParaRPr lang="en-US" sz="1500" dirty="0"/>
           </a:p>
         </p:txBody>
       </p:sp>
@@ -4757,8 +5060,8 @@
         </p:nvSpPr>
         <p:spPr>
           <a:xfrm>
-            <a:off x="762000" y="294024"/>
-            <a:ext cx="5652654" cy="584775"/>
+            <a:off x="571500" y="1077768"/>
+            <a:ext cx="4239491" cy="461665"/>
           </a:xfrm>
           <a:prstGeom prst="rect">
             <a:avLst/>
@@ -4772,7 +5075,7 @@
           <a:lstStyle/>
           <a:p>
             <a:r>
-              <a:rPr lang="ru-RU" sz="3200" b="1" dirty="0" smtClean="0">
+              <a:rPr lang="ru-RU" sz="2400" b="1" dirty="0">
                 <a:solidFill>
                   <a:schemeClr val="accent1"/>
                 </a:solidFill>
@@ -4782,7 +5085,7 @@
               </a:rPr>
               <a:t>Полученные результаты</a:t>
             </a:r>
-            <a:endParaRPr lang="en-US" sz="3200" b="1" dirty="0">
+            <a:endParaRPr lang="en-US" sz="2400" b="1" dirty="0">
               <a:solidFill>
                 <a:schemeClr val="accent1"/>
               </a:solidFill>
@@ -4842,12 +5145,14 @@
         </p:nvSpPr>
         <p:spPr>
           <a:xfrm>
-            <a:off x="1261872" y="262394"/>
-            <a:ext cx="9692640" cy="721280"/>
+            <a:off x="946404" y="1054046"/>
+            <a:ext cx="7269480" cy="540960"/>
           </a:xfrm>
         </p:spPr>
         <p:txBody>
-          <a:bodyPr/>
+          <a:bodyPr>
+            <a:normAutofit fontScale="90000"/>
+          </a:bodyPr>
           <a:lstStyle/>
           <a:p>
             <a:r>
@@ -4870,13 +5175,13 @@
         </p:nvSpPr>
         <p:spPr>
           <a:xfrm>
-            <a:off x="1261872" y="1020496"/>
-            <a:ext cx="8595360" cy="5159641"/>
+            <a:off x="946404" y="1622622"/>
+            <a:ext cx="6446520" cy="3869731"/>
           </a:xfrm>
         </p:spPr>
         <p:txBody>
           <a:bodyPr>
-            <a:normAutofit fontScale="85000" lnSpcReduction="10000"/>
+            <a:normAutofit fontScale="62500" lnSpcReduction="20000"/>
           </a:bodyPr>
           <a:lstStyle/>
           <a:p>
@@ -5757,8 +6062,8 @@
         </p:nvSpPr>
         <p:spPr>
           <a:xfrm>
-            <a:off x="838200" y="294198"/>
-            <a:ext cx="10116312" cy="941935"/>
+            <a:off x="628650" y="1077899"/>
+            <a:ext cx="7587234" cy="706451"/>
           </a:xfrm>
         </p:spPr>
         <p:txBody>
@@ -5768,14 +6073,14 @@
           <a:lstStyle/>
           <a:p>
             <a:r>
-              <a:rPr lang="ru-RU" sz="3200" dirty="0" smtClean="0">
+              <a:rPr lang="ru-RU" sz="2400" dirty="0">
                 <a:latin typeface="Helvetica Neue" charset="0"/>
                 <a:ea typeface="Helvetica Neue" charset="0"/>
                 <a:cs typeface="Helvetica Neue" charset="0"/>
               </a:rPr>
               <a:t>3 Экспериментальная проверка результатов работы программного обеспечения</a:t>
             </a:r>
-            <a:endParaRPr lang="en-US" sz="3200" dirty="0">
+            <a:endParaRPr lang="en-US" sz="2400" dirty="0">
               <a:latin typeface="Helvetica Neue" charset="0"/>
               <a:ea typeface="Helvetica Neue" charset="0"/>
               <a:cs typeface="Helvetica Neue" charset="0"/>
@@ -5795,8 +6100,8 @@
         </p:nvSpPr>
         <p:spPr>
           <a:xfrm>
-            <a:off x="838200" y="2387599"/>
-            <a:ext cx="10259291" cy="3930073"/>
+            <a:off x="628651" y="2647950"/>
+            <a:ext cx="7694468" cy="2947555"/>
           </a:xfrm>
         </p:spPr>
         <p:txBody>
@@ -5814,85 +6119,85 @@
               </a:spcBef>
             </a:pPr>
             <a:r>
-              <a:rPr lang="ru-RU" sz="2800" dirty="0" smtClean="0"/>
-              <a:t> </a:t>
-            </a:r>
-            <a:r>
-              <a:rPr lang="uk-UA" sz="2800" dirty="0"/>
+              <a:rPr lang="ru-RU" sz="2100" dirty="0"/>
+              <a:t> </a:t>
+            </a:r>
+            <a:r>
+              <a:rPr lang="uk-UA" sz="2100" dirty="0"/>
               <a:t>План </a:t>
             </a:r>
             <a:r>
-              <a:rPr lang="uk-UA" sz="2800" dirty="0" err="1"/>
+              <a:rPr lang="uk-UA" sz="2100" dirty="0" err="1"/>
               <a:t>и</a:t>
             </a:r>
             <a:r>
-              <a:rPr lang="uk-UA" sz="2800" dirty="0"/>
-              <a:t> </a:t>
-            </a:r>
-            <a:r>
-              <a:rPr lang="uk-UA" sz="2800" dirty="0" err="1" smtClean="0"/>
+              <a:rPr lang="uk-UA" sz="2100" dirty="0"/>
+              <a:t> </a:t>
+            </a:r>
+            <a:r>
+              <a:rPr lang="uk-UA" sz="2100" dirty="0" err="1"/>
               <a:t>проведение</a:t>
             </a:r>
             <a:r>
-              <a:rPr lang="uk-UA" sz="2800" dirty="0" smtClean="0"/>
-              <a:t> </a:t>
-            </a:r>
-            <a:r>
-              <a:rPr lang="ru-RU" sz="2800" dirty="0"/>
+              <a:rPr lang="uk-UA" sz="2100" dirty="0"/>
+              <a:t> </a:t>
+            </a:r>
+            <a:r>
+              <a:rPr lang="ru-RU" sz="2100" dirty="0"/>
               <a:t>эксперимента</a:t>
             </a:r>
-            <a:endParaRPr lang="ru-RU" sz="2800" dirty="0" smtClean="0"/>
-          </a:p>
-          <a:p>
-            <a:r>
-              <a:rPr lang="ru-RU" sz="2800" dirty="0"/>
-              <a:t> </a:t>
-            </a:r>
-            <a:r>
-              <a:rPr lang="en-US" sz="2800" dirty="0" err="1" smtClean="0"/>
+            <a:endParaRPr lang="ru-RU" sz="2100" dirty="0"/>
+          </a:p>
+          <a:p>
+            <a:r>
+              <a:rPr lang="ru-RU" sz="2100" dirty="0"/>
+              <a:t> </a:t>
+            </a:r>
+            <a:r>
+              <a:rPr lang="en-US" sz="2100" dirty="0" err="1"/>
               <a:t>Проверка</a:t>
             </a:r>
             <a:r>
-              <a:rPr lang="en-US" sz="2800" dirty="0" smtClean="0"/>
-              <a:t> </a:t>
-            </a:r>
-            <a:r>
-              <a:rPr lang="en-US" sz="2800" dirty="0" err="1"/>
+              <a:rPr lang="en-US" sz="2100" dirty="0"/>
+              <a:t> </a:t>
+            </a:r>
+            <a:r>
+              <a:rPr lang="en-US" sz="2100" dirty="0" err="1"/>
               <a:t>конвертации</a:t>
             </a:r>
             <a:r>
-              <a:rPr lang="en-US" sz="2800" dirty="0"/>
-              <a:t> </a:t>
-            </a:r>
-            <a:r>
-              <a:rPr lang="en-US" sz="2800" dirty="0" err="1"/>
+              <a:rPr lang="en-US" sz="2100" dirty="0"/>
+              <a:t> </a:t>
+            </a:r>
+            <a:r>
+              <a:rPr lang="en-US" sz="2100" dirty="0" err="1"/>
               <a:t>текстовых</a:t>
             </a:r>
             <a:r>
-              <a:rPr lang="en-US" sz="2800" dirty="0"/>
-              <a:t> </a:t>
-            </a:r>
-            <a:r>
-              <a:rPr lang="en-US" sz="2800" dirty="0" err="1"/>
+              <a:rPr lang="en-US" sz="2100" dirty="0"/>
+              <a:t> </a:t>
+            </a:r>
+            <a:r>
+              <a:rPr lang="en-US" sz="2100" dirty="0" err="1"/>
               <a:t>сущностей</a:t>
             </a:r>
             <a:r>
-              <a:rPr lang="en-US" sz="2800" dirty="0"/>
-              <a:t> </a:t>
-            </a:r>
-            <a:r>
-              <a:rPr lang="en-US" sz="2800" dirty="0" err="1"/>
+              <a:rPr lang="en-US" sz="2100" dirty="0"/>
+              <a:t> </a:t>
+            </a:r>
+            <a:r>
+              <a:rPr lang="en-US" sz="2100" dirty="0" err="1"/>
               <a:t>в</a:t>
             </a:r>
             <a:r>
-              <a:rPr lang="en-US" sz="2800" dirty="0"/>
+              <a:rPr lang="en-US" sz="2100" dirty="0"/>
               <a:t> UML </a:t>
             </a:r>
             <a:r>
-              <a:rPr lang="en-US" sz="2800" dirty="0" err="1"/>
+              <a:rPr lang="en-US" sz="2100" dirty="0" err="1"/>
               <a:t>элементы</a:t>
             </a:r>
-            <a:endParaRPr lang="en-US" sz="2800" dirty="0"/>
+            <a:endParaRPr lang="en-US" sz="2100" dirty="0"/>
           </a:p>
           <a:p>
             <a:pPr>
@@ -5904,11 +6209,11 @@
               </a:spcBef>
             </a:pPr>
             <a:r>
-              <a:rPr lang="ru-RU" sz="2800" dirty="0" smtClean="0"/>
-              <a:t> </a:t>
-            </a:r>
-            <a:r>
-              <a:rPr lang="ru-RU" sz="2800" dirty="0"/>
+              <a:rPr lang="ru-RU" sz="2100" dirty="0"/>
+              <a:t> </a:t>
+            </a:r>
+            <a:r>
+              <a:rPr lang="ru-RU" sz="2100" dirty="0"/>
               <a:t>Анализ и оценка проведенного эксперимента</a:t>
             </a:r>
             <a:endParaRPr lang="ru-RU" dirty="0">
@@ -5979,13 +6284,13 @@
         </p:nvSpPr>
         <p:spPr>
           <a:xfrm>
-            <a:off x="819034" y="365125"/>
-            <a:ext cx="10534766" cy="752475"/>
+            <a:off x="614275" y="1131094"/>
+            <a:ext cx="7901075" cy="564356"/>
           </a:xfrm>
         </p:spPr>
         <p:txBody>
           <a:bodyPr>
-            <a:normAutofit/>
+            <a:normAutofit fontScale="90000"/>
           </a:bodyPr>
           <a:lstStyle/>
           <a:p>
@@ -6017,7 +6322,7 @@
         </p:blipFill>
         <p:spPr>
           <a:xfrm>
-            <a:off x="5733565" y="1524027"/>
+            <a:off x="1532776" y="1828800"/>
             <a:ext cx="5273586" cy="4351338"/>
           </a:xfrm>
           <a:prstGeom prst="rect">
@@ -6038,8 +6343,8 @@
         </p:nvSpPr>
         <p:spPr>
           <a:xfrm>
-            <a:off x="819034" y="1557867"/>
-            <a:ext cx="4718166" cy="1938992"/>
+            <a:off x="614275" y="2025650"/>
+            <a:ext cx="3538625" cy="1477328"/>
           </a:xfrm>
           <a:prstGeom prst="rect">
             <a:avLst/>
@@ -6053,7 +6358,7 @@
           <a:lstStyle/>
           <a:p>
             <a:r>
-              <a:rPr lang="en-US" sz="2000" dirty="0">
+              <a:rPr lang="en-US" sz="1500" dirty="0">
                 <a:solidFill>
                   <a:schemeClr val="tx1">
                     <a:lumMod val="65000"/>
@@ -6067,7 +6372,7 @@
           </a:p>
           <a:p>
             <a:r>
-              <a:rPr lang="en-US" sz="2000" dirty="0">
+              <a:rPr lang="en-US" sz="1500" dirty="0">
                 <a:solidFill>
                   <a:schemeClr val="tx1">
                     <a:lumMod val="65000"/>
@@ -6081,7 +6386,7 @@
           </a:p>
           <a:p>
             <a:r>
-              <a:rPr lang="en-US" sz="2000" dirty="0">
+              <a:rPr lang="en-US" sz="1500" dirty="0">
                 <a:solidFill>
                   <a:schemeClr val="tx1">
                     <a:lumMod val="65000"/>
@@ -6095,7 +6400,7 @@
           </a:p>
           <a:p>
             <a:r>
-              <a:rPr lang="en-US" sz="2000" dirty="0">
+              <a:rPr lang="en-US" sz="1500" dirty="0">
                 <a:solidFill>
                   <a:schemeClr val="tx1">
                     <a:lumMod val="65000"/>
@@ -6106,7 +6411,7 @@
               </a:rPr>
               <a:t>And miles to go before I sleep.   </a:t>
             </a:r>
-            <a:endParaRPr lang="ru-RU" sz="2000" dirty="0" smtClean="0">
+            <a:endParaRPr lang="ru-RU" sz="1500" dirty="0">
               <a:solidFill>
                 <a:schemeClr val="tx1">
                   <a:lumMod val="65000"/>
@@ -6117,19 +6422,19 @@
             </a:endParaRPr>
           </a:p>
           <a:p>
-            <a:endParaRPr lang="ru-RU" sz="2000" b="1" dirty="0">
+            <a:endParaRPr lang="ru-RU" sz="1500" b="1" dirty="0">
               <a:latin typeface="+mj-lt"/>
             </a:endParaRPr>
           </a:p>
           <a:p>
             <a:pPr algn="r"/>
             <a:r>
-              <a:rPr lang="en-US" sz="2000" b="1" dirty="0" smtClean="0">
+              <a:rPr lang="en-US" sz="1500" b="1" dirty="0">
                 <a:latin typeface="+mj-lt"/>
               </a:rPr>
               <a:t>Robert Frost</a:t>
             </a:r>
-            <a:endParaRPr lang="en-US" sz="2000" b="1" dirty="0">
+            <a:endParaRPr lang="en-US" sz="1500" b="1" dirty="0">
               <a:latin typeface="+mj-lt"/>
             </a:endParaRPr>
           </a:p>
@@ -6192,8 +6497,8 @@
         </p:blipFill>
         <p:spPr>
           <a:xfrm>
-            <a:off x="2762011" y="1715518"/>
-            <a:ext cx="8304162" cy="4351338"/>
+            <a:off x="946150" y="2315414"/>
+            <a:ext cx="6446838" cy="3378109"/>
           </a:xfrm>
           <a:prstGeom prst="rect">
             <a:avLst/>
@@ -6213,8 +6518,8 @@
         </p:nvSpPr>
         <p:spPr>
           <a:xfrm>
-            <a:off x="1608667" y="355601"/>
-            <a:ext cx="9618133" cy="1200329"/>
+            <a:off x="1206501" y="1123951"/>
+            <a:ext cx="7213600" cy="923330"/>
           </a:xfrm>
           <a:prstGeom prst="rect">
             <a:avLst/>
@@ -6228,7 +6533,7 @@
           <a:lstStyle/>
           <a:p>
             <a:r>
-              <a:rPr lang="en-US" sz="2400" dirty="0" smtClean="0">
+              <a:rPr lang="en-US" dirty="0">
                 <a:solidFill>
                   <a:schemeClr val="tx1">
                     <a:lumMod val="65000"/>
@@ -6240,7 +6545,7 @@
               <a:t>Cats </a:t>
             </a:r>
             <a:r>
-              <a:rPr lang="en-US" sz="2400" dirty="0">
+              <a:rPr lang="en-US" dirty="0">
                 <a:solidFill>
                   <a:schemeClr val="tx1">
                     <a:lumMod val="65000"/>
@@ -6252,7 +6557,7 @@
               <a:t>are similar in anatomy to the other </a:t>
             </a:r>
             <a:r>
-              <a:rPr lang="en-US" sz="2400" dirty="0" smtClean="0">
+              <a:rPr lang="en-US" dirty="0">
                 <a:solidFill>
                   <a:schemeClr val="tx1">
                     <a:lumMod val="65000"/>
@@ -6264,7 +6569,7 @@
               <a:t>fields, with </a:t>
             </a:r>
             <a:r>
-              <a:rPr lang="en-US" sz="2400" dirty="0">
+              <a:rPr lang="en-US" dirty="0">
                 <a:solidFill>
                   <a:schemeClr val="tx1">
                     <a:lumMod val="65000"/>
@@ -6276,7 +6581,7 @@
               <a:t>a strong flexible </a:t>
             </a:r>
             <a:r>
-              <a:rPr lang="en-US" sz="2400" dirty="0" smtClean="0">
+              <a:rPr lang="en-US" dirty="0">
                 <a:solidFill>
                   <a:schemeClr val="tx1">
                     <a:lumMod val="65000"/>
@@ -6288,7 +6593,7 @@
               <a:t>body,  quick </a:t>
             </a:r>
             <a:r>
-              <a:rPr lang="en-US" sz="2400" dirty="0">
+              <a:rPr lang="en-US" dirty="0">
                 <a:solidFill>
                   <a:schemeClr val="tx1">
                     <a:lumMod val="65000"/>
@@ -6300,7 +6605,7 @@
               <a:t>reflexes, sharp retractable </a:t>
             </a:r>
             <a:r>
-              <a:rPr lang="en-US" sz="2400" dirty="0" smtClean="0">
+              <a:rPr lang="en-US" dirty="0">
                 <a:solidFill>
                   <a:schemeClr val="tx1">
                     <a:lumMod val="65000"/>
@@ -6312,7 +6617,7 @@
               <a:t>claws,</a:t>
             </a:r>
             <a:r>
-              <a:rPr lang="ru-RU" sz="2400" dirty="0" smtClean="0">
+              <a:rPr lang="ru-RU" dirty="0">
                 <a:solidFill>
                   <a:schemeClr val="tx1">
                     <a:lumMod val="65000"/>
@@ -6324,7 +6629,7 @@
               <a:t>  </a:t>
             </a:r>
             <a:r>
-              <a:rPr lang="en-US" sz="2400" dirty="0" smtClean="0">
+              <a:rPr lang="en-US" dirty="0">
                 <a:solidFill>
                   <a:schemeClr val="tx1">
                     <a:lumMod val="65000"/>
@@ -6336,7 +6641,7 @@
               <a:t>and </a:t>
             </a:r>
             <a:r>
-              <a:rPr lang="en-US" sz="2400" dirty="0">
+              <a:rPr lang="en-US" dirty="0">
                 <a:solidFill>
                   <a:schemeClr val="tx1">
                     <a:lumMod val="65000"/>
@@ -6348,7 +6653,7 @@
               <a:t>teeth adapted to killing small </a:t>
             </a:r>
             <a:r>
-              <a:rPr lang="en-US" sz="2400" dirty="0" smtClean="0">
+              <a:rPr lang="en-US" dirty="0">
                 <a:solidFill>
                   <a:schemeClr val="tx1">
                     <a:lumMod val="65000"/>
@@ -6359,7 +6664,7 @@
               </a:rPr>
               <a:t>prey</a:t>
             </a:r>
-            <a:endParaRPr lang="en-US" sz="2400" dirty="0">
+            <a:endParaRPr lang="en-US" dirty="0">
               <a:solidFill>
                 <a:schemeClr val="tx1">
                   <a:lumMod val="65000"/>
@@ -6379,8 +6684,8 @@
         </p:nvSpPr>
         <p:spPr>
           <a:xfrm>
-            <a:off x="592667" y="355601"/>
-            <a:ext cx="745066" cy="769441"/>
+            <a:off x="444500" y="1123951"/>
+            <a:ext cx="558800" cy="600164"/>
           </a:xfrm>
           <a:prstGeom prst="rect">
             <a:avLst/>
@@ -6394,14 +6699,14 @@
           <a:lstStyle/>
           <a:p>
             <a:r>
-              <a:rPr lang="ru-RU" sz="4400" b="1" dirty="0">
+              <a:rPr lang="ru-RU" sz="3300" b="1" dirty="0">
                 <a:solidFill>
                   <a:schemeClr val="accent1"/>
                 </a:solidFill>
               </a:rPr>
               <a:t>2</a:t>
             </a:r>
-            <a:endParaRPr lang="en-US" sz="4400" b="1" dirty="0">
+            <a:endParaRPr lang="en-US" sz="3300" b="1" dirty="0">
               <a:solidFill>
                 <a:schemeClr val="accent1"/>
               </a:solidFill>
@@ -6458,8 +6763,8 @@
         </p:nvSpPr>
         <p:spPr>
           <a:xfrm>
-            <a:off x="1540204" y="3454707"/>
-            <a:ext cx="5401732" cy="474133"/>
+            <a:off x="1155153" y="3448281"/>
+            <a:ext cx="4051299" cy="355600"/>
           </a:xfrm>
         </p:spPr>
         <p:txBody>
@@ -6470,7 +6775,7 @@
           <a:p>
             <a:pPr algn="r"/>
             <a:r>
-              <a:rPr lang="ru-RU" sz="2000" dirty="0" smtClean="0">
+              <a:rPr lang="ru-RU" sz="1500" dirty="0">
                 <a:solidFill>
                   <a:schemeClr val="tx1"/>
                 </a:solidFill>
@@ -6479,7 +6784,7 @@
               </a:rPr>
               <a:t>Короткие семантически насыщенные тексты</a:t>
             </a:r>
-            <a:endParaRPr lang="en-US" sz="2000" dirty="0">
+            <a:endParaRPr lang="en-US" sz="1500" dirty="0">
               <a:solidFill>
                 <a:schemeClr val="tx1"/>
               </a:solidFill>
@@ -6509,7 +6814,7 @@
         </p:blipFill>
         <p:spPr>
           <a:xfrm>
-            <a:off x="7120466" y="1753171"/>
+            <a:off x="2322303" y="1828800"/>
             <a:ext cx="3694532" cy="4351338"/>
           </a:xfrm>
           <a:prstGeom prst="rect">
@@ -6530,8 +6835,8 @@
         </p:nvSpPr>
         <p:spPr>
           <a:xfrm>
-            <a:off x="1202267" y="2252133"/>
-            <a:ext cx="5561138" cy="984885"/>
+            <a:off x="901701" y="2546350"/>
+            <a:ext cx="4221027" cy="761747"/>
           </a:xfrm>
           <a:prstGeom prst="rect">
             <a:avLst/>
@@ -6545,7 +6850,7 @@
           <a:lstStyle/>
           <a:p>
             <a:r>
-              <a:rPr lang="en-US" sz="2000" dirty="0" smtClean="0">
+              <a:rPr lang="en-US" sz="1500" dirty="0">
                 <a:solidFill>
                   <a:schemeClr val="tx1">
                     <a:lumMod val="65000"/>
@@ -6559,7 +6864,7 @@
               <a:t>A Clock is a </a:t>
             </a:r>
             <a:r>
-              <a:rPr lang="en-US" sz="2000" dirty="0" err="1" smtClean="0">
+              <a:rPr lang="en-US" sz="1500" dirty="0" err="1">
                 <a:solidFill>
                   <a:schemeClr val="tx1">
                     <a:lumMod val="65000"/>
@@ -6573,7 +6878,7 @@
               <a:t>TemporalInstrument</a:t>
             </a:r>
             <a:r>
-              <a:rPr lang="en-US" sz="2000" dirty="0" smtClean="0">
+              <a:rPr lang="en-US" sz="1500" dirty="0">
                 <a:solidFill>
                   <a:schemeClr val="tx1">
                     <a:lumMod val="65000"/>
@@ -6586,7 +6891,7 @@
               </a:rPr>
               <a:t> to generate</a:t>
             </a:r>
-            <a:endParaRPr lang="ru-RU" sz="2000" dirty="0" smtClean="0">
+            <a:endParaRPr lang="ru-RU" sz="1500" dirty="0">
               <a:solidFill>
                 <a:schemeClr val="tx1">
                   <a:lumMod val="65000"/>
@@ -6600,7 +6905,7 @@
           </a:p>
           <a:p>
             <a:r>
-              <a:rPr lang="en-US" sz="2000" dirty="0" smtClean="0">
+              <a:rPr lang="en-US" sz="1500" dirty="0">
                 <a:solidFill>
                   <a:schemeClr val="tx1">
                     <a:lumMod val="65000"/>
@@ -6614,7 +6919,7 @@
               <a:t> the instances of a </a:t>
             </a:r>
             <a:r>
-              <a:rPr lang="en-US" sz="2000" dirty="0" err="1" smtClean="0">
+              <a:rPr lang="en-US" sz="1500" dirty="0" err="1">
                 <a:solidFill>
                   <a:schemeClr val="tx1">
                     <a:lumMod val="65000"/>
@@ -6628,7 +6933,7 @@
               <a:t>TemporalMeasure</a:t>
             </a:r>
             <a:r>
-              <a:rPr lang="en-US" sz="2000" dirty="0" smtClean="0">
+              <a:rPr lang="en-US" sz="1500" dirty="0">
                 <a:solidFill>
                   <a:schemeClr val="tx1">
                     <a:lumMod val="65000"/>
@@ -6639,24 +6944,9 @@
                 <a:ea typeface="Helvetica Neue" charset="0"/>
                 <a:cs typeface="Helvetica Neue" charset="0"/>
               </a:rPr>
-              <a:t>.</a:t>
-            </a:r>
-            <a:r>
-              <a:rPr lang="en-US" sz="2000" dirty="0" smtClean="0">
-                <a:solidFill>
-                  <a:schemeClr val="tx1">
-                    <a:lumMod val="65000"/>
-                    <a:lumOff val="35000"/>
-                  </a:schemeClr>
-                </a:solidFill>
-                <a:effectLst/>
-                <a:latin typeface="+mj-lt"/>
-                <a:ea typeface="Helvetica Neue" charset="0"/>
-                <a:cs typeface="Helvetica Neue" charset="0"/>
-              </a:rPr>
-              <a:t> </a:t>
-            </a:r>
-            <a:endParaRPr lang="en-US" sz="2000" b="1" dirty="0" smtClean="0">
+              <a:t>. </a:t>
+            </a:r>
+            <a:endParaRPr lang="en-US" sz="1500" b="1" dirty="0">
               <a:solidFill>
                 <a:schemeClr val="tx1">
                   <a:lumMod val="65000"/>
@@ -6669,7 +6959,7 @@
             </a:endParaRPr>
           </a:p>
           <a:p>
-            <a:endParaRPr lang="en-US" dirty="0"/>
+            <a:endParaRPr lang="en-US" sz="1350" dirty="0"/>
           </a:p>
         </p:txBody>
       </p:sp>
@@ -6681,8 +6971,8 @@
         </p:nvSpPr>
         <p:spPr>
           <a:xfrm>
-            <a:off x="660401" y="643186"/>
-            <a:ext cx="541866" cy="769441"/>
+            <a:off x="495301" y="1339640"/>
+            <a:ext cx="406400" cy="600164"/>
           </a:xfrm>
           <a:prstGeom prst="rect">
             <a:avLst/>
@@ -6696,14 +6986,14 @@
           <a:lstStyle/>
           <a:p>
             <a:r>
-              <a:rPr lang="ru-RU" sz="4400" b="1" dirty="0" smtClean="0">
+              <a:rPr lang="ru-RU" sz="3300" b="1" dirty="0">
                 <a:solidFill>
                   <a:schemeClr val="accent1"/>
                 </a:solidFill>
               </a:rPr>
               <a:t>3</a:t>
             </a:r>
-            <a:endParaRPr lang="en-US" sz="4400" b="1" dirty="0">
+            <a:endParaRPr lang="en-US" sz="3300" b="1" dirty="0">
               <a:solidFill>
                 <a:schemeClr val="accent1"/>
               </a:solidFill>
@@ -6760,13 +7050,13 @@
         </p:nvSpPr>
         <p:spPr>
           <a:xfrm>
-            <a:off x="838200" y="389466"/>
-            <a:ext cx="10259291" cy="6112933"/>
+            <a:off x="628651" y="1149350"/>
+            <a:ext cx="7694468" cy="4584700"/>
           </a:xfrm>
         </p:spPr>
         <p:txBody>
           <a:bodyPr>
-            <a:normAutofit/>
+            <a:normAutofit fontScale="85000" lnSpcReduction="20000"/>
           </a:bodyPr>
           <a:lstStyle/>
           <a:p>
@@ -6777,7 +7067,7 @@
               <a:buNone/>
             </a:pPr>
             <a:r>
-              <a:rPr lang="ru-RU" sz="4800" b="1" dirty="0" smtClean="0">
+              <a:rPr lang="ru-RU" sz="3600" b="1" dirty="0">
                 <a:solidFill>
                   <a:schemeClr val="accent1"/>
                 </a:solidFill>
@@ -6925,8 +7215,8 @@
         </p:blipFill>
         <p:spPr>
           <a:xfrm>
-            <a:off x="2777067" y="1215998"/>
-            <a:ext cx="8189993" cy="5231898"/>
+            <a:off x="946150" y="2177865"/>
+            <a:ext cx="6446838" cy="3653208"/>
           </a:xfrm>
           <a:prstGeom prst="rect">
             <a:avLst/>
@@ -6946,8 +7236,8 @@
         </p:nvSpPr>
         <p:spPr>
           <a:xfrm>
-            <a:off x="744228" y="541865"/>
-            <a:ext cx="9077106" cy="369332"/>
+            <a:off x="558171" y="1263649"/>
+            <a:ext cx="6807830" cy="300082"/>
           </a:xfrm>
           <a:prstGeom prst="rect">
             <a:avLst/>
@@ -6961,10 +7251,10 @@
           <a:lstStyle/>
           <a:p>
             <a:r>
-              <a:rPr lang="ru-RU" b="1" dirty="0" smtClean="0"/>
+              <a:rPr lang="ru-RU" sz="1350" b="1" dirty="0"/>
               <a:t>Текст с орфографическими и синтаксическими ошибками</a:t>
             </a:r>
-            <a:endParaRPr lang="en-US" b="1" dirty="0"/>
+            <a:endParaRPr lang="en-US" sz="1350" b="1" dirty="0"/>
           </a:p>
         </p:txBody>
       </p:sp>
@@ -7017,22 +7307,146 @@
         </p:nvSpPr>
         <p:spPr>
           <a:xfrm>
-            <a:off x="838200" y="365125"/>
-            <a:ext cx="10185400" cy="2361142"/>
+            <a:off x="628650" y="3478841"/>
+            <a:ext cx="7639050" cy="2492468"/>
           </a:xfrm>
         </p:spPr>
         <p:txBody>
           <a:bodyPr>
-            <a:normAutofit/>
+            <a:noAutofit/>
           </a:bodyPr>
           <a:lstStyle/>
           <a:p>
-            <a:r>
-              <a:rPr lang="ru-RU" sz="3200" b="1" dirty="0" smtClean="0"/>
-              <a:t>Цель работы </a:t>
-            </a:r>
-            <a:r>
-              <a:rPr lang="ru-RU" sz="2800" b="0" dirty="0" smtClean="0">
+            <a:pPr marL="457200" indent="-457200">
+              <a:buFont typeface="+mj-lt"/>
+              <a:buAutoNum type="arabicPeriod"/>
+            </a:pPr>
+            <a:r>
+              <a:rPr lang="ru-RU" sz="2000" b="0" dirty="0" err="1" smtClean="0">
+                <a:solidFill>
+                  <a:schemeClr val="tx1"/>
+                </a:solidFill>
+              </a:rPr>
+              <a:t>разработа</a:t>
+            </a:r>
+            <a:r>
+              <a:rPr lang="uk-UA" sz="2000" b="0" dirty="0" err="1" smtClean="0">
+                <a:solidFill>
+                  <a:schemeClr val="tx1"/>
+                </a:solidFill>
+              </a:rPr>
+              <a:t>ть</a:t>
+            </a:r>
+            <a:r>
+              <a:rPr lang="ru-RU" sz="2000" b="0" dirty="0" smtClean="0">
+                <a:solidFill>
+                  <a:schemeClr val="tx1"/>
+                </a:solidFill>
+              </a:rPr>
+              <a:t> правила эвристики </a:t>
+            </a:r>
+            <a:br>
+              <a:rPr lang="ru-RU" sz="2000" b="0" dirty="0" smtClean="0">
+                <a:solidFill>
+                  <a:schemeClr val="tx1"/>
+                </a:solidFill>
+              </a:rPr>
+            </a:br>
+            <a:r>
+              <a:rPr lang="ru-RU" sz="2000" b="0" dirty="0" err="1" smtClean="0">
+                <a:solidFill>
+                  <a:schemeClr val="tx1"/>
+                </a:solidFill>
+              </a:rPr>
+              <a:t>разработа</a:t>
+            </a:r>
+            <a:r>
+              <a:rPr lang="uk-UA" sz="2000" b="0" dirty="0" err="1">
+                <a:solidFill>
+                  <a:schemeClr val="tx1"/>
+                </a:solidFill>
+              </a:rPr>
+              <a:t>ть</a:t>
+            </a:r>
+            <a:r>
+              <a:rPr lang="ru-RU" sz="2000" b="0" dirty="0" smtClean="0">
+                <a:solidFill>
+                  <a:schemeClr val="tx1"/>
+                </a:solidFill>
+              </a:rPr>
+              <a:t> алгоритмы </a:t>
+            </a:r>
+            <a:r>
+              <a:rPr lang="ru-RU" sz="2000" b="0" dirty="0">
+                <a:solidFill>
+                  <a:schemeClr val="tx1"/>
+                </a:solidFill>
+              </a:rPr>
+              <a:t>конвертации текста </a:t>
+            </a:r>
+            <a:r>
+              <a:rPr lang="ru-RU" sz="2000" b="0" dirty="0" smtClean="0">
+                <a:solidFill>
+                  <a:schemeClr val="tx1"/>
+                </a:solidFill>
+              </a:rPr>
+              <a:t>в структурированный вид на языке моделирования </a:t>
+            </a:r>
+            <a:r>
+              <a:rPr lang="ru-RU" sz="2000" b="0">
+                <a:solidFill>
+                  <a:schemeClr val="tx1"/>
+                </a:solidFill>
+              </a:rPr>
+              <a:t>UML </a:t>
+            </a:r>
+            <a:r>
+              <a:rPr lang="ru-RU" sz="2000" b="0" smtClean="0">
+                <a:solidFill>
+                  <a:schemeClr val="tx1"/>
+                </a:solidFill>
+              </a:rPr>
+              <a:t/>
+            </a:r>
+            <a:br>
+              <a:rPr lang="ru-RU" sz="2000" b="0" smtClean="0">
+                <a:solidFill>
+                  <a:schemeClr val="tx1"/>
+                </a:solidFill>
+              </a:rPr>
+            </a:br>
+            <a:r>
+              <a:rPr lang="ru-RU" sz="2000" b="0" smtClean="0">
+                <a:solidFill>
+                  <a:schemeClr val="tx1"/>
+                </a:solidFill>
+              </a:rPr>
+              <a:t/>
+            </a:r>
+            <a:br>
+              <a:rPr lang="ru-RU" sz="2000" b="0" smtClean="0">
+                <a:solidFill>
+                  <a:schemeClr val="tx1"/>
+                </a:solidFill>
+              </a:rPr>
+            </a:br>
+            <a:r>
+              <a:rPr lang="ru-RU" sz="2000" b="0" smtClean="0">
+                <a:solidFill>
+                  <a:schemeClr val="tx1"/>
+                </a:solidFill>
+              </a:rPr>
+              <a:t/>
+            </a:r>
+            <a:br>
+              <a:rPr lang="ru-RU" sz="2000" b="0" smtClean="0">
+                <a:solidFill>
+                  <a:schemeClr val="tx1"/>
+                </a:solidFill>
+              </a:rPr>
+            </a:br>
+            <a:r>
+              <a:rPr lang="ru-RU" sz="2000" dirty="0" smtClean="0">
                 <a:solidFill>
                   <a:schemeClr val="tx1">
                     <a:lumMod val="65000"/>
@@ -7040,9 +7454,19 @@
                   </a:schemeClr>
                 </a:solidFill>
               </a:rPr>
-              <a:t>- разработка правил конвертации текста на естественном языке в формат для обмена данными UML. Создание программного продукта для автоматизированной конвертации текста с последующим сохранением в формате XMI.</a:t>
-            </a:r>
-            <a:endParaRPr lang="en-US" sz="2800" b="0" dirty="0">
+              <a:t/>
+            </a:r>
+            <a:br>
+              <a:rPr lang="ru-RU" sz="2000" dirty="0" smtClean="0">
+                <a:solidFill>
+                  <a:schemeClr val="tx1">
+                    <a:lumMod val="65000"/>
+                    <a:lumOff val="35000"/>
+                  </a:schemeClr>
+                </a:solidFill>
+              </a:rPr>
+            </a:br>
+            <a:endParaRPr lang="en-US" sz="2000" b="0" dirty="0">
               <a:solidFill>
                 <a:schemeClr val="tx1">
                   <a:lumMod val="65000"/>
@@ -7055,70 +7479,122 @@
       </p:sp>
       <p:sp>
         <p:nvSpPr>
-          <p:cNvPr id="4" name="Title 1"/>
-          <p:cNvSpPr txBox="1">
-            <a:spLocks/>
-          </p:cNvSpPr>
+          <p:cNvPr id="3" name="TextBox 2"/>
+          <p:cNvSpPr txBox="1"/>
           <p:nvPr/>
         </p:nvSpPr>
         <p:spPr>
           <a:xfrm>
-            <a:off x="838200" y="2912533"/>
-            <a:ext cx="10185400" cy="3268134"/>
+            <a:off x="628650" y="429138"/>
+            <a:ext cx="7639049" cy="523220"/>
           </a:xfrm>
           <a:prstGeom prst="rect">
             <a:avLst/>
           </a:prstGeom>
+          <a:noFill/>
         </p:spPr>
         <p:txBody>
-          <a:bodyPr vert="horz" lIns="91440" tIns="45720" rIns="91440" bIns="45720" rtlCol="0" anchor="ctr">
-            <a:normAutofit/>
+          <a:bodyPr wrap="square" rtlCol="0">
+            <a:spAutoFit/>
           </a:bodyPr>
-          <a:lstStyle>
-            <a:lvl1pPr algn="l" defTabSz="914400" rtl="0" eaLnBrk="1" latinLnBrk="0" hangingPunct="1">
-              <a:lnSpc>
-                <a:spcPct val="90000"/>
-              </a:lnSpc>
-              <a:spcBef>
-                <a:spcPct val="0"/>
-              </a:spcBef>
-              <a:buNone/>
-              <a:defRPr sz="4400" kern="1200">
-                <a:solidFill>
-                  <a:schemeClr val="tx1"/>
-                </a:solidFill>
-                <a:latin typeface="+mj-lt"/>
-                <a:ea typeface="+mj-ea"/>
-                <a:cs typeface="+mj-cs"/>
-              </a:defRPr>
-            </a:lvl1pPr>
-          </a:lstStyle>
-          <a:p>
-            <a:r>
-              <a:rPr lang="ru-RU" sz="3200" b="1" dirty="0" smtClean="0">
+          <a:lstStyle/>
+          <a:p>
+            <a:r>
+              <a:rPr lang="ru-RU" sz="2800" b="1" dirty="0">
                 <a:solidFill>
                   <a:schemeClr val="accent1"/>
                 </a:solidFill>
               </a:rPr>
-              <a:t>Практическое значение </a:t>
-            </a:r>
-            <a:r>
-              <a:rPr lang="ru-RU" sz="2800" dirty="0" smtClean="0">
+              <a:t>Цель работы</a:t>
+            </a:r>
+            <a:r>
+              <a:rPr lang="ru-RU" sz="2800" b="1" dirty="0" smtClean="0">
                 <a:solidFill>
-                  <a:schemeClr val="tx1">
-                    <a:lumMod val="65000"/>
-                    <a:lumOff val="35000"/>
-                  </a:schemeClr>
+                  <a:schemeClr val="accent1"/>
                 </a:solidFill>
               </a:rPr>
-              <a:t>этой квалификационной работе составляет получение и использование UML диаграмм для проведения дальнейшего их анализа и редактирования, с целью конвертации в OWL формат (язык онтологий).</a:t>
+              <a:t>:</a:t>
             </a:r>
             <a:endParaRPr lang="en-US" sz="2800" dirty="0">
               <a:solidFill>
-                <a:schemeClr val="tx1">
-                  <a:lumMod val="65000"/>
-                  <a:lumOff val="35000"/>
-                </a:schemeClr>
+                <a:schemeClr val="accent1"/>
+              </a:solidFill>
+            </a:endParaRPr>
+          </a:p>
+        </p:txBody>
+      </p:sp>
+      <p:sp>
+        <p:nvSpPr>
+          <p:cNvPr id="5" name="TextBox 4"/>
+          <p:cNvSpPr txBox="1"/>
+          <p:nvPr/>
+        </p:nvSpPr>
+        <p:spPr>
+          <a:xfrm>
+            <a:off x="628649" y="1383245"/>
+            <a:ext cx="7639049" cy="923330"/>
+          </a:xfrm>
+          <a:prstGeom prst="rect">
+            <a:avLst/>
+          </a:prstGeom>
+          <a:noFill/>
+        </p:spPr>
+        <p:txBody>
+          <a:bodyPr wrap="square" rtlCol="0">
+            <a:spAutoFit/>
+          </a:bodyPr>
+          <a:lstStyle/>
+          <a:p>
+            <a:pPr algn="just"/>
+            <a:r>
+              <a:rPr lang="ru-RU" dirty="0" smtClean="0"/>
+              <a:t>Разработка </a:t>
+            </a:r>
+            <a:r>
+              <a:rPr lang="ru-RU" dirty="0"/>
+              <a:t>алгоритмического и программного обеспечения для получения структурированных представлений знаний из коротких семантически насыщенных текстов на естественном (английском) </a:t>
+            </a:r>
+            <a:r>
+              <a:rPr lang="ru-RU" dirty="0" smtClean="0"/>
+              <a:t>языке.</a:t>
+            </a:r>
+            <a:endParaRPr lang="en-US" dirty="0"/>
+          </a:p>
+        </p:txBody>
+      </p:sp>
+      <p:sp>
+        <p:nvSpPr>
+          <p:cNvPr id="6" name="TextBox 5"/>
+          <p:cNvSpPr txBox="1"/>
+          <p:nvPr/>
+        </p:nvSpPr>
+        <p:spPr>
+          <a:xfrm>
+            <a:off x="628648" y="2955621"/>
+            <a:ext cx="7639049" cy="523220"/>
+          </a:xfrm>
+          <a:prstGeom prst="rect">
+            <a:avLst/>
+          </a:prstGeom>
+          <a:noFill/>
+        </p:spPr>
+        <p:txBody>
+          <a:bodyPr wrap="square" rtlCol="0">
+            <a:spAutoFit/>
+          </a:bodyPr>
+          <a:lstStyle/>
+          <a:p>
+            <a:r>
+              <a:rPr lang="ru-RU" sz="2800" b="1" dirty="0" smtClean="0">
+                <a:solidFill>
+                  <a:schemeClr val="accent1"/>
+                </a:solidFill>
+              </a:rPr>
+              <a:t>Задачи:</a:t>
+            </a:r>
+            <a:endParaRPr lang="en-US" sz="2800" dirty="0">
+              <a:solidFill>
+                <a:schemeClr val="accent1"/>
               </a:solidFill>
             </a:endParaRPr>
           </a:p>
@@ -7173,12 +7649,14 @@
         </p:nvSpPr>
         <p:spPr>
           <a:xfrm>
-            <a:off x="1261872" y="262393"/>
-            <a:ext cx="9692640" cy="1303171"/>
+            <a:off x="946404" y="1054045"/>
+            <a:ext cx="7269480" cy="977378"/>
           </a:xfrm>
         </p:spPr>
         <p:txBody>
-          <a:bodyPr/>
+          <a:bodyPr>
+            <a:normAutofit fontScale="90000"/>
+          </a:bodyPr>
           <a:lstStyle/>
           <a:p>
             <a:r>
@@ -7208,13 +7686,13 @@
         </p:nvSpPr>
         <p:spPr>
           <a:xfrm>
-            <a:off x="1261872" y="1842655"/>
-            <a:ext cx="9198310" cy="3366654"/>
+            <a:off x="946404" y="2239241"/>
+            <a:ext cx="6898733" cy="2524991"/>
           </a:xfrm>
         </p:spPr>
         <p:txBody>
           <a:bodyPr>
-            <a:normAutofit/>
+            <a:normAutofit fontScale="92500" lnSpcReduction="10000"/>
           </a:bodyPr>
           <a:lstStyle/>
           <a:p>
@@ -7351,8 +7829,8 @@
         </p:nvSpPr>
         <p:spPr>
           <a:xfrm>
-            <a:off x="1261872" y="262393"/>
-            <a:ext cx="9692640" cy="1081497"/>
+            <a:off x="946404" y="1054045"/>
+            <a:ext cx="7269480" cy="811123"/>
           </a:xfrm>
         </p:spPr>
         <p:txBody>
@@ -7381,13 +7859,13 @@
         </p:nvSpPr>
         <p:spPr>
           <a:xfrm>
-            <a:off x="1261871" y="1690254"/>
-            <a:ext cx="9239873" cy="4793673"/>
+            <a:off x="946404" y="2124941"/>
+            <a:ext cx="6929905" cy="3595255"/>
           </a:xfrm>
         </p:spPr>
         <p:txBody>
           <a:bodyPr>
-            <a:normAutofit fontScale="92500" lnSpcReduction="20000"/>
+            <a:normAutofit fontScale="62500" lnSpcReduction="20000"/>
           </a:bodyPr>
           <a:lstStyle/>
           <a:p>
@@ -7548,12 +8026,14 @@
         </p:nvSpPr>
         <p:spPr>
           <a:xfrm>
-            <a:off x="863600" y="294198"/>
-            <a:ext cx="10090912" cy="721802"/>
+            <a:off x="647700" y="1077898"/>
+            <a:ext cx="7568184" cy="541352"/>
           </a:xfrm>
         </p:spPr>
         <p:txBody>
-          <a:bodyPr/>
+          <a:bodyPr>
+            <a:normAutofit fontScale="90000"/>
+          </a:bodyPr>
           <a:lstStyle/>
           <a:p>
             <a:r>
@@ -7576,13 +8056,13 @@
         </p:nvSpPr>
         <p:spPr>
           <a:xfrm>
-            <a:off x="863599" y="1016000"/>
-            <a:ext cx="10227733" cy="5164137"/>
+            <a:off x="647700" y="1619250"/>
+            <a:ext cx="7670800" cy="3873103"/>
           </a:xfrm>
         </p:spPr>
         <p:txBody>
           <a:bodyPr>
-            <a:normAutofit lnSpcReduction="10000"/>
+            <a:normAutofit fontScale="92500"/>
           </a:bodyPr>
           <a:lstStyle/>
           <a:p>
@@ -7594,178 +8074,178 @@
               <a:t>	</a:t>
             </a:r>
             <a:r>
-              <a:rPr lang="ru-RU" sz="2800" dirty="0" smtClean="0"/>
+              <a:rPr lang="ru-RU" sz="2100" dirty="0"/>
               <a:t/>
             </a:r>
             <a:br>
-              <a:rPr lang="ru-RU" sz="2800" dirty="0" smtClean="0"/>
+              <a:rPr lang="ru-RU" sz="2100" dirty="0"/>
             </a:br>
             <a:r>
-              <a:rPr lang="ru-RU" sz="2800" dirty="0" smtClean="0"/>
+              <a:rPr lang="ru-RU" sz="2100" dirty="0"/>
               <a:t>	П</a:t>
             </a:r>
             <a:r>
-              <a:rPr lang="en-US" sz="2800" dirty="0" err="1" smtClean="0"/>
+              <a:rPr lang="en-US" sz="2100" dirty="0" err="1"/>
               <a:t>рограмма</a:t>
             </a:r>
             <a:r>
-              <a:rPr lang="en-US" sz="2800" dirty="0" smtClean="0"/>
-              <a:t> </a:t>
-            </a:r>
-            <a:r>
-              <a:rPr lang="en-US" sz="2800" dirty="0" err="1" smtClean="0"/>
+              <a:rPr lang="en-US" sz="2100" dirty="0"/>
+              <a:t> </a:t>
+            </a:r>
+            <a:r>
+              <a:rPr lang="en-US" sz="2100" dirty="0" err="1"/>
               <a:t>парсер</a:t>
             </a:r>
             <a:r>
-              <a:rPr lang="en-US" sz="2800" dirty="0" smtClean="0"/>
-              <a:t> </a:t>
-            </a:r>
-            <a:r>
-              <a:rPr lang="en-US" sz="2800" dirty="0" err="1" smtClean="0"/>
+              <a:rPr lang="en-US" sz="2100" dirty="0"/>
+              <a:t> </a:t>
+            </a:r>
+            <a:r>
+              <a:rPr lang="en-US" sz="2100" dirty="0" err="1"/>
               <a:t>выполняет</a:t>
             </a:r>
             <a:r>
-              <a:rPr lang="en-US" sz="2800" dirty="0" smtClean="0"/>
-              <a:t> </a:t>
-            </a:r>
-            <a:r>
-              <a:rPr lang="en-US" sz="2800" dirty="0" err="1" smtClean="0"/>
+              <a:rPr lang="en-US" sz="2100" dirty="0"/>
+              <a:t> </a:t>
+            </a:r>
+            <a:r>
+              <a:rPr lang="en-US" sz="2100" dirty="0" err="1"/>
               <a:t>базовые</a:t>
             </a:r>
             <a:r>
-              <a:rPr lang="en-US" sz="2800" dirty="0" smtClean="0"/>
-              <a:t> </a:t>
-            </a:r>
-            <a:r>
-              <a:rPr lang="en-US" sz="2800" dirty="0" err="1" smtClean="0"/>
+              <a:rPr lang="en-US" sz="2100" dirty="0"/>
+              <a:t> </a:t>
+            </a:r>
+            <a:r>
+              <a:rPr lang="en-US" sz="2100" dirty="0" err="1"/>
               <a:t>функции</a:t>
             </a:r>
             <a:r>
-              <a:rPr lang="en-US" sz="2800" dirty="0" smtClean="0"/>
-              <a:t> </a:t>
-            </a:r>
-            <a:r>
-              <a:rPr lang="en-US" sz="2800" dirty="0" err="1" smtClean="0"/>
+              <a:rPr lang="en-US" sz="2100" dirty="0"/>
+              <a:t> </a:t>
+            </a:r>
+            <a:r>
+              <a:rPr lang="en-US" sz="2100" dirty="0" err="1"/>
               <a:t>конвертации</a:t>
             </a:r>
             <a:r>
-              <a:rPr lang="en-US" sz="2800" dirty="0" smtClean="0"/>
-              <a:t> </a:t>
-            </a:r>
-            <a:r>
-              <a:rPr lang="en-US" sz="2800" dirty="0" err="1" smtClean="0"/>
+              <a:rPr lang="en-US" sz="2100" dirty="0"/>
+              <a:t> </a:t>
+            </a:r>
+            <a:r>
+              <a:rPr lang="en-US" sz="2100" dirty="0" err="1"/>
               <a:t>текста</a:t>
             </a:r>
             <a:r>
-              <a:rPr lang="en-US" sz="2800" dirty="0" smtClean="0"/>
-              <a:t> </a:t>
-            </a:r>
-            <a:r>
-              <a:rPr lang="en-US" sz="2800" dirty="0" err="1" smtClean="0"/>
+              <a:rPr lang="en-US" sz="2100" dirty="0"/>
+              <a:t> </a:t>
+            </a:r>
+            <a:r>
+              <a:rPr lang="en-US" sz="2100" dirty="0" err="1"/>
               <a:t>на</a:t>
             </a:r>
             <a:r>
-              <a:rPr lang="en-US" sz="2800" dirty="0" smtClean="0"/>
-              <a:t> </a:t>
-            </a:r>
-            <a:r>
-              <a:rPr lang="en-US" sz="2800" dirty="0" err="1" smtClean="0"/>
+              <a:rPr lang="en-US" sz="2100" dirty="0"/>
+              <a:t> </a:t>
+            </a:r>
+            <a:r>
+              <a:rPr lang="en-US" sz="2100" dirty="0" err="1"/>
               <a:t>естественном</a:t>
             </a:r>
             <a:r>
-              <a:rPr lang="en-US" sz="2800" dirty="0" smtClean="0"/>
-              <a:t> </a:t>
-            </a:r>
-            <a:r>
-              <a:rPr lang="en-US" sz="2800" dirty="0" err="1" smtClean="0"/>
+              <a:rPr lang="en-US" sz="2100" dirty="0"/>
+              <a:t> </a:t>
+            </a:r>
+            <a:r>
+              <a:rPr lang="en-US" sz="2100" dirty="0" err="1"/>
               <a:t>языке</a:t>
             </a:r>
             <a:r>
-              <a:rPr lang="en-US" sz="2800" dirty="0" smtClean="0"/>
-              <a:t> </a:t>
-            </a:r>
-            <a:r>
-              <a:rPr lang="en-US" sz="2800" dirty="0" err="1" smtClean="0"/>
+              <a:rPr lang="en-US" sz="2100" dirty="0"/>
+              <a:t> </a:t>
+            </a:r>
+            <a:r>
+              <a:rPr lang="en-US" sz="2100" dirty="0" err="1"/>
               <a:t>в</a:t>
             </a:r>
             <a:r>
-              <a:rPr lang="en-US" sz="2800" dirty="0" smtClean="0"/>
+              <a:rPr lang="en-US" sz="2100" dirty="0"/>
               <a:t> UML </a:t>
             </a:r>
             <a:r>
-              <a:rPr lang="en-US" sz="2800" dirty="0" err="1" smtClean="0"/>
+              <a:rPr lang="en-US" sz="2100" dirty="0" err="1"/>
               <a:t>диаграммы</a:t>
             </a:r>
             <a:r>
-              <a:rPr lang="en-US" sz="2800" dirty="0" smtClean="0"/>
-              <a:t> </a:t>
-            </a:r>
-            <a:r>
-              <a:rPr lang="en-US" sz="2800" dirty="0" err="1" smtClean="0"/>
+              <a:rPr lang="en-US" sz="2100" dirty="0"/>
+              <a:t> </a:t>
+            </a:r>
+            <a:r>
+              <a:rPr lang="en-US" sz="2100" dirty="0" err="1"/>
               <a:t>согласно</a:t>
             </a:r>
             <a:r>
-              <a:rPr lang="en-US" sz="2800" dirty="0" smtClean="0"/>
-              <a:t> </a:t>
-            </a:r>
-            <a:r>
-              <a:rPr lang="ru-RU" sz="2800" dirty="0" smtClean="0"/>
+              <a:rPr lang="en-US" sz="2100" dirty="0"/>
+              <a:t> </a:t>
+            </a:r>
+            <a:r>
+              <a:rPr lang="ru-RU" sz="2100" dirty="0"/>
               <a:t>разработанным </a:t>
             </a:r>
             <a:r>
-              <a:rPr lang="en-US" sz="2800" dirty="0" err="1" smtClean="0"/>
+              <a:rPr lang="en-US" sz="2100" dirty="0" err="1"/>
               <a:t>правилам</a:t>
             </a:r>
             <a:r>
-              <a:rPr lang="ru-RU" sz="2800" dirty="0" smtClean="0"/>
+              <a:rPr lang="ru-RU" sz="2100" dirty="0"/>
               <a:t>, однако </a:t>
             </a:r>
             <a:r>
-              <a:rPr lang="en-US" sz="2800" dirty="0" err="1" smtClean="0"/>
+              <a:rPr lang="en-US" sz="2100" dirty="0" err="1"/>
               <a:t>успешность</a:t>
             </a:r>
             <a:r>
-              <a:rPr lang="en-US" sz="2800" dirty="0" smtClean="0"/>
-              <a:t> </a:t>
-            </a:r>
-            <a:r>
-              <a:rPr lang="en-US" sz="2800" dirty="0" err="1" smtClean="0"/>
+              <a:rPr lang="en-US" sz="2100" dirty="0"/>
+              <a:t> </a:t>
+            </a:r>
+            <a:r>
+              <a:rPr lang="en-US" sz="2100" dirty="0" err="1"/>
               <a:t>конвертации</a:t>
             </a:r>
             <a:r>
-              <a:rPr lang="en-US" sz="2800" dirty="0" smtClean="0"/>
-              <a:t> </a:t>
-            </a:r>
-            <a:r>
-              <a:rPr lang="en-US" sz="2800" dirty="0" err="1" smtClean="0"/>
+              <a:rPr lang="en-US" sz="2100" dirty="0"/>
+              <a:t> </a:t>
+            </a:r>
+            <a:r>
+              <a:rPr lang="en-US" sz="2100" dirty="0" err="1"/>
               <a:t>зависит</a:t>
             </a:r>
             <a:r>
-              <a:rPr lang="en-US" sz="2800" dirty="0" smtClean="0"/>
-              <a:t> </a:t>
-            </a:r>
-            <a:r>
-              <a:rPr lang="en-US" sz="2800" dirty="0" err="1" smtClean="0"/>
+              <a:rPr lang="en-US" sz="2100" dirty="0"/>
+              <a:t> </a:t>
+            </a:r>
+            <a:r>
+              <a:rPr lang="en-US" sz="2100" dirty="0" err="1"/>
               <a:t>от</a:t>
             </a:r>
             <a:r>
-              <a:rPr lang="en-US" sz="2800" dirty="0" smtClean="0"/>
-              <a:t> </a:t>
-            </a:r>
-            <a:r>
-              <a:rPr lang="en-US" sz="2800" dirty="0" err="1" smtClean="0"/>
+              <a:rPr lang="en-US" sz="2100" dirty="0"/>
+              <a:t> </a:t>
+            </a:r>
+            <a:r>
+              <a:rPr lang="en-US" sz="2100" dirty="0" err="1"/>
               <a:t>многих</a:t>
             </a:r>
             <a:r>
-              <a:rPr lang="en-US" sz="2800" dirty="0" smtClean="0"/>
-              <a:t> </a:t>
-            </a:r>
-            <a:r>
-              <a:rPr lang="en-US" sz="2800" dirty="0" err="1" smtClean="0"/>
+              <a:rPr lang="en-US" sz="2100" dirty="0"/>
+              <a:t> </a:t>
+            </a:r>
+            <a:r>
+              <a:rPr lang="en-US" sz="2100" dirty="0" err="1"/>
               <a:t>факторов</a:t>
             </a:r>
             <a:r>
-              <a:rPr lang="ru-RU" sz="2800" dirty="0" smtClean="0"/>
+              <a:rPr lang="ru-RU" sz="2100" dirty="0"/>
               <a:t>: </a:t>
             </a:r>
           </a:p>
@@ -7773,7 +8253,7 @@
             <a:pPr marL="0" indent="0" algn="just">
               <a:buNone/>
             </a:pPr>
-            <a:endParaRPr lang="ru-RU" sz="2800" dirty="0" smtClean="0"/>
+            <a:endParaRPr lang="ru-RU" sz="2100" dirty="0"/>
           </a:p>
           <a:p>
             <a:pPr>
@@ -7781,7 +8261,7 @@
               <a:buChar char="-"/>
             </a:pPr>
             <a:r>
-              <a:rPr lang="ru-RU" sz="2800" dirty="0" smtClean="0"/>
+              <a:rPr lang="ru-RU" sz="2100" dirty="0"/>
               <a:t>объем текста;</a:t>
             </a:r>
           </a:p>
@@ -7791,7 +8271,7 @@
               <a:buChar char="-"/>
             </a:pPr>
             <a:r>
-              <a:rPr lang="ru-RU" sz="2800" dirty="0" smtClean="0"/>
+              <a:rPr lang="ru-RU" sz="2100" dirty="0"/>
               <a:t>его корректность с точки зрения орфографии и семантики; </a:t>
             </a:r>
           </a:p>
@@ -7801,29 +8281,29 @@
               <a:buChar char="-"/>
             </a:pPr>
             <a:r>
-              <a:rPr lang="ru-RU" sz="2800" dirty="0" smtClean="0"/>
+              <a:rPr lang="ru-RU" sz="2100" dirty="0"/>
               <a:t>результаты </a:t>
             </a:r>
             <a:r>
-              <a:rPr lang="ru-RU" sz="2800" dirty="0" err="1" smtClean="0"/>
+              <a:rPr lang="ru-RU" sz="2100" dirty="0" err="1"/>
               <a:t>парсинга</a:t>
             </a:r>
             <a:r>
-              <a:rPr lang="ru-RU" sz="2800" dirty="0" smtClean="0"/>
-              <a:t> </a:t>
-            </a:r>
-            <a:r>
-              <a:rPr lang="en-US" sz="2800" dirty="0" smtClean="0"/>
+              <a:rPr lang="ru-RU" sz="2100" dirty="0"/>
+              <a:t> </a:t>
+            </a:r>
+            <a:r>
+              <a:rPr lang="en-US" sz="2100" dirty="0"/>
               <a:t>Stanford Core NLP;</a:t>
             </a:r>
-            <a:endParaRPr lang="ru-RU" sz="2800" dirty="0"/>
+            <a:endParaRPr lang="ru-RU" sz="2100" dirty="0"/>
           </a:p>
           <a:p>
             <a:pPr marL="0" indent="0">
               <a:buNone/>
             </a:pPr>
             <a:r>
-              <a:rPr lang="ru-RU" sz="2800" dirty="0" smtClean="0">
+              <a:rPr lang="ru-RU" sz="2100" dirty="0">
                 <a:solidFill>
                   <a:schemeClr val="accent1"/>
                 </a:solidFill>
@@ -7831,10 +8311,10 @@
               <a:t>-</a:t>
             </a:r>
             <a:r>
-              <a:rPr lang="ru-RU" sz="2800" dirty="0" smtClean="0"/>
+              <a:rPr lang="ru-RU" sz="2100" dirty="0"/>
               <a:t> корректность правил конвертации.</a:t>
             </a:r>
-            <a:endParaRPr lang="en-US" sz="2800" dirty="0" smtClean="0"/>
+            <a:endParaRPr lang="en-US" sz="2100" dirty="0"/>
           </a:p>
         </p:txBody>
       </p:sp>
@@ -7887,8 +8367,8 @@
         </p:nvSpPr>
         <p:spPr>
           <a:xfrm>
-            <a:off x="613450" y="365126"/>
-            <a:ext cx="10276223" cy="1228148"/>
+            <a:off x="460088" y="1131095"/>
+            <a:ext cx="7707167" cy="921111"/>
           </a:xfrm>
         </p:spPr>
         <p:txBody>
@@ -7898,7 +8378,7 @@
           <a:lstStyle/>
           <a:p>
             <a:r>
-              <a:rPr lang="ru-RU" sz="3200" b="1" dirty="0" smtClean="0">
+              <a:rPr lang="ru-RU" sz="2400" dirty="0">
                 <a:latin typeface="Helvetica Neue" charset="0"/>
                 <a:ea typeface="Helvetica Neue" charset="0"/>
                 <a:cs typeface="Helvetica Neue" charset="0"/>
@@ -7906,7 +8386,7 @@
               <a:t>1</a:t>
             </a:r>
             <a:r>
-              <a:rPr lang="en-US" sz="3200" b="1" dirty="0" smtClean="0">
+              <a:rPr lang="en-US" sz="2400" dirty="0">
                 <a:latin typeface="Helvetica Neue" charset="0"/>
                 <a:ea typeface="Helvetica Neue" charset="0"/>
                 <a:cs typeface="Helvetica Neue" charset="0"/>
@@ -7914,14 +8394,14 @@
               <a:t>.</a:t>
             </a:r>
             <a:r>
-              <a:rPr lang="ru-RU" sz="3200" b="1" dirty="0" smtClean="0">
+              <a:rPr lang="ru-RU" sz="2400" dirty="0">
                 <a:latin typeface="Helvetica Neue" charset="0"/>
                 <a:ea typeface="Helvetica Neue" charset="0"/>
                 <a:cs typeface="Helvetica Neue" charset="0"/>
               </a:rPr>
               <a:t> Обзор обработки естественного языка средствами программного обеспечения.</a:t>
             </a:r>
-            <a:endParaRPr lang="en-US" sz="3200" b="1" dirty="0">
+            <a:endParaRPr lang="en-US" sz="2400" dirty="0">
               <a:latin typeface="Helvetica Neue" charset="0"/>
               <a:ea typeface="Helvetica Neue" charset="0"/>
               <a:cs typeface="Helvetica Neue" charset="0"/>
@@ -7937,8 +8417,8 @@
         </p:nvSpPr>
         <p:spPr>
           <a:xfrm>
-            <a:off x="613450" y="2222883"/>
-            <a:ext cx="10276223" cy="3785652"/>
+            <a:off x="460088" y="2524412"/>
+            <a:ext cx="7707167" cy="2862322"/>
           </a:xfrm>
           <a:prstGeom prst="rect">
             <a:avLst/>
@@ -7951,12 +8431,12 @@
           </a:bodyPr>
           <a:lstStyle/>
           <a:p>
-            <a:pPr marL="457200" indent="-457200">
+            <a:pPr marL="342900" indent="-342900">
               <a:buFont typeface="Arial" charset="0"/>
               <a:buChar char="•"/>
             </a:pPr>
             <a:r>
-              <a:rPr lang="ru-RU" sz="2400" dirty="0">
+              <a:rPr lang="ru-RU" dirty="0">
                 <a:solidFill>
                   <a:schemeClr val="tx1">
                     <a:lumMod val="65000"/>
@@ -7967,7 +8447,7 @@
               <a:t>Семантический анализ текста как основа для выполнения </a:t>
             </a:r>
             <a:r>
-              <a:rPr lang="ru-RU" sz="2400" dirty="0" err="1" smtClean="0">
+              <a:rPr lang="ru-RU" dirty="0" err="1">
                 <a:solidFill>
                   <a:schemeClr val="tx1">
                     <a:lumMod val="65000"/>
@@ -7977,7 +8457,7 @@
               </a:rPr>
               <a:t>парсинга</a:t>
             </a:r>
-            <a:endParaRPr lang="ru-RU" sz="2400" dirty="0" smtClean="0">
+            <a:endParaRPr lang="ru-RU" dirty="0">
               <a:solidFill>
                 <a:schemeClr val="tx1">
                   <a:lumMod val="65000"/>
@@ -7987,12 +8467,12 @@
             </a:endParaRPr>
           </a:p>
           <a:p>
-            <a:pPr marL="457200" indent="-457200">
+            <a:pPr marL="342900" indent="-342900">
               <a:buFont typeface="Arial" charset="0"/>
               <a:buChar char="•"/>
             </a:pPr>
             <a:r>
-              <a:rPr lang="ru-RU" sz="2400" dirty="0" smtClean="0">
+              <a:rPr lang="ru-RU" dirty="0">
                 <a:solidFill>
                   <a:schemeClr val="tx1">
                     <a:lumMod val="65000"/>
@@ -8003,7 +8483,7 @@
               <a:t>Обзор </a:t>
             </a:r>
             <a:r>
-              <a:rPr lang="ru-RU" sz="2400" dirty="0">
+              <a:rPr lang="ru-RU" dirty="0">
                 <a:solidFill>
                   <a:schemeClr val="tx1">
                     <a:lumMod val="65000"/>
@@ -8014,7 +8494,7 @@
               <a:t>существующего инструментария </a:t>
             </a:r>
             <a:r>
-              <a:rPr lang="ru-RU" sz="2400" dirty="0" err="1">
+              <a:rPr lang="ru-RU" dirty="0" err="1">
                 <a:solidFill>
                   <a:schemeClr val="tx1">
                     <a:lumMod val="65000"/>
@@ -8025,7 +8505,7 @@
               <a:t>Stanford</a:t>
             </a:r>
             <a:r>
-              <a:rPr lang="ru-RU" sz="2400" dirty="0">
+              <a:rPr lang="ru-RU" dirty="0">
                 <a:solidFill>
                   <a:schemeClr val="tx1">
                     <a:lumMod val="65000"/>
@@ -8036,7 +8516,7 @@
               <a:t> </a:t>
             </a:r>
             <a:r>
-              <a:rPr lang="ru-RU" sz="2400" dirty="0" err="1">
+              <a:rPr lang="ru-RU" dirty="0" err="1">
                 <a:solidFill>
                   <a:schemeClr val="tx1">
                     <a:lumMod val="65000"/>
@@ -8047,7 +8527,7 @@
               <a:t>Core</a:t>
             </a:r>
             <a:r>
-              <a:rPr lang="ru-RU" sz="2400" dirty="0">
+              <a:rPr lang="ru-RU" dirty="0">
                 <a:solidFill>
                   <a:schemeClr val="tx1">
                     <a:lumMod val="65000"/>
@@ -8058,7 +8538,7 @@
               <a:t> </a:t>
             </a:r>
             <a:r>
-              <a:rPr lang="ru-RU" sz="2400" dirty="0" smtClean="0">
+              <a:rPr lang="ru-RU" dirty="0">
                 <a:solidFill>
                   <a:schemeClr val="tx1">
                     <a:lumMod val="65000"/>
@@ -8070,12 +8550,12 @@
             </a:r>
           </a:p>
           <a:p>
-            <a:pPr marL="457200" indent="-457200">
+            <a:pPr marL="342900" indent="-342900">
               <a:buFont typeface="Arial" charset="0"/>
               <a:buChar char="•"/>
             </a:pPr>
             <a:r>
-              <a:rPr lang="ru-RU" sz="2400" dirty="0" smtClean="0">
+              <a:rPr lang="ru-RU" dirty="0">
                 <a:solidFill>
                   <a:schemeClr val="tx1">
                     <a:lumMod val="65000"/>
@@ -8086,7 +8566,7 @@
               <a:t>Средства </a:t>
             </a:r>
             <a:r>
-              <a:rPr lang="ru-RU" sz="2400" dirty="0">
+              <a:rPr lang="ru-RU" dirty="0">
                 <a:solidFill>
                   <a:schemeClr val="tx1">
                     <a:lumMod val="65000"/>
@@ -8097,7 +8577,7 @@
               <a:t>хранения и визуального представления </a:t>
             </a:r>
             <a:r>
-              <a:rPr lang="ru-RU" sz="2400" dirty="0" smtClean="0">
+              <a:rPr lang="ru-RU" dirty="0">
                 <a:solidFill>
                   <a:schemeClr val="tx1">
                     <a:lumMod val="65000"/>
@@ -8109,12 +8589,12 @@
             </a:r>
           </a:p>
           <a:p>
-            <a:pPr marL="457200" indent="-457200">
+            <a:pPr marL="342900" indent="-342900">
               <a:buFont typeface="Arial" charset="0"/>
               <a:buChar char="•"/>
             </a:pPr>
             <a:r>
-              <a:rPr lang="ru-RU" sz="2400" dirty="0" smtClean="0">
+              <a:rPr lang="ru-RU" dirty="0">
                 <a:solidFill>
                   <a:schemeClr val="tx1">
                     <a:lumMod val="65000"/>
@@ -8125,7 +8605,7 @@
               <a:t>Вектор </a:t>
             </a:r>
             <a:r>
-              <a:rPr lang="ru-RU" sz="2400" dirty="0">
+              <a:rPr lang="ru-RU" dirty="0">
                 <a:solidFill>
                   <a:schemeClr val="tx1">
                     <a:lumMod val="65000"/>
@@ -8135,7 +8615,7 @@
               </a:rPr>
               <a:t>развития данного направления и его перспективы</a:t>
             </a:r>
-            <a:endParaRPr lang="ru-RU" sz="2400" b="1" dirty="0" smtClean="0">
+            <a:endParaRPr lang="ru-RU" b="1" dirty="0">
               <a:solidFill>
                 <a:schemeClr val="tx1">
                   <a:lumMod val="65000"/>
@@ -8148,7 +8628,7 @@
             </a:endParaRPr>
           </a:p>
           <a:p>
-            <a:endParaRPr lang="ru-RU" sz="2400" b="1" dirty="0">
+            <a:endParaRPr lang="ru-RU" b="1" dirty="0">
               <a:solidFill>
                 <a:schemeClr val="tx1">
                   <a:lumMod val="65000"/>
@@ -8162,7 +8642,7 @@
           </a:p>
           <a:p>
             <a:r>
-              <a:rPr lang="ru-RU" sz="2400" b="1" dirty="0" err="1" smtClean="0">
+              <a:rPr lang="ru-RU" b="1" dirty="0" err="1">
                 <a:solidFill>
                   <a:schemeClr val="tx1">
                     <a:lumMod val="65000"/>
@@ -8176,7 +8656,7 @@
               <a:t>Natural</a:t>
             </a:r>
             <a:r>
-              <a:rPr lang="ru-RU" sz="2400" b="1" dirty="0" smtClean="0">
+              <a:rPr lang="ru-RU" b="1" dirty="0">
                 <a:solidFill>
                   <a:schemeClr val="tx1">
                     <a:lumMod val="65000"/>
@@ -8190,7 +8670,7 @@
               <a:t> </a:t>
             </a:r>
             <a:r>
-              <a:rPr lang="ru-RU" sz="2400" b="1" dirty="0" err="1" smtClean="0">
+              <a:rPr lang="ru-RU" b="1" dirty="0" err="1">
                 <a:solidFill>
                   <a:schemeClr val="tx1">
                     <a:lumMod val="65000"/>
@@ -8204,7 +8684,7 @@
               <a:t>Language</a:t>
             </a:r>
             <a:r>
-              <a:rPr lang="ru-RU" sz="2400" b="1" dirty="0" smtClean="0">
+              <a:rPr lang="ru-RU" b="1" dirty="0">
                 <a:solidFill>
                   <a:schemeClr val="tx1">
                     <a:lumMod val="65000"/>
@@ -8218,7 +8698,7 @@
               <a:t> </a:t>
             </a:r>
             <a:r>
-              <a:rPr lang="ru-RU" sz="2400" b="1" dirty="0" err="1" smtClean="0">
+              <a:rPr lang="ru-RU" b="1" dirty="0" err="1">
                 <a:solidFill>
                   <a:schemeClr val="tx1">
                     <a:lumMod val="65000"/>
@@ -8232,7 +8712,7 @@
               <a:t>Processing</a:t>
             </a:r>
             <a:r>
-              <a:rPr lang="ru-RU" sz="2400" b="1" dirty="0" smtClean="0">
+              <a:rPr lang="ru-RU" b="1" dirty="0">
                 <a:solidFill>
                   <a:schemeClr val="tx1">
                     <a:lumMod val="65000"/>
@@ -8246,7 +8726,7 @@
               <a:t> </a:t>
             </a:r>
             <a:r>
-              <a:rPr lang="ru-RU" sz="2400" dirty="0" smtClean="0">
+              <a:rPr lang="ru-RU" dirty="0">
                 <a:solidFill>
                   <a:schemeClr val="tx1">
                     <a:lumMod val="65000"/>
@@ -8311,8 +8791,8 @@
         </p:nvSpPr>
         <p:spPr>
           <a:xfrm>
-            <a:off x="863600" y="294198"/>
-            <a:ext cx="10090912" cy="671002"/>
+            <a:off x="647700" y="1077898"/>
+            <a:ext cx="7568184" cy="503252"/>
           </a:xfrm>
         </p:spPr>
         <p:txBody>
@@ -8322,14 +8802,14 @@
           <a:lstStyle/>
           <a:p>
             <a:r>
-              <a:rPr lang="en-US" sz="3200" dirty="0" smtClean="0">
+              <a:rPr lang="en-US" sz="2400" dirty="0">
                 <a:latin typeface="Helvetica Neue" charset="0"/>
                 <a:ea typeface="Helvetica Neue" charset="0"/>
                 <a:cs typeface="Helvetica Neue" charset="0"/>
               </a:rPr>
               <a:t>Stanford Core NLP</a:t>
             </a:r>
-            <a:endParaRPr lang="en-US" sz="3200" dirty="0">
+            <a:endParaRPr lang="en-US" sz="2400" dirty="0">
               <a:latin typeface="Helvetica Neue" charset="0"/>
               <a:ea typeface="Helvetica Neue" charset="0"/>
               <a:cs typeface="Helvetica Neue" charset="0"/>
@@ -8349,8 +8829,8 @@
         </p:nvSpPr>
         <p:spPr>
           <a:xfrm>
-            <a:off x="863600" y="1828800"/>
-            <a:ext cx="8993632" cy="4351337"/>
+            <a:off x="647700" y="2228850"/>
+            <a:ext cx="6745224" cy="3263503"/>
           </a:xfrm>
         </p:spPr>
         <p:txBody>
@@ -8368,14 +8848,14 @@
               </a:spcBef>
             </a:pPr>
             <a:r>
-              <a:rPr lang="ru-RU" sz="2400" dirty="0" smtClean="0">
+              <a:rPr lang="ru-RU" sz="1800" dirty="0">
                 <a:latin typeface="+mj-lt"/>
                 <a:ea typeface="Helvetica Neue" charset="0"/>
                 <a:cs typeface="Helvetica Neue" charset="0"/>
               </a:rPr>
               <a:t>Интегрированный набор инструментов для грамматического анализа</a:t>
             </a:r>
-            <a:endParaRPr lang="ru-RU" sz="2400" dirty="0">
+            <a:endParaRPr lang="ru-RU" sz="1800" dirty="0">
               <a:latin typeface="+mj-lt"/>
               <a:ea typeface="Helvetica Neue" charset="0"/>
               <a:cs typeface="Helvetica Neue" charset="0"/>
@@ -8391,14 +8871,14 @@
               </a:spcBef>
             </a:pPr>
             <a:r>
-              <a:rPr lang="ru-RU" sz="2400" dirty="0" smtClean="0">
+              <a:rPr lang="ru-RU" sz="1800" dirty="0">
                 <a:latin typeface="+mj-lt"/>
                 <a:ea typeface="Helvetica Neue" charset="0"/>
                 <a:cs typeface="Helvetica Neue" charset="0"/>
               </a:rPr>
               <a:t>Быстрый и надежный анализ произвольного текста</a:t>
             </a:r>
-            <a:endParaRPr lang="ru-RU" sz="2400" dirty="0">
+            <a:endParaRPr lang="ru-RU" sz="1800" dirty="0">
               <a:latin typeface="+mj-lt"/>
               <a:ea typeface="Helvetica Neue" charset="0"/>
               <a:cs typeface="Helvetica Neue" charset="0"/>
@@ -8414,14 +8894,14 @@
               </a:spcBef>
             </a:pPr>
             <a:r>
-              <a:rPr lang="ru-RU" sz="2400" dirty="0" smtClean="0">
+              <a:rPr lang="ru-RU" sz="1800" dirty="0">
                 <a:latin typeface="+mj-lt"/>
                 <a:ea typeface="Helvetica Neue" charset="0"/>
                 <a:cs typeface="Helvetica Neue" charset="0"/>
               </a:rPr>
               <a:t>Высокое качество при анализе текста</a:t>
             </a:r>
-            <a:endParaRPr lang="ru-RU" sz="2400" dirty="0">
+            <a:endParaRPr lang="ru-RU" sz="1800" dirty="0">
               <a:latin typeface="+mj-lt"/>
               <a:ea typeface="Helvetica Neue" charset="0"/>
               <a:cs typeface="Helvetica Neue" charset="0"/>
@@ -8437,14 +8917,14 @@
               </a:spcBef>
             </a:pPr>
             <a:r>
-              <a:rPr lang="ru-RU" sz="2400" dirty="0" smtClean="0">
+              <a:rPr lang="ru-RU" sz="1800" dirty="0">
                 <a:latin typeface="+mj-lt"/>
                 <a:ea typeface="Helvetica Neue" charset="0"/>
                 <a:cs typeface="Helvetica Neue" charset="0"/>
               </a:rPr>
               <a:t>Поддержка основных языков (английский, арабский, китайский, французский, немецкий, испанский)</a:t>
             </a:r>
-            <a:endParaRPr lang="ru-RU" sz="2400" dirty="0">
+            <a:endParaRPr lang="ru-RU" sz="1800" dirty="0">
               <a:latin typeface="+mj-lt"/>
               <a:ea typeface="Helvetica Neue" charset="0"/>
               <a:cs typeface="Helvetica Neue" charset="0"/>
@@ -8460,14 +8940,14 @@
               </a:spcBef>
             </a:pPr>
             <a:r>
-              <a:rPr lang="ru-RU" sz="2400" dirty="0" smtClean="0">
+              <a:rPr lang="ru-RU" sz="1800" dirty="0">
                 <a:latin typeface="+mj-lt"/>
                 <a:ea typeface="Helvetica Neue" charset="0"/>
                 <a:cs typeface="Helvetica Neue" charset="0"/>
               </a:rPr>
               <a:t>Доступные интерфейсы для основных современных языков программирования</a:t>
             </a:r>
-            <a:endParaRPr lang="ru-RU" sz="2400" dirty="0">
+            <a:endParaRPr lang="ru-RU" sz="1800" dirty="0">
               <a:latin typeface="+mj-lt"/>
               <a:ea typeface="Helvetica Neue" charset="0"/>
               <a:cs typeface="Helvetica Neue" charset="0"/>
@@ -8483,14 +8963,14 @@
               </a:spcBef>
             </a:pPr>
             <a:r>
-              <a:rPr lang="ru-RU" sz="2400" dirty="0" smtClean="0">
+              <a:rPr lang="ru-RU" sz="1800" dirty="0">
                 <a:latin typeface="+mj-lt"/>
                 <a:ea typeface="Helvetica Neue" charset="0"/>
                 <a:cs typeface="Helvetica Neue" charset="0"/>
               </a:rPr>
               <a:t>Возможность работать как простой веб-сервис</a:t>
             </a:r>
-            <a:endParaRPr lang="en-US" sz="2400" dirty="0">
+            <a:endParaRPr lang="en-US" sz="1800" dirty="0">
               <a:latin typeface="+mj-lt"/>
               <a:ea typeface="Helvetica Neue" charset="0"/>
               <a:cs typeface="Helvetica Neue" charset="0"/>
@@ -8547,8 +9027,8 @@
         </p:nvSpPr>
         <p:spPr>
           <a:xfrm>
-            <a:off x="838200" y="0"/>
-            <a:ext cx="10515600" cy="6858000"/>
+            <a:off x="628650" y="857250"/>
+            <a:ext cx="7886700" cy="5143500"/>
           </a:xfrm>
         </p:spPr>
         <p:txBody>
@@ -8562,12 +9042,12 @@
                 <a:spcPct val="100000"/>
               </a:lnSpc>
               <a:spcAft>
-                <a:spcPts val="100"/>
+                <a:spcPts val="75"/>
               </a:spcAft>
               <a:buNone/>
             </a:pPr>
             <a:r>
-              <a:rPr lang="en-US" sz="1400" dirty="0">
+              <a:rPr lang="en-US" sz="1050" dirty="0">
                 <a:latin typeface="Helvetica Neue" charset="0"/>
                 <a:ea typeface="Helvetica Neue" charset="0"/>
                 <a:cs typeface="Helvetica Neue" charset="0"/>
@@ -8581,12 +9061,12 @@
                 <a:spcPct val="100000"/>
               </a:lnSpc>
               <a:spcAft>
-                <a:spcPts val="100"/>
+                <a:spcPts val="75"/>
               </a:spcAft>
               <a:buNone/>
             </a:pPr>
             <a:r>
-              <a:rPr lang="en-US" sz="1400" dirty="0">
+              <a:rPr lang="en-US" sz="1050" dirty="0">
                 <a:latin typeface="Helvetica Neue" charset="0"/>
                 <a:ea typeface="Helvetica Neue" charset="0"/>
                 <a:cs typeface="Helvetica Neue" charset="0"/>
@@ -8600,12 +9080,12 @@
                 <a:spcPct val="100000"/>
               </a:lnSpc>
               <a:spcAft>
-                <a:spcPts val="100"/>
+                <a:spcPts val="75"/>
               </a:spcAft>
               <a:buNone/>
             </a:pPr>
             <a:r>
-              <a:rPr lang="en-US" sz="1400" dirty="0">
+              <a:rPr lang="en-US" sz="1050" dirty="0">
                 <a:latin typeface="Helvetica Neue" charset="0"/>
                 <a:ea typeface="Helvetica Neue" charset="0"/>
                 <a:cs typeface="Helvetica Neue" charset="0"/>
@@ -8619,12 +9099,12 @@
                 <a:spcPct val="100000"/>
               </a:lnSpc>
               <a:spcAft>
-                <a:spcPts val="100"/>
+                <a:spcPts val="75"/>
               </a:spcAft>
               <a:buNone/>
             </a:pPr>
             <a:r>
-              <a:rPr lang="en-US" sz="1400" dirty="0">
+              <a:rPr lang="en-US" sz="1050" dirty="0">
                 <a:latin typeface="Helvetica Neue" charset="0"/>
                 <a:ea typeface="Helvetica Neue" charset="0"/>
                 <a:cs typeface="Helvetica Neue" charset="0"/>
@@ -8638,12 +9118,12 @@
                 <a:spcPct val="100000"/>
               </a:lnSpc>
               <a:spcAft>
-                <a:spcPts val="100"/>
+                <a:spcPts val="75"/>
               </a:spcAft>
               <a:buNone/>
             </a:pPr>
             <a:r>
-              <a:rPr lang="en-US" sz="1400" dirty="0">
+              <a:rPr lang="en-US" sz="1050" dirty="0">
                 <a:latin typeface="Helvetica Neue" charset="0"/>
                 <a:ea typeface="Helvetica Neue" charset="0"/>
                 <a:cs typeface="Helvetica Neue" charset="0"/>
@@ -8657,12 +9137,12 @@
                 <a:spcPct val="100000"/>
               </a:lnSpc>
               <a:spcAft>
-                <a:spcPts val="100"/>
+                <a:spcPts val="75"/>
               </a:spcAft>
               <a:buNone/>
             </a:pPr>
             <a:r>
-              <a:rPr lang="en-US" sz="1400" dirty="0">
+              <a:rPr lang="en-US" sz="1050" dirty="0">
                 <a:latin typeface="Helvetica Neue" charset="0"/>
                 <a:ea typeface="Helvetica Neue" charset="0"/>
                 <a:cs typeface="Helvetica Neue" charset="0"/>
@@ -8676,12 +9156,12 @@
                 <a:spcPct val="100000"/>
               </a:lnSpc>
               <a:spcAft>
-                <a:spcPts val="100"/>
+                <a:spcPts val="75"/>
               </a:spcAft>
               <a:buNone/>
             </a:pPr>
             <a:r>
-              <a:rPr lang="en-US" sz="1400" dirty="0">
+              <a:rPr lang="en-US" sz="1050" dirty="0">
                 <a:latin typeface="Helvetica Neue" charset="0"/>
                 <a:ea typeface="Helvetica Neue" charset="0"/>
                 <a:cs typeface="Helvetica Neue" charset="0"/>
@@ -8695,12 +9175,12 @@
                 <a:spcPct val="100000"/>
               </a:lnSpc>
               <a:spcAft>
-                <a:spcPts val="100"/>
+                <a:spcPts val="75"/>
               </a:spcAft>
               <a:buNone/>
             </a:pPr>
             <a:r>
-              <a:rPr lang="en-US" sz="1400" dirty="0">
+              <a:rPr lang="en-US" sz="1050" dirty="0">
                 <a:latin typeface="Helvetica Neue" charset="0"/>
                 <a:ea typeface="Helvetica Neue" charset="0"/>
                 <a:cs typeface="Helvetica Neue" charset="0"/>
@@ -8714,12 +9194,12 @@
                 <a:spcPct val="100000"/>
               </a:lnSpc>
               <a:spcAft>
-                <a:spcPts val="100"/>
+                <a:spcPts val="75"/>
               </a:spcAft>
               <a:buNone/>
             </a:pPr>
             <a:r>
-              <a:rPr lang="en-US" sz="1400" dirty="0">
+              <a:rPr lang="en-US" sz="1050" dirty="0">
                 <a:latin typeface="Helvetica Neue" charset="0"/>
                 <a:ea typeface="Helvetica Neue" charset="0"/>
                 <a:cs typeface="Helvetica Neue" charset="0"/>
@@ -8733,12 +9213,12 @@
                 <a:spcPct val="100000"/>
               </a:lnSpc>
               <a:spcAft>
-                <a:spcPts val="100"/>
+                <a:spcPts val="75"/>
               </a:spcAft>
               <a:buNone/>
             </a:pPr>
             <a:r>
-              <a:rPr lang="en-US" sz="1400" dirty="0">
+              <a:rPr lang="en-US" sz="1050" dirty="0">
                 <a:latin typeface="Helvetica Neue" charset="0"/>
                 <a:ea typeface="Helvetica Neue" charset="0"/>
                 <a:cs typeface="Helvetica Neue" charset="0"/>
@@ -8752,12 +9232,12 @@
                 <a:spcPct val="100000"/>
               </a:lnSpc>
               <a:spcAft>
-                <a:spcPts val="100"/>
+                <a:spcPts val="75"/>
               </a:spcAft>
               <a:buNone/>
             </a:pPr>
             <a:r>
-              <a:rPr lang="en-US" sz="1400" dirty="0">
+              <a:rPr lang="en-US" sz="1050" dirty="0">
                 <a:latin typeface="Helvetica Neue" charset="0"/>
                 <a:ea typeface="Helvetica Neue" charset="0"/>
                 <a:cs typeface="Helvetica Neue" charset="0"/>
@@ -8765,14 +9245,14 @@
               <a:t>              (PP (IN without</a:t>
             </a:r>
             <a:r>
-              <a:rPr lang="en-US" sz="1400" dirty="0" smtClean="0">
+              <a:rPr lang="en-US" sz="1050" dirty="0">
                 <a:latin typeface="Helvetica Neue" charset="0"/>
                 <a:ea typeface="Helvetica Neue" charset="0"/>
                 <a:cs typeface="Helvetica Neue" charset="0"/>
               </a:rPr>
               <a:t>)</a:t>
             </a:r>
-            <a:endParaRPr lang="ru-RU" sz="1400" dirty="0" smtClean="0">
+            <a:endParaRPr lang="ru-RU" sz="1050" dirty="0">
               <a:latin typeface="Helvetica Neue" charset="0"/>
               <a:ea typeface="Helvetica Neue" charset="0"/>
               <a:cs typeface="Helvetica Neue" charset="0"/>
@@ -8784,12 +9264,12 @@
                 <a:spcPct val="100000"/>
               </a:lnSpc>
               <a:spcAft>
-                <a:spcPts val="100"/>
+                <a:spcPts val="75"/>
               </a:spcAft>
               <a:buNone/>
             </a:pPr>
             <a:r>
-              <a:rPr lang="en-US" sz="1400" dirty="0" smtClean="0">
+              <a:rPr lang="en-US" sz="1050" dirty="0">
                 <a:latin typeface="Helvetica Neue" charset="0"/>
                 <a:ea typeface="Helvetica Neue" charset="0"/>
                 <a:cs typeface="Helvetica Neue" charset="0"/>
@@ -8797,14 +9277,14 @@
               <a:t>		</a:t>
             </a:r>
             <a:r>
-              <a:rPr lang="mr-IN" sz="1400" dirty="0" smtClean="0">
+              <a:rPr lang="mr-IN" sz="1050" dirty="0">
                 <a:latin typeface="Helvetica Neue" charset="0"/>
                 <a:ea typeface="Helvetica Neue" charset="0"/>
                 <a:cs typeface="Helvetica Neue" charset="0"/>
               </a:rPr>
               <a:t>…</a:t>
             </a:r>
-            <a:endParaRPr lang="en-US" sz="1400" dirty="0">
+            <a:endParaRPr lang="en-US" sz="1050" dirty="0">
               <a:latin typeface="Helvetica Neue" charset="0"/>
               <a:ea typeface="Helvetica Neue" charset="0"/>
               <a:cs typeface="Helvetica Neue" charset="0"/>
@@ -8816,12 +9296,12 @@
                 <a:spcPct val="100000"/>
               </a:lnSpc>
               <a:spcAft>
-                <a:spcPts val="100"/>
+                <a:spcPts val="75"/>
               </a:spcAft>
               <a:buNone/>
             </a:pPr>
             <a:r>
-              <a:rPr lang="en-US" sz="1400" dirty="0">
+              <a:rPr lang="en-US" sz="1050" dirty="0">
                 <a:latin typeface="Helvetica Neue" charset="0"/>
                 <a:ea typeface="Helvetica Neue" charset="0"/>
                 <a:cs typeface="Helvetica Neue" charset="0"/>
@@ -8835,12 +9315,12 @@
                 <a:spcPct val="100000"/>
               </a:lnSpc>
               <a:spcAft>
-                <a:spcPts val="100"/>
+                <a:spcPts val="75"/>
               </a:spcAft>
               <a:buNone/>
             </a:pPr>
             <a:r>
-              <a:rPr lang="en-US" sz="1400" dirty="0">
+              <a:rPr lang="en-US" sz="1050" dirty="0">
                 <a:latin typeface="Helvetica Neue" charset="0"/>
                 <a:ea typeface="Helvetica Neue" charset="0"/>
                 <a:cs typeface="Helvetica Neue" charset="0"/>
@@ -8854,12 +9334,12 @@
                 <a:spcPct val="100000"/>
               </a:lnSpc>
               <a:spcAft>
-                <a:spcPts val="100"/>
+                <a:spcPts val="75"/>
               </a:spcAft>
               <a:buNone/>
             </a:pPr>
             <a:r>
-              <a:rPr lang="en-US" sz="1400" dirty="0">
+              <a:rPr lang="en-US" sz="1050" dirty="0">
                 <a:latin typeface="Helvetica Neue" charset="0"/>
                 <a:ea typeface="Helvetica Neue" charset="0"/>
                 <a:cs typeface="Helvetica Neue" charset="0"/>
@@ -8873,12 +9353,12 @@
                 <a:spcPct val="100000"/>
               </a:lnSpc>
               <a:spcAft>
-                <a:spcPts val="100"/>
+                <a:spcPts val="75"/>
               </a:spcAft>
               <a:buNone/>
             </a:pPr>
             <a:r>
-              <a:rPr lang="en-US" sz="1400" dirty="0">
+              <a:rPr lang="en-US" sz="1050" dirty="0">
                 <a:latin typeface="Helvetica Neue" charset="0"/>
                 <a:ea typeface="Helvetica Neue" charset="0"/>
                 <a:cs typeface="Helvetica Neue" charset="0"/>
@@ -8892,12 +9372,12 @@
                 <a:spcPct val="100000"/>
               </a:lnSpc>
               <a:spcAft>
-                <a:spcPts val="100"/>
+                <a:spcPts val="75"/>
               </a:spcAft>
               <a:buNone/>
             </a:pPr>
             <a:r>
-              <a:rPr lang="en-US" sz="1400" dirty="0">
+              <a:rPr lang="en-US" sz="1050" dirty="0">
                 <a:latin typeface="Helvetica Neue" charset="0"/>
                 <a:ea typeface="Helvetica Neue" charset="0"/>
                 <a:cs typeface="Helvetica Neue" charset="0"/>
@@ -8906,7 +9386,7 @@
             </a:r>
           </a:p>
           <a:p>
-            <a:endParaRPr lang="en-US" sz="1050" dirty="0"/>
+            <a:endParaRPr lang="en-US" sz="788" dirty="0"/>
           </a:p>
         </p:txBody>
       </p:sp>
@@ -8959,8 +9439,8 @@
         </p:nvSpPr>
         <p:spPr>
           <a:xfrm>
-            <a:off x="838200" y="262393"/>
-            <a:ext cx="10116312" cy="1428929"/>
+            <a:off x="628650" y="1054045"/>
+            <a:ext cx="7587234" cy="1071697"/>
           </a:xfrm>
         </p:spPr>
         <p:txBody>
@@ -8970,14 +9450,14 @@
           <a:lstStyle/>
           <a:p>
             <a:r>
-              <a:rPr lang="ru-RU" sz="3200" b="1" dirty="0" smtClean="0">
+              <a:rPr lang="ru-RU" sz="2400" dirty="0">
                 <a:latin typeface="Helvetica Neue" charset="0"/>
                 <a:ea typeface="Helvetica Neue" charset="0"/>
                 <a:cs typeface="Helvetica Neue" charset="0"/>
               </a:rPr>
               <a:t>2 Реализация распознавания текста и создание UML диаграмм</a:t>
             </a:r>
-            <a:endParaRPr lang="en-US" sz="3200" b="1" dirty="0">
+            <a:endParaRPr lang="en-US" sz="2400" dirty="0">
               <a:latin typeface="Helvetica Neue" charset="0"/>
               <a:ea typeface="Helvetica Neue" charset="0"/>
               <a:cs typeface="Helvetica Neue" charset="0"/>
@@ -8997,8 +9477,8 @@
         </p:nvSpPr>
         <p:spPr>
           <a:xfrm>
-            <a:off x="838200" y="2793999"/>
-            <a:ext cx="10116312" cy="3382963"/>
+            <a:off x="628650" y="2952750"/>
+            <a:ext cx="7587234" cy="2537222"/>
           </a:xfrm>
         </p:spPr>
         <p:txBody>
@@ -9016,7 +9496,7 @@
               </a:spcBef>
             </a:pPr>
             <a:r>
-              <a:rPr lang="ru-RU" sz="2800" dirty="0" smtClean="0">
+              <a:rPr lang="ru-RU" sz="2100" dirty="0">
                 <a:latin typeface="+mj-lt"/>
               </a:rPr>
               <a:t>Специфика и особенности реализации</a:t>
@@ -9032,19 +9512,19 @@
               </a:spcBef>
             </a:pPr>
             <a:r>
-              <a:rPr lang="ru-RU" sz="2800" dirty="0" smtClean="0">
+              <a:rPr lang="ru-RU" sz="2100" dirty="0">
                 <a:latin typeface="+mj-lt"/>
               </a:rPr>
               <a:t>Разработка правил конвертации</a:t>
             </a:r>
             <a:r>
-              <a:rPr lang="en-US" sz="2800" dirty="0" smtClean="0">
+              <a:rPr lang="en-US" sz="2100" dirty="0">
                 <a:latin typeface="+mj-lt"/>
               </a:rPr>
               <a:t> </a:t>
             </a:r>
             <a:r>
-              <a:rPr lang="ru-RU" sz="2800" dirty="0" smtClean="0">
+              <a:rPr lang="ru-RU" sz="2100" dirty="0">
                 <a:latin typeface="+mj-lt"/>
               </a:rPr>
               <a:t>текста </a:t>
@@ -9060,7 +9540,7 @@
               </a:spcBef>
             </a:pPr>
             <a:r>
-              <a:rPr lang="ru-RU" sz="2800" dirty="0" smtClean="0">
+              <a:rPr lang="ru-RU" sz="2100" dirty="0">
                 <a:latin typeface="+mj-lt"/>
               </a:rPr>
               <a:t>Механизм построения UML диаграмм</a:t>
@@ -9076,14 +9556,14 @@
               </a:spcBef>
             </a:pPr>
             <a:r>
-              <a:rPr lang="ru-RU" sz="2800" dirty="0"/>
+              <a:rPr lang="ru-RU" sz="2100" dirty="0"/>
               <a:t>Робота з форматом </a:t>
             </a:r>
             <a:r>
-              <a:rPr lang="en-US" sz="2800" dirty="0"/>
+              <a:rPr lang="en-US" sz="2100" dirty="0"/>
               <a:t>XMI </a:t>
             </a:r>
-            <a:endParaRPr lang="en-US" sz="2800" dirty="0">
+            <a:endParaRPr lang="en-US" sz="2100" dirty="0">
               <a:latin typeface="+mj-lt"/>
             </a:endParaRPr>
           </a:p>
@@ -9138,8 +9618,8 @@
         </p:nvSpPr>
         <p:spPr>
           <a:xfrm>
-            <a:off x="838200" y="365126"/>
-            <a:ext cx="10515600" cy="481542"/>
+            <a:off x="628650" y="1131094"/>
+            <a:ext cx="7886700" cy="361157"/>
           </a:xfrm>
         </p:spPr>
         <p:txBody>
@@ -9149,14 +9629,14 @@
           <a:lstStyle/>
           <a:p>
             <a:r>
-              <a:rPr lang="ru-RU" sz="3200" dirty="0" smtClean="0">
+              <a:rPr lang="ru-RU" sz="2400" dirty="0">
                 <a:latin typeface="Helvetica Neue" charset="0"/>
                 <a:ea typeface="Helvetica Neue" charset="0"/>
                 <a:cs typeface="Helvetica Neue" charset="0"/>
               </a:rPr>
               <a:t>Граф как основная структура данных</a:t>
             </a:r>
-            <a:endParaRPr lang="en-US" sz="3200" dirty="0">
+            <a:endParaRPr lang="en-US" sz="2400" dirty="0">
               <a:latin typeface="Helvetica Neue" charset="0"/>
               <a:ea typeface="Helvetica Neue" charset="0"/>
               <a:cs typeface="Helvetica Neue" charset="0"/>
@@ -9180,8 +9660,8 @@
         </p:blipFill>
         <p:spPr>
           <a:xfrm>
-            <a:off x="2912534" y="1354667"/>
-            <a:ext cx="7535334" cy="4978399"/>
+            <a:off x="2184400" y="1873251"/>
+            <a:ext cx="5651501" cy="3733799"/>
           </a:xfrm>
           <a:prstGeom prst="rect">
             <a:avLst/>
@@ -9242,20 +9722,20 @@
         </p:nvSpPr>
         <p:spPr>
           <a:xfrm>
-            <a:off x="838200" y="1343891"/>
-            <a:ext cx="10009909" cy="5395576"/>
+            <a:off x="628650" y="1865168"/>
+            <a:ext cx="7507432" cy="4046682"/>
           </a:xfrm>
         </p:spPr>
         <p:txBody>
           <a:bodyPr>
-            <a:normAutofit fontScale="40000" lnSpcReduction="20000"/>
+            <a:normAutofit fontScale="32500" lnSpcReduction="20000"/>
           </a:bodyPr>
           <a:lstStyle/>
           <a:p>
             <a:pPr marL="0" indent="0">
               <a:buNone/>
             </a:pPr>
-            <a:endParaRPr lang="ru-RU" sz="2600" b="1" dirty="0" smtClean="0">
+            <a:endParaRPr lang="ru-RU" sz="1950" b="1" dirty="0">
               <a:latin typeface="+mj-lt"/>
               <a:ea typeface="Helvetica Neue" charset="0"/>
               <a:cs typeface="Helvetica Neue" charset="0"/>
@@ -9267,12 +9747,12 @@
                 <a:spcPct val="120000"/>
               </a:lnSpc>
               <a:spcAft>
-                <a:spcPts val="100"/>
+                <a:spcPts val="75"/>
               </a:spcAft>
               <a:buNone/>
             </a:pPr>
             <a:r>
-              <a:rPr lang="en-US" sz="2900" b="1" dirty="0" smtClean="0">
+              <a:rPr lang="en-US" sz="2175" b="1" dirty="0">
                 <a:latin typeface="+mj-lt"/>
                 <a:ea typeface="Helvetica Neue" charset="0"/>
                 <a:cs typeface="Helvetica Neue" charset="0"/>
@@ -9280,7 +9760,7 @@
               <a:t>(</a:t>
             </a:r>
             <a:r>
-              <a:rPr lang="en-US" sz="2900" b="1" dirty="0">
+              <a:rPr lang="en-US" sz="2175" b="1" dirty="0">
                 <a:latin typeface="+mj-lt"/>
                 <a:ea typeface="Helvetica Neue" charset="0"/>
                 <a:cs typeface="Helvetica Neue" charset="0"/>
@@ -9288,13 +9768,7 @@
               <a:t>NP (PRP$ My) (JJ little) (NN horse)) </a:t>
             </a:r>
             <a:r>
-              <a:rPr lang="en-US" sz="2900" dirty="0">
-                <a:solidFill>
-                  <a:schemeClr val="tx1">
-                    <a:lumMod val="65000"/>
-                    <a:lumOff val="35000"/>
-                  </a:schemeClr>
-                </a:solidFill>
+              <a:rPr lang="en-US" sz="2175" dirty="0">
                 <a:latin typeface="+mj-lt"/>
                 <a:ea typeface="Helvetica Neue" charset="0"/>
                 <a:cs typeface="Helvetica Neue" charset="0"/>
@@ -9302,7 +9776,7 @@
               <a:t>—&gt; (VP (VB think) (S (NP (PRP it)) (VP (VB queer) (S (VP (TO To) (VP (VB stop) (PP (IN without) (NP (NP (DT a) (NN farmhouse))(PP (IN near) (PP (IN Between) (NP (NP (DT the) (NNS woods)) (CC and) (NP (JJ frozen) (NN lake))))))) (NP (NP (DT The) (JJS darkest) (NN evening)) (PP (IN of) (NP (DT the) (NN year)))))))))) —&gt;</a:t>
             </a:r>
             <a:r>
-              <a:rPr lang="en-US" sz="2900" b="1" dirty="0">
+              <a:rPr lang="en-US" sz="2175" b="1" dirty="0">
                 <a:latin typeface="+mj-lt"/>
                 <a:ea typeface="Helvetica Neue" charset="0"/>
                 <a:cs typeface="Helvetica Neue" charset="0"/>
@@ -9316,18 +9790,12 @@
                 <a:spcPct val="120000"/>
               </a:lnSpc>
               <a:spcAft>
-                <a:spcPts val="100"/>
+                <a:spcPts val="75"/>
               </a:spcAft>
               <a:buNone/>
             </a:pPr>
             <a:r>
-              <a:rPr lang="en-US" sz="2900" dirty="0">
-                <a:solidFill>
-                  <a:schemeClr val="tx1">
-                    <a:lumMod val="65000"/>
-                    <a:lumOff val="35000"/>
-                  </a:schemeClr>
-                </a:solidFill>
+              <a:rPr lang="en-US" sz="2175" dirty="0">
                 <a:latin typeface="+mj-lt"/>
                 <a:ea typeface="Helvetica Neue" charset="0"/>
                 <a:cs typeface="Helvetica Neue" charset="0"/>
@@ -9341,12 +9809,12 @@
                 <a:spcPct val="120000"/>
               </a:lnSpc>
               <a:spcAft>
-                <a:spcPts val="100"/>
+                <a:spcPts val="75"/>
               </a:spcAft>
               <a:buNone/>
             </a:pPr>
             <a:r>
-              <a:rPr lang="en-US" sz="2900" b="1" dirty="0">
+              <a:rPr lang="en-US" sz="2175" b="1" dirty="0">
                 <a:latin typeface="+mj-lt"/>
                 <a:ea typeface="Helvetica Neue" charset="0"/>
                 <a:cs typeface="Helvetica Neue" charset="0"/>
@@ -9354,13 +9822,7 @@
               <a:t>(NP (PRP it)) </a:t>
             </a:r>
             <a:r>
-              <a:rPr lang="en-US" sz="2900" dirty="0">
-                <a:solidFill>
-                  <a:schemeClr val="tx1">
-                    <a:lumMod val="65000"/>
-                    <a:lumOff val="35000"/>
-                  </a:schemeClr>
-                </a:solidFill>
+              <a:rPr lang="en-US" sz="2175" dirty="0">
                 <a:latin typeface="+mj-lt"/>
                 <a:ea typeface="Helvetica Neue" charset="0"/>
                 <a:cs typeface="Helvetica Neue" charset="0"/>
@@ -9368,7 +9830,7 @@
               <a:t>—&gt; (PP (IN without) (NP (NP (DT a) (NN farmhouse)) (PP (IN near) (PP (IN Between) (NP (NP (DT the) (NNS woods)) (CC and) (NP (JJ frozen) (NN lake))))))(VB queer)) —&gt; </a:t>
             </a:r>
             <a:r>
-              <a:rPr lang="en-US" sz="2900" b="1" dirty="0">
+              <a:rPr lang="en-US" sz="2175" b="1" dirty="0">
                 <a:latin typeface="+mj-lt"/>
                 <a:ea typeface="Helvetica Neue" charset="0"/>
                 <a:cs typeface="Helvetica Neue" charset="0"/>
@@ -9382,18 +9844,12 @@
                 <a:spcPct val="120000"/>
               </a:lnSpc>
               <a:spcAft>
-                <a:spcPts val="100"/>
+                <a:spcPts val="75"/>
               </a:spcAft>
               <a:buNone/>
             </a:pPr>
             <a:r>
-              <a:rPr lang="en-US" sz="2900" dirty="0">
-                <a:solidFill>
-                  <a:schemeClr val="tx1">
-                    <a:lumMod val="65000"/>
-                    <a:lumOff val="35000"/>
-                  </a:schemeClr>
-                </a:solidFill>
+              <a:rPr lang="en-US" sz="2175" dirty="0">
                 <a:latin typeface="+mj-lt"/>
                 <a:ea typeface="Helvetica Neue" charset="0"/>
                 <a:cs typeface="Helvetica Neue" charset="0"/>
@@ -9407,12 +9863,12 @@
                 <a:spcPct val="120000"/>
               </a:lnSpc>
               <a:spcAft>
-                <a:spcPts val="100"/>
+                <a:spcPts val="75"/>
               </a:spcAft>
               <a:buNone/>
             </a:pPr>
             <a:r>
-              <a:rPr lang="en-US" sz="2900" b="1" dirty="0">
+              <a:rPr lang="en-US" sz="2175" b="1" dirty="0">
                 <a:latin typeface="+mj-lt"/>
                 <a:ea typeface="Helvetica Neue" charset="0"/>
                 <a:cs typeface="Helvetica Neue" charset="0"/>
@@ -9420,13 +9876,7 @@
               <a:t>(NP (PRP it)) </a:t>
             </a:r>
             <a:r>
-              <a:rPr lang="en-US" sz="2900" dirty="0">
-                <a:solidFill>
-                  <a:schemeClr val="tx1">
-                    <a:lumMod val="65000"/>
-                    <a:lumOff val="35000"/>
-                  </a:schemeClr>
-                </a:solidFill>
+              <a:rPr lang="en-US" sz="2175" dirty="0">
                 <a:latin typeface="+mj-lt"/>
                 <a:ea typeface="Helvetica Neue" charset="0"/>
                 <a:cs typeface="Helvetica Neue" charset="0"/>
@@ -9434,13 +9884,7 @@
               <a:t>—&gt; (PP (IN without) (NP (NP (DT a) (NN farmhouse)) (PP (IN near) (PP (IN Between) (NP (NP (DT the) (NNS woods)) (CC and) (NP (JJ frozen) (NN lake)))))) </a:t>
             </a:r>
             <a:r>
-              <a:rPr lang="nl-NL" sz="2900" dirty="0">
-                <a:solidFill>
-                  <a:schemeClr val="tx1">
-                    <a:lumMod val="65000"/>
-                    <a:lumOff val="35000"/>
-                  </a:schemeClr>
-                </a:solidFill>
+              <a:rPr lang="nl-NL" sz="2175" dirty="0">
                 <a:latin typeface="+mj-lt"/>
                 <a:ea typeface="Helvetica Neue" charset="0"/>
                 <a:cs typeface="Helvetica Neue" charset="0"/>
@@ -9448,13 +9892,7 @@
               <a:t>(VB </a:t>
             </a:r>
             <a:r>
-              <a:rPr lang="nl-NL" sz="2900" dirty="0" err="1">
-                <a:solidFill>
-                  <a:schemeClr val="tx1">
-                    <a:lumMod val="65000"/>
-                    <a:lumOff val="35000"/>
-                  </a:schemeClr>
-                </a:solidFill>
+              <a:rPr lang="nl-NL" sz="2175" dirty="0" err="1">
                 <a:latin typeface="+mj-lt"/>
                 <a:ea typeface="Helvetica Neue" charset="0"/>
                 <a:cs typeface="Helvetica Neue" charset="0"/>
@@ -9462,13 +9900,7 @@
               <a:t>queer</a:t>
             </a:r>
             <a:r>
-              <a:rPr lang="nl-NL" sz="2900" dirty="0">
-                <a:solidFill>
-                  <a:schemeClr val="tx1">
-                    <a:lumMod val="65000"/>
-                    <a:lumOff val="35000"/>
-                  </a:schemeClr>
-                </a:solidFill>
+              <a:rPr lang="nl-NL" sz="2175" dirty="0">
                 <a:latin typeface="+mj-lt"/>
                 <a:ea typeface="Helvetica Neue" charset="0"/>
                 <a:cs typeface="Helvetica Neue" charset="0"/>
@@ -9476,13 +9908,7 @@
               <a:t>))</a:t>
             </a:r>
             <a:r>
-              <a:rPr lang="en-US" sz="2900" dirty="0">
-                <a:solidFill>
-                  <a:schemeClr val="tx1">
-                    <a:lumMod val="65000"/>
-                    <a:lumOff val="35000"/>
-                  </a:schemeClr>
-                </a:solidFill>
+              <a:rPr lang="en-US" sz="2175" dirty="0">
                 <a:latin typeface="+mj-lt"/>
                 <a:ea typeface="Helvetica Neue" charset="0"/>
                 <a:cs typeface="Helvetica Neue" charset="0"/>
@@ -9490,7 +9916,7 @@
               <a:t> —&gt; </a:t>
             </a:r>
             <a:r>
-              <a:rPr lang="en-US" sz="2900" b="1" dirty="0">
+              <a:rPr lang="en-US" sz="2175" b="1" dirty="0">
                 <a:latin typeface="+mj-lt"/>
                 <a:ea typeface="Helvetica Neue" charset="0"/>
                 <a:cs typeface="Helvetica Neue" charset="0"/>
@@ -9504,18 +9930,12 @@
                 <a:spcPct val="120000"/>
               </a:lnSpc>
               <a:spcAft>
-                <a:spcPts val="100"/>
+                <a:spcPts val="75"/>
               </a:spcAft>
               <a:buNone/>
             </a:pPr>
             <a:r>
-              <a:rPr lang="en-US" sz="2900" dirty="0">
-                <a:solidFill>
-                  <a:schemeClr val="tx1">
-                    <a:lumMod val="65000"/>
-                    <a:lumOff val="35000"/>
-                  </a:schemeClr>
-                </a:solidFill>
+              <a:rPr lang="en-US" sz="2175" dirty="0">
                 <a:latin typeface="+mj-lt"/>
                 <a:ea typeface="Helvetica Neue" charset="0"/>
                 <a:cs typeface="Helvetica Neue" charset="0"/>
@@ -9529,12 +9949,12 @@
                 <a:spcPct val="120000"/>
               </a:lnSpc>
               <a:spcAft>
-                <a:spcPts val="100"/>
+                <a:spcPts val="75"/>
               </a:spcAft>
               <a:buNone/>
             </a:pPr>
             <a:r>
-              <a:rPr lang="en-US" sz="2900" b="1" dirty="0">
+              <a:rPr lang="en-US" sz="2175" b="1" dirty="0">
                 <a:latin typeface="+mj-lt"/>
                 <a:ea typeface="Helvetica Neue" charset="0"/>
                 <a:cs typeface="Helvetica Neue" charset="0"/>
@@ -9542,13 +9962,7 @@
               <a:t>(NP (PRP it)) </a:t>
             </a:r>
             <a:r>
-              <a:rPr lang="en-US" sz="2900" dirty="0">
-                <a:solidFill>
-                  <a:schemeClr val="tx1">
-                    <a:lumMod val="65000"/>
-                    <a:lumOff val="35000"/>
-                  </a:schemeClr>
-                </a:solidFill>
+              <a:rPr lang="en-US" sz="2175" dirty="0">
                 <a:latin typeface="+mj-lt"/>
                 <a:ea typeface="Helvetica Neue" charset="0"/>
                 <a:cs typeface="Helvetica Neue" charset="0"/>
@@ -9556,7 +9970,7 @@
               <a:t>—&gt; (PP (IN without) (NP (NP (DT a) (NN farmhouse)) (PP (IN near) (PP (IN Between) (NP (NP (DT the) (NNS woods)) (CC and) (NP (JJ frozen) (NN lake))))))(VB queer)) —&gt; </a:t>
             </a:r>
             <a:r>
-              <a:rPr lang="en-US" sz="2900" b="1" dirty="0">
+              <a:rPr lang="en-US" sz="2175" b="1" dirty="0">
                 <a:latin typeface="+mj-lt"/>
                 <a:ea typeface="Helvetica Neue" charset="0"/>
                 <a:cs typeface="Helvetica Neue" charset="0"/>
@@ -9570,18 +9984,12 @@
                 <a:spcPct val="120000"/>
               </a:lnSpc>
               <a:spcAft>
-                <a:spcPts val="100"/>
+                <a:spcPts val="75"/>
               </a:spcAft>
               <a:buNone/>
             </a:pPr>
             <a:r>
-              <a:rPr lang="en-US" sz="2900" dirty="0">
-                <a:solidFill>
-                  <a:schemeClr val="tx1">
-                    <a:lumMod val="65000"/>
-                    <a:lumOff val="35000"/>
-                  </a:schemeClr>
-                </a:solidFill>
+              <a:rPr lang="en-US" sz="2175" dirty="0">
                 <a:latin typeface="+mj-lt"/>
                 <a:ea typeface="Helvetica Neue" charset="0"/>
                 <a:cs typeface="Helvetica Neue" charset="0"/>
@@ -9595,12 +10003,12 @@
                 <a:spcPct val="120000"/>
               </a:lnSpc>
               <a:spcAft>
-                <a:spcPts val="100"/>
+                <a:spcPts val="75"/>
               </a:spcAft>
               <a:buNone/>
             </a:pPr>
             <a:r>
-              <a:rPr lang="en-US" sz="2900" b="1" dirty="0">
+              <a:rPr lang="en-US" sz="2175" b="1" dirty="0">
                 <a:latin typeface="+mj-lt"/>
                 <a:ea typeface="Helvetica Neue" charset="0"/>
                 <a:cs typeface="Helvetica Neue" charset="0"/>
@@ -9608,13 +10016,7 @@
               <a:t>(NP (PRP it)) </a:t>
             </a:r>
             <a:r>
-              <a:rPr lang="en-US" sz="2900" dirty="0">
-                <a:solidFill>
-                  <a:schemeClr val="tx1">
-                    <a:lumMod val="65000"/>
-                    <a:lumOff val="35000"/>
-                  </a:schemeClr>
-                </a:solidFill>
+              <a:rPr lang="en-US" sz="2175" dirty="0">
                 <a:latin typeface="+mj-lt"/>
                 <a:ea typeface="Helvetica Neue" charset="0"/>
                 <a:cs typeface="Helvetica Neue" charset="0"/>
@@ -9622,13 +10024,7 @@
               <a:t>—&gt; </a:t>
             </a:r>
             <a:r>
-              <a:rPr lang="nl-NL" sz="2900" dirty="0">
-                <a:solidFill>
-                  <a:schemeClr val="tx1">
-                    <a:lumMod val="65000"/>
-                    <a:lumOff val="35000"/>
-                  </a:schemeClr>
-                </a:solidFill>
+              <a:rPr lang="nl-NL" sz="2175" dirty="0">
                 <a:latin typeface="+mj-lt"/>
                 <a:ea typeface="Helvetica Neue" charset="0"/>
                 <a:cs typeface="Helvetica Neue" charset="0"/>
@@ -9636,13 +10032,7 @@
               <a:t>(VB </a:t>
             </a:r>
             <a:r>
-              <a:rPr lang="nl-NL" sz="2900" dirty="0" err="1">
-                <a:solidFill>
-                  <a:schemeClr val="tx1">
-                    <a:lumMod val="65000"/>
-                    <a:lumOff val="35000"/>
-                  </a:schemeClr>
-                </a:solidFill>
+              <a:rPr lang="nl-NL" sz="2175" dirty="0" err="1">
                 <a:latin typeface="+mj-lt"/>
                 <a:ea typeface="Helvetica Neue" charset="0"/>
                 <a:cs typeface="Helvetica Neue" charset="0"/>
@@ -9650,13 +10040,7 @@
               <a:t>queer</a:t>
             </a:r>
             <a:r>
-              <a:rPr lang="nl-NL" sz="2900" dirty="0">
-                <a:solidFill>
-                  <a:schemeClr val="tx1">
-                    <a:lumMod val="65000"/>
-                    <a:lumOff val="35000"/>
-                  </a:schemeClr>
-                </a:solidFill>
+              <a:rPr lang="nl-NL" sz="2175" dirty="0">
                 <a:latin typeface="+mj-lt"/>
                 <a:ea typeface="Helvetica Neue" charset="0"/>
                 <a:cs typeface="Helvetica Neue" charset="0"/>
@@ -9664,13 +10048,7 @@
               <a:t>)</a:t>
             </a:r>
             <a:r>
-              <a:rPr lang="en-US" sz="2900" dirty="0">
-                <a:solidFill>
-                  <a:schemeClr val="tx1">
-                    <a:lumMod val="65000"/>
-                    <a:lumOff val="35000"/>
-                  </a:schemeClr>
-                </a:solidFill>
+              <a:rPr lang="en-US" sz="2175" dirty="0">
                 <a:latin typeface="+mj-lt"/>
                 <a:ea typeface="Helvetica Neue" charset="0"/>
                 <a:cs typeface="Helvetica Neue" charset="0"/>
@@ -9678,7 +10056,7 @@
               <a:t> —&gt; </a:t>
             </a:r>
             <a:r>
-              <a:rPr lang="en-US" sz="2900" b="1" dirty="0">
+              <a:rPr lang="en-US" sz="2175" b="1" dirty="0">
                 <a:latin typeface="+mj-lt"/>
                 <a:ea typeface="Helvetica Neue" charset="0"/>
                 <a:cs typeface="Helvetica Neue" charset="0"/>
@@ -9692,18 +10070,12 @@
                 <a:spcPct val="120000"/>
               </a:lnSpc>
               <a:spcAft>
-                <a:spcPts val="100"/>
+                <a:spcPts val="75"/>
               </a:spcAft>
               <a:buNone/>
             </a:pPr>
             <a:r>
-              <a:rPr lang="en-US" sz="2900" dirty="0">
-                <a:solidFill>
-                  <a:schemeClr val="tx1">
-                    <a:lumMod val="65000"/>
-                    <a:lumOff val="35000"/>
-                  </a:schemeClr>
-                </a:solidFill>
+              <a:rPr lang="en-US" sz="2175" dirty="0">
                 <a:latin typeface="+mj-lt"/>
                 <a:ea typeface="Helvetica Neue" charset="0"/>
                 <a:cs typeface="Helvetica Neue" charset="0"/>
@@ -9717,12 +10089,12 @@
                 <a:spcPct val="120000"/>
               </a:lnSpc>
               <a:spcAft>
-                <a:spcPts val="100"/>
+                <a:spcPts val="75"/>
               </a:spcAft>
               <a:buNone/>
             </a:pPr>
             <a:r>
-              <a:rPr lang="en-US" sz="2900" b="1" dirty="0">
+              <a:rPr lang="en-US" sz="2175" b="1" dirty="0">
                 <a:latin typeface="+mj-lt"/>
                 <a:ea typeface="Helvetica Neue" charset="0"/>
                 <a:cs typeface="Helvetica Neue" charset="0"/>
@@ -9730,13 +10102,7 @@
               <a:t>(NP (PRP it)) </a:t>
             </a:r>
             <a:r>
-              <a:rPr lang="en-US" sz="2900" dirty="0">
-                <a:solidFill>
-                  <a:schemeClr val="tx1">
-                    <a:lumMod val="65000"/>
-                    <a:lumOff val="35000"/>
-                  </a:schemeClr>
-                </a:solidFill>
+              <a:rPr lang="en-US" sz="2175" dirty="0">
                 <a:latin typeface="+mj-lt"/>
                 <a:ea typeface="Helvetica Neue" charset="0"/>
                 <a:cs typeface="Helvetica Neue" charset="0"/>
@@ -9744,7 +10110,7 @@
               <a:t>—&gt; (PP (IN of) (NP (DT the) (NN year))(VB queer)) —&gt; </a:t>
             </a:r>
             <a:r>
-              <a:rPr lang="en-US" sz="2900" b="1" dirty="0">
+              <a:rPr lang="en-US" sz="2175" b="1" dirty="0">
                 <a:latin typeface="+mj-lt"/>
                 <a:ea typeface="Helvetica Neue" charset="0"/>
                 <a:cs typeface="Helvetica Neue" charset="0"/>
@@ -9781,8 +10147,8 @@
         </p:nvSpPr>
         <p:spPr>
           <a:xfrm>
-            <a:off x="838200" y="406400"/>
-            <a:ext cx="10176164" cy="1077218"/>
+            <a:off x="628650" y="1162050"/>
+            <a:ext cx="7632123" cy="830997"/>
           </a:xfrm>
           <a:prstGeom prst="rect">
             <a:avLst/>
@@ -9796,7 +10162,7 @@
           <a:lstStyle/>
           <a:p>
             <a:r>
-              <a:rPr lang="ru-RU" sz="3200" b="1" dirty="0" smtClean="0">
+              <a:rPr lang="ru-RU" sz="2400" b="1" dirty="0">
                 <a:solidFill>
                   <a:schemeClr val="accent1"/>
                 </a:solidFill>
@@ -9809,7 +10175,7 @@
           </a:p>
           <a:p>
             <a:r>
-              <a:rPr lang="ru-RU" sz="3200" b="1" dirty="0" smtClean="0">
+              <a:rPr lang="ru-RU" sz="2400" b="1" dirty="0">
                 <a:solidFill>
                   <a:schemeClr val="accent1"/>
                 </a:solidFill>
@@ -9819,7 +10185,7 @@
               </a:rPr>
               <a:t>промежуточный граф </a:t>
             </a:r>
-            <a:endParaRPr lang="en-US" sz="3200" b="1" dirty="0">
+            <a:endParaRPr lang="en-US" sz="2400" b="1" dirty="0">
               <a:solidFill>
                 <a:schemeClr val="accent1"/>
               </a:solidFill>
@@ -9879,25 +10245,25 @@
         </p:nvSpPr>
         <p:spPr>
           <a:xfrm>
-            <a:off x="872837" y="294198"/>
-            <a:ext cx="10081676" cy="980420"/>
+            <a:off x="654628" y="1077899"/>
+            <a:ext cx="7561257" cy="735315"/>
           </a:xfrm>
         </p:spPr>
         <p:txBody>
           <a:bodyPr>
-            <a:normAutofit/>
+            <a:normAutofit fontScale="90000"/>
           </a:bodyPr>
           <a:lstStyle/>
           <a:p>
             <a:r>
-              <a:rPr lang="ru-RU" sz="3200" dirty="0" smtClean="0">
+              <a:rPr lang="ru-RU" sz="2400" dirty="0">
                 <a:latin typeface="Helvetica Neue" charset="0"/>
                 <a:ea typeface="Helvetica Neue" charset="0"/>
                 <a:cs typeface="Helvetica Neue" charset="0"/>
               </a:rPr>
               <a:t>Правила преобразования промежуточного графа в UML граф</a:t>
             </a:r>
-            <a:endParaRPr lang="en-US" sz="3200" dirty="0">
+            <a:endParaRPr lang="en-US" sz="2400" dirty="0">
               <a:latin typeface="Helvetica Neue" charset="0"/>
               <a:ea typeface="Helvetica Neue" charset="0"/>
               <a:cs typeface="Helvetica Neue" charset="0"/>
@@ -9921,8 +10287,8 @@
           </p:nvPr>
         </p:nvGraphicFramePr>
         <p:xfrm>
-          <a:off x="3041648" y="1663461"/>
-          <a:ext cx="6339418" cy="4783287"/>
+          <a:off x="2281236" y="2104846"/>
+          <a:ext cx="4754564" cy="3587465"/>
         </p:xfrm>
         <a:graphic>
           <a:graphicData uri="http://schemas.openxmlformats.org/drawingml/2006/table">
@@ -9931,10 +10297,10 @@
                 <a:tableStyleId>{5C22544A-7EE6-4342-B048-85BDC9FD1C3A}</a:tableStyleId>
               </a:tblPr>
               <a:tblGrid>
-                <a:gridCol w="3169709"/>
-                <a:gridCol w="3169709"/>
+                <a:gridCol w="2377282"/>
+                <a:gridCol w="2377282"/>
               </a:tblGrid>
-              <a:tr h="237022">
+              <a:tr h="177767">
                 <a:tc>
                   <a:txBody>
                     <a:bodyPr/>
@@ -9946,12 +10312,12 @@
                         </a:spcAft>
                       </a:pPr>
                       <a:r>
-                        <a:rPr lang="en-US" sz="1400">
+                        <a:rPr lang="en-US" sz="1100">
                           <a:effectLst/>
                         </a:rPr>
                         <a:t>Назва частини мови</a:t>
                       </a:r>
-                      <a:endParaRPr lang="en-US" sz="1000" b="1">
+                      <a:endParaRPr lang="en-US" sz="800" b="1">
                         <a:solidFill>
                           <a:srgbClr val="000000"/>
                         </a:solidFill>
@@ -9962,7 +10328,7 @@
                       </a:endParaRPr>
                     </a:p>
                   </a:txBody>
-                  <a:tcPr marL="68580" marR="68580" marT="0" marB="0"/>
+                  <a:tcPr marL="51435" marR="51435" marT="0" marB="0"/>
                 </a:tc>
                 <a:tc>
                   <a:txBody>
@@ -9975,12 +10341,12 @@
                         </a:spcAft>
                       </a:pPr>
                       <a:r>
-                        <a:rPr lang="en-US" sz="1400">
+                        <a:rPr lang="en-US" sz="1100">
                           <a:effectLst/>
                         </a:rPr>
                         <a:t>UML сутності</a:t>
                       </a:r>
-                      <a:endParaRPr lang="en-US" sz="1000" b="1">
+                      <a:endParaRPr lang="en-US" sz="800" b="1">
                         <a:solidFill>
                           <a:srgbClr val="000000"/>
                         </a:solidFill>
@@ -9991,10 +10357,10 @@
                       </a:endParaRPr>
                     </a:p>
                   </a:txBody>
-                  <a:tcPr marL="68580" marR="68580" marT="0" marB="0"/>
+                  <a:tcPr marL="51435" marR="51435" marT="0" marB="0"/>
                 </a:tc>
               </a:tr>
-              <a:tr h="306426">
+              <a:tr h="240030">
                 <a:tc>
                   <a:txBody>
                     <a:bodyPr/>
@@ -10009,12 +10375,12 @@
                         </a:spcAft>
                       </a:pPr>
                       <a:r>
-                        <a:rPr lang="en-US" sz="1400">
+                        <a:rPr lang="en-US" sz="1100">
                           <a:effectLst/>
                         </a:rPr>
                         <a:t>NN, NNP, PRP, NNS</a:t>
                       </a:r>
-                      <a:endParaRPr lang="en-US" sz="1100">
+                      <a:endParaRPr lang="en-US" sz="800">
                         <a:solidFill>
                           <a:srgbClr val="000000"/>
                         </a:solidFill>
@@ -10025,7 +10391,7 @@
                       </a:endParaRPr>
                     </a:p>
                   </a:txBody>
-                  <a:tcPr marL="68580" marR="68580" marT="0" marB="0"/>
+                  <a:tcPr marL="51435" marR="51435" marT="0" marB="0"/>
                 </a:tc>
                 <a:tc>
                   <a:txBody>
@@ -10041,30 +10407,30 @@
                         </a:spcAft>
                       </a:pPr>
                       <a:r>
-                        <a:rPr lang="en-US" sz="1400" dirty="0" err="1" smtClean="0">
+                        <a:rPr lang="en-US" sz="1100" dirty="0" err="1" smtClean="0">
                           <a:effectLst/>
                         </a:rPr>
                         <a:t>Кла</a:t>
                       </a:r>
                       <a:r>
-                        <a:rPr lang="ru-RU" sz="1400" dirty="0" smtClean="0">
+                        <a:rPr lang="ru-RU" sz="1100" dirty="0" smtClean="0">
                           <a:effectLst/>
                         </a:rPr>
                         <a:t>с</a:t>
                       </a:r>
                       <a:r>
-                        <a:rPr lang="en-US" sz="1400" dirty="0" err="1" smtClean="0">
+                        <a:rPr lang="en-US" sz="1100" dirty="0" err="1" smtClean="0">
                           <a:effectLst/>
                         </a:rPr>
                         <a:t>с</a:t>
                       </a:r>
                       <a:r>
-                        <a:rPr lang="ru-RU" sz="1400" dirty="0" smtClean="0">
+                        <a:rPr lang="ru-RU" sz="1100" dirty="0" smtClean="0">
                           <a:effectLst/>
                         </a:rPr>
                         <a:t>ы</a:t>
                       </a:r>
-                      <a:endParaRPr lang="en-US" sz="1100" dirty="0">
+                      <a:endParaRPr lang="en-US" sz="800" dirty="0">
                         <a:solidFill>
                           <a:srgbClr val="000000"/>
                         </a:solidFill>
@@ -10075,10 +10441,10 @@
                       </a:endParaRPr>
                     </a:p>
                   </a:txBody>
-                  <a:tcPr marL="68580" marR="68580" marT="0" marB="0"/>
+                  <a:tcPr marL="51435" marR="51435" marT="0" marB="0"/>
                 </a:tc>
               </a:tr>
-              <a:tr h="306426">
+              <a:tr h="240030">
                 <a:tc>
                   <a:txBody>
                     <a:bodyPr/>
@@ -10093,12 +10459,12 @@
                         </a:spcAft>
                       </a:pPr>
                       <a:r>
-                        <a:rPr lang="en-US" sz="1400">
+                        <a:rPr lang="en-US" sz="1100">
                           <a:effectLst/>
                         </a:rPr>
                         <a:t>JJ, CD, RB</a:t>
                       </a:r>
-                      <a:endParaRPr lang="en-US" sz="1100">
+                      <a:endParaRPr lang="en-US" sz="800">
                         <a:solidFill>
                           <a:srgbClr val="000000"/>
                         </a:solidFill>
@@ -10109,7 +10475,7 @@
                       </a:endParaRPr>
                     </a:p>
                   </a:txBody>
-                  <a:tcPr marL="68580" marR="68580" marT="0" marB="0"/>
+                  <a:tcPr marL="51435" marR="51435" marT="0" marB="0"/>
                 </a:tc>
                 <a:tc>
                   <a:txBody>
@@ -10125,42 +10491,42 @@
                         </a:spcAft>
                       </a:pPr>
                       <a:r>
-                        <a:rPr lang="en-US" sz="1400" dirty="0" err="1" smtClean="0">
+                        <a:rPr lang="en-US" sz="1100" dirty="0" err="1" smtClean="0">
                           <a:effectLst/>
                         </a:rPr>
                         <a:t>Атрибут</a:t>
                       </a:r>
                       <a:r>
-                        <a:rPr lang="ru-RU" sz="1400" dirty="0" smtClean="0">
+                        <a:rPr lang="ru-RU" sz="1100" dirty="0" smtClean="0">
                           <a:effectLst/>
                         </a:rPr>
                         <a:t>ы</a:t>
                       </a:r>
                       <a:r>
-                        <a:rPr lang="en-US" sz="1400" dirty="0" smtClean="0">
+                        <a:rPr lang="en-US" sz="1100" dirty="0" smtClean="0">
                           <a:effectLst/>
                         </a:rPr>
                         <a:t> </a:t>
                       </a:r>
                       <a:r>
-                        <a:rPr lang="en-US" sz="1400" dirty="0" err="1" smtClean="0">
+                        <a:rPr lang="en-US" sz="1100" dirty="0" err="1" smtClean="0">
                           <a:effectLst/>
                         </a:rPr>
                         <a:t>клас</a:t>
                       </a:r>
                       <a:r>
-                        <a:rPr lang="ru-RU" sz="1400" dirty="0" smtClean="0">
+                        <a:rPr lang="ru-RU" sz="1100" dirty="0" smtClean="0">
                           <a:effectLst/>
                         </a:rPr>
                         <a:t>со</a:t>
                       </a:r>
                       <a:r>
-                        <a:rPr lang="en-US" sz="1400" dirty="0" err="1" smtClean="0">
+                        <a:rPr lang="en-US" sz="1100" dirty="0" err="1" smtClean="0">
                           <a:effectLst/>
                         </a:rPr>
                         <a:t>в</a:t>
                       </a:r>
-                      <a:endParaRPr lang="en-US" sz="1100" dirty="0">
+                      <a:endParaRPr lang="en-US" sz="800" dirty="0">
                         <a:solidFill>
                           <a:srgbClr val="000000"/>
                         </a:solidFill>
@@ -10171,10 +10537,10 @@
                       </a:endParaRPr>
                     </a:p>
                   </a:txBody>
-                  <a:tcPr marL="68580" marR="68580" marT="0" marB="0"/>
+                  <a:tcPr marL="51435" marR="51435" marT="0" marB="0"/>
                 </a:tc>
               </a:tr>
-              <a:tr h="649699">
+              <a:tr h="720090">
                 <a:tc>
                   <a:txBody>
                     <a:bodyPr/>
@@ -10189,12 +10555,12 @@
                         </a:spcAft>
                       </a:pPr>
                       <a:r>
-                        <a:rPr lang="en-US" sz="1400">
+                        <a:rPr lang="en-US" sz="1100">
                           <a:effectLst/>
                         </a:rPr>
                         <a:t>VBP, VBN, VBG, IN, TO, VBZ, ADVP, VB</a:t>
                       </a:r>
-                      <a:endParaRPr lang="en-US" sz="1100">
+                      <a:endParaRPr lang="en-US" sz="800">
                         <a:solidFill>
                           <a:srgbClr val="000000"/>
                         </a:solidFill>
@@ -10205,7 +10571,7 @@
                       </a:endParaRPr>
                     </a:p>
                   </a:txBody>
-                  <a:tcPr marL="68580" marR="68580" marT="0" marB="0"/>
+                  <a:tcPr marL="51435" marR="51435" marT="0" marB="0"/>
                 </a:tc>
                 <a:tc>
                   <a:txBody>
@@ -10221,24 +10587,24 @@
                         </a:spcAft>
                       </a:pPr>
                       <a:r>
-                        <a:rPr lang="ru-RU" sz="1400" dirty="0" smtClean="0">
+                        <a:rPr lang="ru-RU" sz="1100" dirty="0" smtClean="0">
                           <a:effectLst/>
                         </a:rPr>
                         <a:t>Зависимости между классами (ассоциация</a:t>
                       </a:r>
                       <a:r>
-                        <a:rPr lang="ru-RU" sz="1400" dirty="0">
+                        <a:rPr lang="ru-RU" sz="1100" dirty="0">
                           <a:effectLst/>
                         </a:rPr>
                         <a:t>, </a:t>
                       </a:r>
                       <a:r>
-                        <a:rPr lang="ru-RU" sz="1400" dirty="0" smtClean="0">
+                        <a:rPr lang="ru-RU" sz="1100" dirty="0" smtClean="0">
                           <a:effectLst/>
                         </a:rPr>
                         <a:t>агрегация, генерализация)</a:t>
                       </a:r>
-                      <a:endParaRPr lang="en-US" sz="1100" dirty="0">
+                      <a:endParaRPr lang="en-US" sz="800" dirty="0">
                         <a:solidFill>
                           <a:srgbClr val="000000"/>
                         </a:solidFill>
@@ -10249,10 +10615,10 @@
                       </a:endParaRPr>
                     </a:p>
                   </a:txBody>
-                  <a:tcPr marL="68580" marR="68580" marT="0" marB="0"/>
+                  <a:tcPr marL="51435" marR="51435" marT="0" marB="0"/>
                 </a:tc>
               </a:tr>
-              <a:tr h="1336246">
+              <a:tr h="1002185">
                 <a:tc>
                   <a:txBody>
                     <a:bodyPr/>
@@ -10267,12 +10633,12 @@
                         </a:spcAft>
                       </a:pPr>
                       <a:r>
-                        <a:rPr lang="en-US" sz="1400">
+                        <a:rPr lang="en-US" sz="1100">
                           <a:effectLst/>
                         </a:rPr>
                         <a:t>ADJP, PP, SBAR</a:t>
                       </a:r>
-                      <a:endParaRPr lang="en-US" sz="1100">
+                      <a:endParaRPr lang="en-US" sz="800">
                         <a:solidFill>
                           <a:srgbClr val="000000"/>
                         </a:solidFill>
@@ -10283,7 +10649,7 @@
                       </a:endParaRPr>
                     </a:p>
                   </a:txBody>
-                  <a:tcPr marL="68580" marR="68580" marT="0" marB="0"/>
+                  <a:tcPr marL="51435" marR="51435" marT="0" marB="0"/>
                 </a:tc>
                 <a:tc>
                   <a:txBody>
@@ -10299,18 +10665,18 @@
                         </a:spcAft>
                       </a:pPr>
                       <a:r>
-                        <a:rPr lang="ru-RU" sz="1400" dirty="0" smtClean="0">
+                        <a:rPr lang="ru-RU" sz="1100" dirty="0" smtClean="0">
                           <a:effectLst/>
                         </a:rPr>
                         <a:t>Дополнительная информация для зависимостей между классами, которая влияет</a:t>
                       </a:r>
                       <a:r>
-                        <a:rPr lang="ru-RU" sz="1400" baseline="0" dirty="0" smtClean="0">
+                        <a:rPr lang="ru-RU" sz="1100" baseline="0" dirty="0" smtClean="0">
                           <a:effectLst/>
                         </a:rPr>
                         <a:t> на их последующую конвертацию</a:t>
                       </a:r>
-                      <a:endParaRPr lang="en-US" sz="1100" dirty="0">
+                      <a:endParaRPr lang="en-US" sz="800" dirty="0">
                         <a:solidFill>
                           <a:srgbClr val="000000"/>
                         </a:solidFill>
@@ -10321,10 +10687,10 @@
                       </a:endParaRPr>
                     </a:p>
                   </a:txBody>
-                  <a:tcPr marL="68580" marR="68580" marT="0" marB="0"/>
+                  <a:tcPr marL="51435" marR="51435" marT="0" marB="0"/>
                 </a:tc>
               </a:tr>
-              <a:tr h="649699">
+              <a:tr h="720090">
                 <a:tc>
                   <a:txBody>
                     <a:bodyPr/>
@@ -10339,12 +10705,12 @@
                         </a:spcAft>
                       </a:pPr>
                       <a:r>
-                        <a:rPr lang="en-US" sz="1400">
+                        <a:rPr lang="en-US" sz="1100">
                           <a:effectLst/>
                         </a:rPr>
                         <a:t>IN</a:t>
                       </a:r>
-                      <a:endParaRPr lang="en-US" sz="1100">
+                      <a:endParaRPr lang="en-US" sz="800">
                         <a:solidFill>
                           <a:srgbClr val="000000"/>
                         </a:solidFill>
@@ -10355,7 +10721,7 @@
                       </a:endParaRPr>
                     </a:p>
                   </a:txBody>
-                  <a:tcPr marL="68580" marR="68580" marT="0" marB="0"/>
+                  <a:tcPr marL="51435" marR="51435" marT="0" marB="0"/>
                 </a:tc>
                 <a:tc>
                   <a:txBody>
@@ -10371,30 +10737,30 @@
                         </a:spcAft>
                       </a:pPr>
                       <a:r>
-                        <a:rPr lang="ru-RU" sz="1400" dirty="0" smtClean="0">
+                        <a:rPr lang="ru-RU" sz="1100" dirty="0" smtClean="0">
                           <a:effectLst/>
                         </a:rPr>
                         <a:t>Указывает на агрегацию</a:t>
                       </a:r>
                       <a:r>
-                        <a:rPr lang="ru-RU" sz="1400" baseline="0" dirty="0" smtClean="0">
+                        <a:rPr lang="ru-RU" sz="1100" baseline="0" dirty="0" smtClean="0">
                           <a:effectLst/>
                         </a:rPr>
                         <a:t> </a:t>
                       </a:r>
                       <a:r>
-                        <a:rPr lang="ru-RU" sz="1400" dirty="0" smtClean="0">
+                        <a:rPr lang="ru-RU" sz="1100" dirty="0" smtClean="0">
                           <a:effectLst/>
                         </a:rPr>
                         <a:t>или генерализацию в зависимости</a:t>
                       </a:r>
                       <a:r>
-                        <a:rPr lang="ru-RU" sz="1400" baseline="0" dirty="0" smtClean="0">
+                        <a:rPr lang="ru-RU" sz="1100" baseline="0" dirty="0" smtClean="0">
                           <a:effectLst/>
                         </a:rPr>
                         <a:t> контекста</a:t>
                       </a:r>
-                      <a:endParaRPr lang="en-US" sz="1100" dirty="0">
+                      <a:endParaRPr lang="en-US" sz="800" dirty="0">
                         <a:solidFill>
                           <a:srgbClr val="000000"/>
                         </a:solidFill>
@@ -10405,10 +10771,10 @@
                       </a:endParaRPr>
                     </a:p>
                   </a:txBody>
-                  <a:tcPr marL="68580" marR="68580" marT="0" marB="0"/>
+                  <a:tcPr marL="51435" marR="51435" marT="0" marB="0"/>
                 </a:tc>
               </a:tr>
-              <a:tr h="649699">
+              <a:tr h="487274">
                 <a:tc>
                   <a:txBody>
                     <a:bodyPr/>
@@ -10423,12 +10789,12 @@
                         </a:spcAft>
                       </a:pPr>
                       <a:r>
-                        <a:rPr lang="en-US" sz="1400">
+                        <a:rPr lang="en-US" sz="1100">
                           <a:effectLst/>
                         </a:rPr>
                         <a:t>СС</a:t>
                       </a:r>
-                      <a:endParaRPr lang="en-US" sz="1100">
+                      <a:endParaRPr lang="en-US" sz="800">
                         <a:solidFill>
                           <a:srgbClr val="000000"/>
                         </a:solidFill>
@@ -10439,7 +10805,7 @@
                       </a:endParaRPr>
                     </a:p>
                   </a:txBody>
-                  <a:tcPr marL="68580" marR="68580" marT="0" marB="0"/>
+                  <a:tcPr marL="51435" marR="51435" marT="0" marB="0"/>
                 </a:tc>
                 <a:tc>
                   <a:txBody>
@@ -10455,18 +10821,18 @@
                         </a:spcAft>
                       </a:pPr>
                       <a:r>
-                        <a:rPr lang="ru-RU" sz="1400" dirty="0" smtClean="0">
+                        <a:rPr lang="ru-RU" sz="1100" dirty="0" smtClean="0">
                           <a:effectLst/>
                         </a:rPr>
                         <a:t>Соединение одинаковых</a:t>
                       </a:r>
                       <a:r>
-                        <a:rPr lang="ru-RU" sz="1400" baseline="0" dirty="0" smtClean="0">
+                        <a:rPr lang="ru-RU" sz="1100" baseline="0" dirty="0" smtClean="0">
                           <a:effectLst/>
                         </a:rPr>
                         <a:t> по типу зависимостей</a:t>
                       </a:r>
-                      <a:endParaRPr lang="en-US" sz="1100" dirty="0">
+                      <a:endParaRPr lang="en-US" sz="800" dirty="0">
                         <a:solidFill>
                           <a:srgbClr val="000000"/>
                         </a:solidFill>
@@ -10477,7 +10843,7 @@
                       </a:endParaRPr>
                     </a:p>
                   </a:txBody>
-                  <a:tcPr marL="68580" marR="68580" marT="0" marB="0"/>
+                  <a:tcPr marL="51435" marR="51435" marT="0" marB="0"/>
                 </a:tc>
               </a:tr>
             </a:tbl>
@@ -10507,7 +10873,7 @@
 <file path=ppt/theme/theme1.xml><?xml version="1.0" encoding="utf-8"?>
 <a:theme xmlns:a="http://schemas.openxmlformats.org/drawingml/2006/main" name="View">
   <a:themeElements>
-    <a:clrScheme name="Yellow Orange">
+    <a:clrScheme name="View">
       <a:dk1>
         <a:sysClr val="windowText" lastClr="000000"/>
       </a:dk1>
@@ -10515,34 +10881,34 @@
         <a:sysClr val="window" lastClr="FFFFFF"/>
       </a:lt1>
       <a:dk2>
-        <a:srgbClr val="4E3B30"/>
+        <a:srgbClr val="696464"/>
       </a:dk2>
       <a:lt2>
-        <a:srgbClr val="FBEEC9"/>
+        <a:srgbClr val="E9E5DC"/>
       </a:lt2>
       <a:accent1>
-        <a:srgbClr val="F0A22E"/>
+        <a:srgbClr val="D34817"/>
       </a:accent1>
       <a:accent2>
-        <a:srgbClr val="A5644E"/>
+        <a:srgbClr val="9B2D1F"/>
       </a:accent2>
       <a:accent3>
-        <a:srgbClr val="B58B80"/>
+        <a:srgbClr val="A28E6A"/>
       </a:accent3>
       <a:accent4>
-        <a:srgbClr val="C3986D"/>
+        <a:srgbClr val="956251"/>
       </a:accent4>
       <a:accent5>
-        <a:srgbClr val="A19574"/>
+        <a:srgbClr val="918485"/>
       </a:accent5>
       <a:accent6>
-        <a:srgbClr val="C17529"/>
+        <a:srgbClr val="855D5D"/>
       </a:accent6>
       <a:hlink>
-        <a:srgbClr val="AD1F1F"/>
+        <a:srgbClr val="CC9900"/>
       </a:hlink>
       <a:folHlink>
-        <a:srgbClr val="FFC42F"/>
+        <a:srgbClr val="96A9A9"/>
       </a:folHlink>
     </a:clrScheme>
     <a:fontScheme name="View">
@@ -10751,7 +11117,7 @@
   <a:extraClrSchemeLst/>
   <a:extLst>
     <a:ext uri="{05A4C25C-085E-4340-85A3-A5531E510DB2}">
-      <thm15:themeFamily xmlns:thm15="http://schemas.microsoft.com/office/thememl/2012/main" name="View" id="{BA0EB5A6-F2D4-4F82-977B-64ADEE4A2A69}" vid="{23C5FE65-18CC-4A65-9EBC-B05E331504EC}"/>
+      <thm15:themeFamily xmlns:thm15="http://schemas.microsoft.com/office/thememl/2012/main" name="View" id="{BA0EB5A6-F2D4-4F82-977B-64ADEE4A2A69}" vid="{7B713C7F-58B7-4AE9-B361-B13EB9EC4C0C}"/>
     </a:ext>
   </a:extLst>
 </a:theme>
